--- a/slides/08_ML_TreeBased.pptx
+++ b/slides/08_ML_TreeBased.pptx
@@ -213,7 +213,7 @@
           <a:p>
             <a:fld id="{2B6ADA65-42AE-42FD-B70D-8865A2D11361}" type="datetimeFigureOut">
               <a:rPr lang="en-US" smtClean="0"/>
-              <a:t>5/12/2020</a:t>
+              <a:t>5/17/2020</a:t>
             </a:fld>
             <a:endParaRPr lang="en-US"/>
           </a:p>
@@ -661,7 +661,10 @@
           <a:bodyPr/>
           <a:lstStyle/>
           <a:p>
-            <a:endParaRPr lang="en-US" dirty="0"/>
+            <a:r>
+              <a:rPr lang="en-US" dirty="0"/>
+              <a:t>How would you color the grey dot/point/instance?</a:t>
+            </a:r>
           </a:p>
         </p:txBody>
       </p:sp>
@@ -913,7 +916,14 @@
           <a:bodyPr/>
           <a:lstStyle/>
           <a:p>
-            <a:endParaRPr lang="en-US" dirty="0"/>
+            <a:r>
+              <a:rPr lang="en-US" dirty="0" err="1"/>
+              <a:t>Missclassification</a:t>
+            </a:r>
+            <a:r>
+              <a:rPr lang="en-US" dirty="0"/>
+              <a:t>= Classification error</a:t>
+            </a:r>
           </a:p>
         </p:txBody>
       </p:sp>
@@ -1191,6 +1201,121 @@
                 </a:endParaRPr>
               </a:p>
               <a:p>
+                <a:r>
+                  <a:rPr lang="en-US" dirty="0"/>
+                  <a:t># 2 Classes: </a:t>
+                </a:r>
+                <a14:m>
+                  <m:oMath xmlns:m="http://schemas.openxmlformats.org/officeDocument/2006/math">
+                    <m:sSub>
+                      <m:sSubPr>
+                        <m:ctrlPr>
+                          <a:rPr lang="en-US" b="0" i="1" smtClean="0">
+                            <a:latin typeface="Cambria Math" panose="02040503050406030204" pitchFamily="18" charset="0"/>
+                          </a:rPr>
+                        </m:ctrlPr>
+                      </m:sSubPr>
+                      <m:e>
+                        <m:r>
+                          <a:rPr lang="en-US" b="0" i="1" smtClean="0">
+                            <a:latin typeface="Cambria Math" panose="02040503050406030204" pitchFamily="18" charset="0"/>
+                          </a:rPr>
+                          <m:t>𝑝</m:t>
+                        </m:r>
+                      </m:e>
+                      <m:sub>
+                        <m:r>
+                          <a:rPr lang="en-US" b="0" i="1" smtClean="0">
+                            <a:latin typeface="Cambria Math" panose="02040503050406030204" pitchFamily="18" charset="0"/>
+                          </a:rPr>
+                          <m:t>1</m:t>
+                        </m:r>
+                      </m:sub>
+                    </m:sSub>
+                    <m:r>
+                      <a:rPr lang="en-US" b="0" i="1" smtClean="0">
+                        <a:latin typeface="Cambria Math" panose="02040503050406030204" pitchFamily="18" charset="0"/>
+                      </a:rPr>
+                      <m:t>+</m:t>
+                    </m:r>
+                    <m:sSub>
+                      <m:sSubPr>
+                        <m:ctrlPr>
+                          <a:rPr lang="en-US" b="0" i="1" smtClean="0">
+                            <a:latin typeface="Cambria Math" panose="02040503050406030204" pitchFamily="18" charset="0"/>
+                          </a:rPr>
+                        </m:ctrlPr>
+                      </m:sSubPr>
+                      <m:e>
+                        <m:r>
+                          <a:rPr lang="en-US" b="0" i="1" smtClean="0">
+                            <a:latin typeface="Cambria Math" panose="02040503050406030204" pitchFamily="18" charset="0"/>
+                          </a:rPr>
+                          <m:t>𝑝</m:t>
+                        </m:r>
+                      </m:e>
+                      <m:sub>
+                        <m:r>
+                          <a:rPr lang="en-US" b="0" i="1" smtClean="0">
+                            <a:latin typeface="Cambria Math" panose="02040503050406030204" pitchFamily="18" charset="0"/>
+                          </a:rPr>
+                          <m:t>2</m:t>
+                        </m:r>
+                      </m:sub>
+                    </m:sSub>
+                    <m:r>
+                      <a:rPr lang="en-US" b="0" i="1" smtClean="0">
+                        <a:latin typeface="Cambria Math" panose="02040503050406030204" pitchFamily="18" charset="0"/>
+                      </a:rPr>
+                      <m:t>=1</m:t>
+                    </m:r>
+                  </m:oMath>
+                </a14:m>
+                <a:r>
+                  <a:rPr lang="en-US" dirty="0"/>
+                  <a:t>, compute</a:t>
+                </a:r>
+                <a:r>
+                  <a:rPr lang="en-US" baseline="0" dirty="0"/>
+                  <a:t> the Gini index as function of </a:t>
+                </a:r>
+                <a14:m>
+                  <m:oMath xmlns:m="http://schemas.openxmlformats.org/officeDocument/2006/math">
+                    <m:sSub>
+                      <m:sSubPr>
+                        <m:ctrlPr>
+                          <a:rPr lang="en-US" b="0" i="1" baseline="0" smtClean="0">
+                            <a:latin typeface="Cambria Math" panose="02040503050406030204" pitchFamily="18" charset="0"/>
+                          </a:rPr>
+                        </m:ctrlPr>
+                      </m:sSubPr>
+                      <m:e>
+                        <m:r>
+                          <a:rPr lang="en-US" b="0" i="1" baseline="0" smtClean="0">
+                            <a:latin typeface="Cambria Math" panose="02040503050406030204" pitchFamily="18" charset="0"/>
+                          </a:rPr>
+                          <m:t>𝑝</m:t>
+                        </m:r>
+                      </m:e>
+                      <m:sub>
+                        <m:r>
+                          <a:rPr lang="en-US" b="0" i="1" baseline="0" smtClean="0">
+                            <a:latin typeface="Cambria Math" panose="02040503050406030204" pitchFamily="18" charset="0"/>
+                          </a:rPr>
+                          <m:t>1</m:t>
+                        </m:r>
+                      </m:sub>
+                    </m:sSub>
+                  </m:oMath>
+                </a14:m>
+                <a:r>
+                  <a:rPr lang="en-US" dirty="0"/>
+                  <a:t>, compare case a) vs</a:t>
+                </a:r>
+                <a:r>
+                  <a:rPr lang="en-US" baseline="0" dirty="0"/>
+                  <a:t> b)</a:t>
+                </a:r>
                 <a:endParaRPr lang="en-US" dirty="0"/>
               </a:p>
             </p:txBody>
@@ -1783,7 +1908,7 @@
           <a:p>
             <a:fld id="{4EBB928B-0EDC-411C-A330-85D3092F9397}" type="datetimeFigureOut">
               <a:rPr lang="en-US" smtClean="0"/>
-              <a:t>5/12/2020</a:t>
+              <a:t>5/17/2020</a:t>
             </a:fld>
             <a:endParaRPr lang="en-US"/>
           </a:p>
@@ -1981,7 +2106,7 @@
           <a:p>
             <a:fld id="{4EBB928B-0EDC-411C-A330-85D3092F9397}" type="datetimeFigureOut">
               <a:rPr lang="en-US" smtClean="0"/>
-              <a:t>5/12/2020</a:t>
+              <a:t>5/17/2020</a:t>
             </a:fld>
             <a:endParaRPr lang="en-US"/>
           </a:p>
@@ -2189,7 +2314,7 @@
           <a:p>
             <a:fld id="{4EBB928B-0EDC-411C-A330-85D3092F9397}" type="datetimeFigureOut">
               <a:rPr lang="en-US" smtClean="0"/>
-              <a:t>5/12/2020</a:t>
+              <a:t>5/17/2020</a:t>
             </a:fld>
             <a:endParaRPr lang="en-US"/>
           </a:p>
@@ -2387,7 +2512,7 @@
           <a:p>
             <a:fld id="{4EBB928B-0EDC-411C-A330-85D3092F9397}" type="datetimeFigureOut">
               <a:rPr lang="en-US" smtClean="0"/>
-              <a:t>5/12/2020</a:t>
+              <a:t>5/17/2020</a:t>
             </a:fld>
             <a:endParaRPr lang="en-US"/>
           </a:p>
@@ -2662,7 +2787,7 @@
           <a:p>
             <a:fld id="{4EBB928B-0EDC-411C-A330-85D3092F9397}" type="datetimeFigureOut">
               <a:rPr lang="en-US" smtClean="0"/>
-              <a:t>5/12/2020</a:t>
+              <a:t>5/17/2020</a:t>
             </a:fld>
             <a:endParaRPr lang="en-US"/>
           </a:p>
@@ -2927,7 +3052,7 @@
           <a:p>
             <a:fld id="{4EBB928B-0EDC-411C-A330-85D3092F9397}" type="datetimeFigureOut">
               <a:rPr lang="en-US" smtClean="0"/>
-              <a:t>5/12/2020</a:t>
+              <a:t>5/17/2020</a:t>
             </a:fld>
             <a:endParaRPr lang="en-US"/>
           </a:p>
@@ -3339,7 +3464,7 @@
           <a:p>
             <a:fld id="{4EBB928B-0EDC-411C-A330-85D3092F9397}" type="datetimeFigureOut">
               <a:rPr lang="en-US" smtClean="0"/>
-              <a:t>5/12/2020</a:t>
+              <a:t>5/17/2020</a:t>
             </a:fld>
             <a:endParaRPr lang="en-US"/>
           </a:p>
@@ -3480,7 +3605,7 @@
           <a:p>
             <a:fld id="{4EBB928B-0EDC-411C-A330-85D3092F9397}" type="datetimeFigureOut">
               <a:rPr lang="en-US" smtClean="0"/>
-              <a:t>5/12/2020</a:t>
+              <a:t>5/17/2020</a:t>
             </a:fld>
             <a:endParaRPr lang="en-US"/>
           </a:p>
@@ -3593,7 +3718,7 @@
           <a:p>
             <a:fld id="{4EBB928B-0EDC-411C-A330-85D3092F9397}" type="datetimeFigureOut">
               <a:rPr lang="en-US" smtClean="0"/>
-              <a:t>5/12/2020</a:t>
+              <a:t>5/17/2020</a:t>
             </a:fld>
             <a:endParaRPr lang="en-US"/>
           </a:p>
@@ -3904,7 +4029,7 @@
           <a:p>
             <a:fld id="{4EBB928B-0EDC-411C-A330-85D3092F9397}" type="datetimeFigureOut">
               <a:rPr lang="en-US" smtClean="0"/>
-              <a:t>5/12/2020</a:t>
+              <a:t>5/17/2020</a:t>
             </a:fld>
             <a:endParaRPr lang="en-US"/>
           </a:p>
@@ -4192,7 +4317,7 @@
           <a:p>
             <a:fld id="{4EBB928B-0EDC-411C-A330-85D3092F9397}" type="datetimeFigureOut">
               <a:rPr lang="en-US" smtClean="0"/>
-              <a:t>5/12/2020</a:t>
+              <a:t>5/17/2020</a:t>
             </a:fld>
             <a:endParaRPr lang="en-US"/>
           </a:p>
@@ -4433,7 +4558,7 @@
           <a:p>
             <a:fld id="{4EBB928B-0EDC-411C-A330-85D3092F9397}" type="datetimeFigureOut">
               <a:rPr lang="en-US" smtClean="0"/>
-              <a:t>5/12/2020</a:t>
+              <a:t>5/17/2020</a:t>
             </a:fld>
             <a:endParaRPr lang="en-US"/>
           </a:p>
@@ -6249,6 +6374,62 @@
           </p:sp>
         </mc:Fallback>
       </mc:AlternateContent>
+      <p:sp>
+        <p:nvSpPr>
+          <p:cNvPr id="23" name="Oval 22">
+            <a:extLst>
+              <a:ext uri="{FF2B5EF4-FFF2-40B4-BE49-F238E27FC236}">
+                <a16:creationId xmlns:a16="http://schemas.microsoft.com/office/drawing/2014/main" id="{F746A59D-DF1C-48C9-BF40-F5F7EE58B8D8}"/>
+              </a:ext>
+            </a:extLst>
+          </p:cNvPr>
+          <p:cNvSpPr>
+            <a:spLocks noChangeAspect="1"/>
+          </p:cNvSpPr>
+          <p:nvPr/>
+        </p:nvSpPr>
+        <p:spPr>
+          <a:xfrm>
+            <a:off x="9318859" y="1280519"/>
+            <a:ext cx="274320" cy="274320"/>
+          </a:xfrm>
+          <a:prstGeom prst="ellipse">
+            <a:avLst/>
+          </a:prstGeom>
+          <a:solidFill>
+            <a:schemeClr val="bg1">
+              <a:lumMod val="75000"/>
+            </a:schemeClr>
+          </a:solidFill>
+          <a:ln>
+            <a:noFill/>
+          </a:ln>
+        </p:spPr>
+        <p:style>
+          <a:lnRef idx="2">
+            <a:schemeClr val="accent1">
+              <a:shade val="50000"/>
+            </a:schemeClr>
+          </a:lnRef>
+          <a:fillRef idx="1">
+            <a:schemeClr val="accent1"/>
+          </a:fillRef>
+          <a:effectRef idx="0">
+            <a:schemeClr val="accent1"/>
+          </a:effectRef>
+          <a:fontRef idx="minor">
+            <a:schemeClr val="lt1"/>
+          </a:fontRef>
+        </p:style>
+        <p:txBody>
+          <a:bodyPr rtlCol="0" anchor="ctr"/>
+          <a:lstStyle/>
+          <a:p>
+            <a:pPr algn="ctr"/>
+            <a:endParaRPr lang="en-US"/>
+          </a:p>
+        </p:txBody>
+      </p:sp>
     </p:spTree>
     <p:extLst>
       <p:ext uri="{BB962C8B-B14F-4D97-AF65-F5344CB8AC3E}">
@@ -6259,6 +6440,296 @@
   <p:clrMapOvr>
     <a:masterClrMapping/>
   </p:clrMapOvr>
+  <p:timing>
+    <p:tnLst>
+      <p:par>
+        <p:cTn id="1" dur="indefinite" restart="never" nodeType="tmRoot">
+          <p:childTnLst>
+            <p:seq concurrent="1" nextAc="seek">
+              <p:cTn id="2" dur="indefinite" nodeType="mainSeq">
+                <p:childTnLst>
+                  <p:par>
+                    <p:cTn id="3" fill="hold">
+                      <p:stCondLst>
+                        <p:cond delay="indefinite"/>
+                      </p:stCondLst>
+                      <p:childTnLst>
+                        <p:par>
+                          <p:cTn id="4" fill="hold">
+                            <p:stCondLst>
+                              <p:cond delay="0"/>
+                            </p:stCondLst>
+                            <p:childTnLst>
+                              <p:par>
+                                <p:cTn id="5" presetID="2" presetClass="entr" presetSubtype="12" fill="hold" grpId="0" nodeType="clickEffect">
+                                  <p:stCondLst>
+                                    <p:cond delay="0"/>
+                                  </p:stCondLst>
+                                  <p:childTnLst>
+                                    <p:set>
+                                      <p:cBhvr>
+                                        <p:cTn id="6" dur="1" fill="hold">
+                                          <p:stCondLst>
+                                            <p:cond delay="0"/>
+                                          </p:stCondLst>
+                                        </p:cTn>
+                                        <p:tgtEl>
+                                          <p:spTgt spid="23"/>
+                                        </p:tgtEl>
+                                        <p:attrNameLst>
+                                          <p:attrName>style.visibility</p:attrName>
+                                        </p:attrNameLst>
+                                      </p:cBhvr>
+                                      <p:to>
+                                        <p:strVal val="visible"/>
+                                      </p:to>
+                                    </p:set>
+                                    <p:anim calcmode="lin" valueType="num">
+                                      <p:cBhvr additive="base">
+                                        <p:cTn id="7" dur="500" fill="hold"/>
+                                        <p:tgtEl>
+                                          <p:spTgt spid="23"/>
+                                        </p:tgtEl>
+                                        <p:attrNameLst>
+                                          <p:attrName>ppt_x</p:attrName>
+                                        </p:attrNameLst>
+                                      </p:cBhvr>
+                                      <p:tavLst>
+                                        <p:tav tm="0">
+                                          <p:val>
+                                            <p:strVal val="0-#ppt_w/2"/>
+                                          </p:val>
+                                        </p:tav>
+                                        <p:tav tm="100000">
+                                          <p:val>
+                                            <p:strVal val="#ppt_x"/>
+                                          </p:val>
+                                        </p:tav>
+                                      </p:tavLst>
+                                    </p:anim>
+                                    <p:anim calcmode="lin" valueType="num">
+                                      <p:cBhvr additive="base">
+                                        <p:cTn id="8" dur="500" fill="hold"/>
+                                        <p:tgtEl>
+                                          <p:spTgt spid="23"/>
+                                        </p:tgtEl>
+                                        <p:attrNameLst>
+                                          <p:attrName>ppt_y</p:attrName>
+                                        </p:attrNameLst>
+                                      </p:cBhvr>
+                                      <p:tavLst>
+                                        <p:tav tm="0">
+                                          <p:val>
+                                            <p:strVal val="1+#ppt_h/2"/>
+                                          </p:val>
+                                        </p:tav>
+                                        <p:tav tm="100000">
+                                          <p:val>
+                                            <p:strVal val="#ppt_y"/>
+                                          </p:val>
+                                        </p:tav>
+                                      </p:tavLst>
+                                    </p:anim>
+                                  </p:childTnLst>
+                                </p:cTn>
+                              </p:par>
+                            </p:childTnLst>
+                          </p:cTn>
+                        </p:par>
+                      </p:childTnLst>
+                    </p:cTn>
+                  </p:par>
+                  <p:par>
+                    <p:cTn id="9" fill="hold">
+                      <p:stCondLst>
+                        <p:cond delay="indefinite"/>
+                      </p:stCondLst>
+                      <p:childTnLst>
+                        <p:par>
+                          <p:cTn id="10" fill="hold">
+                            <p:stCondLst>
+                              <p:cond delay="0"/>
+                            </p:stCondLst>
+                            <p:childTnLst>
+                              <p:par>
+                                <p:cTn id="11" presetID="2" presetClass="entr" presetSubtype="4" fill="hold" grpId="0" nodeType="clickEffect">
+                                  <p:stCondLst>
+                                    <p:cond delay="0"/>
+                                  </p:stCondLst>
+                                  <p:childTnLst>
+                                    <p:set>
+                                      <p:cBhvr>
+                                        <p:cTn id="12" dur="1" fill="hold">
+                                          <p:stCondLst>
+                                            <p:cond delay="0"/>
+                                          </p:stCondLst>
+                                        </p:cTn>
+                                        <p:tgtEl>
+                                          <p:spTgt spid="20"/>
+                                        </p:tgtEl>
+                                        <p:attrNameLst>
+                                          <p:attrName>style.visibility</p:attrName>
+                                        </p:attrNameLst>
+                                      </p:cBhvr>
+                                      <p:to>
+                                        <p:strVal val="visible"/>
+                                      </p:to>
+                                    </p:set>
+                                    <p:anim calcmode="lin" valueType="num">
+                                      <p:cBhvr additive="base">
+                                        <p:cTn id="13" dur="500" fill="hold"/>
+                                        <p:tgtEl>
+                                          <p:spTgt spid="20"/>
+                                        </p:tgtEl>
+                                        <p:attrNameLst>
+                                          <p:attrName>ppt_x</p:attrName>
+                                        </p:attrNameLst>
+                                      </p:cBhvr>
+                                      <p:tavLst>
+                                        <p:tav tm="0">
+                                          <p:val>
+                                            <p:strVal val="#ppt_x"/>
+                                          </p:val>
+                                        </p:tav>
+                                        <p:tav tm="100000">
+                                          <p:val>
+                                            <p:strVal val="#ppt_x"/>
+                                          </p:val>
+                                        </p:tav>
+                                      </p:tavLst>
+                                    </p:anim>
+                                    <p:anim calcmode="lin" valueType="num">
+                                      <p:cBhvr additive="base">
+                                        <p:cTn id="14" dur="500" fill="hold"/>
+                                        <p:tgtEl>
+                                          <p:spTgt spid="20"/>
+                                        </p:tgtEl>
+                                        <p:attrNameLst>
+                                          <p:attrName>ppt_y</p:attrName>
+                                        </p:attrNameLst>
+                                      </p:cBhvr>
+                                      <p:tavLst>
+                                        <p:tav tm="0">
+                                          <p:val>
+                                            <p:strVal val="1+#ppt_h/2"/>
+                                          </p:val>
+                                        </p:tav>
+                                        <p:tav tm="100000">
+                                          <p:val>
+                                            <p:strVal val="#ppt_y"/>
+                                          </p:val>
+                                        </p:tav>
+                                      </p:tavLst>
+                                    </p:anim>
+                                  </p:childTnLst>
+                                </p:cTn>
+                              </p:par>
+                              <p:par>
+                                <p:cTn id="15" presetID="2" presetClass="entr" presetSubtype="4" fill="hold" grpId="0" nodeType="withEffect">
+                                  <p:stCondLst>
+                                    <p:cond delay="0"/>
+                                  </p:stCondLst>
+                                  <p:childTnLst>
+                                    <p:set>
+                                      <p:cBhvr>
+                                        <p:cTn id="16" dur="1" fill="hold">
+                                          <p:stCondLst>
+                                            <p:cond delay="0"/>
+                                          </p:stCondLst>
+                                        </p:cTn>
+                                        <p:tgtEl>
+                                          <p:spTgt spid="11"/>
+                                        </p:tgtEl>
+                                        <p:attrNameLst>
+                                          <p:attrName>style.visibility</p:attrName>
+                                        </p:attrNameLst>
+                                      </p:cBhvr>
+                                      <p:to>
+                                        <p:strVal val="visible"/>
+                                      </p:to>
+                                    </p:set>
+                                    <p:anim calcmode="lin" valueType="num">
+                                      <p:cBhvr additive="base">
+                                        <p:cTn id="17" dur="500" fill="hold"/>
+                                        <p:tgtEl>
+                                          <p:spTgt spid="11"/>
+                                        </p:tgtEl>
+                                        <p:attrNameLst>
+                                          <p:attrName>ppt_x</p:attrName>
+                                        </p:attrNameLst>
+                                      </p:cBhvr>
+                                      <p:tavLst>
+                                        <p:tav tm="0">
+                                          <p:val>
+                                            <p:strVal val="#ppt_x"/>
+                                          </p:val>
+                                        </p:tav>
+                                        <p:tav tm="100000">
+                                          <p:val>
+                                            <p:strVal val="#ppt_x"/>
+                                          </p:val>
+                                        </p:tav>
+                                      </p:tavLst>
+                                    </p:anim>
+                                    <p:anim calcmode="lin" valueType="num">
+                                      <p:cBhvr additive="base">
+                                        <p:cTn id="18" dur="500" fill="hold"/>
+                                        <p:tgtEl>
+                                          <p:spTgt spid="11"/>
+                                        </p:tgtEl>
+                                        <p:attrNameLst>
+                                          <p:attrName>ppt_y</p:attrName>
+                                        </p:attrNameLst>
+                                      </p:cBhvr>
+                                      <p:tavLst>
+                                        <p:tav tm="0">
+                                          <p:val>
+                                            <p:strVal val="1+#ppt_h/2"/>
+                                          </p:val>
+                                        </p:tav>
+                                        <p:tav tm="100000">
+                                          <p:val>
+                                            <p:strVal val="#ppt_y"/>
+                                          </p:val>
+                                        </p:tav>
+                                      </p:tavLst>
+                                    </p:anim>
+                                  </p:childTnLst>
+                                </p:cTn>
+                              </p:par>
+                            </p:childTnLst>
+                          </p:cTn>
+                        </p:par>
+                      </p:childTnLst>
+                    </p:cTn>
+                  </p:par>
+                </p:childTnLst>
+              </p:cTn>
+              <p:prevCondLst>
+                <p:cond evt="onPrev" delay="0">
+                  <p:tgtEl>
+                    <p:sldTgt/>
+                  </p:tgtEl>
+                </p:cond>
+              </p:prevCondLst>
+              <p:nextCondLst>
+                <p:cond evt="onNext" delay="0">
+                  <p:tgtEl>
+                    <p:sldTgt/>
+                  </p:tgtEl>
+                </p:cond>
+              </p:nextCondLst>
+            </p:seq>
+          </p:childTnLst>
+        </p:cTn>
+      </p:par>
+    </p:tnLst>
+    <p:bldLst>
+      <p:bldP spid="11" grpId="0"/>
+      <p:bldP spid="20" grpId="0"/>
+      <p:bldP spid="23" grpId="0" animBg="1"/>
+    </p:bldLst>
+  </p:timing>
 </p:sld>
 </file>
 
@@ -6302,14 +6773,7 @@
           <a:p>
             <a:r>
               <a:rPr lang="en-US" dirty="0"/>
-              <a:t>Impurity functions.</a:t>
-            </a:r>
-            <a:br>
-              <a:rPr lang="en-US" dirty="0"/>
-            </a:br>
-            <a:r>
-              <a:rPr lang="en-US" dirty="0"/>
-              <a:t>Misclassification</a:t>
+              <a:t>Misclassification measure</a:t>
             </a:r>
           </a:p>
         </p:txBody>
@@ -7167,6 +7631,11 @@
             <a:avLst/>
           </a:prstGeom>
           <a:ln w="38100">
+            <a:solidFill>
+              <a:schemeClr val="bg1">
+                <a:lumMod val="50000"/>
+              </a:schemeClr>
+            </a:solidFill>
             <a:prstDash val="dash"/>
           </a:ln>
         </p:spPr>
@@ -7542,14 +8011,7 @@
           <a:p>
             <a:r>
               <a:rPr lang="en-US" dirty="0"/>
-              <a:t>Impurity functions.</a:t>
-            </a:r>
-            <a:br>
-              <a:rPr lang="en-US" dirty="0"/>
-            </a:br>
-            <a:r>
-              <a:rPr lang="en-US" dirty="0"/>
-              <a:t>Misclassification</a:t>
+              <a:t>Misclassification measure</a:t>
             </a:r>
           </a:p>
         </p:txBody>
@@ -8964,14 +9426,7 @@
           <a:p>
             <a:r>
               <a:rPr lang="en-US" dirty="0"/>
-              <a:t>Impurity functions.</a:t>
-            </a:r>
-            <a:br>
-              <a:rPr lang="en-US" dirty="0"/>
-            </a:br>
-            <a:r>
-              <a:rPr lang="en-US" dirty="0"/>
-              <a:t>Misclassification</a:t>
+              <a:t>Misclassification measure</a:t>
             </a:r>
           </a:p>
         </p:txBody>
@@ -10391,7 +10846,7 @@
         </p:blipFill>
         <p:spPr>
           <a:xfrm>
-            <a:off x="5715967" y="2186828"/>
+            <a:off x="6199688" y="-317577"/>
             <a:ext cx="5495067" cy="4104128"/>
           </a:xfrm>
           <a:prstGeom prst="rect">
@@ -10450,7 +10905,7 @@
             </p:nvSpPr>
             <p:spPr>
               <a:xfrm>
-                <a:off x="508721" y="2236774"/>
+                <a:off x="138721" y="1540443"/>
                 <a:ext cx="4242939" cy="988540"/>
               </a:xfrm>
               <a:prstGeom prst="rect">
@@ -10633,7 +11088,7 @@
             </p:nvSpPr>
             <p:spPr>
               <a:xfrm>
-                <a:off x="508721" y="2236774"/>
+                <a:off x="138721" y="1540443"/>
                 <a:ext cx="4242939" cy="988540"/>
               </a:xfrm>
               <a:prstGeom prst="rect">
@@ -10675,7 +11130,7 @@
         </p:nvSpPr>
         <p:spPr>
           <a:xfrm>
-            <a:off x="5102087" y="6123543"/>
+            <a:off x="1903092" y="6429109"/>
             <a:ext cx="7235688" cy="369332"/>
           </a:xfrm>
           <a:prstGeom prst="rect">
@@ -10733,462 +11188,6 @@
           </a:p>
         </p:txBody>
       </p:sp>
-      <p:sp>
-        <p:nvSpPr>
-          <p:cNvPr id="12" name="Rectangle 11">
-            <a:extLst>
-              <a:ext uri="{FF2B5EF4-FFF2-40B4-BE49-F238E27FC236}">
-                <a16:creationId xmlns:a16="http://schemas.microsoft.com/office/drawing/2014/main" id="{B5C6EE13-9D9D-4231-B80D-7328FAD1E16F}"/>
-              </a:ext>
-            </a:extLst>
-          </p:cNvPr>
-          <p:cNvSpPr/>
-          <p:nvPr/>
-        </p:nvSpPr>
-        <p:spPr>
-          <a:xfrm>
-            <a:off x="6866021" y="882316"/>
-            <a:ext cx="3737811" cy="1664384"/>
-          </a:xfrm>
-          <a:prstGeom prst="rect">
-            <a:avLst/>
-          </a:prstGeom>
-          <a:noFill/>
-        </p:spPr>
-        <p:style>
-          <a:lnRef idx="2">
-            <a:schemeClr val="accent1">
-              <a:shade val="50000"/>
-            </a:schemeClr>
-          </a:lnRef>
-          <a:fillRef idx="1">
-            <a:schemeClr val="accent1"/>
-          </a:fillRef>
-          <a:effectRef idx="0">
-            <a:schemeClr val="accent1"/>
-          </a:effectRef>
-          <a:fontRef idx="minor">
-            <a:schemeClr val="lt1"/>
-          </a:fontRef>
-        </p:style>
-        <p:txBody>
-          <a:bodyPr rtlCol="0" anchor="ctr"/>
-          <a:lstStyle/>
-          <a:p>
-            <a:pPr algn="ctr"/>
-            <a:endParaRPr lang="en-US"/>
-          </a:p>
-        </p:txBody>
-      </p:sp>
-      <p:sp>
-        <p:nvSpPr>
-          <p:cNvPr id="13" name="Oval 12">
-            <a:extLst>
-              <a:ext uri="{FF2B5EF4-FFF2-40B4-BE49-F238E27FC236}">
-                <a16:creationId xmlns:a16="http://schemas.microsoft.com/office/drawing/2014/main" id="{8D00E35D-058F-4C95-A8D8-2F3D4B041958}"/>
-              </a:ext>
-            </a:extLst>
-          </p:cNvPr>
-          <p:cNvSpPr>
-            <a:spLocks noChangeAspect="1"/>
-          </p:cNvSpPr>
-          <p:nvPr/>
-        </p:nvSpPr>
-        <p:spPr>
-          <a:xfrm>
-            <a:off x="8326341" y="1284589"/>
-            <a:ext cx="274320" cy="274320"/>
-          </a:xfrm>
-          <a:prstGeom prst="ellipse">
-            <a:avLst/>
-          </a:prstGeom>
-          <a:solidFill>
-            <a:srgbClr val="00B050"/>
-          </a:solidFill>
-          <a:ln>
-            <a:noFill/>
-          </a:ln>
-        </p:spPr>
-        <p:style>
-          <a:lnRef idx="2">
-            <a:schemeClr val="accent1">
-              <a:shade val="50000"/>
-            </a:schemeClr>
-          </a:lnRef>
-          <a:fillRef idx="1">
-            <a:schemeClr val="accent1"/>
-          </a:fillRef>
-          <a:effectRef idx="0">
-            <a:schemeClr val="accent1"/>
-          </a:effectRef>
-          <a:fontRef idx="minor">
-            <a:schemeClr val="lt1"/>
-          </a:fontRef>
-        </p:style>
-        <p:txBody>
-          <a:bodyPr rtlCol="0" anchor="ctr"/>
-          <a:lstStyle/>
-          <a:p>
-            <a:pPr algn="ctr"/>
-            <a:endParaRPr lang="en-US"/>
-          </a:p>
-        </p:txBody>
-      </p:sp>
-      <p:sp>
-        <p:nvSpPr>
-          <p:cNvPr id="15" name="Oval 14">
-            <a:extLst>
-              <a:ext uri="{FF2B5EF4-FFF2-40B4-BE49-F238E27FC236}">
-                <a16:creationId xmlns:a16="http://schemas.microsoft.com/office/drawing/2014/main" id="{0F154D37-7FE5-463B-8AA1-9AA87456A171}"/>
-              </a:ext>
-            </a:extLst>
-          </p:cNvPr>
-          <p:cNvSpPr>
-            <a:spLocks noChangeAspect="1"/>
-          </p:cNvSpPr>
-          <p:nvPr/>
-        </p:nvSpPr>
-        <p:spPr>
-          <a:xfrm>
-            <a:off x="9854809" y="932349"/>
-            <a:ext cx="274320" cy="274320"/>
-          </a:xfrm>
-          <a:prstGeom prst="ellipse">
-            <a:avLst/>
-          </a:prstGeom>
-          <a:ln>
-            <a:noFill/>
-          </a:ln>
-        </p:spPr>
-        <p:style>
-          <a:lnRef idx="2">
-            <a:schemeClr val="accent1">
-              <a:shade val="50000"/>
-            </a:schemeClr>
-          </a:lnRef>
-          <a:fillRef idx="1">
-            <a:schemeClr val="accent1"/>
-          </a:fillRef>
-          <a:effectRef idx="0">
-            <a:schemeClr val="accent1"/>
-          </a:effectRef>
-          <a:fontRef idx="minor">
-            <a:schemeClr val="lt1"/>
-          </a:fontRef>
-        </p:style>
-        <p:txBody>
-          <a:bodyPr rtlCol="0" anchor="ctr"/>
-          <a:lstStyle/>
-          <a:p>
-            <a:pPr algn="ctr"/>
-            <a:endParaRPr lang="en-US"/>
-          </a:p>
-        </p:txBody>
-      </p:sp>
-      <p:sp>
-        <p:nvSpPr>
-          <p:cNvPr id="16" name="Oval 15">
-            <a:extLst>
-              <a:ext uri="{FF2B5EF4-FFF2-40B4-BE49-F238E27FC236}">
-                <a16:creationId xmlns:a16="http://schemas.microsoft.com/office/drawing/2014/main" id="{B42BEC0E-14C6-403A-B129-99E289AAD781}"/>
-              </a:ext>
-            </a:extLst>
-          </p:cNvPr>
-          <p:cNvSpPr>
-            <a:spLocks noChangeAspect="1"/>
-          </p:cNvSpPr>
-          <p:nvPr/>
-        </p:nvSpPr>
-        <p:spPr>
-          <a:xfrm>
-            <a:off x="7566839" y="1962454"/>
-            <a:ext cx="274320" cy="274320"/>
-          </a:xfrm>
-          <a:prstGeom prst="ellipse">
-            <a:avLst/>
-          </a:prstGeom>
-          <a:solidFill>
-            <a:srgbClr val="FF0000"/>
-          </a:solidFill>
-          <a:ln>
-            <a:noFill/>
-          </a:ln>
-        </p:spPr>
-        <p:style>
-          <a:lnRef idx="2">
-            <a:schemeClr val="accent1">
-              <a:shade val="50000"/>
-            </a:schemeClr>
-          </a:lnRef>
-          <a:fillRef idx="1">
-            <a:schemeClr val="accent1"/>
-          </a:fillRef>
-          <a:effectRef idx="0">
-            <a:schemeClr val="accent1"/>
-          </a:effectRef>
-          <a:fontRef idx="minor">
-            <a:schemeClr val="lt1"/>
-          </a:fontRef>
-        </p:style>
-        <p:txBody>
-          <a:bodyPr rtlCol="0" anchor="ctr"/>
-          <a:lstStyle/>
-          <a:p>
-            <a:pPr algn="ctr"/>
-            <a:endParaRPr lang="en-US"/>
-          </a:p>
-        </p:txBody>
-      </p:sp>
-      <p:sp>
-        <p:nvSpPr>
-          <p:cNvPr id="17" name="Oval 16">
-            <a:extLst>
-              <a:ext uri="{FF2B5EF4-FFF2-40B4-BE49-F238E27FC236}">
-                <a16:creationId xmlns:a16="http://schemas.microsoft.com/office/drawing/2014/main" id="{3BCF8710-092A-4EE2-BC99-501E2D60BEC6}"/>
-              </a:ext>
-            </a:extLst>
-          </p:cNvPr>
-          <p:cNvSpPr>
-            <a:spLocks noChangeAspect="1"/>
-          </p:cNvSpPr>
-          <p:nvPr/>
-        </p:nvSpPr>
-        <p:spPr>
-          <a:xfrm>
-            <a:off x="6996052" y="1219886"/>
-            <a:ext cx="274320" cy="274320"/>
-          </a:xfrm>
-          <a:prstGeom prst="ellipse">
-            <a:avLst/>
-          </a:prstGeom>
-          <a:ln>
-            <a:noFill/>
-          </a:ln>
-        </p:spPr>
-        <p:style>
-          <a:lnRef idx="2">
-            <a:schemeClr val="accent1">
-              <a:shade val="50000"/>
-            </a:schemeClr>
-          </a:lnRef>
-          <a:fillRef idx="1">
-            <a:schemeClr val="accent1"/>
-          </a:fillRef>
-          <a:effectRef idx="0">
-            <a:schemeClr val="accent1"/>
-          </a:effectRef>
-          <a:fontRef idx="minor">
-            <a:schemeClr val="lt1"/>
-          </a:fontRef>
-        </p:style>
-        <p:txBody>
-          <a:bodyPr rtlCol="0" anchor="ctr"/>
-          <a:lstStyle/>
-          <a:p>
-            <a:pPr algn="ctr"/>
-            <a:endParaRPr lang="en-US"/>
-          </a:p>
-        </p:txBody>
-      </p:sp>
-      <p:sp>
-        <p:nvSpPr>
-          <p:cNvPr id="18" name="Oval 17">
-            <a:extLst>
-              <a:ext uri="{FF2B5EF4-FFF2-40B4-BE49-F238E27FC236}">
-                <a16:creationId xmlns:a16="http://schemas.microsoft.com/office/drawing/2014/main" id="{69823825-A860-466E-BE85-807DB3F78FD2}"/>
-              </a:ext>
-            </a:extLst>
-          </p:cNvPr>
-          <p:cNvSpPr>
-            <a:spLocks noChangeAspect="1"/>
-          </p:cNvSpPr>
-          <p:nvPr/>
-        </p:nvSpPr>
-        <p:spPr>
-          <a:xfrm>
-            <a:off x="8741644" y="1801598"/>
-            <a:ext cx="274320" cy="274320"/>
-          </a:xfrm>
-          <a:prstGeom prst="ellipse">
-            <a:avLst/>
-          </a:prstGeom>
-          <a:ln>
-            <a:noFill/>
-          </a:ln>
-        </p:spPr>
-        <p:style>
-          <a:lnRef idx="2">
-            <a:schemeClr val="accent1">
-              <a:shade val="50000"/>
-            </a:schemeClr>
-          </a:lnRef>
-          <a:fillRef idx="1">
-            <a:schemeClr val="accent1"/>
-          </a:fillRef>
-          <a:effectRef idx="0">
-            <a:schemeClr val="accent1"/>
-          </a:effectRef>
-          <a:fontRef idx="minor">
-            <a:schemeClr val="lt1"/>
-          </a:fontRef>
-        </p:style>
-        <p:txBody>
-          <a:bodyPr rtlCol="0" anchor="ctr"/>
-          <a:lstStyle/>
-          <a:p>
-            <a:pPr algn="ctr"/>
-            <a:endParaRPr lang="en-US"/>
-          </a:p>
-        </p:txBody>
-      </p:sp>
-      <p:sp>
-        <p:nvSpPr>
-          <p:cNvPr id="19" name="Oval 18">
-            <a:extLst>
-              <a:ext uri="{FF2B5EF4-FFF2-40B4-BE49-F238E27FC236}">
-                <a16:creationId xmlns:a16="http://schemas.microsoft.com/office/drawing/2014/main" id="{43464659-C84F-41C4-B9E1-F803A43DEED7}"/>
-              </a:ext>
-            </a:extLst>
-          </p:cNvPr>
-          <p:cNvSpPr>
-            <a:spLocks noChangeAspect="1"/>
-          </p:cNvSpPr>
-          <p:nvPr/>
-        </p:nvSpPr>
-        <p:spPr>
-          <a:xfrm>
-            <a:off x="9912626" y="1889454"/>
-            <a:ext cx="274320" cy="274320"/>
-          </a:xfrm>
-          <a:prstGeom prst="ellipse">
-            <a:avLst/>
-          </a:prstGeom>
-          <a:solidFill>
-            <a:srgbClr val="00B050"/>
-          </a:solidFill>
-          <a:ln>
-            <a:noFill/>
-          </a:ln>
-        </p:spPr>
-        <p:style>
-          <a:lnRef idx="2">
-            <a:schemeClr val="accent1">
-              <a:shade val="50000"/>
-            </a:schemeClr>
-          </a:lnRef>
-          <a:fillRef idx="1">
-            <a:schemeClr val="accent1"/>
-          </a:fillRef>
-          <a:effectRef idx="0">
-            <a:schemeClr val="accent1"/>
-          </a:effectRef>
-          <a:fontRef idx="minor">
-            <a:schemeClr val="lt1"/>
-          </a:fontRef>
-        </p:style>
-        <p:txBody>
-          <a:bodyPr rtlCol="0" anchor="ctr"/>
-          <a:lstStyle/>
-          <a:p>
-            <a:pPr algn="ctr"/>
-            <a:endParaRPr lang="en-US"/>
-          </a:p>
-        </p:txBody>
-      </p:sp>
-      <mc:AlternateContent xmlns:mc="http://schemas.openxmlformats.org/markup-compatibility/2006" xmlns:a14="http://schemas.microsoft.com/office/drawing/2010/main">
-        <mc:Choice Requires="a14">
-          <p:sp>
-            <p:nvSpPr>
-              <p:cNvPr id="21" name="TextBox 20">
-                <a:extLst>
-                  <a:ext uri="{FF2B5EF4-FFF2-40B4-BE49-F238E27FC236}">
-                    <a16:creationId xmlns:a16="http://schemas.microsoft.com/office/drawing/2014/main" id="{966ABAEB-83A4-4BC9-88BC-D26B1D2D050E}"/>
-                  </a:ext>
-                </a:extLst>
-              </p:cNvPr>
-              <p:cNvSpPr txBox="1"/>
-              <p:nvPr/>
-            </p:nvSpPr>
-            <p:spPr>
-              <a:xfrm>
-                <a:off x="8076442" y="516526"/>
-                <a:ext cx="1516737" cy="461665"/>
-              </a:xfrm>
-              <a:prstGeom prst="rect">
-                <a:avLst/>
-              </a:prstGeom>
-              <a:noFill/>
-            </p:spPr>
-            <p:txBody>
-              <a:bodyPr wrap="square" rtlCol="0">
-                <a:spAutoFit/>
-              </a:bodyPr>
-              <a:lstStyle/>
-              <a:p>
-                <a:r>
-                  <a:rPr lang="en-US" sz="2400" dirty="0"/>
-                  <a:t>Region </a:t>
-                </a:r>
-                <a14:m>
-                  <m:oMath xmlns:m="http://schemas.openxmlformats.org/officeDocument/2006/math">
-                    <m:r>
-                      <a:rPr lang="en-US" sz="2400" b="0" i="1" smtClean="0">
-                        <a:latin typeface="Cambria Math" panose="02040503050406030204" pitchFamily="18" charset="0"/>
-                      </a:rPr>
-                      <m:t>𝑚</m:t>
-                    </m:r>
-                  </m:oMath>
-                </a14:m>
-                <a:endParaRPr lang="en-US" sz="2400" dirty="0"/>
-              </a:p>
-            </p:txBody>
-          </p:sp>
-        </mc:Choice>
-        <mc:Fallback xmlns="">
-          <p:sp>
-            <p:nvSpPr>
-              <p:cNvPr id="21" name="TextBox 20">
-                <a:extLst>
-                  <a:ext uri="{FF2B5EF4-FFF2-40B4-BE49-F238E27FC236}">
-                    <a16:creationId xmlns:a16="http://schemas.microsoft.com/office/drawing/2014/main" id="{966ABAEB-83A4-4BC9-88BC-D26B1D2D050E}"/>
-                  </a:ext>
-                </a:extLst>
-              </p:cNvPr>
-              <p:cNvSpPr txBox="1">
-                <a:spLocks noRot="1" noChangeAspect="1" noMove="1" noResize="1" noEditPoints="1" noAdjustHandles="1" noChangeArrowheads="1" noChangeShapeType="1" noTextEdit="1"/>
-              </p:cNvSpPr>
-              <p:nvPr/>
-            </p:nvSpPr>
-            <p:spPr>
-              <a:xfrm>
-                <a:off x="8076442" y="516526"/>
-                <a:ext cx="1516737" cy="461665"/>
-              </a:xfrm>
-              <a:prstGeom prst="rect">
-                <a:avLst/>
-              </a:prstGeom>
-              <a:blipFill>
-                <a:blip r:embed="rId6"/>
-                <a:stretch>
-                  <a:fillRect l="-6426" t="-10667" b="-30667"/>
-                </a:stretch>
-              </a:blipFill>
-            </p:spPr>
-            <p:txBody>
-              <a:bodyPr/>
-              <a:lstStyle/>
-              <a:p>
-                <a:r>
-                  <a:rPr lang="en-US">
-                    <a:noFill/>
-                  </a:rPr>
-                  <a:t> </a:t>
-                </a:r>
-              </a:p>
-            </p:txBody>
-          </p:sp>
-        </mc:Fallback>
-      </mc:AlternateContent>
       <mc:AlternateContent xmlns:mc="http://schemas.openxmlformats.org/markup-compatibility/2006" xmlns:a14="http://schemas.microsoft.com/office/drawing/2010/main">
         <mc:Choice Requires="a14">
           <p:sp>
@@ -11205,7 +11204,7 @@
             </p:nvSpPr>
             <p:spPr>
               <a:xfrm>
-                <a:off x="508721" y="3292317"/>
+                <a:off x="280101" y="2420923"/>
                 <a:ext cx="5282479" cy="830997"/>
               </a:xfrm>
               <a:prstGeom prst="rect">
@@ -11277,8 +11276,19 @@
               <a:p>
                 <a:r>
                   <a:rPr lang="en-US" sz="2400" dirty="0"/>
-                  <a:t>- Plot it</a:t>
+                  <a:t>- Plot </a:t>
                 </a:r>
+                <a14:m>
+                  <m:oMath xmlns:m="http://schemas.openxmlformats.org/officeDocument/2006/math">
+                    <m:r>
+                      <a:rPr lang="en-US" sz="2400" b="0" i="1" smtClean="0">
+                        <a:latin typeface="Cambria Math" panose="02040503050406030204" pitchFamily="18" charset="0"/>
+                      </a:rPr>
+                      <m:t>𝑦</m:t>
+                    </m:r>
+                  </m:oMath>
+                </a14:m>
+                <a:endParaRPr lang="en-US" sz="2400" dirty="0"/>
               </a:p>
             </p:txBody>
           </p:sp>
@@ -11300,235 +11310,16 @@
             </p:nvSpPr>
             <p:spPr>
               <a:xfrm>
-                <a:off x="508721" y="3292317"/>
+                <a:off x="280101" y="2420923"/>
                 <a:ext cx="5282479" cy="830997"/>
               </a:xfrm>
               <a:prstGeom prst="rect">
                 <a:avLst/>
               </a:prstGeom>
               <a:blipFill>
-                <a:blip r:embed="rId7"/>
+                <a:blip r:embed="rId6"/>
                 <a:stretch>
-                  <a:fillRect l="-1730" t="-5882" b="-16176"/>
-                </a:stretch>
-              </a:blipFill>
-            </p:spPr>
-            <p:txBody>
-              <a:bodyPr/>
-              <a:lstStyle/>
-              <a:p>
-                <a:r>
-                  <a:rPr lang="en-US">
-                    <a:noFill/>
-                  </a:rPr>
-                  <a:t> </a:t>
-                </a:r>
-              </a:p>
-            </p:txBody>
-          </p:sp>
-        </mc:Fallback>
-      </mc:AlternateContent>
-      <mc:AlternateContent xmlns:mc="http://schemas.openxmlformats.org/markup-compatibility/2006" xmlns:a14="http://schemas.microsoft.com/office/drawing/2010/main">
-        <mc:Choice Requires="a14">
-          <p:sp>
-            <p:nvSpPr>
-              <p:cNvPr id="26" name="TextBox 25">
-                <a:extLst>
-                  <a:ext uri="{FF2B5EF4-FFF2-40B4-BE49-F238E27FC236}">
-                    <a16:creationId xmlns:a16="http://schemas.microsoft.com/office/drawing/2014/main" id="{934FD0DB-66DA-4399-AC91-408DED002AEB}"/>
-                  </a:ext>
-                </a:extLst>
-              </p:cNvPr>
-              <p:cNvSpPr txBox="1"/>
-              <p:nvPr/>
-            </p:nvSpPr>
-            <p:spPr>
-              <a:xfrm>
-                <a:off x="508721" y="4440713"/>
-                <a:ext cx="4659938" cy="1569660"/>
-              </a:xfrm>
-              <a:prstGeom prst="rect">
-                <a:avLst/>
-              </a:prstGeom>
-              <a:noFill/>
-            </p:spPr>
-            <p:txBody>
-              <a:bodyPr wrap="square" rtlCol="0">
-                <a:spAutoFit/>
-              </a:bodyPr>
-              <a:lstStyle/>
-              <a:p>
-                <a:r>
-                  <a:rPr lang="en-US" sz="2400" dirty="0"/>
-                  <a:t>If only 2 classes, consider the following 2 cases</a:t>
-                </a:r>
-              </a:p>
-              <a:p>
-                <a:pPr marL="342900" indent="-342900">
-                  <a:buAutoNum type="alphaLcParenR"/>
-                </a:pPr>
-                <a14:m>
-                  <m:oMath xmlns:m="http://schemas.openxmlformats.org/officeDocument/2006/math">
-                    <m:sSub>
-                      <m:sSubPr>
-                        <m:ctrlPr>
-                          <a:rPr lang="en-US" sz="2400" b="0" i="1" smtClean="0">
-                            <a:latin typeface="Cambria Math" panose="02040503050406030204" pitchFamily="18" charset="0"/>
-                          </a:rPr>
-                        </m:ctrlPr>
-                      </m:sSubPr>
-                      <m:e>
-                        <m:r>
-                          <a:rPr lang="en-US" sz="2400" b="0" i="1" smtClean="0">
-                            <a:latin typeface="Cambria Math" panose="02040503050406030204" pitchFamily="18" charset="0"/>
-                          </a:rPr>
-                          <m:t>𝑝</m:t>
-                        </m:r>
-                      </m:e>
-                      <m:sub>
-                        <m:r>
-                          <a:rPr lang="en-US" sz="2400" b="0" i="1" smtClean="0">
-                            <a:latin typeface="Cambria Math" panose="02040503050406030204" pitchFamily="18" charset="0"/>
-                          </a:rPr>
-                          <m:t>1</m:t>
-                        </m:r>
-                      </m:sub>
-                    </m:sSub>
-                    <m:r>
-                      <a:rPr lang="en-US" sz="2400" b="0" i="1" smtClean="0">
-                        <a:latin typeface="Cambria Math" panose="02040503050406030204" pitchFamily="18" charset="0"/>
-                      </a:rPr>
-                      <m:t>≫</m:t>
-                    </m:r>
-                    <m:sSub>
-                      <m:sSubPr>
-                        <m:ctrlPr>
-                          <a:rPr lang="en-US" sz="2400" b="0" i="1" smtClean="0">
-                            <a:latin typeface="Cambria Math" panose="02040503050406030204" pitchFamily="18" charset="0"/>
-                          </a:rPr>
-                        </m:ctrlPr>
-                      </m:sSubPr>
-                      <m:e>
-                        <m:r>
-                          <a:rPr lang="en-US" sz="2400" b="0" i="1" smtClean="0">
-                            <a:latin typeface="Cambria Math" panose="02040503050406030204" pitchFamily="18" charset="0"/>
-                          </a:rPr>
-                          <m:t>𝑝</m:t>
-                        </m:r>
-                      </m:e>
-                      <m:sub>
-                        <m:r>
-                          <a:rPr lang="en-US" sz="2400" b="0" i="1" smtClean="0">
-                            <a:latin typeface="Cambria Math" panose="02040503050406030204" pitchFamily="18" charset="0"/>
-                          </a:rPr>
-                          <m:t>2</m:t>
-                        </m:r>
-                      </m:sub>
-                    </m:sSub>
-                  </m:oMath>
-                </a14:m>
-                <a:endParaRPr lang="en-US" sz="2400" dirty="0"/>
-              </a:p>
-              <a:p>
-                <a:pPr marL="342900" indent="-342900">
-                  <a:buAutoNum type="alphaLcParenR"/>
-                </a:pPr>
-                <a14:m>
-                  <m:oMath xmlns:m="http://schemas.openxmlformats.org/officeDocument/2006/math">
-                    <m:sSub>
-                      <m:sSubPr>
-                        <m:ctrlPr>
-                          <a:rPr lang="en-US" sz="2400" b="0" i="1" smtClean="0">
-                            <a:latin typeface="Cambria Math" panose="02040503050406030204" pitchFamily="18" charset="0"/>
-                          </a:rPr>
-                        </m:ctrlPr>
-                      </m:sSubPr>
-                      <m:e>
-                        <m:r>
-                          <a:rPr lang="en-US" sz="2400" b="0" i="1" smtClean="0">
-                            <a:latin typeface="Cambria Math" panose="02040503050406030204" pitchFamily="18" charset="0"/>
-                          </a:rPr>
-                          <m:t>𝑝</m:t>
-                        </m:r>
-                      </m:e>
-                      <m:sub>
-                        <m:r>
-                          <a:rPr lang="en-US" sz="2400" b="0" i="1" smtClean="0">
-                            <a:latin typeface="Cambria Math" panose="02040503050406030204" pitchFamily="18" charset="0"/>
-                          </a:rPr>
-                          <m:t>1</m:t>
-                        </m:r>
-                      </m:sub>
-                    </m:sSub>
-                    <m:r>
-                      <a:rPr lang="en-US" sz="2400" b="0" i="1" smtClean="0">
-                        <a:latin typeface="Cambria Math" panose="02040503050406030204" pitchFamily="18" charset="0"/>
-                        <a:ea typeface="Cambria Math" panose="02040503050406030204" pitchFamily="18" charset="0"/>
-                      </a:rPr>
-                      <m:t>≈</m:t>
-                    </m:r>
-                    <m:sSub>
-                      <m:sSubPr>
-                        <m:ctrlPr>
-                          <a:rPr lang="en-US" sz="2400" b="0" i="1" smtClean="0">
-                            <a:latin typeface="Cambria Math" panose="02040503050406030204" pitchFamily="18" charset="0"/>
-                            <a:ea typeface="Cambria Math" panose="02040503050406030204" pitchFamily="18" charset="0"/>
-                          </a:rPr>
-                        </m:ctrlPr>
-                      </m:sSubPr>
-                      <m:e>
-                        <m:r>
-                          <a:rPr lang="en-US" sz="2400" b="0" i="1" smtClean="0">
-                            <a:latin typeface="Cambria Math" panose="02040503050406030204" pitchFamily="18" charset="0"/>
-                            <a:ea typeface="Cambria Math" panose="02040503050406030204" pitchFamily="18" charset="0"/>
-                          </a:rPr>
-                          <m:t>𝑝</m:t>
-                        </m:r>
-                      </m:e>
-                      <m:sub>
-                        <m:r>
-                          <a:rPr lang="en-US" sz="2400" b="0" i="1" smtClean="0">
-                            <a:latin typeface="Cambria Math" panose="02040503050406030204" pitchFamily="18" charset="0"/>
-                            <a:ea typeface="Cambria Math" panose="02040503050406030204" pitchFamily="18" charset="0"/>
-                          </a:rPr>
-                          <m:t>2</m:t>
-                        </m:r>
-                      </m:sub>
-                    </m:sSub>
-                  </m:oMath>
-                </a14:m>
-                <a:endParaRPr lang="en-US" sz="2400" dirty="0"/>
-              </a:p>
-            </p:txBody>
-          </p:sp>
-        </mc:Choice>
-        <mc:Fallback xmlns="">
-          <p:sp>
-            <p:nvSpPr>
-              <p:cNvPr id="26" name="TextBox 25">
-                <a:extLst>
-                  <a:ext uri="{FF2B5EF4-FFF2-40B4-BE49-F238E27FC236}">
-                    <a16:creationId xmlns:a16="http://schemas.microsoft.com/office/drawing/2014/main" id="{934FD0DB-66DA-4399-AC91-408DED002AEB}"/>
-                  </a:ext>
-                </a:extLst>
-              </p:cNvPr>
-              <p:cNvSpPr txBox="1">
-                <a:spLocks noRot="1" noChangeAspect="1" noMove="1" noResize="1" noEditPoints="1" noAdjustHandles="1" noChangeArrowheads="1" noChangeShapeType="1" noTextEdit="1"/>
-              </p:cNvSpPr>
-              <p:nvPr/>
-            </p:nvSpPr>
-            <p:spPr>
-              <a:xfrm>
-                <a:off x="508721" y="4440713"/>
-                <a:ext cx="4659938" cy="1569660"/>
-              </a:xfrm>
-              <a:prstGeom prst="rect">
-                <a:avLst/>
-              </a:prstGeom>
-              <a:blipFill>
-                <a:blip r:embed="rId8"/>
-                <a:stretch>
-                  <a:fillRect l="-1961" t="-3101" b="-6977"/>
+                  <a:fillRect l="-1848" t="-5882" b="-16176"/>
                 </a:stretch>
               </a:blipFill>
             </p:spPr>
@@ -11549,55 +11340,1591 @@
       </mc:AlternateContent>
       <p:sp>
         <p:nvSpPr>
-          <p:cNvPr id="27" name="Oval 26">
+          <p:cNvPr id="26" name="TextBox 25">
             <a:extLst>
               <a:ext uri="{FF2B5EF4-FFF2-40B4-BE49-F238E27FC236}">
-                <a16:creationId xmlns:a16="http://schemas.microsoft.com/office/drawing/2014/main" id="{23FD764F-1FB7-446C-B9F2-FA62791E2EBE}"/>
+                <a16:creationId xmlns:a16="http://schemas.microsoft.com/office/drawing/2014/main" id="{934FD0DB-66DA-4399-AC91-408DED002AEB}"/>
               </a:ext>
             </a:extLst>
           </p:cNvPr>
-          <p:cNvSpPr>
-            <a:spLocks noChangeAspect="1"/>
-          </p:cNvSpPr>
+          <p:cNvSpPr txBox="1"/>
           <p:nvPr/>
         </p:nvSpPr>
         <p:spPr>
           <a:xfrm>
-            <a:off x="9541618" y="2146603"/>
-            <a:ext cx="274320" cy="274320"/>
+            <a:off x="280101" y="3427961"/>
+            <a:ext cx="4659938" cy="830997"/>
           </a:xfrm>
-          <a:prstGeom prst="ellipse">
+          <a:prstGeom prst="rect">
             <a:avLst/>
           </a:prstGeom>
-          <a:ln>
-            <a:noFill/>
-          </a:ln>
+          <a:noFill/>
         </p:spPr>
-        <p:style>
-          <a:lnRef idx="2">
-            <a:schemeClr val="accent1">
-              <a:shade val="50000"/>
-            </a:schemeClr>
-          </a:lnRef>
-          <a:fillRef idx="1">
-            <a:schemeClr val="accent1"/>
-          </a:fillRef>
-          <a:effectRef idx="0">
-            <a:schemeClr val="accent1"/>
-          </a:effectRef>
-          <a:fontRef idx="minor">
-            <a:schemeClr val="lt1"/>
-          </a:fontRef>
-        </p:style>
         <p:txBody>
-          <a:bodyPr rtlCol="0" anchor="ctr"/>
+          <a:bodyPr wrap="square" rtlCol="0">
+            <a:spAutoFit/>
+          </a:bodyPr>
           <a:lstStyle/>
           <a:p>
-            <a:pPr algn="ctr"/>
-            <a:endParaRPr lang="en-US"/>
+            <a:r>
+              <a:rPr lang="en-US" sz="2400" dirty="0"/>
+              <a:t>If only 2 classes, consider the following 2 cases</a:t>
+            </a:r>
           </a:p>
         </p:txBody>
       </p:sp>
+      <p:grpSp>
+        <p:nvGrpSpPr>
+          <p:cNvPr id="8" name="Group 7">
+            <a:extLst>
+              <a:ext uri="{FF2B5EF4-FFF2-40B4-BE49-F238E27FC236}">
+                <a16:creationId xmlns:a16="http://schemas.microsoft.com/office/drawing/2014/main" id="{CFD93078-AA12-420F-B43F-C10A08616602}"/>
+              </a:ext>
+            </a:extLst>
+          </p:cNvPr>
+          <p:cNvGrpSpPr/>
+          <p:nvPr/>
+        </p:nvGrpSpPr>
+        <p:grpSpPr>
+          <a:xfrm>
+            <a:off x="2921340" y="3869147"/>
+            <a:ext cx="3737811" cy="2112173"/>
+            <a:chOff x="2921340" y="3869147"/>
+            <a:chExt cx="3737811" cy="2112173"/>
+          </a:xfrm>
+        </p:grpSpPr>
+        <mc:AlternateContent xmlns:mc="http://schemas.openxmlformats.org/markup-compatibility/2006" xmlns:a14="http://schemas.microsoft.com/office/drawing/2010/main">
+          <mc:Choice Requires="a14">
+            <p:sp>
+              <p:nvSpPr>
+                <p:cNvPr id="21" name="TextBox 20">
+                  <a:extLst>
+                    <a:ext uri="{FF2B5EF4-FFF2-40B4-BE49-F238E27FC236}">
+                      <a16:creationId xmlns:a16="http://schemas.microsoft.com/office/drawing/2014/main" id="{966ABAEB-83A4-4BC9-88BC-D26B1D2D050E}"/>
+                    </a:ext>
+                  </a:extLst>
+                </p:cNvPr>
+                <p:cNvSpPr txBox="1"/>
+                <p:nvPr/>
+              </p:nvSpPr>
+              <p:spPr>
+                <a:xfrm>
+                  <a:off x="3492451" y="3869147"/>
+                  <a:ext cx="2595589" cy="461665"/>
+                </a:xfrm>
+                <a:prstGeom prst="rect">
+                  <a:avLst/>
+                </a:prstGeom>
+                <a:noFill/>
+              </p:spPr>
+              <p:txBody>
+                <a:bodyPr wrap="square" rtlCol="0">
+                  <a:spAutoFit/>
+                </a:bodyPr>
+                <a:lstStyle/>
+                <a:p>
+                  <a:pPr algn="ctr"/>
+                  <a:r>
+                    <a:rPr lang="en-US" sz="2400" dirty="0"/>
+                    <a:t>a)    </a:t>
+                  </a:r>
+                  <a14:m>
+                    <m:oMath xmlns:m="http://schemas.openxmlformats.org/officeDocument/2006/math">
+                      <m:sSub>
+                        <m:sSubPr>
+                          <m:ctrlPr>
+                            <a:rPr lang="en-US" sz="2400" b="1" i="1" smtClean="0">
+                              <a:solidFill>
+                                <a:srgbClr val="0070C0"/>
+                              </a:solidFill>
+                              <a:latin typeface="Cambria Math" panose="02040503050406030204" pitchFamily="18" charset="0"/>
+                            </a:rPr>
+                          </m:ctrlPr>
+                        </m:sSubPr>
+                        <m:e>
+                          <m:r>
+                            <a:rPr lang="en-US" sz="2400" b="1" i="1">
+                              <a:solidFill>
+                                <a:srgbClr val="0070C0"/>
+                              </a:solidFill>
+                              <a:latin typeface="Cambria Math" panose="02040503050406030204" pitchFamily="18" charset="0"/>
+                            </a:rPr>
+                            <m:t>𝒑</m:t>
+                          </m:r>
+                        </m:e>
+                        <m:sub>
+                          <m:r>
+                            <a:rPr lang="en-US" sz="2400" b="1" i="1">
+                              <a:solidFill>
+                                <a:srgbClr val="0070C0"/>
+                              </a:solidFill>
+                              <a:latin typeface="Cambria Math" panose="02040503050406030204" pitchFamily="18" charset="0"/>
+                            </a:rPr>
+                            <m:t>𝟏</m:t>
+                          </m:r>
+                        </m:sub>
+                      </m:sSub>
+                      <m:r>
+                        <a:rPr lang="en-US" sz="2400" b="1" i="1">
+                          <a:latin typeface="Cambria Math" panose="02040503050406030204" pitchFamily="18" charset="0"/>
+                        </a:rPr>
+                        <m:t>≫</m:t>
+                      </m:r>
+                      <m:sSub>
+                        <m:sSubPr>
+                          <m:ctrlPr>
+                            <a:rPr lang="en-US" sz="2400" b="1" i="1" smtClean="0">
+                              <a:solidFill>
+                                <a:srgbClr val="FF0000"/>
+                              </a:solidFill>
+                              <a:latin typeface="Cambria Math" panose="02040503050406030204" pitchFamily="18" charset="0"/>
+                            </a:rPr>
+                          </m:ctrlPr>
+                        </m:sSubPr>
+                        <m:e>
+                          <m:r>
+                            <a:rPr lang="en-US" sz="2400" b="1" i="1">
+                              <a:solidFill>
+                                <a:srgbClr val="FF0000"/>
+                              </a:solidFill>
+                              <a:latin typeface="Cambria Math" panose="02040503050406030204" pitchFamily="18" charset="0"/>
+                            </a:rPr>
+                            <m:t>𝒑</m:t>
+                          </m:r>
+                        </m:e>
+                        <m:sub>
+                          <m:r>
+                            <a:rPr lang="en-US" sz="2400" b="1" i="1">
+                              <a:solidFill>
+                                <a:srgbClr val="FF0000"/>
+                              </a:solidFill>
+                              <a:latin typeface="Cambria Math" panose="02040503050406030204" pitchFamily="18" charset="0"/>
+                            </a:rPr>
+                            <m:t>𝟐</m:t>
+                          </m:r>
+                        </m:sub>
+                      </m:sSub>
+                    </m:oMath>
+                  </a14:m>
+                  <a:endParaRPr lang="en-US" sz="2400" b="1" dirty="0"/>
+                </a:p>
+              </p:txBody>
+            </p:sp>
+          </mc:Choice>
+          <mc:Fallback xmlns="">
+            <p:sp>
+              <p:nvSpPr>
+                <p:cNvPr id="21" name="TextBox 20">
+                  <a:extLst>
+                    <a:ext uri="{FF2B5EF4-FFF2-40B4-BE49-F238E27FC236}">
+                      <a16:creationId xmlns:a16="http://schemas.microsoft.com/office/drawing/2014/main" id="{966ABAEB-83A4-4BC9-88BC-D26B1D2D050E}"/>
+                    </a:ext>
+                  </a:extLst>
+                </p:cNvPr>
+                <p:cNvSpPr txBox="1">
+                  <a:spLocks noRot="1" noChangeAspect="1" noMove="1" noResize="1" noEditPoints="1" noAdjustHandles="1" noChangeArrowheads="1" noChangeShapeType="1" noTextEdit="1"/>
+                </p:cNvSpPr>
+                <p:nvPr/>
+              </p:nvSpPr>
+              <p:spPr>
+                <a:xfrm>
+                  <a:off x="3492451" y="3869147"/>
+                  <a:ext cx="2595589" cy="461665"/>
+                </a:xfrm>
+                <a:prstGeom prst="rect">
+                  <a:avLst/>
+                </a:prstGeom>
+                <a:blipFill>
+                  <a:blip r:embed="rId7"/>
+                  <a:stretch>
+                    <a:fillRect t="-10667" b="-30667"/>
+                  </a:stretch>
+                </a:blipFill>
+              </p:spPr>
+              <p:txBody>
+                <a:bodyPr/>
+                <a:lstStyle/>
+                <a:p>
+                  <a:r>
+                    <a:rPr lang="en-US">
+                      <a:noFill/>
+                    </a:rPr>
+                    <a:t> </a:t>
+                  </a:r>
+                </a:p>
+              </p:txBody>
+            </p:sp>
+          </mc:Fallback>
+        </mc:AlternateContent>
+        <p:grpSp>
+          <p:nvGrpSpPr>
+            <p:cNvPr id="6" name="Group 5">
+              <a:extLst>
+                <a:ext uri="{FF2B5EF4-FFF2-40B4-BE49-F238E27FC236}">
+                  <a16:creationId xmlns:a16="http://schemas.microsoft.com/office/drawing/2014/main" id="{1E4470CF-74D9-4C57-8AA9-05D2EA53E71B}"/>
+                </a:ext>
+              </a:extLst>
+            </p:cNvPr>
+            <p:cNvGrpSpPr/>
+            <p:nvPr/>
+          </p:nvGrpSpPr>
+          <p:grpSpPr>
+            <a:xfrm>
+              <a:off x="2921340" y="4316936"/>
+              <a:ext cx="3737811" cy="1664384"/>
+              <a:chOff x="2921340" y="4316936"/>
+              <a:chExt cx="3737811" cy="1664384"/>
+            </a:xfrm>
+          </p:grpSpPr>
+          <p:sp>
+            <p:nvSpPr>
+              <p:cNvPr id="12" name="Rectangle 11">
+                <a:extLst>
+                  <a:ext uri="{FF2B5EF4-FFF2-40B4-BE49-F238E27FC236}">
+                    <a16:creationId xmlns:a16="http://schemas.microsoft.com/office/drawing/2014/main" id="{B5C6EE13-9D9D-4231-B80D-7328FAD1E16F}"/>
+                  </a:ext>
+                </a:extLst>
+              </p:cNvPr>
+              <p:cNvSpPr/>
+              <p:nvPr/>
+            </p:nvSpPr>
+            <p:spPr>
+              <a:xfrm>
+                <a:off x="2921340" y="4316936"/>
+                <a:ext cx="3737811" cy="1664384"/>
+              </a:xfrm>
+              <a:prstGeom prst="rect">
+                <a:avLst/>
+              </a:prstGeom>
+              <a:noFill/>
+            </p:spPr>
+            <p:style>
+              <a:lnRef idx="2">
+                <a:schemeClr val="accent1">
+                  <a:shade val="50000"/>
+                </a:schemeClr>
+              </a:lnRef>
+              <a:fillRef idx="1">
+                <a:schemeClr val="accent1"/>
+              </a:fillRef>
+              <a:effectRef idx="0">
+                <a:schemeClr val="accent1"/>
+              </a:effectRef>
+              <a:fontRef idx="minor">
+                <a:schemeClr val="lt1"/>
+              </a:fontRef>
+            </p:style>
+            <p:txBody>
+              <a:bodyPr rtlCol="0" anchor="ctr"/>
+              <a:lstStyle/>
+              <a:p>
+                <a:pPr algn="ctr"/>
+                <a:endParaRPr lang="en-US"/>
+              </a:p>
+            </p:txBody>
+          </p:sp>
+          <p:sp>
+            <p:nvSpPr>
+              <p:cNvPr id="13" name="Oval 12">
+                <a:extLst>
+                  <a:ext uri="{FF2B5EF4-FFF2-40B4-BE49-F238E27FC236}">
+                    <a16:creationId xmlns:a16="http://schemas.microsoft.com/office/drawing/2014/main" id="{8D00E35D-058F-4C95-A8D8-2F3D4B041958}"/>
+                  </a:ext>
+                </a:extLst>
+              </p:cNvPr>
+              <p:cNvSpPr>
+                <a:spLocks noChangeAspect="1"/>
+              </p:cNvSpPr>
+              <p:nvPr/>
+            </p:nvSpPr>
+            <p:spPr>
+              <a:xfrm>
+                <a:off x="4381660" y="4719209"/>
+                <a:ext cx="274320" cy="274320"/>
+              </a:xfrm>
+              <a:prstGeom prst="ellipse">
+                <a:avLst/>
+              </a:prstGeom>
+              <a:solidFill>
+                <a:srgbClr val="0070C0"/>
+              </a:solidFill>
+              <a:ln>
+                <a:noFill/>
+              </a:ln>
+            </p:spPr>
+            <p:style>
+              <a:lnRef idx="2">
+                <a:schemeClr val="accent1">
+                  <a:shade val="50000"/>
+                </a:schemeClr>
+              </a:lnRef>
+              <a:fillRef idx="1">
+                <a:schemeClr val="accent1"/>
+              </a:fillRef>
+              <a:effectRef idx="0">
+                <a:schemeClr val="accent1"/>
+              </a:effectRef>
+              <a:fontRef idx="minor">
+                <a:schemeClr val="lt1"/>
+              </a:fontRef>
+            </p:style>
+            <p:txBody>
+              <a:bodyPr rtlCol="0" anchor="ctr"/>
+              <a:lstStyle/>
+              <a:p>
+                <a:pPr algn="ctr"/>
+                <a:endParaRPr lang="en-US"/>
+              </a:p>
+            </p:txBody>
+          </p:sp>
+          <p:sp>
+            <p:nvSpPr>
+              <p:cNvPr id="15" name="Oval 14">
+                <a:extLst>
+                  <a:ext uri="{FF2B5EF4-FFF2-40B4-BE49-F238E27FC236}">
+                    <a16:creationId xmlns:a16="http://schemas.microsoft.com/office/drawing/2014/main" id="{0F154D37-7FE5-463B-8AA1-9AA87456A171}"/>
+                  </a:ext>
+                </a:extLst>
+              </p:cNvPr>
+              <p:cNvSpPr>
+                <a:spLocks noChangeAspect="1"/>
+              </p:cNvSpPr>
+              <p:nvPr/>
+            </p:nvSpPr>
+            <p:spPr>
+              <a:xfrm>
+                <a:off x="5910128" y="4366969"/>
+                <a:ext cx="274320" cy="274320"/>
+              </a:xfrm>
+              <a:prstGeom prst="ellipse">
+                <a:avLst/>
+              </a:prstGeom>
+              <a:ln>
+                <a:noFill/>
+              </a:ln>
+            </p:spPr>
+            <p:style>
+              <a:lnRef idx="2">
+                <a:schemeClr val="accent1">
+                  <a:shade val="50000"/>
+                </a:schemeClr>
+              </a:lnRef>
+              <a:fillRef idx="1">
+                <a:schemeClr val="accent1"/>
+              </a:fillRef>
+              <a:effectRef idx="0">
+                <a:schemeClr val="accent1"/>
+              </a:effectRef>
+              <a:fontRef idx="minor">
+                <a:schemeClr val="lt1"/>
+              </a:fontRef>
+            </p:style>
+            <p:txBody>
+              <a:bodyPr rtlCol="0" anchor="ctr"/>
+              <a:lstStyle/>
+              <a:p>
+                <a:pPr algn="ctr"/>
+                <a:endParaRPr lang="en-US"/>
+              </a:p>
+            </p:txBody>
+          </p:sp>
+          <p:sp>
+            <p:nvSpPr>
+              <p:cNvPr id="16" name="Oval 15">
+                <a:extLst>
+                  <a:ext uri="{FF2B5EF4-FFF2-40B4-BE49-F238E27FC236}">
+                    <a16:creationId xmlns:a16="http://schemas.microsoft.com/office/drawing/2014/main" id="{B42BEC0E-14C6-403A-B129-99E289AAD781}"/>
+                  </a:ext>
+                </a:extLst>
+              </p:cNvPr>
+              <p:cNvSpPr>
+                <a:spLocks noChangeAspect="1"/>
+              </p:cNvSpPr>
+              <p:nvPr/>
+            </p:nvSpPr>
+            <p:spPr>
+              <a:xfrm>
+                <a:off x="3622158" y="5397074"/>
+                <a:ext cx="274320" cy="274320"/>
+              </a:xfrm>
+              <a:prstGeom prst="ellipse">
+                <a:avLst/>
+              </a:prstGeom>
+              <a:solidFill>
+                <a:srgbClr val="FF0000"/>
+              </a:solidFill>
+              <a:ln>
+                <a:noFill/>
+              </a:ln>
+            </p:spPr>
+            <p:style>
+              <a:lnRef idx="2">
+                <a:schemeClr val="accent1">
+                  <a:shade val="50000"/>
+                </a:schemeClr>
+              </a:lnRef>
+              <a:fillRef idx="1">
+                <a:schemeClr val="accent1"/>
+              </a:fillRef>
+              <a:effectRef idx="0">
+                <a:schemeClr val="accent1"/>
+              </a:effectRef>
+              <a:fontRef idx="minor">
+                <a:schemeClr val="lt1"/>
+              </a:fontRef>
+            </p:style>
+            <p:txBody>
+              <a:bodyPr rtlCol="0" anchor="ctr"/>
+              <a:lstStyle/>
+              <a:p>
+                <a:pPr algn="ctr"/>
+                <a:endParaRPr lang="en-US"/>
+              </a:p>
+            </p:txBody>
+          </p:sp>
+          <p:sp>
+            <p:nvSpPr>
+              <p:cNvPr id="17" name="Oval 16">
+                <a:extLst>
+                  <a:ext uri="{FF2B5EF4-FFF2-40B4-BE49-F238E27FC236}">
+                    <a16:creationId xmlns:a16="http://schemas.microsoft.com/office/drawing/2014/main" id="{3BCF8710-092A-4EE2-BC99-501E2D60BEC6}"/>
+                  </a:ext>
+                </a:extLst>
+              </p:cNvPr>
+              <p:cNvSpPr>
+                <a:spLocks noChangeAspect="1"/>
+              </p:cNvSpPr>
+              <p:nvPr/>
+            </p:nvSpPr>
+            <p:spPr>
+              <a:xfrm>
+                <a:off x="3051371" y="4654506"/>
+                <a:ext cx="274320" cy="274320"/>
+              </a:xfrm>
+              <a:prstGeom prst="ellipse">
+                <a:avLst/>
+              </a:prstGeom>
+              <a:ln>
+                <a:noFill/>
+              </a:ln>
+            </p:spPr>
+            <p:style>
+              <a:lnRef idx="2">
+                <a:schemeClr val="accent1">
+                  <a:shade val="50000"/>
+                </a:schemeClr>
+              </a:lnRef>
+              <a:fillRef idx="1">
+                <a:schemeClr val="accent1"/>
+              </a:fillRef>
+              <a:effectRef idx="0">
+                <a:schemeClr val="accent1"/>
+              </a:effectRef>
+              <a:fontRef idx="minor">
+                <a:schemeClr val="lt1"/>
+              </a:fontRef>
+            </p:style>
+            <p:txBody>
+              <a:bodyPr rtlCol="0" anchor="ctr"/>
+              <a:lstStyle/>
+              <a:p>
+                <a:pPr algn="ctr"/>
+                <a:endParaRPr lang="en-US"/>
+              </a:p>
+            </p:txBody>
+          </p:sp>
+          <p:sp>
+            <p:nvSpPr>
+              <p:cNvPr id="18" name="Oval 17">
+                <a:extLst>
+                  <a:ext uri="{FF2B5EF4-FFF2-40B4-BE49-F238E27FC236}">
+                    <a16:creationId xmlns:a16="http://schemas.microsoft.com/office/drawing/2014/main" id="{69823825-A860-466E-BE85-807DB3F78FD2}"/>
+                  </a:ext>
+                </a:extLst>
+              </p:cNvPr>
+              <p:cNvSpPr>
+                <a:spLocks noChangeAspect="1"/>
+              </p:cNvSpPr>
+              <p:nvPr/>
+            </p:nvSpPr>
+            <p:spPr>
+              <a:xfrm>
+                <a:off x="4796963" y="5236218"/>
+                <a:ext cx="274320" cy="274320"/>
+              </a:xfrm>
+              <a:prstGeom prst="ellipse">
+                <a:avLst/>
+              </a:prstGeom>
+              <a:ln>
+                <a:noFill/>
+              </a:ln>
+            </p:spPr>
+            <p:style>
+              <a:lnRef idx="2">
+                <a:schemeClr val="accent1">
+                  <a:shade val="50000"/>
+                </a:schemeClr>
+              </a:lnRef>
+              <a:fillRef idx="1">
+                <a:schemeClr val="accent1"/>
+              </a:fillRef>
+              <a:effectRef idx="0">
+                <a:schemeClr val="accent1"/>
+              </a:effectRef>
+              <a:fontRef idx="minor">
+                <a:schemeClr val="lt1"/>
+              </a:fontRef>
+            </p:style>
+            <p:txBody>
+              <a:bodyPr rtlCol="0" anchor="ctr"/>
+              <a:lstStyle/>
+              <a:p>
+                <a:pPr algn="ctr"/>
+                <a:endParaRPr lang="en-US"/>
+              </a:p>
+            </p:txBody>
+          </p:sp>
+          <p:sp>
+            <p:nvSpPr>
+              <p:cNvPr id="19" name="Oval 18">
+                <a:extLst>
+                  <a:ext uri="{FF2B5EF4-FFF2-40B4-BE49-F238E27FC236}">
+                    <a16:creationId xmlns:a16="http://schemas.microsoft.com/office/drawing/2014/main" id="{43464659-C84F-41C4-B9E1-F803A43DEED7}"/>
+                  </a:ext>
+                </a:extLst>
+              </p:cNvPr>
+              <p:cNvSpPr>
+                <a:spLocks noChangeAspect="1"/>
+              </p:cNvSpPr>
+              <p:nvPr/>
+            </p:nvSpPr>
+            <p:spPr>
+              <a:xfrm>
+                <a:off x="5967945" y="5324074"/>
+                <a:ext cx="274320" cy="274320"/>
+              </a:xfrm>
+              <a:prstGeom prst="ellipse">
+                <a:avLst/>
+              </a:prstGeom>
+              <a:solidFill>
+                <a:srgbClr val="0070C0"/>
+              </a:solidFill>
+              <a:ln>
+                <a:noFill/>
+              </a:ln>
+            </p:spPr>
+            <p:style>
+              <a:lnRef idx="2">
+                <a:schemeClr val="accent1">
+                  <a:shade val="50000"/>
+                </a:schemeClr>
+              </a:lnRef>
+              <a:fillRef idx="1">
+                <a:schemeClr val="accent1"/>
+              </a:fillRef>
+              <a:effectRef idx="0">
+                <a:schemeClr val="accent1"/>
+              </a:effectRef>
+              <a:fontRef idx="minor">
+                <a:schemeClr val="lt1"/>
+              </a:fontRef>
+            </p:style>
+            <p:txBody>
+              <a:bodyPr rtlCol="0" anchor="ctr"/>
+              <a:lstStyle/>
+              <a:p>
+                <a:pPr algn="ctr"/>
+                <a:endParaRPr lang="en-US"/>
+              </a:p>
+            </p:txBody>
+          </p:sp>
+          <p:sp>
+            <p:nvSpPr>
+              <p:cNvPr id="27" name="Oval 26">
+                <a:extLst>
+                  <a:ext uri="{FF2B5EF4-FFF2-40B4-BE49-F238E27FC236}">
+                    <a16:creationId xmlns:a16="http://schemas.microsoft.com/office/drawing/2014/main" id="{23FD764F-1FB7-446C-B9F2-FA62791E2EBE}"/>
+                  </a:ext>
+                </a:extLst>
+              </p:cNvPr>
+              <p:cNvSpPr>
+                <a:spLocks noChangeAspect="1"/>
+              </p:cNvSpPr>
+              <p:nvPr/>
+            </p:nvSpPr>
+            <p:spPr>
+              <a:xfrm>
+                <a:off x="5596937" y="5581223"/>
+                <a:ext cx="274320" cy="274320"/>
+              </a:xfrm>
+              <a:prstGeom prst="ellipse">
+                <a:avLst/>
+              </a:prstGeom>
+              <a:ln>
+                <a:noFill/>
+              </a:ln>
+            </p:spPr>
+            <p:style>
+              <a:lnRef idx="2">
+                <a:schemeClr val="accent1">
+                  <a:shade val="50000"/>
+                </a:schemeClr>
+              </a:lnRef>
+              <a:fillRef idx="1">
+                <a:schemeClr val="accent1"/>
+              </a:fillRef>
+              <a:effectRef idx="0">
+                <a:schemeClr val="accent1"/>
+              </a:effectRef>
+              <a:fontRef idx="minor">
+                <a:schemeClr val="lt1"/>
+              </a:fontRef>
+            </p:style>
+            <p:txBody>
+              <a:bodyPr rtlCol="0" anchor="ctr"/>
+              <a:lstStyle/>
+              <a:p>
+                <a:pPr algn="ctr"/>
+                <a:endParaRPr lang="en-US"/>
+              </a:p>
+            </p:txBody>
+          </p:sp>
+          <p:sp>
+            <p:nvSpPr>
+              <p:cNvPr id="35" name="Oval 34">
+                <a:extLst>
+                  <a:ext uri="{FF2B5EF4-FFF2-40B4-BE49-F238E27FC236}">
+                    <a16:creationId xmlns:a16="http://schemas.microsoft.com/office/drawing/2014/main" id="{77E2EFD3-ED38-4075-A794-CE65485D6A66}"/>
+                  </a:ext>
+                </a:extLst>
+              </p:cNvPr>
+              <p:cNvSpPr>
+                <a:spLocks noChangeAspect="1"/>
+              </p:cNvSpPr>
+              <p:nvPr/>
+            </p:nvSpPr>
+            <p:spPr>
+              <a:xfrm>
+                <a:off x="4203762" y="5649022"/>
+                <a:ext cx="274320" cy="274320"/>
+              </a:xfrm>
+              <a:prstGeom prst="ellipse">
+                <a:avLst/>
+              </a:prstGeom>
+              <a:ln>
+                <a:noFill/>
+              </a:ln>
+            </p:spPr>
+            <p:style>
+              <a:lnRef idx="2">
+                <a:schemeClr val="accent1">
+                  <a:shade val="50000"/>
+                </a:schemeClr>
+              </a:lnRef>
+              <a:fillRef idx="1">
+                <a:schemeClr val="accent1"/>
+              </a:fillRef>
+              <a:effectRef idx="0">
+                <a:schemeClr val="accent1"/>
+              </a:effectRef>
+              <a:fontRef idx="minor">
+                <a:schemeClr val="lt1"/>
+              </a:fontRef>
+            </p:style>
+            <p:txBody>
+              <a:bodyPr rtlCol="0" anchor="ctr"/>
+              <a:lstStyle/>
+              <a:p>
+                <a:pPr algn="ctr"/>
+                <a:endParaRPr lang="en-US"/>
+              </a:p>
+            </p:txBody>
+          </p:sp>
+          <p:sp>
+            <p:nvSpPr>
+              <p:cNvPr id="36" name="Oval 35">
+                <a:extLst>
+                  <a:ext uri="{FF2B5EF4-FFF2-40B4-BE49-F238E27FC236}">
+                    <a16:creationId xmlns:a16="http://schemas.microsoft.com/office/drawing/2014/main" id="{DF5B58A1-13CD-4511-93BA-EE1EE6EE29D9}"/>
+                  </a:ext>
+                </a:extLst>
+              </p:cNvPr>
+              <p:cNvSpPr>
+                <a:spLocks noChangeAspect="1"/>
+              </p:cNvSpPr>
+              <p:nvPr/>
+            </p:nvSpPr>
+            <p:spPr>
+              <a:xfrm>
+                <a:off x="3050019" y="5692890"/>
+                <a:ext cx="274320" cy="274320"/>
+              </a:xfrm>
+              <a:prstGeom prst="ellipse">
+                <a:avLst/>
+              </a:prstGeom>
+              <a:ln>
+                <a:noFill/>
+              </a:ln>
+            </p:spPr>
+            <p:style>
+              <a:lnRef idx="2">
+                <a:schemeClr val="accent1">
+                  <a:shade val="50000"/>
+                </a:schemeClr>
+              </a:lnRef>
+              <a:fillRef idx="1">
+                <a:schemeClr val="accent1"/>
+              </a:fillRef>
+              <a:effectRef idx="0">
+                <a:schemeClr val="accent1"/>
+              </a:effectRef>
+              <a:fontRef idx="minor">
+                <a:schemeClr val="lt1"/>
+              </a:fontRef>
+            </p:style>
+            <p:txBody>
+              <a:bodyPr rtlCol="0" anchor="ctr"/>
+              <a:lstStyle/>
+              <a:p>
+                <a:pPr algn="ctr"/>
+                <a:endParaRPr lang="en-US"/>
+              </a:p>
+            </p:txBody>
+          </p:sp>
+          <p:sp>
+            <p:nvSpPr>
+              <p:cNvPr id="37" name="Oval 36">
+                <a:extLst>
+                  <a:ext uri="{FF2B5EF4-FFF2-40B4-BE49-F238E27FC236}">
+                    <a16:creationId xmlns:a16="http://schemas.microsoft.com/office/drawing/2014/main" id="{73BB4EEC-5977-4BC4-8046-E6E5AE17B92C}"/>
+                  </a:ext>
+                </a:extLst>
+              </p:cNvPr>
+              <p:cNvSpPr>
+                <a:spLocks noChangeAspect="1"/>
+              </p:cNvSpPr>
+              <p:nvPr/>
+            </p:nvSpPr>
+            <p:spPr>
+              <a:xfrm>
+                <a:off x="5074739" y="4494974"/>
+                <a:ext cx="274320" cy="274320"/>
+              </a:xfrm>
+              <a:prstGeom prst="ellipse">
+                <a:avLst/>
+              </a:prstGeom>
+              <a:ln>
+                <a:noFill/>
+              </a:ln>
+            </p:spPr>
+            <p:style>
+              <a:lnRef idx="2">
+                <a:schemeClr val="accent1">
+                  <a:shade val="50000"/>
+                </a:schemeClr>
+              </a:lnRef>
+              <a:fillRef idx="1">
+                <a:schemeClr val="accent1"/>
+              </a:fillRef>
+              <a:effectRef idx="0">
+                <a:schemeClr val="accent1"/>
+              </a:effectRef>
+              <a:fontRef idx="minor">
+                <a:schemeClr val="lt1"/>
+              </a:fontRef>
+            </p:style>
+            <p:txBody>
+              <a:bodyPr rtlCol="0" anchor="ctr"/>
+              <a:lstStyle/>
+              <a:p>
+                <a:pPr algn="ctr"/>
+                <a:endParaRPr lang="en-US"/>
+              </a:p>
+            </p:txBody>
+          </p:sp>
+        </p:grpSp>
+      </p:grpSp>
+      <p:grpSp>
+        <p:nvGrpSpPr>
+          <p:cNvPr id="7" name="Group 6">
+            <a:extLst>
+              <a:ext uri="{FF2B5EF4-FFF2-40B4-BE49-F238E27FC236}">
+                <a16:creationId xmlns:a16="http://schemas.microsoft.com/office/drawing/2014/main" id="{CD9D27C8-D395-4D23-8ED1-3496FE7E79DD}"/>
+              </a:ext>
+            </a:extLst>
+          </p:cNvPr>
+          <p:cNvGrpSpPr/>
+          <p:nvPr/>
+        </p:nvGrpSpPr>
+        <p:grpSpPr>
+          <a:xfrm>
+            <a:off x="7763023" y="3883599"/>
+            <a:ext cx="3737811" cy="2097721"/>
+            <a:chOff x="7763023" y="3840682"/>
+            <a:chExt cx="3737811" cy="2097721"/>
+          </a:xfrm>
+        </p:grpSpPr>
+        <mc:AlternateContent xmlns:mc="http://schemas.openxmlformats.org/markup-compatibility/2006" xmlns:a14="http://schemas.microsoft.com/office/drawing/2010/main">
+          <mc:Choice Requires="a14">
+            <p:sp>
+              <p:nvSpPr>
+                <p:cNvPr id="34" name="TextBox 33">
+                  <a:extLst>
+                    <a:ext uri="{FF2B5EF4-FFF2-40B4-BE49-F238E27FC236}">
+                      <a16:creationId xmlns:a16="http://schemas.microsoft.com/office/drawing/2014/main" id="{8EAF03C5-11D2-44FC-841A-DB780C0A35DE}"/>
+                    </a:ext>
+                  </a:extLst>
+                </p:cNvPr>
+                <p:cNvSpPr txBox="1"/>
+                <p:nvPr/>
+              </p:nvSpPr>
+              <p:spPr>
+                <a:xfrm>
+                  <a:off x="8334134" y="3840682"/>
+                  <a:ext cx="2595589" cy="461665"/>
+                </a:xfrm>
+                <a:prstGeom prst="rect">
+                  <a:avLst/>
+                </a:prstGeom>
+                <a:noFill/>
+              </p:spPr>
+              <p:txBody>
+                <a:bodyPr wrap="square" rtlCol="0">
+                  <a:spAutoFit/>
+                </a:bodyPr>
+                <a:lstStyle/>
+                <a:p>
+                  <a:pPr algn="ctr"/>
+                  <a:r>
+                    <a:rPr lang="en-US" sz="2400" dirty="0"/>
+                    <a:t>b)    </a:t>
+                  </a:r>
+                  <a14:m>
+                    <m:oMath xmlns:m="http://schemas.openxmlformats.org/officeDocument/2006/math">
+                      <m:sSub>
+                        <m:sSubPr>
+                          <m:ctrlPr>
+                            <a:rPr lang="en-US" sz="2400" b="1" i="1" smtClean="0">
+                              <a:solidFill>
+                                <a:srgbClr val="0070C0"/>
+                              </a:solidFill>
+                              <a:latin typeface="Cambria Math" panose="02040503050406030204" pitchFamily="18" charset="0"/>
+                            </a:rPr>
+                          </m:ctrlPr>
+                        </m:sSubPr>
+                        <m:e>
+                          <m:r>
+                            <a:rPr lang="en-US" sz="2400" b="1" i="1">
+                              <a:solidFill>
+                                <a:srgbClr val="0070C0"/>
+                              </a:solidFill>
+                              <a:latin typeface="Cambria Math" panose="02040503050406030204" pitchFamily="18" charset="0"/>
+                            </a:rPr>
+                            <m:t>𝒑</m:t>
+                          </m:r>
+                        </m:e>
+                        <m:sub>
+                          <m:r>
+                            <a:rPr lang="en-US" sz="2400" b="1" i="1">
+                              <a:solidFill>
+                                <a:srgbClr val="0070C0"/>
+                              </a:solidFill>
+                              <a:latin typeface="Cambria Math" panose="02040503050406030204" pitchFamily="18" charset="0"/>
+                            </a:rPr>
+                            <m:t>𝟏</m:t>
+                          </m:r>
+                        </m:sub>
+                      </m:sSub>
+                      <m:r>
+                        <a:rPr lang="en-US" sz="2400" b="1" i="1" smtClean="0">
+                          <a:latin typeface="Cambria Math" panose="02040503050406030204" pitchFamily="18" charset="0"/>
+                          <a:ea typeface="Cambria Math" panose="02040503050406030204" pitchFamily="18" charset="0"/>
+                        </a:rPr>
+                        <m:t>≈</m:t>
+                      </m:r>
+                      <m:sSub>
+                        <m:sSubPr>
+                          <m:ctrlPr>
+                            <a:rPr lang="en-US" sz="2400" b="1" i="1" smtClean="0">
+                              <a:solidFill>
+                                <a:srgbClr val="FF0000"/>
+                              </a:solidFill>
+                              <a:latin typeface="Cambria Math" panose="02040503050406030204" pitchFamily="18" charset="0"/>
+                            </a:rPr>
+                          </m:ctrlPr>
+                        </m:sSubPr>
+                        <m:e>
+                          <m:r>
+                            <a:rPr lang="en-US" sz="2400" b="1" i="1">
+                              <a:solidFill>
+                                <a:srgbClr val="FF0000"/>
+                              </a:solidFill>
+                              <a:latin typeface="Cambria Math" panose="02040503050406030204" pitchFamily="18" charset="0"/>
+                            </a:rPr>
+                            <m:t>𝒑</m:t>
+                          </m:r>
+                        </m:e>
+                        <m:sub>
+                          <m:r>
+                            <a:rPr lang="en-US" sz="2400" b="1" i="1">
+                              <a:solidFill>
+                                <a:srgbClr val="FF0000"/>
+                              </a:solidFill>
+                              <a:latin typeface="Cambria Math" panose="02040503050406030204" pitchFamily="18" charset="0"/>
+                            </a:rPr>
+                            <m:t>𝟐</m:t>
+                          </m:r>
+                        </m:sub>
+                      </m:sSub>
+                    </m:oMath>
+                  </a14:m>
+                  <a:endParaRPr lang="en-US" sz="2400" b="1" dirty="0"/>
+                </a:p>
+              </p:txBody>
+            </p:sp>
+          </mc:Choice>
+          <mc:Fallback xmlns="">
+            <p:sp>
+              <p:nvSpPr>
+                <p:cNvPr id="34" name="TextBox 33">
+                  <a:extLst>
+                    <a:ext uri="{FF2B5EF4-FFF2-40B4-BE49-F238E27FC236}">
+                      <a16:creationId xmlns:a16="http://schemas.microsoft.com/office/drawing/2014/main" id="{8EAF03C5-11D2-44FC-841A-DB780C0A35DE}"/>
+                    </a:ext>
+                  </a:extLst>
+                </p:cNvPr>
+                <p:cNvSpPr txBox="1">
+                  <a:spLocks noRot="1" noChangeAspect="1" noMove="1" noResize="1" noEditPoints="1" noAdjustHandles="1" noChangeArrowheads="1" noChangeShapeType="1" noTextEdit="1"/>
+                </p:cNvSpPr>
+                <p:nvPr/>
+              </p:nvSpPr>
+              <p:spPr>
+                <a:xfrm>
+                  <a:off x="8334134" y="3840682"/>
+                  <a:ext cx="2595589" cy="461665"/>
+                </a:xfrm>
+                <a:prstGeom prst="rect">
+                  <a:avLst/>
+                </a:prstGeom>
+                <a:blipFill>
+                  <a:blip r:embed="rId8"/>
+                  <a:stretch>
+                    <a:fillRect t="-10526" b="-28947"/>
+                  </a:stretch>
+                </a:blipFill>
+              </p:spPr>
+              <p:txBody>
+                <a:bodyPr/>
+                <a:lstStyle/>
+                <a:p>
+                  <a:r>
+                    <a:rPr lang="en-US">
+                      <a:noFill/>
+                    </a:rPr>
+                    <a:t> </a:t>
+                  </a:r>
+                </a:p>
+              </p:txBody>
+            </p:sp>
+          </mc:Fallback>
+        </mc:AlternateContent>
+        <p:grpSp>
+          <p:nvGrpSpPr>
+            <p:cNvPr id="5" name="Group 4">
+              <a:extLst>
+                <a:ext uri="{FF2B5EF4-FFF2-40B4-BE49-F238E27FC236}">
+                  <a16:creationId xmlns:a16="http://schemas.microsoft.com/office/drawing/2014/main" id="{E7D6CCFE-EA22-4A22-87D4-19EB0561BAEF}"/>
+                </a:ext>
+              </a:extLst>
+            </p:cNvPr>
+            <p:cNvGrpSpPr/>
+            <p:nvPr/>
+          </p:nvGrpSpPr>
+          <p:grpSpPr>
+            <a:xfrm>
+              <a:off x="7763023" y="4274019"/>
+              <a:ext cx="3737811" cy="1664384"/>
+              <a:chOff x="7763023" y="4274019"/>
+              <a:chExt cx="3737811" cy="1664384"/>
+            </a:xfrm>
+          </p:grpSpPr>
+          <p:sp>
+            <p:nvSpPr>
+              <p:cNvPr id="38" name="Rectangle 37">
+                <a:extLst>
+                  <a:ext uri="{FF2B5EF4-FFF2-40B4-BE49-F238E27FC236}">
+                    <a16:creationId xmlns:a16="http://schemas.microsoft.com/office/drawing/2014/main" id="{906A98E7-FC66-4FF5-9A57-F35574CC6829}"/>
+                  </a:ext>
+                </a:extLst>
+              </p:cNvPr>
+              <p:cNvSpPr/>
+              <p:nvPr/>
+            </p:nvSpPr>
+            <p:spPr>
+              <a:xfrm>
+                <a:off x="7763023" y="4274019"/>
+                <a:ext cx="3737811" cy="1664384"/>
+              </a:xfrm>
+              <a:prstGeom prst="rect">
+                <a:avLst/>
+              </a:prstGeom>
+              <a:noFill/>
+            </p:spPr>
+            <p:style>
+              <a:lnRef idx="2">
+                <a:schemeClr val="accent1">
+                  <a:shade val="50000"/>
+                </a:schemeClr>
+              </a:lnRef>
+              <a:fillRef idx="1">
+                <a:schemeClr val="accent1"/>
+              </a:fillRef>
+              <a:effectRef idx="0">
+                <a:schemeClr val="accent1"/>
+              </a:effectRef>
+              <a:fontRef idx="minor">
+                <a:schemeClr val="lt1"/>
+              </a:fontRef>
+            </p:style>
+            <p:txBody>
+              <a:bodyPr rtlCol="0" anchor="ctr"/>
+              <a:lstStyle/>
+              <a:p>
+                <a:pPr algn="ctr"/>
+                <a:endParaRPr lang="en-US"/>
+              </a:p>
+            </p:txBody>
+          </p:sp>
+          <p:sp>
+            <p:nvSpPr>
+              <p:cNvPr id="39" name="Oval 38">
+                <a:extLst>
+                  <a:ext uri="{FF2B5EF4-FFF2-40B4-BE49-F238E27FC236}">
+                    <a16:creationId xmlns:a16="http://schemas.microsoft.com/office/drawing/2014/main" id="{E88EF66D-2A70-49BF-907D-C22F367BE491}"/>
+                  </a:ext>
+                </a:extLst>
+              </p:cNvPr>
+              <p:cNvSpPr>
+                <a:spLocks noChangeAspect="1"/>
+              </p:cNvSpPr>
+              <p:nvPr/>
+            </p:nvSpPr>
+            <p:spPr>
+              <a:xfrm>
+                <a:off x="9223343" y="4676292"/>
+                <a:ext cx="274320" cy="274320"/>
+              </a:xfrm>
+              <a:prstGeom prst="ellipse">
+                <a:avLst/>
+              </a:prstGeom>
+              <a:solidFill>
+                <a:srgbClr val="0070C0"/>
+              </a:solidFill>
+              <a:ln>
+                <a:noFill/>
+              </a:ln>
+            </p:spPr>
+            <p:style>
+              <a:lnRef idx="2">
+                <a:schemeClr val="accent1">
+                  <a:shade val="50000"/>
+                </a:schemeClr>
+              </a:lnRef>
+              <a:fillRef idx="1">
+                <a:schemeClr val="accent1"/>
+              </a:fillRef>
+              <a:effectRef idx="0">
+                <a:schemeClr val="accent1"/>
+              </a:effectRef>
+              <a:fontRef idx="minor">
+                <a:schemeClr val="lt1"/>
+              </a:fontRef>
+            </p:style>
+            <p:txBody>
+              <a:bodyPr rtlCol="0" anchor="ctr"/>
+              <a:lstStyle/>
+              <a:p>
+                <a:pPr algn="ctr"/>
+                <a:endParaRPr lang="en-US"/>
+              </a:p>
+            </p:txBody>
+          </p:sp>
+          <p:sp>
+            <p:nvSpPr>
+              <p:cNvPr id="40" name="Oval 39">
+                <a:extLst>
+                  <a:ext uri="{FF2B5EF4-FFF2-40B4-BE49-F238E27FC236}">
+                    <a16:creationId xmlns:a16="http://schemas.microsoft.com/office/drawing/2014/main" id="{EA0D3BC8-C913-45D1-A0B1-518F42ECFA0E}"/>
+                  </a:ext>
+                </a:extLst>
+              </p:cNvPr>
+              <p:cNvSpPr>
+                <a:spLocks noChangeAspect="1"/>
+              </p:cNvSpPr>
+              <p:nvPr/>
+            </p:nvSpPr>
+            <p:spPr>
+              <a:xfrm>
+                <a:off x="10751811" y="4324052"/>
+                <a:ext cx="274320" cy="274320"/>
+              </a:xfrm>
+              <a:prstGeom prst="ellipse">
+                <a:avLst/>
+              </a:prstGeom>
+              <a:ln>
+                <a:noFill/>
+              </a:ln>
+            </p:spPr>
+            <p:style>
+              <a:lnRef idx="2">
+                <a:schemeClr val="accent1">
+                  <a:shade val="50000"/>
+                </a:schemeClr>
+              </a:lnRef>
+              <a:fillRef idx="1">
+                <a:schemeClr val="accent1"/>
+              </a:fillRef>
+              <a:effectRef idx="0">
+                <a:schemeClr val="accent1"/>
+              </a:effectRef>
+              <a:fontRef idx="minor">
+                <a:schemeClr val="lt1"/>
+              </a:fontRef>
+            </p:style>
+            <p:txBody>
+              <a:bodyPr rtlCol="0" anchor="ctr"/>
+              <a:lstStyle/>
+              <a:p>
+                <a:pPr algn="ctr"/>
+                <a:endParaRPr lang="en-US"/>
+              </a:p>
+            </p:txBody>
+          </p:sp>
+          <p:sp>
+            <p:nvSpPr>
+              <p:cNvPr id="41" name="Oval 40">
+                <a:extLst>
+                  <a:ext uri="{FF2B5EF4-FFF2-40B4-BE49-F238E27FC236}">
+                    <a16:creationId xmlns:a16="http://schemas.microsoft.com/office/drawing/2014/main" id="{3A2660C2-2382-4FF1-A1E7-8F3DA48A03D6}"/>
+                  </a:ext>
+                </a:extLst>
+              </p:cNvPr>
+              <p:cNvSpPr>
+                <a:spLocks noChangeAspect="1"/>
+              </p:cNvSpPr>
+              <p:nvPr/>
+            </p:nvSpPr>
+            <p:spPr>
+              <a:xfrm>
+                <a:off x="8463841" y="5354157"/>
+                <a:ext cx="274320" cy="274320"/>
+              </a:xfrm>
+              <a:prstGeom prst="ellipse">
+                <a:avLst/>
+              </a:prstGeom>
+              <a:solidFill>
+                <a:srgbClr val="FF0000"/>
+              </a:solidFill>
+              <a:ln>
+                <a:noFill/>
+              </a:ln>
+            </p:spPr>
+            <p:style>
+              <a:lnRef idx="2">
+                <a:schemeClr val="accent1">
+                  <a:shade val="50000"/>
+                </a:schemeClr>
+              </a:lnRef>
+              <a:fillRef idx="1">
+                <a:schemeClr val="accent1"/>
+              </a:fillRef>
+              <a:effectRef idx="0">
+                <a:schemeClr val="accent1"/>
+              </a:effectRef>
+              <a:fontRef idx="minor">
+                <a:schemeClr val="lt1"/>
+              </a:fontRef>
+            </p:style>
+            <p:txBody>
+              <a:bodyPr rtlCol="0" anchor="ctr"/>
+              <a:lstStyle/>
+              <a:p>
+                <a:pPr algn="ctr"/>
+                <a:endParaRPr lang="en-US"/>
+              </a:p>
+            </p:txBody>
+          </p:sp>
+          <p:sp>
+            <p:nvSpPr>
+              <p:cNvPr id="42" name="Oval 41">
+                <a:extLst>
+                  <a:ext uri="{FF2B5EF4-FFF2-40B4-BE49-F238E27FC236}">
+                    <a16:creationId xmlns:a16="http://schemas.microsoft.com/office/drawing/2014/main" id="{41432808-E878-4449-80E1-3E7686747E75}"/>
+                  </a:ext>
+                </a:extLst>
+              </p:cNvPr>
+              <p:cNvSpPr>
+                <a:spLocks noChangeAspect="1"/>
+              </p:cNvSpPr>
+              <p:nvPr/>
+            </p:nvSpPr>
+            <p:spPr>
+              <a:xfrm>
+                <a:off x="7893054" y="4611589"/>
+                <a:ext cx="274320" cy="274320"/>
+              </a:xfrm>
+              <a:prstGeom prst="ellipse">
+                <a:avLst/>
+              </a:prstGeom>
+              <a:solidFill>
+                <a:srgbClr val="FF0000"/>
+              </a:solidFill>
+              <a:ln>
+                <a:noFill/>
+              </a:ln>
+            </p:spPr>
+            <p:style>
+              <a:lnRef idx="2">
+                <a:schemeClr val="accent1">
+                  <a:shade val="50000"/>
+                </a:schemeClr>
+              </a:lnRef>
+              <a:fillRef idx="1">
+                <a:schemeClr val="accent1"/>
+              </a:fillRef>
+              <a:effectRef idx="0">
+                <a:schemeClr val="accent1"/>
+              </a:effectRef>
+              <a:fontRef idx="minor">
+                <a:schemeClr val="lt1"/>
+              </a:fontRef>
+            </p:style>
+            <p:txBody>
+              <a:bodyPr rtlCol="0" anchor="ctr"/>
+              <a:lstStyle/>
+              <a:p>
+                <a:pPr algn="ctr"/>
+                <a:endParaRPr lang="en-US"/>
+              </a:p>
+            </p:txBody>
+          </p:sp>
+          <p:sp>
+            <p:nvSpPr>
+              <p:cNvPr id="43" name="Oval 42">
+                <a:extLst>
+                  <a:ext uri="{FF2B5EF4-FFF2-40B4-BE49-F238E27FC236}">
+                    <a16:creationId xmlns:a16="http://schemas.microsoft.com/office/drawing/2014/main" id="{F27195F1-CC3E-4D5C-8A92-B4ADBFFA3659}"/>
+                  </a:ext>
+                </a:extLst>
+              </p:cNvPr>
+              <p:cNvSpPr>
+                <a:spLocks noChangeAspect="1"/>
+              </p:cNvSpPr>
+              <p:nvPr/>
+            </p:nvSpPr>
+            <p:spPr>
+              <a:xfrm>
+                <a:off x="9638646" y="5193301"/>
+                <a:ext cx="274320" cy="274320"/>
+              </a:xfrm>
+              <a:prstGeom prst="ellipse">
+                <a:avLst/>
+              </a:prstGeom>
+              <a:ln>
+                <a:noFill/>
+              </a:ln>
+            </p:spPr>
+            <p:style>
+              <a:lnRef idx="2">
+                <a:schemeClr val="accent1">
+                  <a:shade val="50000"/>
+                </a:schemeClr>
+              </a:lnRef>
+              <a:fillRef idx="1">
+                <a:schemeClr val="accent1"/>
+              </a:fillRef>
+              <a:effectRef idx="0">
+                <a:schemeClr val="accent1"/>
+              </a:effectRef>
+              <a:fontRef idx="minor">
+                <a:schemeClr val="lt1"/>
+              </a:fontRef>
+            </p:style>
+            <p:txBody>
+              <a:bodyPr rtlCol="0" anchor="ctr"/>
+              <a:lstStyle/>
+              <a:p>
+                <a:pPr algn="ctr"/>
+                <a:endParaRPr lang="en-US"/>
+              </a:p>
+            </p:txBody>
+          </p:sp>
+          <p:sp>
+            <p:nvSpPr>
+              <p:cNvPr id="44" name="Oval 43">
+                <a:extLst>
+                  <a:ext uri="{FF2B5EF4-FFF2-40B4-BE49-F238E27FC236}">
+                    <a16:creationId xmlns:a16="http://schemas.microsoft.com/office/drawing/2014/main" id="{84FBE97D-6849-4255-987E-56BB284D20F4}"/>
+                  </a:ext>
+                </a:extLst>
+              </p:cNvPr>
+              <p:cNvSpPr>
+                <a:spLocks noChangeAspect="1"/>
+              </p:cNvSpPr>
+              <p:nvPr/>
+            </p:nvSpPr>
+            <p:spPr>
+              <a:xfrm>
+                <a:off x="10809628" y="5281157"/>
+                <a:ext cx="274320" cy="274320"/>
+              </a:xfrm>
+              <a:prstGeom prst="ellipse">
+                <a:avLst/>
+              </a:prstGeom>
+              <a:solidFill>
+                <a:srgbClr val="FF0000"/>
+              </a:solidFill>
+              <a:ln>
+                <a:noFill/>
+              </a:ln>
+            </p:spPr>
+            <p:style>
+              <a:lnRef idx="2">
+                <a:schemeClr val="accent1">
+                  <a:shade val="50000"/>
+                </a:schemeClr>
+              </a:lnRef>
+              <a:fillRef idx="1">
+                <a:schemeClr val="accent1"/>
+              </a:fillRef>
+              <a:effectRef idx="0">
+                <a:schemeClr val="accent1"/>
+              </a:effectRef>
+              <a:fontRef idx="minor">
+                <a:schemeClr val="lt1"/>
+              </a:fontRef>
+            </p:style>
+            <p:txBody>
+              <a:bodyPr rtlCol="0" anchor="ctr"/>
+              <a:lstStyle/>
+              <a:p>
+                <a:pPr algn="ctr"/>
+                <a:endParaRPr lang="en-US"/>
+              </a:p>
+            </p:txBody>
+          </p:sp>
+          <p:sp>
+            <p:nvSpPr>
+              <p:cNvPr id="45" name="Oval 44">
+                <a:extLst>
+                  <a:ext uri="{FF2B5EF4-FFF2-40B4-BE49-F238E27FC236}">
+                    <a16:creationId xmlns:a16="http://schemas.microsoft.com/office/drawing/2014/main" id="{D9009337-34BB-441E-8EE8-78F772FFDE0B}"/>
+                  </a:ext>
+                </a:extLst>
+              </p:cNvPr>
+              <p:cNvSpPr>
+                <a:spLocks noChangeAspect="1"/>
+              </p:cNvSpPr>
+              <p:nvPr/>
+            </p:nvSpPr>
+            <p:spPr>
+              <a:xfrm>
+                <a:off x="10438620" y="5538306"/>
+                <a:ext cx="274320" cy="274320"/>
+              </a:xfrm>
+              <a:prstGeom prst="ellipse">
+                <a:avLst/>
+              </a:prstGeom>
+              <a:ln>
+                <a:noFill/>
+              </a:ln>
+            </p:spPr>
+            <p:style>
+              <a:lnRef idx="2">
+                <a:schemeClr val="accent1">
+                  <a:shade val="50000"/>
+                </a:schemeClr>
+              </a:lnRef>
+              <a:fillRef idx="1">
+                <a:schemeClr val="accent1"/>
+              </a:fillRef>
+              <a:effectRef idx="0">
+                <a:schemeClr val="accent1"/>
+              </a:effectRef>
+              <a:fontRef idx="minor">
+                <a:schemeClr val="lt1"/>
+              </a:fontRef>
+            </p:style>
+            <p:txBody>
+              <a:bodyPr rtlCol="0" anchor="ctr"/>
+              <a:lstStyle/>
+              <a:p>
+                <a:pPr algn="ctr"/>
+                <a:endParaRPr lang="en-US"/>
+              </a:p>
+            </p:txBody>
+          </p:sp>
+          <p:sp>
+            <p:nvSpPr>
+              <p:cNvPr id="46" name="Oval 45">
+                <a:extLst>
+                  <a:ext uri="{FF2B5EF4-FFF2-40B4-BE49-F238E27FC236}">
+                    <a16:creationId xmlns:a16="http://schemas.microsoft.com/office/drawing/2014/main" id="{A6B3FA7C-22E6-4863-ADA7-134250A89774}"/>
+                  </a:ext>
+                </a:extLst>
+              </p:cNvPr>
+              <p:cNvSpPr>
+                <a:spLocks noChangeAspect="1"/>
+              </p:cNvSpPr>
+              <p:nvPr/>
+            </p:nvSpPr>
+            <p:spPr>
+              <a:xfrm>
+                <a:off x="9045445" y="5606105"/>
+                <a:ext cx="274320" cy="274320"/>
+              </a:xfrm>
+              <a:prstGeom prst="ellipse">
+                <a:avLst/>
+              </a:prstGeom>
+              <a:solidFill>
+                <a:srgbClr val="FF0000"/>
+              </a:solidFill>
+              <a:ln>
+                <a:noFill/>
+              </a:ln>
+            </p:spPr>
+            <p:style>
+              <a:lnRef idx="2">
+                <a:schemeClr val="accent1">
+                  <a:shade val="50000"/>
+                </a:schemeClr>
+              </a:lnRef>
+              <a:fillRef idx="1">
+                <a:schemeClr val="accent1"/>
+              </a:fillRef>
+              <a:effectRef idx="0">
+                <a:schemeClr val="accent1"/>
+              </a:effectRef>
+              <a:fontRef idx="minor">
+                <a:schemeClr val="lt1"/>
+              </a:fontRef>
+            </p:style>
+            <p:txBody>
+              <a:bodyPr rtlCol="0" anchor="ctr"/>
+              <a:lstStyle/>
+              <a:p>
+                <a:pPr algn="ctr"/>
+                <a:endParaRPr lang="en-US"/>
+              </a:p>
+            </p:txBody>
+          </p:sp>
+          <p:sp>
+            <p:nvSpPr>
+              <p:cNvPr id="47" name="Oval 46">
+                <a:extLst>
+                  <a:ext uri="{FF2B5EF4-FFF2-40B4-BE49-F238E27FC236}">
+                    <a16:creationId xmlns:a16="http://schemas.microsoft.com/office/drawing/2014/main" id="{240DA0AC-8F35-423F-9DBF-4D0EE9F27FFC}"/>
+                  </a:ext>
+                </a:extLst>
+              </p:cNvPr>
+              <p:cNvSpPr>
+                <a:spLocks noChangeAspect="1"/>
+              </p:cNvSpPr>
+              <p:nvPr/>
+            </p:nvSpPr>
+            <p:spPr>
+              <a:xfrm>
+                <a:off x="7891702" y="5649973"/>
+                <a:ext cx="274320" cy="274320"/>
+              </a:xfrm>
+              <a:prstGeom prst="ellipse">
+                <a:avLst/>
+              </a:prstGeom>
+              <a:ln>
+                <a:noFill/>
+              </a:ln>
+            </p:spPr>
+            <p:style>
+              <a:lnRef idx="2">
+                <a:schemeClr val="accent1">
+                  <a:shade val="50000"/>
+                </a:schemeClr>
+              </a:lnRef>
+              <a:fillRef idx="1">
+                <a:schemeClr val="accent1"/>
+              </a:fillRef>
+              <a:effectRef idx="0">
+                <a:schemeClr val="accent1"/>
+              </a:effectRef>
+              <a:fontRef idx="minor">
+                <a:schemeClr val="lt1"/>
+              </a:fontRef>
+            </p:style>
+            <p:txBody>
+              <a:bodyPr rtlCol="0" anchor="ctr"/>
+              <a:lstStyle/>
+              <a:p>
+                <a:pPr algn="ctr"/>
+                <a:endParaRPr lang="en-US"/>
+              </a:p>
+            </p:txBody>
+          </p:sp>
+          <p:sp>
+            <p:nvSpPr>
+              <p:cNvPr id="48" name="Oval 47">
+                <a:extLst>
+                  <a:ext uri="{FF2B5EF4-FFF2-40B4-BE49-F238E27FC236}">
+                    <a16:creationId xmlns:a16="http://schemas.microsoft.com/office/drawing/2014/main" id="{03E81751-533E-4BC0-AB11-1BF49D376CBE}"/>
+                  </a:ext>
+                </a:extLst>
+              </p:cNvPr>
+              <p:cNvSpPr>
+                <a:spLocks noChangeAspect="1"/>
+              </p:cNvSpPr>
+              <p:nvPr/>
+            </p:nvSpPr>
+            <p:spPr>
+              <a:xfrm>
+                <a:off x="9916422" y="4452057"/>
+                <a:ext cx="274320" cy="274320"/>
+              </a:xfrm>
+              <a:prstGeom prst="ellipse">
+                <a:avLst/>
+              </a:prstGeom>
+              <a:solidFill>
+                <a:srgbClr val="FF0000"/>
+              </a:solidFill>
+              <a:ln>
+                <a:noFill/>
+              </a:ln>
+            </p:spPr>
+            <p:style>
+              <a:lnRef idx="2">
+                <a:schemeClr val="accent1">
+                  <a:shade val="50000"/>
+                </a:schemeClr>
+              </a:lnRef>
+              <a:fillRef idx="1">
+                <a:schemeClr val="accent1"/>
+              </a:fillRef>
+              <a:effectRef idx="0">
+                <a:schemeClr val="accent1"/>
+              </a:effectRef>
+              <a:fontRef idx="minor">
+                <a:schemeClr val="lt1"/>
+              </a:fontRef>
+            </p:style>
+            <p:txBody>
+              <a:bodyPr rtlCol="0" anchor="ctr"/>
+              <a:lstStyle/>
+              <a:p>
+                <a:pPr algn="ctr"/>
+                <a:endParaRPr lang="en-US"/>
+              </a:p>
+            </p:txBody>
+          </p:sp>
+        </p:grpSp>
+      </p:grpSp>
     </p:spTree>
     <p:extLst>
       <p:ext uri="{BB962C8B-B14F-4D97-AF65-F5344CB8AC3E}">
@@ -11720,7 +13047,7 @@
                             </p:stCondLst>
                             <p:childTnLst>
                               <p:par>
-                                <p:cTn id="11" presetID="42" presetClass="entr" presetSubtype="0" fill="hold" grpId="0" nodeType="clickEffect">
+                                <p:cTn id="11" presetID="2" presetClass="entr" presetSubtype="8" fill="hold" grpId="0" nodeType="clickEffect">
                                   <p:stCondLst>
                                     <p:cond delay="0"/>
                                   </p:stCondLst>
@@ -11743,17 +13070,9 @@
                                         <p:strVal val="visible"/>
                                       </p:to>
                                     </p:set>
-                                    <p:animEffect transition="in" filter="fade">
-                                      <p:cBhvr>
-                                        <p:cTn id="13" dur="1000"/>
-                                        <p:tgtEl>
-                                          <p:spTgt spid="26"/>
-                                        </p:tgtEl>
-                                      </p:cBhvr>
-                                    </p:animEffect>
                                     <p:anim calcmode="lin" valueType="num">
-                                      <p:cBhvr>
-                                        <p:cTn id="14" dur="1000" fill="hold"/>
+                                      <p:cBhvr additive="base">
+                                        <p:cTn id="13" dur="500" fill="hold"/>
                                         <p:tgtEl>
                                           <p:spTgt spid="26"/>
                                         </p:tgtEl>
@@ -11764,7 +13083,7 @@
                                       <p:tavLst>
                                         <p:tav tm="0">
                                           <p:val>
-                                            <p:strVal val="#ppt_x"/>
+                                            <p:strVal val="0-#ppt_w/2"/>
                                           </p:val>
                                         </p:tav>
                                         <p:tav tm="100000">
@@ -11775,8 +13094,8 @@
                                       </p:tavLst>
                                     </p:anim>
                                     <p:anim calcmode="lin" valueType="num">
-                                      <p:cBhvr>
-                                        <p:cTn id="15" dur="1000" fill="hold"/>
+                                      <p:cBhvr additive="base">
+                                        <p:cTn id="14" dur="500" fill="hold"/>
                                         <p:tgtEl>
                                           <p:spTgt spid="26"/>
                                         </p:tgtEl>
@@ -11787,7 +13106,153 @@
                                       <p:tavLst>
                                         <p:tav tm="0">
                                           <p:val>
-                                            <p:strVal val="#ppt_y+.1"/>
+                                            <p:strVal val="#ppt_y"/>
+                                          </p:val>
+                                        </p:tav>
+                                        <p:tav tm="100000">
+                                          <p:val>
+                                            <p:strVal val="#ppt_y"/>
+                                          </p:val>
+                                        </p:tav>
+                                      </p:tavLst>
+                                    </p:anim>
+                                  </p:childTnLst>
+                                </p:cTn>
+                              </p:par>
+                              <p:par>
+                                <p:cTn id="15" presetID="2" presetClass="entr" presetSubtype="8" fill="hold" nodeType="withEffect">
+                                  <p:stCondLst>
+                                    <p:cond delay="0"/>
+                                  </p:stCondLst>
+                                  <p:childTnLst>
+                                    <p:set>
+                                      <p:cBhvr>
+                                        <p:cTn id="16" dur="1" fill="hold">
+                                          <p:stCondLst>
+                                            <p:cond delay="0"/>
+                                          </p:stCondLst>
+                                        </p:cTn>
+                                        <p:tgtEl>
+                                          <p:spTgt spid="7"/>
+                                        </p:tgtEl>
+                                        <p:attrNameLst>
+                                          <p:attrName>style.visibility</p:attrName>
+                                        </p:attrNameLst>
+                                      </p:cBhvr>
+                                      <p:to>
+                                        <p:strVal val="visible"/>
+                                      </p:to>
+                                    </p:set>
+                                    <p:anim calcmode="lin" valueType="num">
+                                      <p:cBhvr additive="base">
+                                        <p:cTn id="17" dur="500" fill="hold"/>
+                                        <p:tgtEl>
+                                          <p:spTgt spid="7"/>
+                                        </p:tgtEl>
+                                        <p:attrNameLst>
+                                          <p:attrName>ppt_x</p:attrName>
+                                        </p:attrNameLst>
+                                      </p:cBhvr>
+                                      <p:tavLst>
+                                        <p:tav tm="0">
+                                          <p:val>
+                                            <p:strVal val="0-#ppt_w/2"/>
+                                          </p:val>
+                                        </p:tav>
+                                        <p:tav tm="100000">
+                                          <p:val>
+                                            <p:strVal val="#ppt_x"/>
+                                          </p:val>
+                                        </p:tav>
+                                      </p:tavLst>
+                                    </p:anim>
+                                    <p:anim calcmode="lin" valueType="num">
+                                      <p:cBhvr additive="base">
+                                        <p:cTn id="18" dur="500" fill="hold"/>
+                                        <p:tgtEl>
+                                          <p:spTgt spid="7"/>
+                                        </p:tgtEl>
+                                        <p:attrNameLst>
+                                          <p:attrName>ppt_y</p:attrName>
+                                        </p:attrNameLst>
+                                      </p:cBhvr>
+                                      <p:tavLst>
+                                        <p:tav tm="0">
+                                          <p:val>
+                                            <p:strVal val="#ppt_y"/>
+                                          </p:val>
+                                        </p:tav>
+                                        <p:tav tm="100000">
+                                          <p:val>
+                                            <p:strVal val="#ppt_y"/>
+                                          </p:val>
+                                        </p:tav>
+                                      </p:tavLst>
+                                    </p:anim>
+                                  </p:childTnLst>
+                                </p:cTn>
+                              </p:par>
+                              <p:par>
+                                <p:cTn id="19" presetID="2" presetClass="entr" presetSubtype="8" fill="hold" nodeType="withEffect">
+                                  <p:stCondLst>
+                                    <p:cond delay="0"/>
+                                  </p:stCondLst>
+                                  <p:childTnLst>
+                                    <p:set>
+                                      <p:cBhvr>
+                                        <p:cTn id="20" dur="1" fill="hold">
+                                          <p:stCondLst>
+                                            <p:cond delay="0"/>
+                                          </p:stCondLst>
+                                        </p:cTn>
+                                        <p:tgtEl>
+                                          <p:spTgt spid="8"/>
+                                        </p:tgtEl>
+                                        <p:attrNameLst>
+                                          <p:attrName>style.visibility</p:attrName>
+                                        </p:attrNameLst>
+                                      </p:cBhvr>
+                                      <p:to>
+                                        <p:strVal val="visible"/>
+                                      </p:to>
+                                    </p:set>
+                                    <p:anim calcmode="lin" valueType="num">
+                                      <p:cBhvr additive="base">
+                                        <p:cTn id="21" dur="500" fill="hold"/>
+                                        <p:tgtEl>
+                                          <p:spTgt spid="8"/>
+                                        </p:tgtEl>
+                                        <p:attrNameLst>
+                                          <p:attrName>ppt_x</p:attrName>
+                                        </p:attrNameLst>
+                                      </p:cBhvr>
+                                      <p:tavLst>
+                                        <p:tav tm="0">
+                                          <p:val>
+                                            <p:strVal val="0-#ppt_w/2"/>
+                                          </p:val>
+                                        </p:tav>
+                                        <p:tav tm="100000">
+                                          <p:val>
+                                            <p:strVal val="#ppt_x"/>
+                                          </p:val>
+                                        </p:tav>
+                                      </p:tavLst>
+                                    </p:anim>
+                                    <p:anim calcmode="lin" valueType="num">
+                                      <p:cBhvr additive="base">
+                                        <p:cTn id="22" dur="500" fill="hold"/>
+                                        <p:tgtEl>
+                                          <p:spTgt spid="8"/>
+                                        </p:tgtEl>
+                                        <p:attrNameLst>
+                                          <p:attrName>ppt_y</p:attrName>
+                                        </p:attrNameLst>
+                                      </p:cBhvr>
+                                      <p:tavLst>
+                                        <p:tav tm="0">
+                                          <p:val>
+                                            <p:strVal val="#ppt_y"/>
                                           </p:val>
                                         </p:tav>
                                         <p:tav tm="100000">
@@ -16281,7 +17746,7 @@
                 <a:avLst/>
               </a:prstGeom>
               <a:solidFill>
-                <a:srgbClr val="0070C0">
+                <a:srgbClr val="FFC000">
                   <a:alpha val="40000"/>
                 </a:srgbClr>
               </a:solidFill>
@@ -16418,9 +17883,10 @@
                 <a:avLst/>
               </a:prstGeom>
               <a:solidFill>
-                <a:srgbClr val="0070C0">
+                <a:schemeClr val="accent2">
+                  <a:lumMod val="75000"/>
                   <a:alpha val="40000"/>
-                </a:srgbClr>
+                </a:schemeClr>
               </a:solidFill>
             </p:spPr>
             <p:txBody>
@@ -17513,6 +18979,115 @@
               </a:rPr>
               <a:t>Internal node</a:t>
             </a:r>
+          </a:p>
+        </p:txBody>
+      </p:sp>
+      <p:sp>
+        <p:nvSpPr>
+          <p:cNvPr id="16" name="TextBox 15">
+            <a:extLst>
+              <a:ext uri="{FF2B5EF4-FFF2-40B4-BE49-F238E27FC236}">
+                <a16:creationId xmlns:a16="http://schemas.microsoft.com/office/drawing/2014/main" id="{3DD7C04E-E8BF-4101-9229-BA8C2EC224D2}"/>
+              </a:ext>
+            </a:extLst>
+          </p:cNvPr>
+          <p:cNvSpPr txBox="1"/>
+          <p:nvPr/>
+        </p:nvSpPr>
+        <p:spPr>
+          <a:xfrm>
+            <a:off x="7869824" y="5138098"/>
+            <a:ext cx="731520" cy="731520"/>
+          </a:xfrm>
+          <a:prstGeom prst="rect">
+            <a:avLst/>
+          </a:prstGeom>
+          <a:solidFill>
+            <a:srgbClr val="0070C0">
+              <a:alpha val="40000"/>
+            </a:srgbClr>
+          </a:solidFill>
+        </p:spPr>
+        <p:txBody>
+          <a:bodyPr wrap="square" rtlCol="0">
+            <a:spAutoFit/>
+          </a:bodyPr>
+          <a:lstStyle/>
+          <a:p>
+            <a:endParaRPr lang="en-US" sz="2400" dirty="0"/>
+          </a:p>
+        </p:txBody>
+      </p:sp>
+      <p:sp>
+        <p:nvSpPr>
+          <p:cNvPr id="17" name="TextBox 16">
+            <a:extLst>
+              <a:ext uri="{FF2B5EF4-FFF2-40B4-BE49-F238E27FC236}">
+                <a16:creationId xmlns:a16="http://schemas.microsoft.com/office/drawing/2014/main" id="{A4CDA45C-8F60-4E8A-97AC-B89A9B3C7168}"/>
+              </a:ext>
+            </a:extLst>
+          </p:cNvPr>
+          <p:cNvSpPr txBox="1"/>
+          <p:nvPr/>
+        </p:nvSpPr>
+        <p:spPr>
+          <a:xfrm>
+            <a:off x="9592385" y="5801756"/>
+            <a:ext cx="731520" cy="731520"/>
+          </a:xfrm>
+          <a:prstGeom prst="rect">
+            <a:avLst/>
+          </a:prstGeom>
+          <a:solidFill>
+            <a:srgbClr val="FFC000">
+              <a:alpha val="40000"/>
+            </a:srgbClr>
+          </a:solidFill>
+        </p:spPr>
+        <p:txBody>
+          <a:bodyPr wrap="square" rtlCol="0">
+            <a:spAutoFit/>
+          </a:bodyPr>
+          <a:lstStyle/>
+          <a:p>
+            <a:endParaRPr lang="en-US" sz="2400" dirty="0"/>
+          </a:p>
+        </p:txBody>
+      </p:sp>
+      <p:sp>
+        <p:nvSpPr>
+          <p:cNvPr id="18" name="TextBox 17">
+            <a:extLst>
+              <a:ext uri="{FF2B5EF4-FFF2-40B4-BE49-F238E27FC236}">
+                <a16:creationId xmlns:a16="http://schemas.microsoft.com/office/drawing/2014/main" id="{19E5B6E2-E99B-4A9B-9B44-8783BE546AFA}"/>
+              </a:ext>
+            </a:extLst>
+          </p:cNvPr>
+          <p:cNvSpPr txBox="1"/>
+          <p:nvPr/>
+        </p:nvSpPr>
+        <p:spPr>
+          <a:xfrm>
+            <a:off x="11365478" y="5790037"/>
+            <a:ext cx="731520" cy="731520"/>
+          </a:xfrm>
+          <a:prstGeom prst="rect">
+            <a:avLst/>
+          </a:prstGeom>
+          <a:solidFill>
+            <a:schemeClr val="accent2">
+              <a:lumMod val="75000"/>
+              <a:alpha val="40000"/>
+            </a:schemeClr>
+          </a:solidFill>
+        </p:spPr>
+        <p:txBody>
+          <a:bodyPr wrap="square" rtlCol="0">
+            <a:spAutoFit/>
+          </a:bodyPr>
+          <a:lstStyle/>
+          <a:p>
+            <a:endParaRPr lang="en-US" sz="2400" dirty="0"/>
           </a:p>
         </p:txBody>
       </p:sp>

--- a/slides/08_ML_TreeBased.pptx
+++ b/slides/08_ML_TreeBased.pptx
@@ -5,7 +5,7 @@
     <p:sldMasterId id="2147483648" r:id="rId1"/>
   </p:sldMasterIdLst>
   <p:notesMasterIdLst>
-    <p:notesMasterId r:id="rId19"/>
+    <p:notesMasterId r:id="rId34"/>
   </p:notesMasterIdLst>
   <p:sldIdLst>
     <p:sldId id="256" r:id="rId2"/>
@@ -25,6 +25,21 @@
     <p:sldId id="274" r:id="rId16"/>
     <p:sldId id="277" r:id="rId17"/>
     <p:sldId id="293" r:id="rId18"/>
+    <p:sldId id="295" r:id="rId19"/>
+    <p:sldId id="279" r:id="rId20"/>
+    <p:sldId id="299" r:id="rId21"/>
+    <p:sldId id="296" r:id="rId22"/>
+    <p:sldId id="297" r:id="rId23"/>
+    <p:sldId id="278" r:id="rId24"/>
+    <p:sldId id="298" r:id="rId25"/>
+    <p:sldId id="272" r:id="rId26"/>
+    <p:sldId id="300" r:id="rId27"/>
+    <p:sldId id="283" r:id="rId28"/>
+    <p:sldId id="264" r:id="rId29"/>
+    <p:sldId id="302" r:id="rId30"/>
+    <p:sldId id="303" r:id="rId31"/>
+    <p:sldId id="306" r:id="rId32"/>
+    <p:sldId id="304" r:id="rId33"/>
   </p:sldIdLst>
   <p:sldSz cx="12192000" cy="6858000"/>
   <p:notesSz cx="6858000" cy="9144000"/>
@@ -213,7 +228,7 @@
           <a:p>
             <a:fld id="{2B6ADA65-42AE-42FD-B70D-8865A2D11361}" type="datetimeFigureOut">
               <a:rPr lang="en-US" smtClean="0"/>
-              <a:t>5/17/2020</a:t>
+              <a:t>5/21/2020</a:t>
             </a:fld>
             <a:endParaRPr lang="en-US"/>
           </a:p>
@@ -608,6 +623,727 @@
     <p:extLst>
       <p:ext uri="{BB962C8B-B14F-4D97-AF65-F5344CB8AC3E}">
         <p14:creationId xmlns:p14="http://schemas.microsoft.com/office/powerpoint/2010/main" val="160613084"/>
+      </p:ext>
+    </p:extLst>
+  </p:cSld>
+  <p:clrMapOvr>
+    <a:masterClrMapping/>
+  </p:clrMapOvr>
+</p:notes>
+</file>
+
+<file path=ppt/notesSlides/notesSlide10.xml><?xml version="1.0" encoding="utf-8"?>
+<p:notes xmlns:a="http://schemas.openxmlformats.org/drawingml/2006/main" xmlns:r="http://schemas.openxmlformats.org/officeDocument/2006/relationships" xmlns:p="http://schemas.openxmlformats.org/presentationml/2006/main">
+  <p:cSld>
+    <p:spTree>
+      <p:nvGrpSpPr>
+        <p:cNvPr id="1" name=""/>
+        <p:cNvGrpSpPr/>
+        <p:nvPr/>
+      </p:nvGrpSpPr>
+      <p:grpSpPr>
+        <a:xfrm>
+          <a:off x="0" y="0"/>
+          <a:ext cx="0" cy="0"/>
+          <a:chOff x="0" y="0"/>
+          <a:chExt cx="0" cy="0"/>
+        </a:xfrm>
+      </p:grpSpPr>
+      <p:sp>
+        <p:nvSpPr>
+          <p:cNvPr id="2" name="Slide Image Placeholder 1"/>
+          <p:cNvSpPr>
+            <a:spLocks noGrp="1" noRot="1" noChangeAspect="1"/>
+          </p:cNvSpPr>
+          <p:nvPr>
+            <p:ph type="sldImg"/>
+          </p:nvPr>
+        </p:nvSpPr>
+        <p:spPr/>
+      </p:sp>
+      <p:sp>
+        <p:nvSpPr>
+          <p:cNvPr id="3" name="Notes Placeholder 2"/>
+          <p:cNvSpPr>
+            <a:spLocks noGrp="1"/>
+          </p:cNvSpPr>
+          <p:nvPr>
+            <p:ph type="body" idx="1"/>
+          </p:nvPr>
+        </p:nvSpPr>
+        <p:spPr/>
+        <p:txBody>
+          <a:bodyPr/>
+          <a:lstStyle/>
+          <a:p>
+            <a:endParaRPr lang="en-US" dirty="0"/>
+          </a:p>
+        </p:txBody>
+      </p:sp>
+      <p:sp>
+        <p:nvSpPr>
+          <p:cNvPr id="4" name="Slide Number Placeholder 3"/>
+          <p:cNvSpPr>
+            <a:spLocks noGrp="1"/>
+          </p:cNvSpPr>
+          <p:nvPr>
+            <p:ph type="sldNum" sz="quarter" idx="5"/>
+          </p:nvPr>
+        </p:nvSpPr>
+        <p:spPr/>
+        <p:txBody>
+          <a:bodyPr/>
+          <a:lstStyle/>
+          <a:p>
+            <a:fld id="{634CEEAB-9EE9-49A1-8A7C-A04E7AF4B623}" type="slidenum">
+              <a:rPr lang="en-US" smtClean="0"/>
+              <a:t>19</a:t>
+            </a:fld>
+            <a:endParaRPr lang="en-US"/>
+          </a:p>
+        </p:txBody>
+      </p:sp>
+    </p:spTree>
+    <p:extLst>
+      <p:ext uri="{BB962C8B-B14F-4D97-AF65-F5344CB8AC3E}">
+        <p14:creationId xmlns:p14="http://schemas.microsoft.com/office/powerpoint/2010/main" val="297270615"/>
+      </p:ext>
+    </p:extLst>
+  </p:cSld>
+  <p:clrMapOvr>
+    <a:masterClrMapping/>
+  </p:clrMapOvr>
+</p:notes>
+</file>
+
+<file path=ppt/notesSlides/notesSlide11.xml><?xml version="1.0" encoding="utf-8"?>
+<p:notes xmlns:a="http://schemas.openxmlformats.org/drawingml/2006/main" xmlns:r="http://schemas.openxmlformats.org/officeDocument/2006/relationships" xmlns:p="http://schemas.openxmlformats.org/presentationml/2006/main">
+  <p:cSld>
+    <p:spTree>
+      <p:nvGrpSpPr>
+        <p:cNvPr id="1" name=""/>
+        <p:cNvGrpSpPr/>
+        <p:nvPr/>
+      </p:nvGrpSpPr>
+      <p:grpSpPr>
+        <a:xfrm>
+          <a:off x="0" y="0"/>
+          <a:ext cx="0" cy="0"/>
+          <a:chOff x="0" y="0"/>
+          <a:chExt cx="0" cy="0"/>
+        </a:xfrm>
+      </p:grpSpPr>
+      <p:sp>
+        <p:nvSpPr>
+          <p:cNvPr id="2" name="Slide Image Placeholder 1"/>
+          <p:cNvSpPr>
+            <a:spLocks noGrp="1" noRot="1" noChangeAspect="1"/>
+          </p:cNvSpPr>
+          <p:nvPr>
+            <p:ph type="sldImg"/>
+          </p:nvPr>
+        </p:nvSpPr>
+        <p:spPr/>
+      </p:sp>
+      <p:sp>
+        <p:nvSpPr>
+          <p:cNvPr id="3" name="Notes Placeholder 2"/>
+          <p:cNvSpPr>
+            <a:spLocks noGrp="1"/>
+          </p:cNvSpPr>
+          <p:nvPr>
+            <p:ph type="body" idx="1"/>
+          </p:nvPr>
+        </p:nvSpPr>
+        <p:spPr/>
+        <p:txBody>
+          <a:bodyPr/>
+          <a:lstStyle/>
+          <a:p>
+            <a:r>
+              <a:rPr lang="en-US" dirty="0"/>
+              <a:t>Image a </a:t>
+            </a:r>
+          </a:p>
+        </p:txBody>
+      </p:sp>
+      <p:sp>
+        <p:nvSpPr>
+          <p:cNvPr id="4" name="Slide Number Placeholder 3"/>
+          <p:cNvSpPr>
+            <a:spLocks noGrp="1"/>
+          </p:cNvSpPr>
+          <p:nvPr>
+            <p:ph type="sldNum" sz="quarter" idx="5"/>
+          </p:nvPr>
+        </p:nvSpPr>
+        <p:spPr/>
+        <p:txBody>
+          <a:bodyPr/>
+          <a:lstStyle/>
+          <a:p>
+            <a:fld id="{634CEEAB-9EE9-49A1-8A7C-A04E7AF4B623}" type="slidenum">
+              <a:rPr lang="en-US" smtClean="0"/>
+              <a:t>21</a:t>
+            </a:fld>
+            <a:endParaRPr lang="en-US"/>
+          </a:p>
+        </p:txBody>
+      </p:sp>
+    </p:spTree>
+    <p:extLst>
+      <p:ext uri="{BB962C8B-B14F-4D97-AF65-F5344CB8AC3E}">
+        <p14:creationId xmlns:p14="http://schemas.microsoft.com/office/powerpoint/2010/main" val="919098286"/>
+      </p:ext>
+    </p:extLst>
+  </p:cSld>
+  <p:clrMapOvr>
+    <a:masterClrMapping/>
+  </p:clrMapOvr>
+</p:notes>
+</file>
+
+<file path=ppt/notesSlides/notesSlide12.xml><?xml version="1.0" encoding="utf-8"?>
+<p:notes xmlns:a="http://schemas.openxmlformats.org/drawingml/2006/main" xmlns:r="http://schemas.openxmlformats.org/officeDocument/2006/relationships" xmlns:p="http://schemas.openxmlformats.org/presentationml/2006/main">
+  <p:cSld>
+    <p:spTree>
+      <p:nvGrpSpPr>
+        <p:cNvPr id="1" name=""/>
+        <p:cNvGrpSpPr/>
+        <p:nvPr/>
+      </p:nvGrpSpPr>
+      <p:grpSpPr>
+        <a:xfrm>
+          <a:off x="0" y="0"/>
+          <a:ext cx="0" cy="0"/>
+          <a:chOff x="0" y="0"/>
+          <a:chExt cx="0" cy="0"/>
+        </a:xfrm>
+      </p:grpSpPr>
+      <p:sp>
+        <p:nvSpPr>
+          <p:cNvPr id="2" name="Slide Image Placeholder 1"/>
+          <p:cNvSpPr>
+            <a:spLocks noGrp="1" noRot="1" noChangeAspect="1"/>
+          </p:cNvSpPr>
+          <p:nvPr>
+            <p:ph type="sldImg"/>
+          </p:nvPr>
+        </p:nvSpPr>
+        <p:spPr/>
+      </p:sp>
+      <p:sp>
+        <p:nvSpPr>
+          <p:cNvPr id="3" name="Notes Placeholder 2"/>
+          <p:cNvSpPr>
+            <a:spLocks noGrp="1"/>
+          </p:cNvSpPr>
+          <p:nvPr>
+            <p:ph type="body" idx="1"/>
+          </p:nvPr>
+        </p:nvSpPr>
+        <p:spPr/>
+        <p:txBody>
+          <a:bodyPr/>
+          <a:lstStyle/>
+          <a:p>
+            <a:r>
+              <a:rPr lang="en-US" dirty="0">
+                <a:hlinkClick r:id="rId3"/>
+              </a:rPr>
+              <a:t>https://stats.stackexchange.com/questions/349540/hard-voting-soft-voting-in-ensemble-based-methods</a:t>
+            </a:r>
+            <a:endParaRPr lang="en-US" dirty="0"/>
+          </a:p>
+        </p:txBody>
+      </p:sp>
+      <p:sp>
+        <p:nvSpPr>
+          <p:cNvPr id="4" name="Slide Number Placeholder 3"/>
+          <p:cNvSpPr>
+            <a:spLocks noGrp="1"/>
+          </p:cNvSpPr>
+          <p:nvPr>
+            <p:ph type="sldNum" sz="quarter" idx="5"/>
+          </p:nvPr>
+        </p:nvSpPr>
+        <p:spPr/>
+        <p:txBody>
+          <a:bodyPr/>
+          <a:lstStyle/>
+          <a:p>
+            <a:fld id="{634CEEAB-9EE9-49A1-8A7C-A04E7AF4B623}" type="slidenum">
+              <a:rPr lang="en-US" smtClean="0"/>
+              <a:t>22</a:t>
+            </a:fld>
+            <a:endParaRPr lang="en-US"/>
+          </a:p>
+        </p:txBody>
+      </p:sp>
+    </p:spTree>
+    <p:extLst>
+      <p:ext uri="{BB962C8B-B14F-4D97-AF65-F5344CB8AC3E}">
+        <p14:creationId xmlns:p14="http://schemas.microsoft.com/office/powerpoint/2010/main" val="1592700135"/>
+      </p:ext>
+    </p:extLst>
+  </p:cSld>
+  <p:clrMapOvr>
+    <a:masterClrMapping/>
+  </p:clrMapOvr>
+</p:notes>
+</file>
+
+<file path=ppt/notesSlides/notesSlide13.xml><?xml version="1.0" encoding="utf-8"?>
+<p:notes xmlns:a="http://schemas.openxmlformats.org/drawingml/2006/main" xmlns:r="http://schemas.openxmlformats.org/officeDocument/2006/relationships" xmlns:p="http://schemas.openxmlformats.org/presentationml/2006/main">
+  <p:cSld>
+    <p:spTree>
+      <p:nvGrpSpPr>
+        <p:cNvPr id="1" name=""/>
+        <p:cNvGrpSpPr/>
+        <p:nvPr/>
+      </p:nvGrpSpPr>
+      <p:grpSpPr>
+        <a:xfrm>
+          <a:off x="0" y="0"/>
+          <a:ext cx="0" cy="0"/>
+          <a:chOff x="0" y="0"/>
+          <a:chExt cx="0" cy="0"/>
+        </a:xfrm>
+      </p:grpSpPr>
+      <p:sp>
+        <p:nvSpPr>
+          <p:cNvPr id="2" name="Slide Image Placeholder 1"/>
+          <p:cNvSpPr>
+            <a:spLocks noGrp="1" noRot="1" noChangeAspect="1"/>
+          </p:cNvSpPr>
+          <p:nvPr>
+            <p:ph type="sldImg"/>
+          </p:nvPr>
+        </p:nvSpPr>
+        <p:spPr/>
+      </p:sp>
+      <p:sp>
+        <p:nvSpPr>
+          <p:cNvPr id="3" name="Notes Placeholder 2"/>
+          <p:cNvSpPr>
+            <a:spLocks noGrp="1"/>
+          </p:cNvSpPr>
+          <p:nvPr>
+            <p:ph type="body" idx="1"/>
+          </p:nvPr>
+        </p:nvSpPr>
+        <p:spPr/>
+        <p:txBody>
+          <a:bodyPr/>
+          <a:lstStyle/>
+          <a:p>
+            <a:r>
+              <a:rPr lang="en-US" dirty="0">
+                <a:hlinkClick r:id="rId3"/>
+              </a:rPr>
+              <a:t>https://www.econometrics-with-r.org/2-2-RSATDOSA.html</a:t>
+            </a:r>
+            <a:endParaRPr lang="en-US" dirty="0"/>
+          </a:p>
+          <a:p>
+            <a:endParaRPr lang="en-US" dirty="0"/>
+          </a:p>
+          <a:p>
+            <a:r>
+              <a:rPr lang="en-US" dirty="0">
+                <a:hlinkClick r:id="rId4"/>
+              </a:rPr>
+              <a:t>http://pages.stat.wisc.edu/~yandell/st571/R/append5.pdf</a:t>
+            </a:r>
+            <a:endParaRPr lang="en-US" dirty="0"/>
+          </a:p>
+          <a:p>
+            <a:endParaRPr lang="en-US" dirty="0"/>
+          </a:p>
+        </p:txBody>
+      </p:sp>
+      <p:sp>
+        <p:nvSpPr>
+          <p:cNvPr id="4" name="Slide Number Placeholder 3"/>
+          <p:cNvSpPr>
+            <a:spLocks noGrp="1"/>
+          </p:cNvSpPr>
+          <p:nvPr>
+            <p:ph type="sldNum" sz="quarter" idx="5"/>
+          </p:nvPr>
+        </p:nvSpPr>
+        <p:spPr/>
+        <p:txBody>
+          <a:bodyPr/>
+          <a:lstStyle/>
+          <a:p>
+            <a:fld id="{634CEEAB-9EE9-49A1-8A7C-A04E7AF4B623}" type="slidenum">
+              <a:rPr lang="en-US" smtClean="0"/>
+              <a:t>23</a:t>
+            </a:fld>
+            <a:endParaRPr lang="en-US"/>
+          </a:p>
+        </p:txBody>
+      </p:sp>
+    </p:spTree>
+    <p:extLst>
+      <p:ext uri="{BB962C8B-B14F-4D97-AF65-F5344CB8AC3E}">
+        <p14:creationId xmlns:p14="http://schemas.microsoft.com/office/powerpoint/2010/main" val="2239258791"/>
+      </p:ext>
+    </p:extLst>
+  </p:cSld>
+  <p:clrMapOvr>
+    <a:masterClrMapping/>
+  </p:clrMapOvr>
+</p:notes>
+</file>
+
+<file path=ppt/notesSlides/notesSlide14.xml><?xml version="1.0" encoding="utf-8"?>
+<p:notes xmlns:a="http://schemas.openxmlformats.org/drawingml/2006/main" xmlns:r="http://schemas.openxmlformats.org/officeDocument/2006/relationships" xmlns:p="http://schemas.openxmlformats.org/presentationml/2006/main">
+  <p:cSld>
+    <p:spTree>
+      <p:nvGrpSpPr>
+        <p:cNvPr id="1" name=""/>
+        <p:cNvGrpSpPr/>
+        <p:nvPr/>
+      </p:nvGrpSpPr>
+      <p:grpSpPr>
+        <a:xfrm>
+          <a:off x="0" y="0"/>
+          <a:ext cx="0" cy="0"/>
+          <a:chOff x="0" y="0"/>
+          <a:chExt cx="0" cy="0"/>
+        </a:xfrm>
+      </p:grpSpPr>
+      <p:sp>
+        <p:nvSpPr>
+          <p:cNvPr id="2" name="Slide Image Placeholder 1"/>
+          <p:cNvSpPr>
+            <a:spLocks noGrp="1" noRot="1" noChangeAspect="1"/>
+          </p:cNvSpPr>
+          <p:nvPr>
+            <p:ph type="sldImg"/>
+          </p:nvPr>
+        </p:nvSpPr>
+        <p:spPr/>
+      </p:sp>
+      <p:sp>
+        <p:nvSpPr>
+          <p:cNvPr id="3" name="Notes Placeholder 2"/>
+          <p:cNvSpPr>
+            <a:spLocks noGrp="1"/>
+          </p:cNvSpPr>
+          <p:nvPr>
+            <p:ph type="body" idx="1"/>
+          </p:nvPr>
+        </p:nvSpPr>
+        <p:spPr/>
+        <p:txBody>
+          <a:bodyPr/>
+          <a:lstStyle/>
+          <a:p>
+            <a:endParaRPr lang="en-US" sz="1200" b="0" i="0" kern="1200" dirty="0">
+              <a:solidFill>
+                <a:schemeClr val="tx1"/>
+              </a:solidFill>
+              <a:effectLst/>
+              <a:latin typeface="+mn-lt"/>
+              <a:ea typeface="+mn-ea"/>
+              <a:cs typeface="+mn-cs"/>
+            </a:endParaRPr>
+          </a:p>
+          <a:p>
+            <a:endParaRPr lang="en-US" dirty="0">
+              <a:hlinkClick r:id="" action="ppaction://noaction"/>
+            </a:endParaRPr>
+          </a:p>
+          <a:p>
+            <a:r>
+              <a:rPr lang="en-US" dirty="0">
+                <a:hlinkClick r:id="" action="ppaction://noaction"/>
+              </a:rPr>
+              <a:t>https://www.analyticsvidhya.com/blog/2018/09/an-end-to-end-guide-to-understand-the-math-behind-xgboost/</a:t>
+            </a:r>
+            <a:endParaRPr lang="en-US" dirty="0"/>
+          </a:p>
+          <a:p>
+            <a:endParaRPr lang="en-US" dirty="0"/>
+          </a:p>
+          <a:p>
+            <a:r>
+              <a:rPr lang="en-US" dirty="0">
+                <a:hlinkClick r:id="rId3"/>
+              </a:rPr>
+              <a:t>http://www.ccs.neu.edu/home/vip/teach/MLcourse/4_boosting/slides/gradient_boosting.pdf</a:t>
+            </a:r>
+            <a:endParaRPr lang="en-US" dirty="0"/>
+          </a:p>
+          <a:p>
+            <a:endParaRPr lang="en-US" dirty="0"/>
+          </a:p>
+          <a:p>
+            <a:r>
+              <a:rPr lang="en-US" dirty="0">
+                <a:hlinkClick r:id="rId4"/>
+              </a:rPr>
+              <a:t>https://statweb.stanford.edu/~jhf/ftp/trebst.pdf</a:t>
+            </a:r>
+            <a:endParaRPr lang="en-US" dirty="0"/>
+          </a:p>
+        </p:txBody>
+      </p:sp>
+      <p:sp>
+        <p:nvSpPr>
+          <p:cNvPr id="4" name="Slide Number Placeholder 3"/>
+          <p:cNvSpPr>
+            <a:spLocks noGrp="1"/>
+          </p:cNvSpPr>
+          <p:nvPr>
+            <p:ph type="sldNum" sz="quarter" idx="5"/>
+          </p:nvPr>
+        </p:nvSpPr>
+        <p:spPr/>
+        <p:txBody>
+          <a:bodyPr/>
+          <a:lstStyle/>
+          <a:p>
+            <a:fld id="{634CEEAB-9EE9-49A1-8A7C-A04E7AF4B623}" type="slidenum">
+              <a:rPr lang="en-US" smtClean="0"/>
+              <a:t>26</a:t>
+            </a:fld>
+            <a:endParaRPr lang="en-US"/>
+          </a:p>
+        </p:txBody>
+      </p:sp>
+    </p:spTree>
+    <p:extLst>
+      <p:ext uri="{BB962C8B-B14F-4D97-AF65-F5344CB8AC3E}">
+        <p14:creationId xmlns:p14="http://schemas.microsoft.com/office/powerpoint/2010/main" val="3256960457"/>
+      </p:ext>
+    </p:extLst>
+  </p:cSld>
+  <p:clrMapOvr>
+    <a:masterClrMapping/>
+  </p:clrMapOvr>
+</p:notes>
+</file>
+
+<file path=ppt/notesSlides/notesSlide15.xml><?xml version="1.0" encoding="utf-8"?>
+<p:notes xmlns:a="http://schemas.openxmlformats.org/drawingml/2006/main" xmlns:r="http://schemas.openxmlformats.org/officeDocument/2006/relationships" xmlns:p="http://schemas.openxmlformats.org/presentationml/2006/main">
+  <p:cSld>
+    <p:spTree>
+      <p:nvGrpSpPr>
+        <p:cNvPr id="1" name=""/>
+        <p:cNvGrpSpPr/>
+        <p:nvPr/>
+      </p:nvGrpSpPr>
+      <p:grpSpPr>
+        <a:xfrm>
+          <a:off x="0" y="0"/>
+          <a:ext cx="0" cy="0"/>
+          <a:chOff x="0" y="0"/>
+          <a:chExt cx="0" cy="0"/>
+        </a:xfrm>
+      </p:grpSpPr>
+      <p:sp>
+        <p:nvSpPr>
+          <p:cNvPr id="2" name="Slide Image Placeholder 1"/>
+          <p:cNvSpPr>
+            <a:spLocks noGrp="1" noRot="1" noChangeAspect="1"/>
+          </p:cNvSpPr>
+          <p:nvPr>
+            <p:ph type="sldImg"/>
+          </p:nvPr>
+        </p:nvSpPr>
+        <p:spPr/>
+      </p:sp>
+      <p:sp>
+        <p:nvSpPr>
+          <p:cNvPr id="3" name="Notes Placeholder 2"/>
+          <p:cNvSpPr>
+            <a:spLocks noGrp="1"/>
+          </p:cNvSpPr>
+          <p:nvPr>
+            <p:ph type="body" idx="1"/>
+          </p:nvPr>
+        </p:nvSpPr>
+        <p:spPr/>
+        <p:txBody>
+          <a:bodyPr/>
+          <a:lstStyle/>
+          <a:p>
+            <a:endParaRPr lang="en-US" sz="1200" b="0" i="0" kern="1200" dirty="0">
+              <a:solidFill>
+                <a:schemeClr val="tx1"/>
+              </a:solidFill>
+              <a:effectLst/>
+              <a:latin typeface="+mn-lt"/>
+              <a:ea typeface="+mn-ea"/>
+              <a:cs typeface="+mn-cs"/>
+            </a:endParaRPr>
+          </a:p>
+          <a:p>
+            <a:endParaRPr lang="en-US" dirty="0">
+              <a:hlinkClick r:id="" action="ppaction://noaction"/>
+            </a:endParaRPr>
+          </a:p>
+          <a:p>
+            <a:r>
+              <a:rPr lang="en-US" dirty="0">
+                <a:hlinkClick r:id="" action="ppaction://noaction"/>
+              </a:rPr>
+              <a:t>https://www.analyticsvidhya.com/blog/2018/09/an-end-to-end-guide-to-understand-the-math-behind-xgboost/</a:t>
+            </a:r>
+            <a:endParaRPr lang="en-US" dirty="0"/>
+          </a:p>
+          <a:p>
+            <a:endParaRPr lang="en-US" dirty="0"/>
+          </a:p>
+          <a:p>
+            <a:r>
+              <a:rPr lang="en-US" dirty="0">
+                <a:hlinkClick r:id="rId3"/>
+              </a:rPr>
+              <a:t>http://www.ccs.neu.edu/home/vip/teach/MLcourse/4_boosting/slides/gradient_boosting.pdf</a:t>
+            </a:r>
+            <a:endParaRPr lang="en-US" dirty="0"/>
+          </a:p>
+          <a:p>
+            <a:endParaRPr lang="en-US" dirty="0"/>
+          </a:p>
+          <a:p>
+            <a:r>
+              <a:rPr lang="en-US" dirty="0">
+                <a:hlinkClick r:id="rId4"/>
+              </a:rPr>
+              <a:t>https://statweb.stanford.edu/~jhf/ftp/trebst.pdf</a:t>
+            </a:r>
+            <a:endParaRPr lang="en-US" dirty="0"/>
+          </a:p>
+        </p:txBody>
+      </p:sp>
+      <p:sp>
+        <p:nvSpPr>
+          <p:cNvPr id="4" name="Slide Number Placeholder 3"/>
+          <p:cNvSpPr>
+            <a:spLocks noGrp="1"/>
+          </p:cNvSpPr>
+          <p:nvPr>
+            <p:ph type="sldNum" sz="quarter" idx="5"/>
+          </p:nvPr>
+        </p:nvSpPr>
+        <p:spPr/>
+        <p:txBody>
+          <a:bodyPr/>
+          <a:lstStyle/>
+          <a:p>
+            <a:fld id="{634CEEAB-9EE9-49A1-8A7C-A04E7AF4B623}" type="slidenum">
+              <a:rPr lang="en-US" smtClean="0"/>
+              <a:t>27</a:t>
+            </a:fld>
+            <a:endParaRPr lang="en-US"/>
+          </a:p>
+        </p:txBody>
+      </p:sp>
+    </p:spTree>
+    <p:extLst>
+      <p:ext uri="{BB962C8B-B14F-4D97-AF65-F5344CB8AC3E}">
+        <p14:creationId xmlns:p14="http://schemas.microsoft.com/office/powerpoint/2010/main" val="4113171206"/>
+      </p:ext>
+    </p:extLst>
+  </p:cSld>
+  <p:clrMapOvr>
+    <a:masterClrMapping/>
+  </p:clrMapOvr>
+</p:notes>
+</file>
+
+<file path=ppt/notesSlides/notesSlide16.xml><?xml version="1.0" encoding="utf-8"?>
+<p:notes xmlns:a="http://schemas.openxmlformats.org/drawingml/2006/main" xmlns:r="http://schemas.openxmlformats.org/officeDocument/2006/relationships" xmlns:p="http://schemas.openxmlformats.org/presentationml/2006/main">
+  <p:cSld>
+    <p:spTree>
+      <p:nvGrpSpPr>
+        <p:cNvPr id="1" name=""/>
+        <p:cNvGrpSpPr/>
+        <p:nvPr/>
+      </p:nvGrpSpPr>
+      <p:grpSpPr>
+        <a:xfrm>
+          <a:off x="0" y="0"/>
+          <a:ext cx="0" cy="0"/>
+          <a:chOff x="0" y="0"/>
+          <a:chExt cx="0" cy="0"/>
+        </a:xfrm>
+      </p:grpSpPr>
+      <p:sp>
+        <p:nvSpPr>
+          <p:cNvPr id="2" name="Slide Image Placeholder 1"/>
+          <p:cNvSpPr>
+            <a:spLocks noGrp="1" noRot="1" noChangeAspect="1"/>
+          </p:cNvSpPr>
+          <p:nvPr>
+            <p:ph type="sldImg"/>
+          </p:nvPr>
+        </p:nvSpPr>
+        <p:spPr/>
+      </p:sp>
+      <p:sp>
+        <p:nvSpPr>
+          <p:cNvPr id="3" name="Notes Placeholder 2"/>
+          <p:cNvSpPr>
+            <a:spLocks noGrp="1"/>
+          </p:cNvSpPr>
+          <p:nvPr>
+            <p:ph type="body" idx="1"/>
+          </p:nvPr>
+        </p:nvSpPr>
+        <p:spPr/>
+        <p:txBody>
+          <a:bodyPr/>
+          <a:lstStyle/>
+          <a:p>
+            <a:r>
+              <a:rPr lang="en-US" sz="1200" b="0" i="0" u="none" strike="noStrike" kern="1200" baseline="0" dirty="0">
+                <a:solidFill>
+                  <a:schemeClr val="tx1"/>
+                </a:solidFill>
+                <a:latin typeface="+mn-lt"/>
+                <a:ea typeface="+mn-ea"/>
+                <a:cs typeface="+mn-cs"/>
+              </a:rPr>
+              <a:t>Precision=accuracy of the positive predictions</a:t>
+            </a:r>
+            <a:endParaRPr lang="en-US" dirty="0"/>
+          </a:p>
+        </p:txBody>
+      </p:sp>
+      <p:sp>
+        <p:nvSpPr>
+          <p:cNvPr id="4" name="Slide Number Placeholder 3"/>
+          <p:cNvSpPr>
+            <a:spLocks noGrp="1"/>
+          </p:cNvSpPr>
+          <p:nvPr>
+            <p:ph type="sldNum" sz="quarter" idx="5"/>
+          </p:nvPr>
+        </p:nvSpPr>
+        <p:spPr/>
+        <p:txBody>
+          <a:bodyPr/>
+          <a:lstStyle/>
+          <a:p>
+            <a:fld id="{634CEEAB-9EE9-49A1-8A7C-A04E7AF4B623}" type="slidenum">
+              <a:rPr lang="en-US" smtClean="0"/>
+              <a:t>29</a:t>
+            </a:fld>
+            <a:endParaRPr lang="en-US"/>
+          </a:p>
+        </p:txBody>
+      </p:sp>
+    </p:spTree>
+    <p:extLst>
+      <p:ext uri="{BB962C8B-B14F-4D97-AF65-F5344CB8AC3E}">
+        <p14:creationId xmlns:p14="http://schemas.microsoft.com/office/powerpoint/2010/main" val="1034056394"/>
       </p:ext>
     </p:extLst>
   </p:cSld>
@@ -1761,6 +2497,134 @@
 </p:notes>
 </file>
 
+<file path=ppt/notesSlides/notesSlide9.xml><?xml version="1.0" encoding="utf-8"?>
+<p:notes xmlns:a="http://schemas.openxmlformats.org/drawingml/2006/main" xmlns:r="http://schemas.openxmlformats.org/officeDocument/2006/relationships" xmlns:p="http://schemas.openxmlformats.org/presentationml/2006/main">
+  <p:cSld>
+    <p:spTree>
+      <p:nvGrpSpPr>
+        <p:cNvPr id="1" name=""/>
+        <p:cNvGrpSpPr/>
+        <p:nvPr/>
+      </p:nvGrpSpPr>
+      <p:grpSpPr>
+        <a:xfrm>
+          <a:off x="0" y="0"/>
+          <a:ext cx="0" cy="0"/>
+          <a:chOff x="0" y="0"/>
+          <a:chExt cx="0" cy="0"/>
+        </a:xfrm>
+      </p:grpSpPr>
+      <p:sp>
+        <p:nvSpPr>
+          <p:cNvPr id="2" name="Slide Image Placeholder 1"/>
+          <p:cNvSpPr>
+            <a:spLocks noGrp="1" noRot="1" noChangeAspect="1"/>
+          </p:cNvSpPr>
+          <p:nvPr>
+            <p:ph type="sldImg"/>
+          </p:nvPr>
+        </p:nvSpPr>
+        <p:spPr/>
+      </p:sp>
+      <p:sp>
+        <p:nvSpPr>
+          <p:cNvPr id="3" name="Notes Placeholder 2"/>
+          <p:cNvSpPr>
+            <a:spLocks noGrp="1"/>
+          </p:cNvSpPr>
+          <p:nvPr>
+            <p:ph type="body" idx="1"/>
+          </p:nvPr>
+        </p:nvSpPr>
+        <p:spPr/>
+        <p:txBody>
+          <a:bodyPr/>
+          <a:lstStyle/>
+          <a:p>
+            <a:r>
+              <a:rPr lang="en-US" dirty="0">
+                <a:hlinkClick r:id="rId3"/>
+              </a:rPr>
+              <a:t>https://kharshit.github.io/blog/2018/03/23/scaling-vs-normalization</a:t>
+            </a:r>
+            <a:endParaRPr lang="en-US" dirty="0"/>
+          </a:p>
+          <a:p>
+            <a:r>
+              <a:rPr lang="en-US" dirty="0">
+                <a:hlinkClick r:id="rId4"/>
+              </a:rPr>
+              <a:t>https://www.analyticsvidhya.com/blog/2020/04/feature-scaling-machine-learning-normalization-standardization/</a:t>
+            </a:r>
+            <a:endParaRPr lang="en-US" dirty="0"/>
+          </a:p>
+          <a:p>
+            <a:pPr marL="0" marR="0" lvl="0" indent="0" algn="l" defTabSz="914400" rtl="0" eaLnBrk="1" fontAlgn="auto" latinLnBrk="0" hangingPunct="1">
+              <a:lnSpc>
+                <a:spcPct val="100000"/>
+              </a:lnSpc>
+              <a:spcBef>
+                <a:spcPts val="0"/>
+              </a:spcBef>
+              <a:spcAft>
+                <a:spcPts val="0"/>
+              </a:spcAft>
+              <a:buClrTx/>
+              <a:buSzTx/>
+              <a:buFontTx/>
+              <a:buNone/>
+              <a:tabLst/>
+              <a:defRPr/>
+            </a:pPr>
+            <a:r>
+              <a:rPr lang="en-US" dirty="0">
+                <a:hlinkClick r:id="rId5"/>
+              </a:rPr>
+              <a:t>https://medium.com/@nsethi610/data-cleaning-scale-and-normalize-data-4a7c781dd628</a:t>
+            </a:r>
+            <a:endParaRPr lang="en-US" dirty="0"/>
+          </a:p>
+          <a:p>
+            <a:endParaRPr lang="en-US" dirty="0"/>
+          </a:p>
+        </p:txBody>
+      </p:sp>
+      <p:sp>
+        <p:nvSpPr>
+          <p:cNvPr id="4" name="Slide Number Placeholder 3"/>
+          <p:cNvSpPr>
+            <a:spLocks noGrp="1"/>
+          </p:cNvSpPr>
+          <p:nvPr>
+            <p:ph type="sldNum" sz="quarter" idx="5"/>
+          </p:nvPr>
+        </p:nvSpPr>
+        <p:spPr/>
+        <p:txBody>
+          <a:bodyPr/>
+          <a:lstStyle/>
+          <a:p>
+            <a:fld id="{634CEEAB-9EE9-49A1-8A7C-A04E7AF4B623}" type="slidenum">
+              <a:rPr lang="en-US" smtClean="0"/>
+              <a:t>18</a:t>
+            </a:fld>
+            <a:endParaRPr lang="en-US"/>
+          </a:p>
+        </p:txBody>
+      </p:sp>
+    </p:spTree>
+    <p:extLst>
+      <p:ext uri="{BB962C8B-B14F-4D97-AF65-F5344CB8AC3E}">
+        <p14:creationId xmlns:p14="http://schemas.microsoft.com/office/powerpoint/2010/main" val="536892"/>
+      </p:ext>
+    </p:extLst>
+  </p:cSld>
+  <p:clrMapOvr>
+    <a:masterClrMapping/>
+  </p:clrMapOvr>
+</p:notes>
+</file>
+
 <file path=ppt/slideLayouts/slideLayout1.xml><?xml version="1.0" encoding="utf-8"?>
 <p:sldLayout xmlns:a="http://schemas.openxmlformats.org/drawingml/2006/main" xmlns:r="http://schemas.openxmlformats.org/officeDocument/2006/relationships" xmlns:p="http://schemas.openxmlformats.org/presentationml/2006/main" type="title" preserve="1">
   <p:cSld name="Title Slide">
@@ -1908,7 +2772,7 @@
           <a:p>
             <a:fld id="{4EBB928B-0EDC-411C-A330-85D3092F9397}" type="datetimeFigureOut">
               <a:rPr lang="en-US" smtClean="0"/>
-              <a:t>5/17/2020</a:t>
+              <a:t>5/21/2020</a:t>
             </a:fld>
             <a:endParaRPr lang="en-US"/>
           </a:p>
@@ -2106,7 +2970,7 @@
           <a:p>
             <a:fld id="{4EBB928B-0EDC-411C-A330-85D3092F9397}" type="datetimeFigureOut">
               <a:rPr lang="en-US" smtClean="0"/>
-              <a:t>5/17/2020</a:t>
+              <a:t>5/21/2020</a:t>
             </a:fld>
             <a:endParaRPr lang="en-US"/>
           </a:p>
@@ -2314,7 +3178,7 @@
           <a:p>
             <a:fld id="{4EBB928B-0EDC-411C-A330-85D3092F9397}" type="datetimeFigureOut">
               <a:rPr lang="en-US" smtClean="0"/>
-              <a:t>5/17/2020</a:t>
+              <a:t>5/21/2020</a:t>
             </a:fld>
             <a:endParaRPr lang="en-US"/>
           </a:p>
@@ -2512,7 +3376,7 @@
           <a:p>
             <a:fld id="{4EBB928B-0EDC-411C-A330-85D3092F9397}" type="datetimeFigureOut">
               <a:rPr lang="en-US" smtClean="0"/>
-              <a:t>5/17/2020</a:t>
+              <a:t>5/21/2020</a:t>
             </a:fld>
             <a:endParaRPr lang="en-US"/>
           </a:p>
@@ -2787,7 +3651,7 @@
           <a:p>
             <a:fld id="{4EBB928B-0EDC-411C-A330-85D3092F9397}" type="datetimeFigureOut">
               <a:rPr lang="en-US" smtClean="0"/>
-              <a:t>5/17/2020</a:t>
+              <a:t>5/21/2020</a:t>
             </a:fld>
             <a:endParaRPr lang="en-US"/>
           </a:p>
@@ -3052,7 +3916,7 @@
           <a:p>
             <a:fld id="{4EBB928B-0EDC-411C-A330-85D3092F9397}" type="datetimeFigureOut">
               <a:rPr lang="en-US" smtClean="0"/>
-              <a:t>5/17/2020</a:t>
+              <a:t>5/21/2020</a:t>
             </a:fld>
             <a:endParaRPr lang="en-US"/>
           </a:p>
@@ -3464,7 +4328,7 @@
           <a:p>
             <a:fld id="{4EBB928B-0EDC-411C-A330-85D3092F9397}" type="datetimeFigureOut">
               <a:rPr lang="en-US" smtClean="0"/>
-              <a:t>5/17/2020</a:t>
+              <a:t>5/21/2020</a:t>
             </a:fld>
             <a:endParaRPr lang="en-US"/>
           </a:p>
@@ -3605,7 +4469,7 @@
           <a:p>
             <a:fld id="{4EBB928B-0EDC-411C-A330-85D3092F9397}" type="datetimeFigureOut">
               <a:rPr lang="en-US" smtClean="0"/>
-              <a:t>5/17/2020</a:t>
+              <a:t>5/21/2020</a:t>
             </a:fld>
             <a:endParaRPr lang="en-US"/>
           </a:p>
@@ -3718,7 +4582,7 @@
           <a:p>
             <a:fld id="{4EBB928B-0EDC-411C-A330-85D3092F9397}" type="datetimeFigureOut">
               <a:rPr lang="en-US" smtClean="0"/>
-              <a:t>5/17/2020</a:t>
+              <a:t>5/21/2020</a:t>
             </a:fld>
             <a:endParaRPr lang="en-US"/>
           </a:p>
@@ -4029,7 +4893,7 @@
           <a:p>
             <a:fld id="{4EBB928B-0EDC-411C-A330-85D3092F9397}" type="datetimeFigureOut">
               <a:rPr lang="en-US" smtClean="0"/>
-              <a:t>5/17/2020</a:t>
+              <a:t>5/21/2020</a:t>
             </a:fld>
             <a:endParaRPr lang="en-US"/>
           </a:p>
@@ -4317,7 +5181,7 @@
           <a:p>
             <a:fld id="{4EBB928B-0EDC-411C-A330-85D3092F9397}" type="datetimeFigureOut">
               <a:rPr lang="en-US" smtClean="0"/>
-              <a:t>5/17/2020</a:t>
+              <a:t>5/21/2020</a:t>
             </a:fld>
             <a:endParaRPr lang="en-US"/>
           </a:p>
@@ -4558,7 +5422,7 @@
           <a:p>
             <a:fld id="{4EBB928B-0EDC-411C-A330-85D3092F9397}" type="datetimeFigureOut">
               <a:rPr lang="en-US" smtClean="0"/>
-              <a:t>5/17/2020</a:t>
+              <a:t>5/21/2020</a:t>
             </a:fld>
             <a:endParaRPr lang="en-US"/>
           </a:p>
@@ -10832,7 +11696,7 @@
           </p:cNvPicPr>
           <p:nvPr/>
         </p:nvPicPr>
-        <p:blipFill>
+        <p:blipFill rotWithShape="1">
           <a:blip r:embed="rId3">
             <a:extLst>
               <a:ext uri="{28A0092B-C50C-407E-A947-70E740481C1C}">
@@ -10840,14 +11704,13 @@
               </a:ext>
             </a:extLst>
           </a:blip>
-          <a:stretch>
-            <a:fillRect/>
-          </a:stretch>
+          <a:srcRect t="7738"/>
+          <a:stretch/>
         </p:blipFill>
         <p:spPr>
           <a:xfrm>
-            <a:off x="6199688" y="-317577"/>
-            <a:ext cx="5495067" cy="4104128"/>
+            <a:off x="6199688" y="-1"/>
+            <a:ext cx="5495067" cy="3786551"/>
           </a:xfrm>
           <a:prstGeom prst="rect">
             <a:avLst/>
@@ -15458,6 +16321,493 @@
 </p:sld>
 </file>
 
+<file path=ppt/slides/slide18.xml><?xml version="1.0" encoding="utf-8"?>
+<p:sld xmlns:a="http://schemas.openxmlformats.org/drawingml/2006/main" xmlns:r="http://schemas.openxmlformats.org/officeDocument/2006/relationships" xmlns:p="http://schemas.openxmlformats.org/presentationml/2006/main">
+  <p:cSld>
+    <p:spTree>
+      <p:nvGrpSpPr>
+        <p:cNvPr id="1" name=""/>
+        <p:cNvGrpSpPr/>
+        <p:nvPr/>
+      </p:nvGrpSpPr>
+      <p:grpSpPr>
+        <a:xfrm>
+          <a:off x="0" y="0"/>
+          <a:ext cx="0" cy="0"/>
+          <a:chOff x="0" y="0"/>
+          <a:chExt cx="0" cy="0"/>
+        </a:xfrm>
+      </p:grpSpPr>
+      <p:sp>
+        <p:nvSpPr>
+          <p:cNvPr id="2" name="Title 1">
+            <a:extLst>
+              <a:ext uri="{FF2B5EF4-FFF2-40B4-BE49-F238E27FC236}">
+                <a16:creationId xmlns:a16="http://schemas.microsoft.com/office/drawing/2014/main" id="{EBB16792-D0B7-4F60-990C-D731AC77D563}"/>
+              </a:ext>
+            </a:extLst>
+          </p:cNvPr>
+          <p:cNvSpPr>
+            <a:spLocks noGrp="1"/>
+          </p:cNvSpPr>
+          <p:nvPr>
+            <p:ph type="title"/>
+          </p:nvPr>
+        </p:nvSpPr>
+        <p:spPr/>
+        <p:txBody>
+          <a:bodyPr/>
+          <a:lstStyle/>
+          <a:p>
+            <a:r>
+              <a:rPr lang="en-US" dirty="0"/>
+              <a:t>Decision Trees advantages and disadvantages</a:t>
+            </a:r>
+          </a:p>
+        </p:txBody>
+      </p:sp>
+      <p:sp>
+        <p:nvSpPr>
+          <p:cNvPr id="4" name="Content Placeholder 3">
+            <a:extLst>
+              <a:ext uri="{FF2B5EF4-FFF2-40B4-BE49-F238E27FC236}">
+                <a16:creationId xmlns:a16="http://schemas.microsoft.com/office/drawing/2014/main" id="{4070469B-4286-4690-BA70-9833D99D49AA}"/>
+              </a:ext>
+            </a:extLst>
+          </p:cNvPr>
+          <p:cNvSpPr>
+            <a:spLocks noGrp="1"/>
+          </p:cNvSpPr>
+          <p:nvPr>
+            <p:ph sz="half" idx="1"/>
+          </p:nvPr>
+        </p:nvSpPr>
+        <p:spPr/>
+        <p:txBody>
+          <a:bodyPr>
+            <a:normAutofit/>
+          </a:bodyPr>
+          <a:lstStyle/>
+          <a:p>
+            <a:r>
+              <a:rPr lang="en-US" dirty="0"/>
+              <a:t>Are simple to understand and interpret</a:t>
+            </a:r>
+          </a:p>
+          <a:p>
+            <a:r>
+              <a:rPr lang="en-US" dirty="0"/>
+              <a:t>Have value even with little hard data</a:t>
+            </a:r>
+          </a:p>
+          <a:p>
+            <a:r>
+              <a:rPr lang="en-US" dirty="0"/>
+              <a:t>A decision tree does not require normalization or scaling of data</a:t>
+            </a:r>
+          </a:p>
+          <a:p>
+            <a:r>
+              <a:rPr lang="en-US" dirty="0"/>
+              <a:t>Help determine worst, best and expected values for different scenarios</a:t>
+            </a:r>
+          </a:p>
+        </p:txBody>
+      </p:sp>
+      <p:sp>
+        <p:nvSpPr>
+          <p:cNvPr id="5" name="Content Placeholder 4">
+            <a:extLst>
+              <a:ext uri="{FF2B5EF4-FFF2-40B4-BE49-F238E27FC236}">
+                <a16:creationId xmlns:a16="http://schemas.microsoft.com/office/drawing/2014/main" id="{7BA38EB5-D617-4D03-BA40-59FE0BB47FD3}"/>
+              </a:ext>
+            </a:extLst>
+          </p:cNvPr>
+          <p:cNvSpPr>
+            <a:spLocks noGrp="1"/>
+          </p:cNvSpPr>
+          <p:nvPr>
+            <p:ph sz="half" idx="2"/>
+          </p:nvPr>
+        </p:nvSpPr>
+        <p:spPr/>
+        <p:txBody>
+          <a:bodyPr>
+            <a:normAutofit/>
+          </a:bodyPr>
+          <a:lstStyle/>
+          <a:p>
+            <a:r>
+              <a:rPr lang="en-US" dirty="0"/>
+              <a:t>High variance</a:t>
+            </a:r>
+          </a:p>
+          <a:p>
+            <a:r>
+              <a:rPr lang="en-US" dirty="0"/>
+              <a:t>They are often relatively inaccurate</a:t>
+            </a:r>
+          </a:p>
+          <a:p>
+            <a:r>
+              <a:rPr lang="en-US" dirty="0"/>
+              <a:t>Rectangular domains</a:t>
+            </a:r>
+          </a:p>
+        </p:txBody>
+      </p:sp>
+    </p:spTree>
+    <p:extLst>
+      <p:ext uri="{BB962C8B-B14F-4D97-AF65-F5344CB8AC3E}">
+        <p14:creationId xmlns:p14="http://schemas.microsoft.com/office/powerpoint/2010/main" val="3085428697"/>
+      </p:ext>
+    </p:extLst>
+  </p:cSld>
+  <p:clrMapOvr>
+    <a:masterClrMapping/>
+  </p:clrMapOvr>
+</p:sld>
+</file>
+
+<file path=ppt/slides/slide19.xml><?xml version="1.0" encoding="utf-8"?>
+<p:sld xmlns:a="http://schemas.openxmlformats.org/drawingml/2006/main" xmlns:r="http://schemas.openxmlformats.org/officeDocument/2006/relationships" xmlns:p="http://schemas.openxmlformats.org/presentationml/2006/main">
+  <p:cSld>
+    <p:spTree>
+      <p:nvGrpSpPr>
+        <p:cNvPr id="1" name=""/>
+        <p:cNvGrpSpPr/>
+        <p:nvPr/>
+      </p:nvGrpSpPr>
+      <p:grpSpPr>
+        <a:xfrm>
+          <a:off x="0" y="0"/>
+          <a:ext cx="0" cy="0"/>
+          <a:chOff x="0" y="0"/>
+          <a:chExt cx="0" cy="0"/>
+        </a:xfrm>
+      </p:grpSpPr>
+      <p:sp>
+        <p:nvSpPr>
+          <p:cNvPr id="3" name="Title 2">
+            <a:extLst>
+              <a:ext uri="{FF2B5EF4-FFF2-40B4-BE49-F238E27FC236}">
+                <a16:creationId xmlns:a16="http://schemas.microsoft.com/office/drawing/2014/main" id="{2F2F6F85-01B3-4AA8-AF48-76B8EF6F4FD9}"/>
+              </a:ext>
+            </a:extLst>
+          </p:cNvPr>
+          <p:cNvSpPr>
+            <a:spLocks noGrp="1"/>
+          </p:cNvSpPr>
+          <p:nvPr>
+            <p:ph type="title"/>
+          </p:nvPr>
+        </p:nvSpPr>
+        <p:spPr/>
+        <p:txBody>
+          <a:bodyPr/>
+          <a:lstStyle/>
+          <a:p>
+            <a:r>
+              <a:rPr lang="en-US" dirty="0"/>
+              <a:t>Ensemble methods</a:t>
+            </a:r>
+          </a:p>
+        </p:txBody>
+      </p:sp>
+      <mc:AlternateContent xmlns:mc="http://schemas.openxmlformats.org/markup-compatibility/2006" xmlns:a14="http://schemas.microsoft.com/office/drawing/2010/main">
+        <mc:Choice Requires="a14">
+          <p:sp>
+            <p:nvSpPr>
+              <p:cNvPr id="4" name="Text Placeholder 3">
+                <a:extLst>
+                  <a:ext uri="{FF2B5EF4-FFF2-40B4-BE49-F238E27FC236}">
+                    <a16:creationId xmlns:a16="http://schemas.microsoft.com/office/drawing/2014/main" id="{05D5A9FB-7F23-4465-9349-9DF7021F51BD}"/>
+                  </a:ext>
+                </a:extLst>
+              </p:cNvPr>
+              <p:cNvSpPr>
+                <a:spLocks noGrp="1"/>
+              </p:cNvSpPr>
+              <p:nvPr>
+                <p:ph type="body" idx="1"/>
+              </p:nvPr>
+            </p:nvSpPr>
+            <p:spPr/>
+            <p:txBody>
+              <a:bodyPr/>
+              <a:lstStyle/>
+              <a:p>
+                <a:pPr/>
+                <a14:m>
+                  <m:oMathPara xmlns:m="http://schemas.openxmlformats.org/officeDocument/2006/math">
+                    <m:oMathParaPr>
+                      <m:jc m:val="centerGroup"/>
+                    </m:oMathParaPr>
+                    <m:oMath xmlns:m="http://schemas.openxmlformats.org/officeDocument/2006/math">
+                      <m:sSub>
+                        <m:sSubPr>
+                          <m:ctrlPr>
+                            <a:rPr lang="en-US" b="0" i="1" smtClean="0">
+                              <a:latin typeface="Cambria Math" panose="02040503050406030204" pitchFamily="18" charset="0"/>
+                            </a:rPr>
+                          </m:ctrlPr>
+                        </m:sSubPr>
+                        <m:e>
+                          <m:acc>
+                            <m:accPr>
+                              <m:chr m:val="̂"/>
+                              <m:ctrlPr>
+                                <a:rPr lang="en-US" b="0" i="1" smtClean="0">
+                                  <a:latin typeface="Cambria Math" panose="02040503050406030204" pitchFamily="18" charset="0"/>
+                                </a:rPr>
+                              </m:ctrlPr>
+                            </m:accPr>
+                            <m:e>
+                              <m:r>
+                                <a:rPr lang="en-US" b="0" i="1" smtClean="0">
+                                  <a:latin typeface="Cambria Math" panose="02040503050406030204" pitchFamily="18" charset="0"/>
+                                </a:rPr>
+                                <m:t>𝑓</m:t>
+                              </m:r>
+                            </m:e>
+                          </m:acc>
+                        </m:e>
+                        <m:sub>
+                          <m:r>
+                            <a:rPr lang="en-US" b="0" i="1" smtClean="0">
+                              <a:latin typeface="Cambria Math" panose="02040503050406030204" pitchFamily="18" charset="0"/>
+                            </a:rPr>
+                            <m:t>𝑎𝑣𝑔</m:t>
+                          </m:r>
+                        </m:sub>
+                      </m:sSub>
+                      <m:d>
+                        <m:dPr>
+                          <m:ctrlPr>
+                            <a:rPr lang="en-US" b="0" i="1" smtClean="0">
+                              <a:latin typeface="Cambria Math" panose="02040503050406030204" pitchFamily="18" charset="0"/>
+                            </a:rPr>
+                          </m:ctrlPr>
+                        </m:dPr>
+                        <m:e>
+                          <m:r>
+                            <a:rPr lang="en-US" b="0" i="1" smtClean="0">
+                              <a:latin typeface="Cambria Math" panose="02040503050406030204" pitchFamily="18" charset="0"/>
+                            </a:rPr>
+                            <m:t>𝑥</m:t>
+                          </m:r>
+                        </m:e>
+                      </m:d>
+                      <m:r>
+                        <a:rPr lang="en-US" b="0" i="1" smtClean="0">
+                          <a:latin typeface="Cambria Math" panose="02040503050406030204" pitchFamily="18" charset="0"/>
+                        </a:rPr>
+                        <m:t>=</m:t>
+                      </m:r>
+                      <m:f>
+                        <m:fPr>
+                          <m:ctrlPr>
+                            <a:rPr lang="en-US" b="0" i="1" smtClean="0">
+                              <a:latin typeface="Cambria Math" panose="02040503050406030204" pitchFamily="18" charset="0"/>
+                            </a:rPr>
+                          </m:ctrlPr>
+                        </m:fPr>
+                        <m:num>
+                          <m:r>
+                            <a:rPr lang="en-US" b="0" i="1" smtClean="0">
+                              <a:latin typeface="Cambria Math" panose="02040503050406030204" pitchFamily="18" charset="0"/>
+                            </a:rPr>
+                            <m:t>1</m:t>
+                          </m:r>
+                        </m:num>
+                        <m:den>
+                          <m:r>
+                            <a:rPr lang="en-US" b="0" i="1" smtClean="0">
+                              <a:latin typeface="Cambria Math" panose="02040503050406030204" pitchFamily="18" charset="0"/>
+                            </a:rPr>
+                            <m:t>𝐵</m:t>
+                          </m:r>
+                        </m:den>
+                      </m:f>
+                      <m:nary>
+                        <m:naryPr>
+                          <m:chr m:val="∑"/>
+                          <m:ctrlPr>
+                            <a:rPr lang="en-US" b="0" i="1" smtClean="0">
+                              <a:latin typeface="Cambria Math" panose="02040503050406030204" pitchFamily="18" charset="0"/>
+                            </a:rPr>
+                          </m:ctrlPr>
+                        </m:naryPr>
+                        <m:sub>
+                          <m:r>
+                            <a:rPr lang="en-US" b="0" i="1" smtClean="0">
+                              <a:latin typeface="Cambria Math" panose="02040503050406030204" pitchFamily="18" charset="0"/>
+                            </a:rPr>
+                            <m:t>𝑏</m:t>
+                          </m:r>
+                          <m:r>
+                            <a:rPr lang="en-US" b="0" i="1" smtClean="0">
+                              <a:latin typeface="Cambria Math" panose="02040503050406030204" pitchFamily="18" charset="0"/>
+                            </a:rPr>
+                            <m:t>=1</m:t>
+                          </m:r>
+                        </m:sub>
+                        <m:sup>
+                          <m:r>
+                            <a:rPr lang="en-US" b="0" i="1" smtClean="0">
+                              <a:latin typeface="Cambria Math" panose="02040503050406030204" pitchFamily="18" charset="0"/>
+                            </a:rPr>
+                            <m:t>𝐵</m:t>
+                          </m:r>
+                        </m:sup>
+                        <m:e>
+                          <m:sSup>
+                            <m:sSupPr>
+                              <m:ctrlPr>
+                                <a:rPr lang="en-US" b="0" i="1" smtClean="0">
+                                  <a:latin typeface="Cambria Math" panose="02040503050406030204" pitchFamily="18" charset="0"/>
+                                </a:rPr>
+                              </m:ctrlPr>
+                            </m:sSupPr>
+                            <m:e>
+                              <m:acc>
+                                <m:accPr>
+                                  <m:chr m:val="̂"/>
+                                  <m:ctrlPr>
+                                    <a:rPr lang="en-US" b="0" i="1" smtClean="0">
+                                      <a:latin typeface="Cambria Math" panose="02040503050406030204" pitchFamily="18" charset="0"/>
+                                    </a:rPr>
+                                  </m:ctrlPr>
+                                </m:accPr>
+                                <m:e>
+                                  <m:r>
+                                    <a:rPr lang="en-US" b="0" i="1" smtClean="0">
+                                      <a:latin typeface="Cambria Math" panose="02040503050406030204" pitchFamily="18" charset="0"/>
+                                    </a:rPr>
+                                    <m:t>𝑓</m:t>
+                                  </m:r>
+                                </m:e>
+                              </m:acc>
+                            </m:e>
+                            <m:sup>
+                              <m:r>
+                                <a:rPr lang="en-US" b="0" i="1" smtClean="0">
+                                  <a:latin typeface="Cambria Math" panose="02040503050406030204" pitchFamily="18" charset="0"/>
+                                </a:rPr>
+                                <m:t>𝑏</m:t>
+                              </m:r>
+                            </m:sup>
+                          </m:sSup>
+                          <m:d>
+                            <m:dPr>
+                              <m:ctrlPr>
+                                <a:rPr lang="en-US" b="0" i="1" smtClean="0">
+                                  <a:latin typeface="Cambria Math" panose="02040503050406030204" pitchFamily="18" charset="0"/>
+                                </a:rPr>
+                              </m:ctrlPr>
+                            </m:dPr>
+                            <m:e>
+                              <m:r>
+                                <a:rPr lang="en-US" b="0" i="1" smtClean="0">
+                                  <a:latin typeface="Cambria Math" panose="02040503050406030204" pitchFamily="18" charset="0"/>
+                                </a:rPr>
+                                <m:t>𝑥</m:t>
+                              </m:r>
+                            </m:e>
+                          </m:d>
+                        </m:e>
+                      </m:nary>
+                    </m:oMath>
+                  </m:oMathPara>
+                </a14:m>
+                <a:endParaRPr lang="en-US" dirty="0"/>
+              </a:p>
+            </p:txBody>
+          </p:sp>
+        </mc:Choice>
+        <mc:Fallback xmlns="">
+          <p:sp>
+            <p:nvSpPr>
+              <p:cNvPr id="4" name="Text Placeholder 3">
+                <a:extLst>
+                  <a:ext uri="{FF2B5EF4-FFF2-40B4-BE49-F238E27FC236}">
+                    <a16:creationId xmlns:a16="http://schemas.microsoft.com/office/drawing/2014/main" id="{05D5A9FB-7F23-4465-9349-9DF7021F51BD}"/>
+                  </a:ext>
+                </a:extLst>
+              </p:cNvPr>
+              <p:cNvSpPr>
+                <a:spLocks noGrp="1" noRot="1" noChangeAspect="1" noMove="1" noResize="1" noEditPoints="1" noAdjustHandles="1" noChangeArrowheads="1" noChangeShapeType="1" noTextEdit="1"/>
+              </p:cNvSpPr>
+              <p:nvPr>
+                <p:ph type="body" idx="1"/>
+              </p:nvPr>
+            </p:nvSpPr>
+            <p:spPr>
+              <a:blipFill>
+                <a:blip r:embed="rId3"/>
+                <a:stretch>
+                  <a:fillRect/>
+                </a:stretch>
+              </a:blipFill>
+            </p:spPr>
+            <p:txBody>
+              <a:bodyPr/>
+              <a:lstStyle/>
+              <a:p>
+                <a:r>
+                  <a:rPr lang="en-US">
+                    <a:noFill/>
+                  </a:rPr>
+                  <a:t> </a:t>
+                </a:r>
+              </a:p>
+            </p:txBody>
+          </p:sp>
+        </mc:Fallback>
+      </mc:AlternateContent>
+      <p:pic>
+        <p:nvPicPr>
+          <p:cNvPr id="5" name="Picture 4">
+            <a:extLst>
+              <a:ext uri="{FF2B5EF4-FFF2-40B4-BE49-F238E27FC236}">
+                <a16:creationId xmlns:a16="http://schemas.microsoft.com/office/drawing/2014/main" id="{3CA2A702-69DA-45F9-AD6E-96029043CD44}"/>
+              </a:ext>
+            </a:extLst>
+          </p:cNvPr>
+          <p:cNvPicPr>
+            <a:picLocks noChangeAspect="1"/>
+          </p:cNvPicPr>
+          <p:nvPr/>
+        </p:nvPicPr>
+        <p:blipFill>
+          <a:blip r:embed="rId4"/>
+          <a:stretch>
+            <a:fillRect/>
+          </a:stretch>
+        </p:blipFill>
+        <p:spPr>
+          <a:xfrm>
+            <a:off x="4480560" y="0"/>
+            <a:ext cx="7711440" cy="3304344"/>
+          </a:xfrm>
+          <a:prstGeom prst="rect">
+            <a:avLst/>
+          </a:prstGeom>
+        </p:spPr>
+      </p:pic>
+    </p:spTree>
+    <p:extLst>
+      <p:ext uri="{BB962C8B-B14F-4D97-AF65-F5344CB8AC3E}">
+        <p14:creationId xmlns:p14="http://schemas.microsoft.com/office/powerpoint/2010/main" val="3006309357"/>
+      </p:ext>
+    </p:extLst>
+  </p:cSld>
+  <p:clrMapOvr>
+    <a:masterClrMapping/>
+  </p:clrMapOvr>
+</p:sld>
+</file>
+
 <file path=ppt/slides/slide2.xml><?xml version="1.0" encoding="utf-8"?>
 <p:sld xmlns:a="http://schemas.openxmlformats.org/drawingml/2006/main" xmlns:r="http://schemas.openxmlformats.org/officeDocument/2006/relationships" xmlns:p="http://schemas.openxmlformats.org/presentationml/2006/main">
   <p:cSld>
@@ -15541,6 +16891,5183 @@
   <p:clrMapOvr>
     <a:masterClrMapping/>
   </p:clrMapOvr>
+</p:sld>
+</file>
+
+<file path=ppt/slides/slide20.xml><?xml version="1.0" encoding="utf-8"?>
+<p:sld xmlns:a="http://schemas.openxmlformats.org/drawingml/2006/main" xmlns:r="http://schemas.openxmlformats.org/officeDocument/2006/relationships" xmlns:p="http://schemas.openxmlformats.org/presentationml/2006/main">
+  <p:cSld>
+    <p:spTree>
+      <p:nvGrpSpPr>
+        <p:cNvPr id="1" name=""/>
+        <p:cNvGrpSpPr/>
+        <p:nvPr/>
+      </p:nvGrpSpPr>
+      <p:grpSpPr>
+        <a:xfrm>
+          <a:off x="0" y="0"/>
+          <a:ext cx="0" cy="0"/>
+          <a:chOff x="0" y="0"/>
+          <a:chExt cx="0" cy="0"/>
+        </a:xfrm>
+      </p:grpSpPr>
+      <p:sp>
+        <p:nvSpPr>
+          <p:cNvPr id="5" name="Title 4">
+            <a:extLst>
+              <a:ext uri="{FF2B5EF4-FFF2-40B4-BE49-F238E27FC236}">
+                <a16:creationId xmlns:a16="http://schemas.microsoft.com/office/drawing/2014/main" id="{E4C0AF37-684B-4D68-94ED-FA013808548E}"/>
+              </a:ext>
+            </a:extLst>
+          </p:cNvPr>
+          <p:cNvSpPr>
+            <a:spLocks noGrp="1"/>
+          </p:cNvSpPr>
+          <p:nvPr>
+            <p:ph type="title"/>
+          </p:nvPr>
+        </p:nvSpPr>
+        <p:spPr/>
+        <p:txBody>
+          <a:bodyPr/>
+          <a:lstStyle/>
+          <a:p>
+            <a:r>
+              <a:rPr lang="en-US" dirty="0"/>
+              <a:t>Theoretical origin</a:t>
+            </a:r>
+          </a:p>
+        </p:txBody>
+      </p:sp>
+      <mc:AlternateContent xmlns:mc="http://schemas.openxmlformats.org/markup-compatibility/2006" xmlns:a14="http://schemas.microsoft.com/office/drawing/2010/main">
+        <mc:Choice Requires="a14">
+          <p:sp>
+            <p:nvSpPr>
+              <p:cNvPr id="4" name="TextBox 3">
+                <a:extLst>
+                  <a:ext uri="{FF2B5EF4-FFF2-40B4-BE49-F238E27FC236}">
+                    <a16:creationId xmlns:a16="http://schemas.microsoft.com/office/drawing/2014/main" id="{F0696375-5A70-470A-870D-3EC4B146A47C}"/>
+                  </a:ext>
+                </a:extLst>
+              </p:cNvPr>
+              <p:cNvSpPr txBox="1"/>
+              <p:nvPr/>
+            </p:nvSpPr>
+            <p:spPr>
+              <a:xfrm>
+                <a:off x="838200" y="3429000"/>
+                <a:ext cx="5831305" cy="1938992"/>
+              </a:xfrm>
+              <a:prstGeom prst="rect">
+                <a:avLst/>
+              </a:prstGeom>
+              <a:noFill/>
+            </p:spPr>
+            <p:txBody>
+              <a:bodyPr wrap="square" rtlCol="0">
+                <a:spAutoFit/>
+              </a:bodyPr>
+              <a:lstStyle/>
+              <a:p>
+                <a:r>
+                  <a:rPr lang="en-US" sz="2400" dirty="0"/>
+                  <a:t>Variance of Sample mean:</a:t>
+                </a:r>
+              </a:p>
+              <a:p>
+                <a:endParaRPr lang="en-US" sz="2400" dirty="0"/>
+              </a:p>
+              <a:p>
+                <a:r>
+                  <a:rPr lang="en-US" sz="2400" dirty="0"/>
+                  <a:t>Let </a:t>
+                </a:r>
+                <a14:m>
+                  <m:oMath xmlns:m="http://schemas.openxmlformats.org/officeDocument/2006/math">
+                    <m:sSub>
+                      <m:sSubPr>
+                        <m:ctrlPr>
+                          <a:rPr lang="en-US" sz="2400" b="0" i="1" smtClean="0">
+                            <a:latin typeface="Cambria Math" panose="02040503050406030204" pitchFamily="18" charset="0"/>
+                          </a:rPr>
+                        </m:ctrlPr>
+                      </m:sSubPr>
+                      <m:e>
+                        <m:r>
+                          <a:rPr lang="en-US" sz="2400" b="0" i="1" smtClean="0">
+                            <a:latin typeface="Cambria Math" panose="02040503050406030204" pitchFamily="18" charset="0"/>
+                          </a:rPr>
+                          <m:t>𝑍</m:t>
+                        </m:r>
+                      </m:e>
+                      <m:sub>
+                        <m:r>
+                          <a:rPr lang="en-US" sz="2400" b="0" i="1" smtClean="0">
+                            <a:latin typeface="Cambria Math" panose="02040503050406030204" pitchFamily="18" charset="0"/>
+                          </a:rPr>
+                          <m:t>1</m:t>
+                        </m:r>
+                      </m:sub>
+                    </m:sSub>
+                    <m:r>
+                      <a:rPr lang="en-US" sz="2400" b="0" i="1" smtClean="0">
+                        <a:latin typeface="Cambria Math" panose="02040503050406030204" pitchFamily="18" charset="0"/>
+                      </a:rPr>
+                      <m:t>,…,</m:t>
+                    </m:r>
+                    <m:sSub>
+                      <m:sSubPr>
+                        <m:ctrlPr>
+                          <a:rPr lang="en-US" sz="2400" b="0" i="1" smtClean="0">
+                            <a:latin typeface="Cambria Math" panose="02040503050406030204" pitchFamily="18" charset="0"/>
+                          </a:rPr>
+                        </m:ctrlPr>
+                      </m:sSubPr>
+                      <m:e>
+                        <m:r>
+                          <a:rPr lang="en-US" sz="2400" b="0" i="1" smtClean="0">
+                            <a:latin typeface="Cambria Math" panose="02040503050406030204" pitchFamily="18" charset="0"/>
+                          </a:rPr>
+                          <m:t>𝑍</m:t>
+                        </m:r>
+                      </m:e>
+                      <m:sub>
+                        <m:r>
+                          <a:rPr lang="en-US" sz="2400" b="0" i="1" smtClean="0">
+                            <a:latin typeface="Cambria Math" panose="02040503050406030204" pitchFamily="18" charset="0"/>
+                          </a:rPr>
+                          <m:t>𝑛</m:t>
+                        </m:r>
+                      </m:sub>
+                    </m:sSub>
+                  </m:oMath>
+                </a14:m>
+                <a:r>
+                  <a:rPr lang="en-US" sz="2400" dirty="0"/>
+                  <a:t> be </a:t>
+                </a:r>
+                <a14:m>
+                  <m:oMath xmlns:m="http://schemas.openxmlformats.org/officeDocument/2006/math">
+                    <m:r>
+                      <a:rPr lang="en-US" sz="2400" b="0" i="1" smtClean="0">
+                        <a:latin typeface="Cambria Math" panose="02040503050406030204" pitchFamily="18" charset="0"/>
+                      </a:rPr>
+                      <m:t>𝑛</m:t>
+                    </m:r>
+                  </m:oMath>
+                </a14:m>
+                <a:r>
+                  <a:rPr lang="en-US" sz="2400" dirty="0"/>
+                  <a:t> random variables i.i.d., each with variance </a:t>
+                </a:r>
+                <a14:m>
+                  <m:oMath xmlns:m="http://schemas.openxmlformats.org/officeDocument/2006/math">
+                    <m:sSup>
+                      <m:sSupPr>
+                        <m:ctrlPr>
+                          <a:rPr lang="en-US" sz="2400" b="0" i="1" smtClean="0">
+                            <a:latin typeface="Cambria Math" panose="02040503050406030204" pitchFamily="18" charset="0"/>
+                          </a:rPr>
+                        </m:ctrlPr>
+                      </m:sSupPr>
+                      <m:e>
+                        <m:r>
+                          <a:rPr lang="en-US" sz="2400" b="0" i="1" smtClean="0">
+                            <a:latin typeface="Cambria Math" panose="02040503050406030204" pitchFamily="18" charset="0"/>
+                          </a:rPr>
+                          <m:t>𝜎</m:t>
+                        </m:r>
+                      </m:e>
+                      <m:sup>
+                        <m:r>
+                          <a:rPr lang="en-US" sz="2400" b="0" i="1" smtClean="0">
+                            <a:latin typeface="Cambria Math" panose="02040503050406030204" pitchFamily="18" charset="0"/>
+                          </a:rPr>
+                          <m:t>2</m:t>
+                        </m:r>
+                      </m:sup>
+                    </m:sSup>
+                  </m:oMath>
+                </a14:m>
+                <a:r>
+                  <a:rPr lang="en-US" sz="2400" dirty="0"/>
+                  <a:t>. The variance of the mean </a:t>
+                </a:r>
+                <a14:m>
+                  <m:oMath xmlns:m="http://schemas.openxmlformats.org/officeDocument/2006/math">
+                    <m:acc>
+                      <m:accPr>
+                        <m:chr m:val="̅"/>
+                        <m:ctrlPr>
+                          <a:rPr lang="en-US" sz="2400" i="1" smtClean="0">
+                            <a:latin typeface="Cambria Math" panose="02040503050406030204" pitchFamily="18" charset="0"/>
+                          </a:rPr>
+                        </m:ctrlPr>
+                      </m:accPr>
+                      <m:e>
+                        <m:r>
+                          <a:rPr lang="en-US" sz="2400" b="0" i="1" smtClean="0">
+                            <a:latin typeface="Cambria Math" panose="02040503050406030204" pitchFamily="18" charset="0"/>
+                          </a:rPr>
+                          <m:t>𝑍</m:t>
+                        </m:r>
+                      </m:e>
+                    </m:acc>
+                  </m:oMath>
+                </a14:m>
+                <a:r>
+                  <a:rPr lang="en-US" sz="2400" dirty="0"/>
+                  <a:t> of the observations is given by </a:t>
+                </a:r>
+                <a14:m>
+                  <m:oMath xmlns:m="http://schemas.openxmlformats.org/officeDocument/2006/math">
+                    <m:sSup>
+                      <m:sSupPr>
+                        <m:ctrlPr>
+                          <a:rPr lang="en-US" sz="2400" b="0" i="1" smtClean="0">
+                            <a:latin typeface="Cambria Math" panose="02040503050406030204" pitchFamily="18" charset="0"/>
+                          </a:rPr>
+                        </m:ctrlPr>
+                      </m:sSupPr>
+                      <m:e>
+                        <m:r>
+                          <a:rPr lang="en-US" sz="2400" b="0" i="1" smtClean="0">
+                            <a:latin typeface="Cambria Math" panose="02040503050406030204" pitchFamily="18" charset="0"/>
+                          </a:rPr>
+                          <m:t>𝜎</m:t>
+                        </m:r>
+                      </m:e>
+                      <m:sup>
+                        <m:r>
+                          <a:rPr lang="en-US" sz="2400" b="0" i="1" smtClean="0">
+                            <a:latin typeface="Cambria Math" panose="02040503050406030204" pitchFamily="18" charset="0"/>
+                          </a:rPr>
+                          <m:t>2</m:t>
+                        </m:r>
+                      </m:sup>
+                    </m:sSup>
+                    <m:r>
+                      <a:rPr lang="en-US" sz="2400" b="0" i="1" smtClean="0">
+                        <a:latin typeface="Cambria Math" panose="02040503050406030204" pitchFamily="18" charset="0"/>
+                      </a:rPr>
+                      <m:t>/</m:t>
+                    </m:r>
+                    <m:r>
+                      <a:rPr lang="en-US" sz="2400" b="0" i="1" smtClean="0">
+                        <a:latin typeface="Cambria Math" panose="02040503050406030204" pitchFamily="18" charset="0"/>
+                      </a:rPr>
+                      <m:t>𝑛</m:t>
+                    </m:r>
+                  </m:oMath>
+                </a14:m>
+                <a:r>
+                  <a:rPr lang="en-US" sz="2400" dirty="0"/>
+                  <a:t>.</a:t>
+                </a:r>
+              </a:p>
+            </p:txBody>
+          </p:sp>
+        </mc:Choice>
+        <mc:Fallback xmlns="">
+          <p:sp>
+            <p:nvSpPr>
+              <p:cNvPr id="4" name="TextBox 3">
+                <a:extLst>
+                  <a:ext uri="{FF2B5EF4-FFF2-40B4-BE49-F238E27FC236}">
+                    <a16:creationId xmlns:a16="http://schemas.microsoft.com/office/drawing/2014/main" id="{F0696375-5A70-470A-870D-3EC4B146A47C}"/>
+                  </a:ext>
+                </a:extLst>
+              </p:cNvPr>
+              <p:cNvSpPr txBox="1">
+                <a:spLocks noRot="1" noChangeAspect="1" noMove="1" noResize="1" noEditPoints="1" noAdjustHandles="1" noChangeArrowheads="1" noChangeShapeType="1" noTextEdit="1"/>
+              </p:cNvSpPr>
+              <p:nvPr/>
+            </p:nvSpPr>
+            <p:spPr>
+              <a:xfrm>
+                <a:off x="838200" y="3429000"/>
+                <a:ext cx="5831305" cy="1938992"/>
+              </a:xfrm>
+              <a:prstGeom prst="rect">
+                <a:avLst/>
+              </a:prstGeom>
+              <a:blipFill>
+                <a:blip r:embed="rId2"/>
+                <a:stretch>
+                  <a:fillRect l="-1674" t="-2516" r="-523" b="-5975"/>
+                </a:stretch>
+              </a:blipFill>
+            </p:spPr>
+            <p:txBody>
+              <a:bodyPr/>
+              <a:lstStyle/>
+              <a:p>
+                <a:r>
+                  <a:rPr lang="en-US">
+                    <a:noFill/>
+                  </a:rPr>
+                  <a:t> </a:t>
+                </a:r>
+              </a:p>
+            </p:txBody>
+          </p:sp>
+        </mc:Fallback>
+      </mc:AlternateContent>
+    </p:spTree>
+    <p:extLst>
+      <p:ext uri="{BB962C8B-B14F-4D97-AF65-F5344CB8AC3E}">
+        <p14:creationId xmlns:p14="http://schemas.microsoft.com/office/powerpoint/2010/main" val="2537487395"/>
+      </p:ext>
+    </p:extLst>
+  </p:cSld>
+  <p:clrMapOvr>
+    <a:masterClrMapping/>
+  </p:clrMapOvr>
+</p:sld>
+</file>
+
+<file path=ppt/slides/slide21.xml><?xml version="1.0" encoding="utf-8"?>
+<p:sld xmlns:a="http://schemas.openxmlformats.org/drawingml/2006/main" xmlns:r="http://schemas.openxmlformats.org/officeDocument/2006/relationships" xmlns:p="http://schemas.openxmlformats.org/presentationml/2006/main" show="0">
+  <p:cSld>
+    <p:spTree>
+      <p:nvGrpSpPr>
+        <p:cNvPr id="1" name=""/>
+        <p:cNvGrpSpPr/>
+        <p:nvPr/>
+      </p:nvGrpSpPr>
+      <p:grpSpPr>
+        <a:xfrm>
+          <a:off x="0" y="0"/>
+          <a:ext cx="0" cy="0"/>
+          <a:chOff x="0" y="0"/>
+          <a:chExt cx="0" cy="0"/>
+        </a:xfrm>
+      </p:grpSpPr>
+      <p:pic>
+        <p:nvPicPr>
+          <p:cNvPr id="4" name="Picture 3">
+            <a:extLst>
+              <a:ext uri="{FF2B5EF4-FFF2-40B4-BE49-F238E27FC236}">
+                <a16:creationId xmlns:a16="http://schemas.microsoft.com/office/drawing/2014/main" id="{38691DDB-087E-4794-9C33-E5169355A810}"/>
+              </a:ext>
+            </a:extLst>
+          </p:cNvPr>
+          <p:cNvPicPr>
+            <a:picLocks noChangeAspect="1"/>
+          </p:cNvPicPr>
+          <p:nvPr/>
+        </p:nvPicPr>
+        <p:blipFill>
+          <a:blip r:embed="rId3"/>
+          <a:stretch>
+            <a:fillRect/>
+          </a:stretch>
+        </p:blipFill>
+        <p:spPr>
+          <a:xfrm>
+            <a:off x="2133600" y="2855560"/>
+            <a:ext cx="9332685" cy="3745991"/>
+          </a:xfrm>
+          <a:prstGeom prst="rect">
+            <a:avLst/>
+          </a:prstGeom>
+        </p:spPr>
+      </p:pic>
+      <p:sp>
+        <p:nvSpPr>
+          <p:cNvPr id="2" name="Title 1">
+            <a:extLst>
+              <a:ext uri="{FF2B5EF4-FFF2-40B4-BE49-F238E27FC236}">
+                <a16:creationId xmlns:a16="http://schemas.microsoft.com/office/drawing/2014/main" id="{0916AF5A-8906-4B73-9CC6-EAFF321BBCE5}"/>
+              </a:ext>
+            </a:extLst>
+          </p:cNvPr>
+          <p:cNvSpPr>
+            <a:spLocks noGrp="1"/>
+          </p:cNvSpPr>
+          <p:nvPr>
+            <p:ph type="title"/>
+          </p:nvPr>
+        </p:nvSpPr>
+        <p:spPr/>
+        <p:txBody>
+          <a:bodyPr/>
+          <a:lstStyle/>
+          <a:p>
+            <a:r>
+              <a:rPr lang="en-US" dirty="0"/>
+              <a:t>Random Guessing and Weak learners</a:t>
+            </a:r>
+          </a:p>
+        </p:txBody>
+      </p:sp>
+      <p:sp>
+        <p:nvSpPr>
+          <p:cNvPr id="3" name="TextBox 2">
+            <a:extLst>
+              <a:ext uri="{FF2B5EF4-FFF2-40B4-BE49-F238E27FC236}">
+                <a16:creationId xmlns:a16="http://schemas.microsoft.com/office/drawing/2014/main" id="{0F7AA394-A4AF-4C88-9239-07E345B7205F}"/>
+              </a:ext>
+            </a:extLst>
+          </p:cNvPr>
+          <p:cNvSpPr txBox="1"/>
+          <p:nvPr/>
+        </p:nvSpPr>
+        <p:spPr>
+          <a:xfrm>
+            <a:off x="5007864" y="1437001"/>
+            <a:ext cx="5257800" cy="1200329"/>
+          </a:xfrm>
+          <a:prstGeom prst="rect">
+            <a:avLst/>
+          </a:prstGeom>
+          <a:noFill/>
+        </p:spPr>
+        <p:txBody>
+          <a:bodyPr wrap="square" rtlCol="0">
+            <a:spAutoFit/>
+          </a:bodyPr>
+          <a:lstStyle/>
+          <a:p>
+            <a:r>
+              <a:rPr lang="en-US" sz="2400" dirty="0"/>
+              <a:t>Weak learner. An algorithm that performs poorly, i.e., slightly better than random guessing</a:t>
+            </a:r>
+          </a:p>
+        </p:txBody>
+      </p:sp>
+    </p:spTree>
+    <p:extLst>
+      <p:ext uri="{BB962C8B-B14F-4D97-AF65-F5344CB8AC3E}">
+        <p14:creationId xmlns:p14="http://schemas.microsoft.com/office/powerpoint/2010/main" val="1882196781"/>
+      </p:ext>
+    </p:extLst>
+  </p:cSld>
+  <p:clrMapOvr>
+    <a:masterClrMapping/>
+  </p:clrMapOvr>
+</p:sld>
+</file>
+
+<file path=ppt/slides/slide22.xml><?xml version="1.0" encoding="utf-8"?>
+<p:sld xmlns:a="http://schemas.openxmlformats.org/drawingml/2006/main" xmlns:r="http://schemas.openxmlformats.org/officeDocument/2006/relationships" xmlns:p="http://schemas.openxmlformats.org/presentationml/2006/main">
+  <p:cSld>
+    <p:spTree>
+      <p:nvGrpSpPr>
+        <p:cNvPr id="1" name=""/>
+        <p:cNvGrpSpPr/>
+        <p:nvPr/>
+      </p:nvGrpSpPr>
+      <p:grpSpPr>
+        <a:xfrm>
+          <a:off x="0" y="0"/>
+          <a:ext cx="0" cy="0"/>
+          <a:chOff x="0" y="0"/>
+          <a:chExt cx="0" cy="0"/>
+        </a:xfrm>
+      </p:grpSpPr>
+      <p:sp>
+        <p:nvSpPr>
+          <p:cNvPr id="2" name="Title 1">
+            <a:extLst>
+              <a:ext uri="{FF2B5EF4-FFF2-40B4-BE49-F238E27FC236}">
+                <a16:creationId xmlns:a16="http://schemas.microsoft.com/office/drawing/2014/main" id="{CCDB8C0F-AEAB-4088-9EAA-0A6D0A4A9269}"/>
+              </a:ext>
+            </a:extLst>
+          </p:cNvPr>
+          <p:cNvSpPr>
+            <a:spLocks noGrp="1"/>
+          </p:cNvSpPr>
+          <p:nvPr>
+            <p:ph type="title"/>
+          </p:nvPr>
+        </p:nvSpPr>
+        <p:spPr/>
+        <p:txBody>
+          <a:bodyPr/>
+          <a:lstStyle/>
+          <a:p>
+            <a:r>
+              <a:rPr lang="en-US" dirty="0"/>
+              <a:t>Classification (Voting)</a:t>
+            </a:r>
+          </a:p>
+        </p:txBody>
+      </p:sp>
+      <p:pic>
+        <p:nvPicPr>
+          <p:cNvPr id="3" name="Picture 2">
+            <a:extLst>
+              <a:ext uri="{FF2B5EF4-FFF2-40B4-BE49-F238E27FC236}">
+                <a16:creationId xmlns:a16="http://schemas.microsoft.com/office/drawing/2014/main" id="{21CFBF8C-DBEF-4600-A371-A62E7AE73982}"/>
+              </a:ext>
+            </a:extLst>
+          </p:cNvPr>
+          <p:cNvPicPr>
+            <a:picLocks noChangeAspect="1"/>
+          </p:cNvPicPr>
+          <p:nvPr/>
+        </p:nvPicPr>
+        <p:blipFill>
+          <a:blip r:embed="rId3"/>
+          <a:stretch>
+            <a:fillRect/>
+          </a:stretch>
+        </p:blipFill>
+        <p:spPr>
+          <a:xfrm>
+            <a:off x="6096000" y="115620"/>
+            <a:ext cx="4258056" cy="1824572"/>
+          </a:xfrm>
+          <a:prstGeom prst="rect">
+            <a:avLst/>
+          </a:prstGeom>
+        </p:spPr>
+      </p:pic>
+      <p:pic>
+        <p:nvPicPr>
+          <p:cNvPr id="4" name="Picture 3">
+            <a:extLst>
+              <a:ext uri="{FF2B5EF4-FFF2-40B4-BE49-F238E27FC236}">
+                <a16:creationId xmlns:a16="http://schemas.microsoft.com/office/drawing/2014/main" id="{469FF462-54F2-421B-931C-D6222EC0FAE1}"/>
+              </a:ext>
+            </a:extLst>
+          </p:cNvPr>
+          <p:cNvPicPr>
+            <a:picLocks noChangeAspect="1"/>
+          </p:cNvPicPr>
+          <p:nvPr/>
+        </p:nvPicPr>
+        <p:blipFill>
+          <a:blip r:embed="rId4"/>
+          <a:stretch>
+            <a:fillRect/>
+          </a:stretch>
+        </p:blipFill>
+        <p:spPr>
+          <a:xfrm>
+            <a:off x="0" y="3350514"/>
+            <a:ext cx="5909333" cy="3142361"/>
+          </a:xfrm>
+          <a:prstGeom prst="rect">
+            <a:avLst/>
+          </a:prstGeom>
+        </p:spPr>
+      </p:pic>
+      <p:sp>
+        <p:nvSpPr>
+          <p:cNvPr id="5" name="TextBox 4">
+            <a:extLst>
+              <a:ext uri="{FF2B5EF4-FFF2-40B4-BE49-F238E27FC236}">
+                <a16:creationId xmlns:a16="http://schemas.microsoft.com/office/drawing/2014/main" id="{CF9DC980-004A-4F13-A1C1-0F4E829D3FFB}"/>
+              </a:ext>
+            </a:extLst>
+          </p:cNvPr>
+          <p:cNvSpPr txBox="1"/>
+          <p:nvPr/>
+        </p:nvSpPr>
+        <p:spPr>
+          <a:xfrm>
+            <a:off x="0" y="2888849"/>
+            <a:ext cx="4876800" cy="461665"/>
+          </a:xfrm>
+          <a:prstGeom prst="rect">
+            <a:avLst/>
+          </a:prstGeom>
+          <a:noFill/>
+        </p:spPr>
+        <p:txBody>
+          <a:bodyPr wrap="square" rtlCol="0">
+            <a:spAutoFit/>
+          </a:bodyPr>
+          <a:lstStyle/>
+          <a:p>
+            <a:r>
+              <a:rPr lang="en-US" sz="2400" b="1" dirty="0"/>
+              <a:t>Hard</a:t>
+            </a:r>
+            <a:r>
+              <a:rPr lang="en-US" sz="2400" dirty="0"/>
+              <a:t> (majority) voting, i.e., the mode</a:t>
+            </a:r>
+          </a:p>
+        </p:txBody>
+      </p:sp>
+      <p:graphicFrame>
+        <p:nvGraphicFramePr>
+          <p:cNvPr id="6" name="Table 6">
+            <a:extLst>
+              <a:ext uri="{FF2B5EF4-FFF2-40B4-BE49-F238E27FC236}">
+                <a16:creationId xmlns:a16="http://schemas.microsoft.com/office/drawing/2014/main" id="{5E43EF8F-2661-4320-8C2F-B8B5107EC189}"/>
+              </a:ext>
+            </a:extLst>
+          </p:cNvPr>
+          <p:cNvGraphicFramePr>
+            <a:graphicFrameLocks noGrp="1"/>
+          </p:cNvGraphicFramePr>
+          <p:nvPr>
+            <p:extLst>
+              <p:ext uri="{D42A27DB-BD31-4B8C-83A1-F6EECF244321}">
+                <p14:modId xmlns:p14="http://schemas.microsoft.com/office/powerpoint/2010/main" val="2137593722"/>
+              </p:ext>
+            </p:extLst>
+          </p:nvPr>
+        </p:nvGraphicFramePr>
+        <p:xfrm>
+          <a:off x="6720696" y="3616440"/>
+          <a:ext cx="5471304" cy="2974941"/>
+        </p:xfrm>
+        <a:graphic>
+          <a:graphicData uri="http://schemas.openxmlformats.org/drawingml/2006/table">
+            <a:tbl>
+              <a:tblPr firstRow="1" bandRow="1">
+                <a:tableStyleId>{5C22544A-7EE6-4342-B048-85BDC9FD1C3A}</a:tableStyleId>
+              </a:tblPr>
+              <a:tblGrid>
+                <a:gridCol w="1617748">
+                  <a:extLst>
+                    <a:ext uri="{9D8B030D-6E8A-4147-A177-3AD203B41FA5}">
+                      <a16:colId xmlns:a16="http://schemas.microsoft.com/office/drawing/2014/main" val="3553216081"/>
+                    </a:ext>
+                  </a:extLst>
+                </a:gridCol>
+                <a:gridCol w="2779776">
+                  <a:extLst>
+                    <a:ext uri="{9D8B030D-6E8A-4147-A177-3AD203B41FA5}">
+                      <a16:colId xmlns:a16="http://schemas.microsoft.com/office/drawing/2014/main" val="1643477254"/>
+                    </a:ext>
+                  </a:extLst>
+                </a:gridCol>
+                <a:gridCol w="1073780">
+                  <a:extLst>
+                    <a:ext uri="{9D8B030D-6E8A-4147-A177-3AD203B41FA5}">
+                      <a16:colId xmlns:a16="http://schemas.microsoft.com/office/drawing/2014/main" val="1166920106"/>
+                    </a:ext>
+                  </a:extLst>
+                </a:gridCol>
+              </a:tblGrid>
+              <a:tr h="440823">
+                <a:tc>
+                  <a:txBody>
+                    <a:bodyPr/>
+                    <a:lstStyle/>
+                    <a:p>
+                      <a:endParaRPr lang="en-US" sz="2400" dirty="0"/>
+                    </a:p>
+                  </a:txBody>
+                  <a:tcPr/>
+                </a:tc>
+                <a:tc>
+                  <a:txBody>
+                    <a:bodyPr/>
+                    <a:lstStyle/>
+                    <a:p>
+                      <a:pPr algn="ctr"/>
+                      <a:r>
+                        <a:rPr lang="en-US" sz="2400" dirty="0"/>
+                        <a:t>Class A</a:t>
+                      </a:r>
+                    </a:p>
+                  </a:txBody>
+                  <a:tcPr/>
+                </a:tc>
+                <a:tc>
+                  <a:txBody>
+                    <a:bodyPr/>
+                    <a:lstStyle/>
+                    <a:p>
+                      <a:pPr algn="ctr"/>
+                      <a:r>
+                        <a:rPr lang="en-US" sz="2400" dirty="0"/>
+                        <a:t>Class B</a:t>
+                      </a:r>
+                    </a:p>
+                  </a:txBody>
+                  <a:tcPr/>
+                </a:tc>
+                <a:extLst>
+                  <a:ext uri="{0D108BD9-81ED-4DB2-BD59-A6C34878D82A}">
+                    <a16:rowId xmlns:a16="http://schemas.microsoft.com/office/drawing/2014/main" val="3495400783"/>
+                  </a:ext>
+                </a:extLst>
+              </a:tr>
+              <a:tr h="440823">
+                <a:tc>
+                  <a:txBody>
+                    <a:bodyPr/>
+                    <a:lstStyle/>
+                    <a:p>
+                      <a:r>
+                        <a:rPr lang="en-US" sz="2400" dirty="0"/>
+                        <a:t>Classifier 1</a:t>
+                      </a:r>
+                    </a:p>
+                  </a:txBody>
+                  <a:tcPr/>
+                </a:tc>
+                <a:tc>
+                  <a:txBody>
+                    <a:bodyPr/>
+                    <a:lstStyle/>
+                    <a:p>
+                      <a:pPr algn="ctr"/>
+                      <a:r>
+                        <a:rPr lang="en-US" sz="2400" dirty="0"/>
+                        <a:t>99%</a:t>
+                      </a:r>
+                    </a:p>
+                  </a:txBody>
+                  <a:tcPr/>
+                </a:tc>
+                <a:tc>
+                  <a:txBody>
+                    <a:bodyPr/>
+                    <a:lstStyle/>
+                    <a:p>
+                      <a:pPr algn="ctr"/>
+                      <a:r>
+                        <a:rPr lang="en-US" sz="2400" dirty="0"/>
+                        <a:t>1%</a:t>
+                      </a:r>
+                    </a:p>
+                  </a:txBody>
+                  <a:tcPr/>
+                </a:tc>
+                <a:extLst>
+                  <a:ext uri="{0D108BD9-81ED-4DB2-BD59-A6C34878D82A}">
+                    <a16:rowId xmlns:a16="http://schemas.microsoft.com/office/drawing/2014/main" val="3033236272"/>
+                  </a:ext>
+                </a:extLst>
+              </a:tr>
+              <a:tr h="440823">
+                <a:tc>
+                  <a:txBody>
+                    <a:bodyPr/>
+                    <a:lstStyle/>
+                    <a:p>
+                      <a:r>
+                        <a:rPr lang="en-US" sz="2400" dirty="0"/>
+                        <a:t>Classifier 2</a:t>
+                      </a:r>
+                    </a:p>
+                  </a:txBody>
+                  <a:tcPr/>
+                </a:tc>
+                <a:tc>
+                  <a:txBody>
+                    <a:bodyPr/>
+                    <a:lstStyle/>
+                    <a:p>
+                      <a:pPr algn="ctr"/>
+                      <a:r>
+                        <a:rPr lang="en-US" sz="2400" dirty="0"/>
+                        <a:t>49%</a:t>
+                      </a:r>
+                    </a:p>
+                  </a:txBody>
+                  <a:tcPr/>
+                </a:tc>
+                <a:tc>
+                  <a:txBody>
+                    <a:bodyPr/>
+                    <a:lstStyle/>
+                    <a:p>
+                      <a:pPr algn="ctr"/>
+                      <a:r>
+                        <a:rPr lang="en-US" sz="2400" dirty="0"/>
+                        <a:t>51%</a:t>
+                      </a:r>
+                    </a:p>
+                  </a:txBody>
+                  <a:tcPr/>
+                </a:tc>
+                <a:extLst>
+                  <a:ext uri="{0D108BD9-81ED-4DB2-BD59-A6C34878D82A}">
+                    <a16:rowId xmlns:a16="http://schemas.microsoft.com/office/drawing/2014/main" val="3364855078"/>
+                  </a:ext>
+                </a:extLst>
+              </a:tr>
+              <a:tr h="440823">
+                <a:tc>
+                  <a:txBody>
+                    <a:bodyPr/>
+                    <a:lstStyle/>
+                    <a:p>
+                      <a:r>
+                        <a:rPr lang="en-US" sz="2400" dirty="0"/>
+                        <a:t>Classifier 3</a:t>
+                      </a:r>
+                    </a:p>
+                  </a:txBody>
+                  <a:tcPr/>
+                </a:tc>
+                <a:tc>
+                  <a:txBody>
+                    <a:bodyPr/>
+                    <a:lstStyle/>
+                    <a:p>
+                      <a:pPr algn="ctr"/>
+                      <a:r>
+                        <a:rPr lang="en-US" sz="2400" dirty="0"/>
+                        <a:t>49%</a:t>
+                      </a:r>
+                    </a:p>
+                  </a:txBody>
+                  <a:tcPr/>
+                </a:tc>
+                <a:tc>
+                  <a:txBody>
+                    <a:bodyPr/>
+                    <a:lstStyle/>
+                    <a:p>
+                      <a:pPr algn="ctr"/>
+                      <a:r>
+                        <a:rPr lang="en-US" sz="2400" dirty="0"/>
+                        <a:t>51%</a:t>
+                      </a:r>
+                    </a:p>
+                  </a:txBody>
+                  <a:tcPr/>
+                </a:tc>
+                <a:extLst>
+                  <a:ext uri="{0D108BD9-81ED-4DB2-BD59-A6C34878D82A}">
+                    <a16:rowId xmlns:a16="http://schemas.microsoft.com/office/drawing/2014/main" val="2904552583"/>
+                  </a:ext>
+                </a:extLst>
+              </a:tr>
+              <a:tr h="1146141">
+                <a:tc>
+                  <a:txBody>
+                    <a:bodyPr/>
+                    <a:lstStyle/>
+                    <a:p>
+                      <a:r>
+                        <a:rPr lang="en-US" sz="2400" b="1" dirty="0"/>
+                        <a:t>Ensemble</a:t>
+                      </a:r>
+                    </a:p>
+                  </a:txBody>
+                  <a:tcPr/>
+                </a:tc>
+                <a:tc>
+                  <a:txBody>
+                    <a:bodyPr/>
+                    <a:lstStyle/>
+                    <a:p>
+                      <a:pPr algn="ctr"/>
+                      <a:r>
+                        <a:rPr lang="en-US" sz="2400" b="1" i="0" kern="1200" dirty="0">
+                          <a:solidFill>
+                            <a:schemeClr val="dk1"/>
+                          </a:solidFill>
+                          <a:effectLst/>
+                          <a:latin typeface="+mn-lt"/>
+                          <a:ea typeface="+mn-ea"/>
+                          <a:cs typeface="+mn-cs"/>
+                        </a:rPr>
+                        <a:t>(99 + 49 + 49) / 3</a:t>
+                      </a:r>
+                    </a:p>
+                    <a:p>
+                      <a:pPr algn="ctr"/>
+                      <a:r>
+                        <a:rPr lang="en-US" sz="2400" b="1" i="0" kern="1200" dirty="0">
+                          <a:solidFill>
+                            <a:schemeClr val="dk1"/>
+                          </a:solidFill>
+                          <a:effectLst/>
+                          <a:latin typeface="+mn-lt"/>
+                          <a:ea typeface="+mn-ea"/>
+                          <a:cs typeface="+mn-cs"/>
+                        </a:rPr>
+                        <a:t>=65.7%</a:t>
+                      </a:r>
+                      <a:endParaRPr lang="en-US" sz="2400" b="1" dirty="0"/>
+                    </a:p>
+                  </a:txBody>
+                  <a:tcPr/>
+                </a:tc>
+                <a:tc>
+                  <a:txBody>
+                    <a:bodyPr/>
+                    <a:lstStyle/>
+                    <a:p>
+                      <a:pPr algn="ctr"/>
+                      <a:endParaRPr lang="en-US" sz="2400" dirty="0"/>
+                    </a:p>
+                  </a:txBody>
+                  <a:tcPr/>
+                </a:tc>
+                <a:extLst>
+                  <a:ext uri="{0D108BD9-81ED-4DB2-BD59-A6C34878D82A}">
+                    <a16:rowId xmlns:a16="http://schemas.microsoft.com/office/drawing/2014/main" val="39671443"/>
+                  </a:ext>
+                </a:extLst>
+              </a:tr>
+            </a:tbl>
+          </a:graphicData>
+        </a:graphic>
+      </p:graphicFrame>
+      <p:sp>
+        <p:nvSpPr>
+          <p:cNvPr id="7" name="Rectangle 6">
+            <a:extLst>
+              <a:ext uri="{FF2B5EF4-FFF2-40B4-BE49-F238E27FC236}">
+                <a16:creationId xmlns:a16="http://schemas.microsoft.com/office/drawing/2014/main" id="{E8E7BD2E-673F-4A19-8FD8-B4C39565C5E5}"/>
+              </a:ext>
+            </a:extLst>
+          </p:cNvPr>
+          <p:cNvSpPr/>
+          <p:nvPr/>
+        </p:nvSpPr>
+        <p:spPr>
+          <a:xfrm>
+            <a:off x="7120868" y="2888849"/>
+            <a:ext cx="4670959" cy="461665"/>
+          </a:xfrm>
+          <a:prstGeom prst="rect">
+            <a:avLst/>
+          </a:prstGeom>
+        </p:spPr>
+        <p:txBody>
+          <a:bodyPr wrap="none">
+            <a:spAutoFit/>
+          </a:bodyPr>
+          <a:lstStyle/>
+          <a:p>
+            <a:r>
+              <a:rPr lang="en-US" sz="2400" b="1" dirty="0"/>
+              <a:t>Soft</a:t>
+            </a:r>
+            <a:r>
+              <a:rPr lang="en-US" sz="2400" dirty="0"/>
+              <a:t> voting (argmax of probabilities)</a:t>
+            </a:r>
+          </a:p>
+        </p:txBody>
+      </p:sp>
+    </p:spTree>
+    <p:extLst>
+      <p:ext uri="{BB962C8B-B14F-4D97-AF65-F5344CB8AC3E}">
+        <p14:creationId xmlns:p14="http://schemas.microsoft.com/office/powerpoint/2010/main" val="2748159473"/>
+      </p:ext>
+    </p:extLst>
+  </p:cSld>
+  <p:clrMapOvr>
+    <a:masterClrMapping/>
+  </p:clrMapOvr>
+</p:sld>
+</file>
+
+<file path=ppt/slides/slide23.xml><?xml version="1.0" encoding="utf-8"?>
+<p:sld xmlns:a="http://schemas.openxmlformats.org/drawingml/2006/main" xmlns:r="http://schemas.openxmlformats.org/officeDocument/2006/relationships" xmlns:p="http://schemas.openxmlformats.org/presentationml/2006/main">
+  <p:cSld>
+    <p:spTree>
+      <p:nvGrpSpPr>
+        <p:cNvPr id="1" name=""/>
+        <p:cNvGrpSpPr/>
+        <p:nvPr/>
+      </p:nvGrpSpPr>
+      <p:grpSpPr>
+        <a:xfrm>
+          <a:off x="0" y="0"/>
+          <a:ext cx="0" cy="0"/>
+          <a:chOff x="0" y="0"/>
+          <a:chExt cx="0" cy="0"/>
+        </a:xfrm>
+      </p:grpSpPr>
+      <p:sp>
+        <p:nvSpPr>
+          <p:cNvPr id="2" name="Title 1">
+            <a:extLst>
+              <a:ext uri="{FF2B5EF4-FFF2-40B4-BE49-F238E27FC236}">
+                <a16:creationId xmlns:a16="http://schemas.microsoft.com/office/drawing/2014/main" id="{06DA6889-D7EF-4F3F-82FB-7D2497011D3C}"/>
+              </a:ext>
+            </a:extLst>
+          </p:cNvPr>
+          <p:cNvSpPr>
+            <a:spLocks noGrp="1"/>
+          </p:cNvSpPr>
+          <p:nvPr>
+            <p:ph type="title"/>
+          </p:nvPr>
+        </p:nvSpPr>
+        <p:spPr/>
+        <p:txBody>
+          <a:bodyPr/>
+          <a:lstStyle/>
+          <a:p>
+            <a:r>
+              <a:rPr lang="en-US" dirty="0">
+                <a:solidFill>
+                  <a:srgbClr val="0070C0"/>
+                </a:solidFill>
+              </a:rPr>
+              <a:t>B</a:t>
+            </a:r>
+            <a:r>
+              <a:rPr lang="en-US" dirty="0">
+                <a:solidFill>
+                  <a:srgbClr val="00B050"/>
+                </a:solidFill>
+              </a:rPr>
+              <a:t>agg</a:t>
+            </a:r>
+            <a:r>
+              <a:rPr lang="en-US" dirty="0"/>
+              <a:t>ing (</a:t>
+            </a:r>
+            <a:r>
+              <a:rPr lang="en-US" dirty="0">
+                <a:solidFill>
+                  <a:srgbClr val="0070C0"/>
+                </a:solidFill>
+              </a:rPr>
+              <a:t>Bootstrap</a:t>
+            </a:r>
+            <a:r>
+              <a:rPr lang="en-US" dirty="0"/>
+              <a:t> </a:t>
+            </a:r>
+            <a:r>
+              <a:rPr lang="en-US" dirty="0">
+                <a:solidFill>
+                  <a:srgbClr val="00B050"/>
+                </a:solidFill>
+              </a:rPr>
+              <a:t>Aggregation</a:t>
+            </a:r>
+            <a:r>
+              <a:rPr lang="en-US" dirty="0"/>
+              <a:t>. Parallel-wise model fitting)</a:t>
+            </a:r>
+          </a:p>
+        </p:txBody>
+      </p:sp>
+      <p:sp>
+        <p:nvSpPr>
+          <p:cNvPr id="3" name="TextBox 2">
+            <a:extLst>
+              <a:ext uri="{FF2B5EF4-FFF2-40B4-BE49-F238E27FC236}">
+                <a16:creationId xmlns:a16="http://schemas.microsoft.com/office/drawing/2014/main" id="{D699859A-AE92-4C99-A868-747C38F41D72}"/>
+              </a:ext>
+            </a:extLst>
+          </p:cNvPr>
+          <p:cNvSpPr txBox="1"/>
+          <p:nvPr/>
+        </p:nvSpPr>
+        <p:spPr>
+          <a:xfrm>
+            <a:off x="838200" y="2139049"/>
+            <a:ext cx="7226808" cy="461665"/>
+          </a:xfrm>
+          <a:prstGeom prst="rect">
+            <a:avLst/>
+          </a:prstGeom>
+          <a:noFill/>
+        </p:spPr>
+        <p:txBody>
+          <a:bodyPr wrap="square" rtlCol="0">
+            <a:spAutoFit/>
+          </a:bodyPr>
+          <a:lstStyle/>
+          <a:p>
+            <a:r>
+              <a:rPr lang="en-US" sz="2400" dirty="0" err="1"/>
+              <a:t>Bootstraping</a:t>
+            </a:r>
+            <a:r>
+              <a:rPr lang="en-US" sz="2400" dirty="0"/>
+              <a:t>. Sampling </a:t>
+            </a:r>
+            <a:r>
+              <a:rPr lang="en-US" sz="2400" dirty="0">
+                <a:solidFill>
+                  <a:schemeClr val="bg1">
+                    <a:lumMod val="65000"/>
+                  </a:schemeClr>
+                </a:solidFill>
+              </a:rPr>
+              <a:t>instances</a:t>
+            </a:r>
+            <a:r>
+              <a:rPr lang="en-US" sz="2400" dirty="0"/>
+              <a:t> with replacement</a:t>
+            </a:r>
+          </a:p>
+        </p:txBody>
+      </p:sp>
+      <p:sp>
+        <p:nvSpPr>
+          <p:cNvPr id="6" name="Rectangle 5">
+            <a:extLst>
+              <a:ext uri="{FF2B5EF4-FFF2-40B4-BE49-F238E27FC236}">
+                <a16:creationId xmlns:a16="http://schemas.microsoft.com/office/drawing/2014/main" id="{953FC406-0D08-49D4-8BB8-2EE378C957BA}"/>
+              </a:ext>
+            </a:extLst>
+          </p:cNvPr>
+          <p:cNvSpPr/>
+          <p:nvPr/>
+        </p:nvSpPr>
+        <p:spPr>
+          <a:xfrm>
+            <a:off x="2354179" y="5816353"/>
+            <a:ext cx="8999621" cy="369332"/>
+          </a:xfrm>
+          <a:prstGeom prst="rect">
+            <a:avLst/>
+          </a:prstGeom>
+        </p:spPr>
+        <p:txBody>
+          <a:bodyPr wrap="square">
+            <a:spAutoFit/>
+          </a:bodyPr>
+          <a:lstStyle/>
+          <a:p>
+            <a:r>
+              <a:rPr lang="en-US">
+                <a:hlinkClick r:id="rId3"/>
+              </a:rPr>
+              <a:t>https://scikit-learn.org/stable/modules/generated/sklearn.ensemble.BaggingClassifier.html</a:t>
+            </a:r>
+            <a:endParaRPr lang="en-US" dirty="0"/>
+          </a:p>
+        </p:txBody>
+      </p:sp>
+      <p:sp>
+        <p:nvSpPr>
+          <p:cNvPr id="7" name="Rectangle 6">
+            <a:extLst>
+              <a:ext uri="{FF2B5EF4-FFF2-40B4-BE49-F238E27FC236}">
+                <a16:creationId xmlns:a16="http://schemas.microsoft.com/office/drawing/2014/main" id="{0A57E6BD-54B2-4CF4-8221-2C679B3FAC5E}"/>
+              </a:ext>
+            </a:extLst>
+          </p:cNvPr>
+          <p:cNvSpPr/>
+          <p:nvPr/>
+        </p:nvSpPr>
+        <p:spPr>
+          <a:xfrm>
+            <a:off x="2290010" y="6212577"/>
+            <a:ext cx="8758989" cy="369332"/>
+          </a:xfrm>
+          <a:prstGeom prst="rect">
+            <a:avLst/>
+          </a:prstGeom>
+        </p:spPr>
+        <p:txBody>
+          <a:bodyPr wrap="square">
+            <a:spAutoFit/>
+          </a:bodyPr>
+          <a:lstStyle/>
+          <a:p>
+            <a:r>
+              <a:rPr lang="en-US" dirty="0">
+                <a:hlinkClick r:id="rId4"/>
+              </a:rPr>
+              <a:t>https://scikit-learn.org/stable/modules/generated/sklearn.ensemble.BaggingRegressor.html</a:t>
+            </a:r>
+            <a:endParaRPr lang="en-US" dirty="0"/>
+          </a:p>
+        </p:txBody>
+      </p:sp>
+      <p:sp>
+        <p:nvSpPr>
+          <p:cNvPr id="5" name="TextBox 4">
+            <a:extLst>
+              <a:ext uri="{FF2B5EF4-FFF2-40B4-BE49-F238E27FC236}">
+                <a16:creationId xmlns:a16="http://schemas.microsoft.com/office/drawing/2014/main" id="{2EF837AE-DC63-488D-BFE7-79F89C38C76A}"/>
+              </a:ext>
+            </a:extLst>
+          </p:cNvPr>
+          <p:cNvSpPr txBox="1"/>
+          <p:nvPr/>
+        </p:nvSpPr>
+        <p:spPr>
+          <a:xfrm>
+            <a:off x="838200" y="2754130"/>
+            <a:ext cx="3950208" cy="461665"/>
+          </a:xfrm>
+          <a:prstGeom prst="rect">
+            <a:avLst/>
+          </a:prstGeom>
+          <a:noFill/>
+        </p:spPr>
+        <p:txBody>
+          <a:bodyPr wrap="square" rtlCol="0">
+            <a:spAutoFit/>
+          </a:bodyPr>
+          <a:lstStyle/>
+          <a:p>
+            <a:r>
+              <a:rPr lang="en-US" sz="2400" dirty="0"/>
+              <a:t>Out Of Bag Error (</a:t>
+            </a:r>
+            <a:r>
+              <a:rPr lang="en-US" sz="2400" dirty="0" err="1"/>
+              <a:t>oob</a:t>
+            </a:r>
+            <a:r>
+              <a:rPr lang="en-US" sz="2400" dirty="0"/>
+              <a:t> 63+37).</a:t>
+            </a:r>
+          </a:p>
+        </p:txBody>
+      </p:sp>
+      <p:graphicFrame>
+        <p:nvGraphicFramePr>
+          <p:cNvPr id="8" name="Table 4">
+            <a:extLst>
+              <a:ext uri="{FF2B5EF4-FFF2-40B4-BE49-F238E27FC236}">
+                <a16:creationId xmlns:a16="http://schemas.microsoft.com/office/drawing/2014/main" id="{BDEBD104-AD35-4CF6-94C5-5D532B085B04}"/>
+              </a:ext>
+            </a:extLst>
+          </p:cNvPr>
+          <p:cNvGraphicFramePr>
+            <a:graphicFrameLocks noGrp="1"/>
+          </p:cNvGraphicFramePr>
+          <p:nvPr>
+            <p:extLst>
+              <p:ext uri="{D42A27DB-BD31-4B8C-83A1-F6EECF244321}">
+                <p14:modId xmlns:p14="http://schemas.microsoft.com/office/powerpoint/2010/main" val="3574706978"/>
+              </p:ext>
+            </p:extLst>
+          </p:nvPr>
+        </p:nvGraphicFramePr>
+        <p:xfrm>
+          <a:off x="1709819" y="3242687"/>
+          <a:ext cx="8128002" cy="2595880"/>
+        </p:xfrm>
+        <a:graphic>
+          <a:graphicData uri="http://schemas.openxmlformats.org/drawingml/2006/table">
+            <a:tbl>
+              <a:tblPr firstRow="1" bandRow="1">
+                <a:tableStyleId>{5C22544A-7EE6-4342-B048-85BDC9FD1C3A}</a:tableStyleId>
+              </a:tblPr>
+              <a:tblGrid>
+                <a:gridCol w="1354667">
+                  <a:extLst>
+                    <a:ext uri="{9D8B030D-6E8A-4147-A177-3AD203B41FA5}">
+                      <a16:colId xmlns:a16="http://schemas.microsoft.com/office/drawing/2014/main" val="1175460211"/>
+                    </a:ext>
+                  </a:extLst>
+                </a:gridCol>
+                <a:gridCol w="1354667">
+                  <a:extLst>
+                    <a:ext uri="{9D8B030D-6E8A-4147-A177-3AD203B41FA5}">
+                      <a16:colId xmlns:a16="http://schemas.microsoft.com/office/drawing/2014/main" val="3654152078"/>
+                    </a:ext>
+                  </a:extLst>
+                </a:gridCol>
+                <a:gridCol w="1354667">
+                  <a:extLst>
+                    <a:ext uri="{9D8B030D-6E8A-4147-A177-3AD203B41FA5}">
+                      <a16:colId xmlns:a16="http://schemas.microsoft.com/office/drawing/2014/main" val="697285697"/>
+                    </a:ext>
+                  </a:extLst>
+                </a:gridCol>
+                <a:gridCol w="1354667">
+                  <a:extLst>
+                    <a:ext uri="{9D8B030D-6E8A-4147-A177-3AD203B41FA5}">
+                      <a16:colId xmlns:a16="http://schemas.microsoft.com/office/drawing/2014/main" val="2462108772"/>
+                    </a:ext>
+                  </a:extLst>
+                </a:gridCol>
+                <a:gridCol w="1354667">
+                  <a:extLst>
+                    <a:ext uri="{9D8B030D-6E8A-4147-A177-3AD203B41FA5}">
+                      <a16:colId xmlns:a16="http://schemas.microsoft.com/office/drawing/2014/main" val="2128475954"/>
+                    </a:ext>
+                  </a:extLst>
+                </a:gridCol>
+                <a:gridCol w="1354667">
+                  <a:extLst>
+                    <a:ext uri="{9D8B030D-6E8A-4147-A177-3AD203B41FA5}">
+                      <a16:colId xmlns:a16="http://schemas.microsoft.com/office/drawing/2014/main" val="2659007696"/>
+                    </a:ext>
+                  </a:extLst>
+                </a:gridCol>
+              </a:tblGrid>
+              <a:tr h="370840">
+                <a:tc>
+                  <a:txBody>
+                    <a:bodyPr/>
+                    <a:lstStyle/>
+                    <a:p>
+                      <a:pPr marL="0" marR="0" lvl="0" indent="0" algn="l" defTabSz="914400" rtl="0" eaLnBrk="1" fontAlgn="auto" latinLnBrk="0" hangingPunct="1">
+                        <a:lnSpc>
+                          <a:spcPct val="100000"/>
+                        </a:lnSpc>
+                        <a:spcBef>
+                          <a:spcPts val="0"/>
+                        </a:spcBef>
+                        <a:spcAft>
+                          <a:spcPts val="0"/>
+                        </a:spcAft>
+                        <a:buClrTx/>
+                        <a:buSzTx/>
+                        <a:buFontTx/>
+                        <a:buNone/>
+                        <a:tabLst/>
+                        <a:defRPr/>
+                      </a:pPr>
+                      <a:r>
+                        <a:rPr lang="en-US" dirty="0"/>
+                        <a:t>Predictor 0</a:t>
+                      </a:r>
+                    </a:p>
+                  </a:txBody>
+                  <a:tcPr/>
+                </a:tc>
+                <a:tc>
+                  <a:txBody>
+                    <a:bodyPr/>
+                    <a:lstStyle/>
+                    <a:p>
+                      <a:r>
+                        <a:rPr lang="en-US" dirty="0"/>
+                        <a:t>Predictor 1</a:t>
+                      </a:r>
+                    </a:p>
+                  </a:txBody>
+                  <a:tcPr/>
+                </a:tc>
+                <a:tc>
+                  <a:txBody>
+                    <a:bodyPr/>
+                    <a:lstStyle/>
+                    <a:p>
+                      <a:pPr marL="0" marR="0" lvl="0" indent="0" algn="l" defTabSz="914400" rtl="0" eaLnBrk="1" fontAlgn="auto" latinLnBrk="0" hangingPunct="1">
+                        <a:lnSpc>
+                          <a:spcPct val="100000"/>
+                        </a:lnSpc>
+                        <a:spcBef>
+                          <a:spcPts val="0"/>
+                        </a:spcBef>
+                        <a:spcAft>
+                          <a:spcPts val="0"/>
+                        </a:spcAft>
+                        <a:buClrTx/>
+                        <a:buSzTx/>
+                        <a:buFontTx/>
+                        <a:buNone/>
+                        <a:tabLst/>
+                        <a:defRPr/>
+                      </a:pPr>
+                      <a:r>
+                        <a:rPr lang="en-US" dirty="0"/>
+                        <a:t>Predictor 2</a:t>
+                      </a:r>
+                    </a:p>
+                  </a:txBody>
+                  <a:tcPr/>
+                </a:tc>
+                <a:tc>
+                  <a:txBody>
+                    <a:bodyPr/>
+                    <a:lstStyle/>
+                    <a:p>
+                      <a:pPr marL="0" marR="0" lvl="0" indent="0" algn="l" defTabSz="914400" rtl="0" eaLnBrk="1" fontAlgn="auto" latinLnBrk="0" hangingPunct="1">
+                        <a:lnSpc>
+                          <a:spcPct val="100000"/>
+                        </a:lnSpc>
+                        <a:spcBef>
+                          <a:spcPts val="0"/>
+                        </a:spcBef>
+                        <a:spcAft>
+                          <a:spcPts val="0"/>
+                        </a:spcAft>
+                        <a:buClrTx/>
+                        <a:buSzTx/>
+                        <a:buFontTx/>
+                        <a:buNone/>
+                        <a:tabLst/>
+                        <a:defRPr/>
+                      </a:pPr>
+                      <a:r>
+                        <a:rPr lang="en-US" dirty="0"/>
+                        <a:t>Predictor 3</a:t>
+                      </a:r>
+                    </a:p>
+                  </a:txBody>
+                  <a:tcPr/>
+                </a:tc>
+                <a:tc>
+                  <a:txBody>
+                    <a:bodyPr/>
+                    <a:lstStyle/>
+                    <a:p>
+                      <a:pPr marL="0" marR="0" lvl="0" indent="0" algn="l" defTabSz="914400" rtl="0" eaLnBrk="1" fontAlgn="auto" latinLnBrk="0" hangingPunct="1">
+                        <a:lnSpc>
+                          <a:spcPct val="100000"/>
+                        </a:lnSpc>
+                        <a:spcBef>
+                          <a:spcPts val="0"/>
+                        </a:spcBef>
+                        <a:spcAft>
+                          <a:spcPts val="0"/>
+                        </a:spcAft>
+                        <a:buClrTx/>
+                        <a:buSzTx/>
+                        <a:buFontTx/>
+                        <a:buNone/>
+                        <a:tabLst/>
+                        <a:defRPr/>
+                      </a:pPr>
+                      <a:r>
+                        <a:rPr lang="en-US" dirty="0"/>
+                        <a:t>Predictor 4</a:t>
+                      </a:r>
+                    </a:p>
+                  </a:txBody>
+                  <a:tcPr/>
+                </a:tc>
+                <a:tc>
+                  <a:txBody>
+                    <a:bodyPr/>
+                    <a:lstStyle/>
+                    <a:p>
+                      <a:r>
+                        <a:rPr lang="en-US" dirty="0"/>
+                        <a:t>Label</a:t>
+                      </a:r>
+                    </a:p>
+                  </a:txBody>
+                  <a:tcPr/>
+                </a:tc>
+                <a:extLst>
+                  <a:ext uri="{0D108BD9-81ED-4DB2-BD59-A6C34878D82A}">
+                    <a16:rowId xmlns:a16="http://schemas.microsoft.com/office/drawing/2014/main" val="1556729655"/>
+                  </a:ext>
+                </a:extLst>
+              </a:tr>
+              <a:tr h="370840">
+                <a:tc>
+                  <a:txBody>
+                    <a:bodyPr/>
+                    <a:lstStyle/>
+                    <a:p>
+                      <a:endParaRPr lang="en-US"/>
+                    </a:p>
+                  </a:txBody>
+                  <a:tcPr/>
+                </a:tc>
+                <a:tc>
+                  <a:txBody>
+                    <a:bodyPr/>
+                    <a:lstStyle/>
+                    <a:p>
+                      <a:endParaRPr lang="en-US"/>
+                    </a:p>
+                  </a:txBody>
+                  <a:tcPr/>
+                </a:tc>
+                <a:tc>
+                  <a:txBody>
+                    <a:bodyPr/>
+                    <a:lstStyle/>
+                    <a:p>
+                      <a:endParaRPr lang="en-US"/>
+                    </a:p>
+                  </a:txBody>
+                  <a:tcPr/>
+                </a:tc>
+                <a:tc>
+                  <a:txBody>
+                    <a:bodyPr/>
+                    <a:lstStyle/>
+                    <a:p>
+                      <a:endParaRPr lang="en-US"/>
+                    </a:p>
+                  </a:txBody>
+                  <a:tcPr/>
+                </a:tc>
+                <a:tc>
+                  <a:txBody>
+                    <a:bodyPr/>
+                    <a:lstStyle/>
+                    <a:p>
+                      <a:endParaRPr lang="en-US"/>
+                    </a:p>
+                  </a:txBody>
+                  <a:tcPr/>
+                </a:tc>
+                <a:tc>
+                  <a:txBody>
+                    <a:bodyPr/>
+                    <a:lstStyle/>
+                    <a:p>
+                      <a:endParaRPr lang="en-US"/>
+                    </a:p>
+                  </a:txBody>
+                  <a:tcPr/>
+                </a:tc>
+                <a:extLst>
+                  <a:ext uri="{0D108BD9-81ED-4DB2-BD59-A6C34878D82A}">
+                    <a16:rowId xmlns:a16="http://schemas.microsoft.com/office/drawing/2014/main" val="3889343647"/>
+                  </a:ext>
+                </a:extLst>
+              </a:tr>
+              <a:tr h="370840">
+                <a:tc>
+                  <a:txBody>
+                    <a:bodyPr/>
+                    <a:lstStyle/>
+                    <a:p>
+                      <a:endParaRPr lang="en-US"/>
+                    </a:p>
+                  </a:txBody>
+                  <a:tcPr/>
+                </a:tc>
+                <a:tc>
+                  <a:txBody>
+                    <a:bodyPr/>
+                    <a:lstStyle/>
+                    <a:p>
+                      <a:endParaRPr lang="en-US"/>
+                    </a:p>
+                  </a:txBody>
+                  <a:tcPr/>
+                </a:tc>
+                <a:tc>
+                  <a:txBody>
+                    <a:bodyPr/>
+                    <a:lstStyle/>
+                    <a:p>
+                      <a:endParaRPr lang="en-US"/>
+                    </a:p>
+                  </a:txBody>
+                  <a:tcPr/>
+                </a:tc>
+                <a:tc>
+                  <a:txBody>
+                    <a:bodyPr/>
+                    <a:lstStyle/>
+                    <a:p>
+                      <a:endParaRPr lang="en-US"/>
+                    </a:p>
+                  </a:txBody>
+                  <a:tcPr/>
+                </a:tc>
+                <a:tc>
+                  <a:txBody>
+                    <a:bodyPr/>
+                    <a:lstStyle/>
+                    <a:p>
+                      <a:endParaRPr lang="en-US"/>
+                    </a:p>
+                  </a:txBody>
+                  <a:tcPr/>
+                </a:tc>
+                <a:tc>
+                  <a:txBody>
+                    <a:bodyPr/>
+                    <a:lstStyle/>
+                    <a:p>
+                      <a:endParaRPr lang="en-US"/>
+                    </a:p>
+                  </a:txBody>
+                  <a:tcPr/>
+                </a:tc>
+                <a:extLst>
+                  <a:ext uri="{0D108BD9-81ED-4DB2-BD59-A6C34878D82A}">
+                    <a16:rowId xmlns:a16="http://schemas.microsoft.com/office/drawing/2014/main" val="3613283608"/>
+                  </a:ext>
+                </a:extLst>
+              </a:tr>
+              <a:tr h="370840">
+                <a:tc>
+                  <a:txBody>
+                    <a:bodyPr/>
+                    <a:lstStyle/>
+                    <a:p>
+                      <a:endParaRPr lang="en-US"/>
+                    </a:p>
+                  </a:txBody>
+                  <a:tcPr/>
+                </a:tc>
+                <a:tc>
+                  <a:txBody>
+                    <a:bodyPr/>
+                    <a:lstStyle/>
+                    <a:p>
+                      <a:endParaRPr lang="en-US"/>
+                    </a:p>
+                  </a:txBody>
+                  <a:tcPr/>
+                </a:tc>
+                <a:tc>
+                  <a:txBody>
+                    <a:bodyPr/>
+                    <a:lstStyle/>
+                    <a:p>
+                      <a:endParaRPr lang="en-US"/>
+                    </a:p>
+                  </a:txBody>
+                  <a:tcPr/>
+                </a:tc>
+                <a:tc>
+                  <a:txBody>
+                    <a:bodyPr/>
+                    <a:lstStyle/>
+                    <a:p>
+                      <a:endParaRPr lang="en-US"/>
+                    </a:p>
+                  </a:txBody>
+                  <a:tcPr/>
+                </a:tc>
+                <a:tc>
+                  <a:txBody>
+                    <a:bodyPr/>
+                    <a:lstStyle/>
+                    <a:p>
+                      <a:endParaRPr lang="en-US"/>
+                    </a:p>
+                  </a:txBody>
+                  <a:tcPr/>
+                </a:tc>
+                <a:tc>
+                  <a:txBody>
+                    <a:bodyPr/>
+                    <a:lstStyle/>
+                    <a:p>
+                      <a:endParaRPr lang="en-US"/>
+                    </a:p>
+                  </a:txBody>
+                  <a:tcPr/>
+                </a:tc>
+                <a:extLst>
+                  <a:ext uri="{0D108BD9-81ED-4DB2-BD59-A6C34878D82A}">
+                    <a16:rowId xmlns:a16="http://schemas.microsoft.com/office/drawing/2014/main" val="127686219"/>
+                  </a:ext>
+                </a:extLst>
+              </a:tr>
+              <a:tr h="370840">
+                <a:tc>
+                  <a:txBody>
+                    <a:bodyPr/>
+                    <a:lstStyle/>
+                    <a:p>
+                      <a:endParaRPr lang="en-US"/>
+                    </a:p>
+                  </a:txBody>
+                  <a:tcPr/>
+                </a:tc>
+                <a:tc>
+                  <a:txBody>
+                    <a:bodyPr/>
+                    <a:lstStyle/>
+                    <a:p>
+                      <a:endParaRPr lang="en-US"/>
+                    </a:p>
+                  </a:txBody>
+                  <a:tcPr/>
+                </a:tc>
+                <a:tc>
+                  <a:txBody>
+                    <a:bodyPr/>
+                    <a:lstStyle/>
+                    <a:p>
+                      <a:endParaRPr lang="en-US"/>
+                    </a:p>
+                  </a:txBody>
+                  <a:tcPr/>
+                </a:tc>
+                <a:tc>
+                  <a:txBody>
+                    <a:bodyPr/>
+                    <a:lstStyle/>
+                    <a:p>
+                      <a:endParaRPr lang="en-US"/>
+                    </a:p>
+                  </a:txBody>
+                  <a:tcPr/>
+                </a:tc>
+                <a:tc>
+                  <a:txBody>
+                    <a:bodyPr/>
+                    <a:lstStyle/>
+                    <a:p>
+                      <a:endParaRPr lang="en-US"/>
+                    </a:p>
+                  </a:txBody>
+                  <a:tcPr/>
+                </a:tc>
+                <a:tc>
+                  <a:txBody>
+                    <a:bodyPr/>
+                    <a:lstStyle/>
+                    <a:p>
+                      <a:endParaRPr lang="en-US"/>
+                    </a:p>
+                  </a:txBody>
+                  <a:tcPr/>
+                </a:tc>
+                <a:extLst>
+                  <a:ext uri="{0D108BD9-81ED-4DB2-BD59-A6C34878D82A}">
+                    <a16:rowId xmlns:a16="http://schemas.microsoft.com/office/drawing/2014/main" val="1235523626"/>
+                  </a:ext>
+                </a:extLst>
+              </a:tr>
+              <a:tr h="370840">
+                <a:tc>
+                  <a:txBody>
+                    <a:bodyPr/>
+                    <a:lstStyle/>
+                    <a:p>
+                      <a:endParaRPr lang="en-US"/>
+                    </a:p>
+                  </a:txBody>
+                  <a:tcPr/>
+                </a:tc>
+                <a:tc>
+                  <a:txBody>
+                    <a:bodyPr/>
+                    <a:lstStyle/>
+                    <a:p>
+                      <a:endParaRPr lang="en-US"/>
+                    </a:p>
+                  </a:txBody>
+                  <a:tcPr/>
+                </a:tc>
+                <a:tc>
+                  <a:txBody>
+                    <a:bodyPr/>
+                    <a:lstStyle/>
+                    <a:p>
+                      <a:endParaRPr lang="en-US"/>
+                    </a:p>
+                  </a:txBody>
+                  <a:tcPr/>
+                </a:tc>
+                <a:tc>
+                  <a:txBody>
+                    <a:bodyPr/>
+                    <a:lstStyle/>
+                    <a:p>
+                      <a:endParaRPr lang="en-US"/>
+                    </a:p>
+                  </a:txBody>
+                  <a:tcPr/>
+                </a:tc>
+                <a:tc>
+                  <a:txBody>
+                    <a:bodyPr/>
+                    <a:lstStyle/>
+                    <a:p>
+                      <a:endParaRPr lang="en-US"/>
+                    </a:p>
+                  </a:txBody>
+                  <a:tcPr/>
+                </a:tc>
+                <a:tc>
+                  <a:txBody>
+                    <a:bodyPr/>
+                    <a:lstStyle/>
+                    <a:p>
+                      <a:endParaRPr lang="en-US"/>
+                    </a:p>
+                  </a:txBody>
+                  <a:tcPr/>
+                </a:tc>
+                <a:extLst>
+                  <a:ext uri="{0D108BD9-81ED-4DB2-BD59-A6C34878D82A}">
+                    <a16:rowId xmlns:a16="http://schemas.microsoft.com/office/drawing/2014/main" val="1412037283"/>
+                  </a:ext>
+                </a:extLst>
+              </a:tr>
+              <a:tr h="370840">
+                <a:tc>
+                  <a:txBody>
+                    <a:bodyPr/>
+                    <a:lstStyle/>
+                    <a:p>
+                      <a:endParaRPr lang="en-US"/>
+                    </a:p>
+                  </a:txBody>
+                  <a:tcPr/>
+                </a:tc>
+                <a:tc>
+                  <a:txBody>
+                    <a:bodyPr/>
+                    <a:lstStyle/>
+                    <a:p>
+                      <a:endParaRPr lang="en-US"/>
+                    </a:p>
+                  </a:txBody>
+                  <a:tcPr/>
+                </a:tc>
+                <a:tc>
+                  <a:txBody>
+                    <a:bodyPr/>
+                    <a:lstStyle/>
+                    <a:p>
+                      <a:endParaRPr lang="en-US"/>
+                    </a:p>
+                  </a:txBody>
+                  <a:tcPr/>
+                </a:tc>
+                <a:tc>
+                  <a:txBody>
+                    <a:bodyPr/>
+                    <a:lstStyle/>
+                    <a:p>
+                      <a:endParaRPr lang="en-US"/>
+                    </a:p>
+                  </a:txBody>
+                  <a:tcPr/>
+                </a:tc>
+                <a:tc>
+                  <a:txBody>
+                    <a:bodyPr/>
+                    <a:lstStyle/>
+                    <a:p>
+                      <a:endParaRPr lang="en-US"/>
+                    </a:p>
+                  </a:txBody>
+                  <a:tcPr/>
+                </a:tc>
+                <a:tc>
+                  <a:txBody>
+                    <a:bodyPr/>
+                    <a:lstStyle/>
+                    <a:p>
+                      <a:endParaRPr lang="en-US" dirty="0"/>
+                    </a:p>
+                  </a:txBody>
+                  <a:tcPr/>
+                </a:tc>
+                <a:extLst>
+                  <a:ext uri="{0D108BD9-81ED-4DB2-BD59-A6C34878D82A}">
+                    <a16:rowId xmlns:a16="http://schemas.microsoft.com/office/drawing/2014/main" val="3878936150"/>
+                  </a:ext>
+                </a:extLst>
+              </a:tr>
+            </a:tbl>
+          </a:graphicData>
+        </a:graphic>
+      </p:graphicFrame>
+    </p:spTree>
+    <p:extLst>
+      <p:ext uri="{BB962C8B-B14F-4D97-AF65-F5344CB8AC3E}">
+        <p14:creationId xmlns:p14="http://schemas.microsoft.com/office/powerpoint/2010/main" val="1290587917"/>
+      </p:ext>
+    </p:extLst>
+  </p:cSld>
+  <p:clrMapOvr>
+    <a:masterClrMapping/>
+  </p:clrMapOvr>
+</p:sld>
+</file>
+
+<file path=ppt/slides/slide24.xml><?xml version="1.0" encoding="utf-8"?>
+<p:sld xmlns:a="http://schemas.openxmlformats.org/drawingml/2006/main" xmlns:r="http://schemas.openxmlformats.org/officeDocument/2006/relationships" xmlns:p="http://schemas.openxmlformats.org/presentationml/2006/main" show="0">
+  <p:cSld>
+    <p:spTree>
+      <p:nvGrpSpPr>
+        <p:cNvPr id="1" name=""/>
+        <p:cNvGrpSpPr/>
+        <p:nvPr/>
+      </p:nvGrpSpPr>
+      <p:grpSpPr>
+        <a:xfrm>
+          <a:off x="0" y="0"/>
+          <a:ext cx="0" cy="0"/>
+          <a:chOff x="0" y="0"/>
+          <a:chExt cx="0" cy="0"/>
+        </a:xfrm>
+      </p:grpSpPr>
+      <p:pic>
+        <p:nvPicPr>
+          <p:cNvPr id="1028" name="Picture 4">
+            <a:extLst>
+              <a:ext uri="{FF2B5EF4-FFF2-40B4-BE49-F238E27FC236}">
+                <a16:creationId xmlns:a16="http://schemas.microsoft.com/office/drawing/2014/main" id="{B4A832FC-B20D-4659-A00A-160CD6DA718E}"/>
+              </a:ext>
+            </a:extLst>
+          </p:cNvPr>
+          <p:cNvPicPr>
+            <a:picLocks noChangeAspect="1" noChangeArrowheads="1"/>
+          </p:cNvPicPr>
+          <p:nvPr/>
+        </p:nvPicPr>
+        <p:blipFill>
+          <a:blip r:embed="rId2">
+            <a:extLst>
+              <a:ext uri="{28A0092B-C50C-407E-A947-70E740481C1C}">
+                <a14:useLocalDpi xmlns:a14="http://schemas.microsoft.com/office/drawing/2010/main" val="0"/>
+              </a:ext>
+            </a:extLst>
+          </a:blip>
+          <a:srcRect/>
+          <a:stretch>
+            <a:fillRect/>
+          </a:stretch>
+        </p:blipFill>
+        <p:spPr bwMode="auto">
+          <a:xfrm>
+            <a:off x="2921508" y="1226900"/>
+            <a:ext cx="9270492" cy="5631100"/>
+          </a:xfrm>
+          <a:prstGeom prst="rect">
+            <a:avLst/>
+          </a:prstGeom>
+          <a:noFill/>
+          <a:extLst>
+            <a:ext uri="{909E8E84-426E-40DD-AFC4-6F175D3DCCD1}">
+              <a14:hiddenFill xmlns:a14="http://schemas.microsoft.com/office/drawing/2010/main">
+                <a:solidFill>
+                  <a:srgbClr val="FFFFFF"/>
+                </a:solidFill>
+              </a14:hiddenFill>
+            </a:ext>
+          </a:extLst>
+        </p:spPr>
+      </p:pic>
+      <p:sp>
+        <p:nvSpPr>
+          <p:cNvPr id="2" name="Title 1">
+            <a:extLst>
+              <a:ext uri="{FF2B5EF4-FFF2-40B4-BE49-F238E27FC236}">
+                <a16:creationId xmlns:a16="http://schemas.microsoft.com/office/drawing/2014/main" id="{81CF5D21-C953-48AF-98BD-D8B3F9E1DDF4}"/>
+              </a:ext>
+            </a:extLst>
+          </p:cNvPr>
+          <p:cNvSpPr>
+            <a:spLocks noGrp="1"/>
+          </p:cNvSpPr>
+          <p:nvPr>
+            <p:ph type="title"/>
+          </p:nvPr>
+        </p:nvSpPr>
+        <p:spPr/>
+        <p:txBody>
+          <a:bodyPr/>
+          <a:lstStyle/>
+          <a:p>
+            <a:r>
+              <a:rPr lang="en-US" dirty="0"/>
+              <a:t>Bias vs Variance</a:t>
+            </a:r>
+          </a:p>
+        </p:txBody>
+      </p:sp>
+      <mc:AlternateContent xmlns:mc="http://schemas.openxmlformats.org/markup-compatibility/2006">
+        <mc:Choice xmlns:a14="http://schemas.microsoft.com/office/drawing/2010/main" Requires="a14">
+          <p:sp>
+            <p:nvSpPr>
+              <p:cNvPr id="4" name="TextBox 3">
+                <a:extLst>
+                  <a:ext uri="{FF2B5EF4-FFF2-40B4-BE49-F238E27FC236}">
+                    <a16:creationId xmlns:a16="http://schemas.microsoft.com/office/drawing/2014/main" id="{1C6F3676-B8E8-4604-9F94-9E90877C8C6D}"/>
+                  </a:ext>
+                </a:extLst>
+              </p:cNvPr>
+              <p:cNvSpPr txBox="1"/>
+              <p:nvPr/>
+            </p:nvSpPr>
+            <p:spPr>
+              <a:xfrm>
+                <a:off x="274320" y="1717168"/>
+                <a:ext cx="7589520" cy="2375715"/>
+              </a:xfrm>
+              <a:prstGeom prst="rect">
+                <a:avLst/>
+              </a:prstGeom>
+              <a:noFill/>
+            </p:spPr>
+            <p:txBody>
+              <a:bodyPr wrap="square" rtlCol="0">
+                <a:spAutoFit/>
+              </a:bodyPr>
+              <a:lstStyle/>
+              <a:p>
+                <a:pPr/>
+                <a14:m>
+                  <m:oMath xmlns:m="http://schemas.openxmlformats.org/officeDocument/2006/math">
+                    <m:r>
+                      <a:rPr lang="en-US" sz="2400" b="0" i="1" smtClean="0">
+                        <a:latin typeface="Cambria Math" panose="02040503050406030204" pitchFamily="18" charset="0"/>
+                      </a:rPr>
+                      <m:t>𝜀</m:t>
+                    </m:r>
+                    <m:r>
+                      <a:rPr lang="en-US" sz="2400" b="0" i="1" smtClean="0">
+                        <a:latin typeface="Cambria Math" panose="02040503050406030204" pitchFamily="18" charset="0"/>
+                      </a:rPr>
+                      <m:t>=</m:t>
+                    </m:r>
+                    <m:sSup>
+                      <m:sSupPr>
+                        <m:ctrlPr>
+                          <a:rPr lang="en-US" sz="2400" b="0" i="1" smtClean="0">
+                            <a:latin typeface="Cambria Math" panose="02040503050406030204" pitchFamily="18" charset="0"/>
+                          </a:rPr>
+                        </m:ctrlPr>
+                      </m:sSupPr>
+                      <m:e>
+                        <m:d>
+                          <m:dPr>
+                            <m:ctrlPr>
+                              <a:rPr lang="en-US" sz="2400" b="0" i="1" smtClean="0">
+                                <a:latin typeface="Cambria Math" panose="02040503050406030204" pitchFamily="18" charset="0"/>
+                              </a:rPr>
+                            </m:ctrlPr>
+                          </m:dPr>
+                          <m:e>
+                            <m:r>
+                              <a:rPr lang="en-US" sz="2400" b="0" i="1" smtClean="0">
+                                <a:latin typeface="Cambria Math" panose="02040503050406030204" pitchFamily="18" charset="0"/>
+                              </a:rPr>
+                              <m:t>𝑓</m:t>
+                            </m:r>
+                            <m:r>
+                              <a:rPr lang="en-US" sz="2400" b="0" i="1" smtClean="0">
+                                <a:latin typeface="Cambria Math" panose="02040503050406030204" pitchFamily="18" charset="0"/>
+                              </a:rPr>
+                              <m:t>−</m:t>
+                            </m:r>
+                            <m:acc>
+                              <m:accPr>
+                                <m:chr m:val="̂"/>
+                                <m:ctrlPr>
+                                  <a:rPr lang="en-US" sz="2400" b="0" i="1" smtClean="0">
+                                    <a:latin typeface="Cambria Math" panose="02040503050406030204" pitchFamily="18" charset="0"/>
+                                  </a:rPr>
+                                </m:ctrlPr>
+                              </m:accPr>
+                              <m:e>
+                                <m:r>
+                                  <a:rPr lang="en-US" sz="2400" b="0" i="1" smtClean="0">
+                                    <a:latin typeface="Cambria Math" panose="02040503050406030204" pitchFamily="18" charset="0"/>
+                                  </a:rPr>
+                                  <m:t>𝑓</m:t>
+                                </m:r>
+                              </m:e>
+                            </m:acc>
+                          </m:e>
+                        </m:d>
+                      </m:e>
+                      <m:sup>
+                        <m:r>
+                          <a:rPr lang="en-US" sz="2400" b="0" i="1" smtClean="0">
+                            <a:latin typeface="Cambria Math" panose="02040503050406030204" pitchFamily="18" charset="0"/>
+                          </a:rPr>
+                          <m:t>2</m:t>
+                        </m:r>
+                      </m:sup>
+                    </m:sSup>
+                  </m:oMath>
+                </a14:m>
+                <a:r>
+                  <a:rPr lang="en-US" sz="2400" b="0" dirty="0"/>
+                  <a:t> </a:t>
+                </a:r>
+              </a:p>
+              <a:p>
+                <a:endParaRPr lang="en-US" sz="2400" b="0" dirty="0"/>
+              </a:p>
+              <a:p>
+                <a:pPr/>
+                <a14:m>
+                  <m:oMath xmlns:m="http://schemas.openxmlformats.org/officeDocument/2006/math">
+                    <m:r>
+                      <a:rPr lang="en-US" sz="2400" b="0" i="1" smtClean="0">
+                        <a:latin typeface="Cambria Math" panose="02040503050406030204" pitchFamily="18" charset="0"/>
+                      </a:rPr>
+                      <m:t>𝐸</m:t>
+                    </m:r>
+                    <m:d>
+                      <m:dPr>
+                        <m:begChr m:val="["/>
+                        <m:endChr m:val="]"/>
+                        <m:ctrlPr>
+                          <a:rPr lang="en-US" sz="2400" b="0" i="1" smtClean="0">
+                            <a:latin typeface="Cambria Math" panose="02040503050406030204" pitchFamily="18" charset="0"/>
+                          </a:rPr>
+                        </m:ctrlPr>
+                      </m:dPr>
+                      <m:e>
+                        <m:r>
+                          <a:rPr lang="en-US" sz="2400" i="1">
+                            <a:latin typeface="Cambria Math" panose="02040503050406030204" pitchFamily="18" charset="0"/>
+                          </a:rPr>
+                          <m:t>𝜀</m:t>
+                        </m:r>
+                      </m:e>
+                    </m:d>
+                    <m:r>
+                      <a:rPr lang="en-US" sz="2400" i="1">
+                        <a:latin typeface="Cambria Math" panose="02040503050406030204" pitchFamily="18" charset="0"/>
+                      </a:rPr>
+                      <m:t>=</m:t>
+                    </m:r>
+                    <m:r>
+                      <a:rPr lang="en-US" sz="2400" b="0" i="1" smtClean="0">
+                        <a:latin typeface="Cambria Math" panose="02040503050406030204" pitchFamily="18" charset="0"/>
+                      </a:rPr>
+                      <m:t>𝐸</m:t>
+                    </m:r>
+                    <m:d>
+                      <m:dPr>
+                        <m:begChr m:val="["/>
+                        <m:endChr m:val="]"/>
+                        <m:ctrlPr>
+                          <a:rPr lang="en-US" sz="2400" b="0" i="1" smtClean="0">
+                            <a:latin typeface="Cambria Math" panose="02040503050406030204" pitchFamily="18" charset="0"/>
+                          </a:rPr>
+                        </m:ctrlPr>
+                      </m:dPr>
+                      <m:e>
+                        <m:sSup>
+                          <m:sSupPr>
+                            <m:ctrlPr>
+                              <a:rPr lang="en-US" sz="2400" i="1">
+                                <a:latin typeface="Cambria Math" panose="02040503050406030204" pitchFamily="18" charset="0"/>
+                              </a:rPr>
+                            </m:ctrlPr>
+                          </m:sSupPr>
+                          <m:e>
+                            <m:d>
+                              <m:dPr>
+                                <m:ctrlPr>
+                                  <a:rPr lang="en-US" sz="2400" i="1">
+                                    <a:latin typeface="Cambria Math" panose="02040503050406030204" pitchFamily="18" charset="0"/>
+                                  </a:rPr>
+                                </m:ctrlPr>
+                              </m:dPr>
+                              <m:e>
+                                <m:r>
+                                  <a:rPr lang="en-US" sz="2400" i="1">
+                                    <a:latin typeface="Cambria Math" panose="02040503050406030204" pitchFamily="18" charset="0"/>
+                                  </a:rPr>
+                                  <m:t>𝑓</m:t>
+                                </m:r>
+                                <m:r>
+                                  <a:rPr lang="en-US" sz="2400" i="1">
+                                    <a:latin typeface="Cambria Math" panose="02040503050406030204" pitchFamily="18" charset="0"/>
+                                  </a:rPr>
+                                  <m:t>−</m:t>
+                                </m:r>
+                                <m:acc>
+                                  <m:accPr>
+                                    <m:chr m:val="̂"/>
+                                    <m:ctrlPr>
+                                      <a:rPr lang="en-US" sz="2400" i="1">
+                                        <a:latin typeface="Cambria Math" panose="02040503050406030204" pitchFamily="18" charset="0"/>
+                                      </a:rPr>
+                                    </m:ctrlPr>
+                                  </m:accPr>
+                                  <m:e>
+                                    <m:r>
+                                      <a:rPr lang="en-US" sz="2400" i="1">
+                                        <a:latin typeface="Cambria Math" panose="02040503050406030204" pitchFamily="18" charset="0"/>
+                                      </a:rPr>
+                                      <m:t>𝑓</m:t>
+                                    </m:r>
+                                  </m:e>
+                                </m:acc>
+                              </m:e>
+                            </m:d>
+                          </m:e>
+                          <m:sup>
+                            <m:r>
+                              <a:rPr lang="en-US" sz="2400" i="1">
+                                <a:latin typeface="Cambria Math" panose="02040503050406030204" pitchFamily="18" charset="0"/>
+                              </a:rPr>
+                              <m:t>2</m:t>
+                            </m:r>
+                          </m:sup>
+                        </m:sSup>
+                      </m:e>
+                    </m:d>
+                  </m:oMath>
+                </a14:m>
+                <a:r>
+                  <a:rPr lang="en-US" sz="2400" i="1" dirty="0">
+                    <a:latin typeface="Cambria Math" panose="02040503050406030204" pitchFamily="18" charset="0"/>
+                  </a:rPr>
+                  <a:t> </a:t>
+                </a:r>
+              </a:p>
+              <a:p>
+                <a:pPr/>
+                <a14:m>
+                  <m:oMath xmlns:m="http://schemas.openxmlformats.org/officeDocument/2006/math">
+                    <m:r>
+                      <a:rPr lang="en-US" sz="2400" b="0" i="1" smtClean="0">
+                        <a:latin typeface="Cambria Math" panose="02040503050406030204" pitchFamily="18" charset="0"/>
+                      </a:rPr>
+                      <m:t>=</m:t>
+                    </m:r>
+                    <m:sSup>
+                      <m:sSupPr>
+                        <m:ctrlPr>
+                          <a:rPr lang="en-US" sz="2400" b="0" i="1" smtClean="0">
+                            <a:latin typeface="Cambria Math" panose="02040503050406030204" pitchFamily="18" charset="0"/>
+                          </a:rPr>
+                        </m:ctrlPr>
+                      </m:sSupPr>
+                      <m:e>
+                        <m:d>
+                          <m:dPr>
+                            <m:ctrlPr>
+                              <a:rPr lang="en-US" sz="2400" b="0" i="1" smtClean="0">
+                                <a:latin typeface="Cambria Math" panose="02040503050406030204" pitchFamily="18" charset="0"/>
+                              </a:rPr>
+                            </m:ctrlPr>
+                          </m:dPr>
+                          <m:e>
+                            <m:r>
+                              <a:rPr lang="en-US" sz="2400" b="0" i="1" smtClean="0">
+                                <a:latin typeface="Cambria Math" panose="02040503050406030204" pitchFamily="18" charset="0"/>
+                              </a:rPr>
+                              <m:t>𝐸</m:t>
+                            </m:r>
+                            <m:d>
+                              <m:dPr>
+                                <m:begChr m:val="["/>
+                                <m:endChr m:val="]"/>
+                                <m:ctrlPr>
+                                  <a:rPr lang="en-US" sz="2400" b="0" i="1" smtClean="0">
+                                    <a:latin typeface="Cambria Math" panose="02040503050406030204" pitchFamily="18" charset="0"/>
+                                  </a:rPr>
+                                </m:ctrlPr>
+                              </m:dPr>
+                              <m:e>
+                                <m:acc>
+                                  <m:accPr>
+                                    <m:chr m:val="̂"/>
+                                    <m:ctrlPr>
+                                      <a:rPr lang="en-US" sz="2400" b="0" i="1" smtClean="0">
+                                        <a:latin typeface="Cambria Math" panose="02040503050406030204" pitchFamily="18" charset="0"/>
+                                      </a:rPr>
+                                    </m:ctrlPr>
+                                  </m:accPr>
+                                  <m:e>
+                                    <m:r>
+                                      <a:rPr lang="en-US" sz="2400" b="0" i="1" smtClean="0">
+                                        <a:latin typeface="Cambria Math" panose="02040503050406030204" pitchFamily="18" charset="0"/>
+                                      </a:rPr>
+                                      <m:t>𝑓</m:t>
+                                    </m:r>
+                                  </m:e>
+                                </m:acc>
+                              </m:e>
+                            </m:d>
+                            <m:r>
+                              <a:rPr lang="en-US" sz="2400" b="0" i="1" smtClean="0">
+                                <a:latin typeface="Cambria Math" panose="02040503050406030204" pitchFamily="18" charset="0"/>
+                              </a:rPr>
+                              <m:t>−</m:t>
+                            </m:r>
+                            <m:r>
+                              <a:rPr lang="en-US" sz="2400" b="0" i="1" smtClean="0">
+                                <a:latin typeface="Cambria Math" panose="02040503050406030204" pitchFamily="18" charset="0"/>
+                              </a:rPr>
+                              <m:t>𝑓</m:t>
+                            </m:r>
+                          </m:e>
+                        </m:d>
+                      </m:e>
+                      <m:sup>
+                        <m:r>
+                          <a:rPr lang="en-US" sz="2400" b="0" i="1" smtClean="0">
+                            <a:latin typeface="Cambria Math" panose="02040503050406030204" pitchFamily="18" charset="0"/>
+                          </a:rPr>
+                          <m:t>2</m:t>
+                        </m:r>
+                      </m:sup>
+                    </m:sSup>
+                    <m:r>
+                      <a:rPr lang="en-US" sz="2400" b="0" i="1" smtClean="0">
+                        <a:latin typeface="Cambria Math" panose="02040503050406030204" pitchFamily="18" charset="0"/>
+                      </a:rPr>
+                      <m:t>+</m:t>
+                    </m:r>
+                    <m:r>
+                      <a:rPr lang="en-US" sz="2400" b="0" i="1" smtClean="0">
+                        <a:latin typeface="Cambria Math" panose="02040503050406030204" pitchFamily="18" charset="0"/>
+                      </a:rPr>
+                      <m:t>𝑉𝑎𝑟</m:t>
+                    </m:r>
+                    <m:r>
+                      <a:rPr lang="en-US" sz="2400" b="0" i="1" smtClean="0">
+                        <a:latin typeface="Cambria Math" panose="02040503050406030204" pitchFamily="18" charset="0"/>
+                      </a:rPr>
+                      <m:t>(</m:t>
+                    </m:r>
+                    <m:acc>
+                      <m:accPr>
+                        <m:chr m:val="̂"/>
+                        <m:ctrlPr>
+                          <a:rPr lang="en-US" sz="2400" b="0" i="1" smtClean="0">
+                            <a:latin typeface="Cambria Math" panose="02040503050406030204" pitchFamily="18" charset="0"/>
+                          </a:rPr>
+                        </m:ctrlPr>
+                      </m:accPr>
+                      <m:e>
+                        <m:r>
+                          <a:rPr lang="en-US" sz="2400" b="0" i="1" smtClean="0">
+                            <a:latin typeface="Cambria Math" panose="02040503050406030204" pitchFamily="18" charset="0"/>
+                          </a:rPr>
+                          <m:t>𝑓</m:t>
+                        </m:r>
+                      </m:e>
+                    </m:acc>
+                    <m:r>
+                      <a:rPr lang="en-US" sz="2400" b="0" i="1" smtClean="0">
+                        <a:latin typeface="Cambria Math" panose="02040503050406030204" pitchFamily="18" charset="0"/>
+                      </a:rPr>
+                      <m:t>)</m:t>
+                    </m:r>
+                  </m:oMath>
+                </a14:m>
+                <a:r>
+                  <a:rPr lang="en-US" sz="2400" dirty="0"/>
+                  <a:t> </a:t>
+                </a:r>
+              </a:p>
+              <a:p>
+                <a:endParaRPr lang="en-US" sz="2400" dirty="0"/>
+              </a:p>
+            </p:txBody>
+          </p:sp>
+        </mc:Choice>
+        <mc:Fallback>
+          <p:sp>
+            <p:nvSpPr>
+              <p:cNvPr id="4" name="TextBox 3">
+                <a:extLst>
+                  <a:ext uri="{FF2B5EF4-FFF2-40B4-BE49-F238E27FC236}">
+                    <a16:creationId xmlns:a16="http://schemas.microsoft.com/office/drawing/2014/main" id="{1C6F3676-B8E8-4604-9F94-9E90877C8C6D}"/>
+                  </a:ext>
+                </a:extLst>
+              </p:cNvPr>
+              <p:cNvSpPr txBox="1">
+                <a:spLocks noRot="1" noChangeAspect="1" noMove="1" noResize="1" noEditPoints="1" noAdjustHandles="1" noChangeArrowheads="1" noChangeShapeType="1" noTextEdit="1"/>
+              </p:cNvSpPr>
+              <p:nvPr/>
+            </p:nvSpPr>
+            <p:spPr>
+              <a:xfrm>
+                <a:off x="274320" y="1717168"/>
+                <a:ext cx="7589520" cy="2375715"/>
+              </a:xfrm>
+              <a:prstGeom prst="rect">
+                <a:avLst/>
+              </a:prstGeom>
+              <a:blipFill>
+                <a:blip r:embed="rId3"/>
+                <a:stretch>
+                  <a:fillRect/>
+                </a:stretch>
+              </a:blipFill>
+            </p:spPr>
+            <p:txBody>
+              <a:bodyPr/>
+              <a:lstStyle/>
+              <a:p>
+                <a:r>
+                  <a:rPr lang="en-US">
+                    <a:noFill/>
+                  </a:rPr>
+                  <a:t> </a:t>
+                </a:r>
+              </a:p>
+            </p:txBody>
+          </p:sp>
+        </mc:Fallback>
+      </mc:AlternateContent>
+    </p:spTree>
+    <p:extLst>
+      <p:ext uri="{BB962C8B-B14F-4D97-AF65-F5344CB8AC3E}">
+        <p14:creationId xmlns:p14="http://schemas.microsoft.com/office/powerpoint/2010/main" val="2195927224"/>
+      </p:ext>
+    </p:extLst>
+  </p:cSld>
+  <p:clrMapOvr>
+    <a:masterClrMapping/>
+  </p:clrMapOvr>
+</p:sld>
+</file>
+
+<file path=ppt/slides/slide25.xml><?xml version="1.0" encoding="utf-8"?>
+<p:sld xmlns:a="http://schemas.openxmlformats.org/drawingml/2006/main" xmlns:r="http://schemas.openxmlformats.org/officeDocument/2006/relationships" xmlns:p="http://schemas.openxmlformats.org/presentationml/2006/main">
+  <p:cSld>
+    <p:spTree>
+      <p:nvGrpSpPr>
+        <p:cNvPr id="1" name=""/>
+        <p:cNvGrpSpPr/>
+        <p:nvPr/>
+      </p:nvGrpSpPr>
+      <p:grpSpPr>
+        <a:xfrm>
+          <a:off x="0" y="0"/>
+          <a:ext cx="0" cy="0"/>
+          <a:chOff x="0" y="0"/>
+          <a:chExt cx="0" cy="0"/>
+        </a:xfrm>
+      </p:grpSpPr>
+      <p:sp>
+        <p:nvSpPr>
+          <p:cNvPr id="2" name="Title 1">
+            <a:extLst>
+              <a:ext uri="{FF2B5EF4-FFF2-40B4-BE49-F238E27FC236}">
+                <a16:creationId xmlns:a16="http://schemas.microsoft.com/office/drawing/2014/main" id="{DB6D18A2-EAA4-49F7-9415-4A5F0CB2310D}"/>
+              </a:ext>
+            </a:extLst>
+          </p:cNvPr>
+          <p:cNvSpPr>
+            <a:spLocks noGrp="1"/>
+          </p:cNvSpPr>
+          <p:nvPr>
+            <p:ph type="title"/>
+          </p:nvPr>
+        </p:nvSpPr>
+        <p:spPr/>
+        <p:txBody>
+          <a:bodyPr/>
+          <a:lstStyle/>
+          <a:p>
+            <a:r>
+              <a:rPr lang="en-US" dirty="0"/>
+              <a:t>Random Forests</a:t>
+            </a:r>
+          </a:p>
+        </p:txBody>
+      </p:sp>
+      <p:sp>
+        <p:nvSpPr>
+          <p:cNvPr id="3" name="TextBox 2">
+            <a:extLst>
+              <a:ext uri="{FF2B5EF4-FFF2-40B4-BE49-F238E27FC236}">
+                <a16:creationId xmlns:a16="http://schemas.microsoft.com/office/drawing/2014/main" id="{96200911-C2BF-4286-84A3-1DF65E3DABEA}"/>
+              </a:ext>
+            </a:extLst>
+          </p:cNvPr>
+          <p:cNvSpPr txBox="1"/>
+          <p:nvPr/>
+        </p:nvSpPr>
+        <p:spPr>
+          <a:xfrm>
+            <a:off x="1243584" y="2139696"/>
+            <a:ext cx="5138928" cy="830997"/>
+          </a:xfrm>
+          <a:prstGeom prst="rect">
+            <a:avLst/>
+          </a:prstGeom>
+          <a:noFill/>
+        </p:spPr>
+        <p:txBody>
+          <a:bodyPr wrap="square" rtlCol="0">
+            <a:spAutoFit/>
+          </a:bodyPr>
+          <a:lstStyle/>
+          <a:p>
+            <a:r>
+              <a:rPr lang="en-US" sz="2400" dirty="0"/>
+              <a:t>Multiple Decision Trees, each grown by sampling predictor variables</a:t>
+            </a:r>
+          </a:p>
+        </p:txBody>
+      </p:sp>
+      <p:graphicFrame>
+        <p:nvGraphicFramePr>
+          <p:cNvPr id="4" name="Table 4">
+            <a:extLst>
+              <a:ext uri="{FF2B5EF4-FFF2-40B4-BE49-F238E27FC236}">
+                <a16:creationId xmlns:a16="http://schemas.microsoft.com/office/drawing/2014/main" id="{67584144-4F51-4D16-A3AC-3456346CC873}"/>
+              </a:ext>
+            </a:extLst>
+          </p:cNvPr>
+          <p:cNvGraphicFramePr>
+            <a:graphicFrameLocks noGrp="1"/>
+          </p:cNvGraphicFramePr>
+          <p:nvPr>
+            <p:extLst>
+              <p:ext uri="{D42A27DB-BD31-4B8C-83A1-F6EECF244321}">
+                <p14:modId xmlns:p14="http://schemas.microsoft.com/office/powerpoint/2010/main" val="1111954607"/>
+              </p:ext>
+            </p:extLst>
+          </p:nvPr>
+        </p:nvGraphicFramePr>
+        <p:xfrm>
+          <a:off x="1243584" y="3465421"/>
+          <a:ext cx="8128002" cy="2595880"/>
+        </p:xfrm>
+        <a:graphic>
+          <a:graphicData uri="http://schemas.openxmlformats.org/drawingml/2006/table">
+            <a:tbl>
+              <a:tblPr firstRow="1" bandRow="1">
+                <a:tableStyleId>{5C22544A-7EE6-4342-B048-85BDC9FD1C3A}</a:tableStyleId>
+              </a:tblPr>
+              <a:tblGrid>
+                <a:gridCol w="1354667">
+                  <a:extLst>
+                    <a:ext uri="{9D8B030D-6E8A-4147-A177-3AD203B41FA5}">
+                      <a16:colId xmlns:a16="http://schemas.microsoft.com/office/drawing/2014/main" val="1175460211"/>
+                    </a:ext>
+                  </a:extLst>
+                </a:gridCol>
+                <a:gridCol w="1354667">
+                  <a:extLst>
+                    <a:ext uri="{9D8B030D-6E8A-4147-A177-3AD203B41FA5}">
+                      <a16:colId xmlns:a16="http://schemas.microsoft.com/office/drawing/2014/main" val="3654152078"/>
+                    </a:ext>
+                  </a:extLst>
+                </a:gridCol>
+                <a:gridCol w="1354667">
+                  <a:extLst>
+                    <a:ext uri="{9D8B030D-6E8A-4147-A177-3AD203B41FA5}">
+                      <a16:colId xmlns:a16="http://schemas.microsoft.com/office/drawing/2014/main" val="697285697"/>
+                    </a:ext>
+                  </a:extLst>
+                </a:gridCol>
+                <a:gridCol w="1354667">
+                  <a:extLst>
+                    <a:ext uri="{9D8B030D-6E8A-4147-A177-3AD203B41FA5}">
+                      <a16:colId xmlns:a16="http://schemas.microsoft.com/office/drawing/2014/main" val="2462108772"/>
+                    </a:ext>
+                  </a:extLst>
+                </a:gridCol>
+                <a:gridCol w="1354667">
+                  <a:extLst>
+                    <a:ext uri="{9D8B030D-6E8A-4147-A177-3AD203B41FA5}">
+                      <a16:colId xmlns:a16="http://schemas.microsoft.com/office/drawing/2014/main" val="2128475954"/>
+                    </a:ext>
+                  </a:extLst>
+                </a:gridCol>
+                <a:gridCol w="1354667">
+                  <a:extLst>
+                    <a:ext uri="{9D8B030D-6E8A-4147-A177-3AD203B41FA5}">
+                      <a16:colId xmlns:a16="http://schemas.microsoft.com/office/drawing/2014/main" val="2659007696"/>
+                    </a:ext>
+                  </a:extLst>
+                </a:gridCol>
+              </a:tblGrid>
+              <a:tr h="370840">
+                <a:tc>
+                  <a:txBody>
+                    <a:bodyPr/>
+                    <a:lstStyle/>
+                    <a:p>
+                      <a:pPr marL="0" marR="0" lvl="0" indent="0" algn="l" defTabSz="914400" rtl="0" eaLnBrk="1" fontAlgn="auto" latinLnBrk="0" hangingPunct="1">
+                        <a:lnSpc>
+                          <a:spcPct val="100000"/>
+                        </a:lnSpc>
+                        <a:spcBef>
+                          <a:spcPts val="0"/>
+                        </a:spcBef>
+                        <a:spcAft>
+                          <a:spcPts val="0"/>
+                        </a:spcAft>
+                        <a:buClrTx/>
+                        <a:buSzTx/>
+                        <a:buFontTx/>
+                        <a:buNone/>
+                        <a:tabLst/>
+                        <a:defRPr/>
+                      </a:pPr>
+                      <a:r>
+                        <a:rPr lang="en-US" dirty="0"/>
+                        <a:t>Predictor 0</a:t>
+                      </a:r>
+                    </a:p>
+                  </a:txBody>
+                  <a:tcPr/>
+                </a:tc>
+                <a:tc>
+                  <a:txBody>
+                    <a:bodyPr/>
+                    <a:lstStyle/>
+                    <a:p>
+                      <a:r>
+                        <a:rPr lang="en-US" dirty="0"/>
+                        <a:t>Predictor 1</a:t>
+                      </a:r>
+                    </a:p>
+                  </a:txBody>
+                  <a:tcPr/>
+                </a:tc>
+                <a:tc>
+                  <a:txBody>
+                    <a:bodyPr/>
+                    <a:lstStyle/>
+                    <a:p>
+                      <a:pPr marL="0" marR="0" lvl="0" indent="0" algn="l" defTabSz="914400" rtl="0" eaLnBrk="1" fontAlgn="auto" latinLnBrk="0" hangingPunct="1">
+                        <a:lnSpc>
+                          <a:spcPct val="100000"/>
+                        </a:lnSpc>
+                        <a:spcBef>
+                          <a:spcPts val="0"/>
+                        </a:spcBef>
+                        <a:spcAft>
+                          <a:spcPts val="0"/>
+                        </a:spcAft>
+                        <a:buClrTx/>
+                        <a:buSzTx/>
+                        <a:buFontTx/>
+                        <a:buNone/>
+                        <a:tabLst/>
+                        <a:defRPr/>
+                      </a:pPr>
+                      <a:r>
+                        <a:rPr lang="en-US" dirty="0"/>
+                        <a:t>Predictor 2</a:t>
+                      </a:r>
+                    </a:p>
+                  </a:txBody>
+                  <a:tcPr/>
+                </a:tc>
+                <a:tc>
+                  <a:txBody>
+                    <a:bodyPr/>
+                    <a:lstStyle/>
+                    <a:p>
+                      <a:pPr marL="0" marR="0" lvl="0" indent="0" algn="l" defTabSz="914400" rtl="0" eaLnBrk="1" fontAlgn="auto" latinLnBrk="0" hangingPunct="1">
+                        <a:lnSpc>
+                          <a:spcPct val="100000"/>
+                        </a:lnSpc>
+                        <a:spcBef>
+                          <a:spcPts val="0"/>
+                        </a:spcBef>
+                        <a:spcAft>
+                          <a:spcPts val="0"/>
+                        </a:spcAft>
+                        <a:buClrTx/>
+                        <a:buSzTx/>
+                        <a:buFontTx/>
+                        <a:buNone/>
+                        <a:tabLst/>
+                        <a:defRPr/>
+                      </a:pPr>
+                      <a:r>
+                        <a:rPr lang="en-US" dirty="0"/>
+                        <a:t>Predictor 3</a:t>
+                      </a:r>
+                    </a:p>
+                  </a:txBody>
+                  <a:tcPr/>
+                </a:tc>
+                <a:tc>
+                  <a:txBody>
+                    <a:bodyPr/>
+                    <a:lstStyle/>
+                    <a:p>
+                      <a:pPr marL="0" marR="0" lvl="0" indent="0" algn="l" defTabSz="914400" rtl="0" eaLnBrk="1" fontAlgn="auto" latinLnBrk="0" hangingPunct="1">
+                        <a:lnSpc>
+                          <a:spcPct val="100000"/>
+                        </a:lnSpc>
+                        <a:spcBef>
+                          <a:spcPts val="0"/>
+                        </a:spcBef>
+                        <a:spcAft>
+                          <a:spcPts val="0"/>
+                        </a:spcAft>
+                        <a:buClrTx/>
+                        <a:buSzTx/>
+                        <a:buFontTx/>
+                        <a:buNone/>
+                        <a:tabLst/>
+                        <a:defRPr/>
+                      </a:pPr>
+                      <a:r>
+                        <a:rPr lang="en-US" dirty="0"/>
+                        <a:t>Predictor 4</a:t>
+                      </a:r>
+                    </a:p>
+                  </a:txBody>
+                  <a:tcPr/>
+                </a:tc>
+                <a:tc>
+                  <a:txBody>
+                    <a:bodyPr/>
+                    <a:lstStyle/>
+                    <a:p>
+                      <a:r>
+                        <a:rPr lang="en-US" dirty="0"/>
+                        <a:t>Label</a:t>
+                      </a:r>
+                    </a:p>
+                  </a:txBody>
+                  <a:tcPr/>
+                </a:tc>
+                <a:extLst>
+                  <a:ext uri="{0D108BD9-81ED-4DB2-BD59-A6C34878D82A}">
+                    <a16:rowId xmlns:a16="http://schemas.microsoft.com/office/drawing/2014/main" val="1556729655"/>
+                  </a:ext>
+                </a:extLst>
+              </a:tr>
+              <a:tr h="370840">
+                <a:tc>
+                  <a:txBody>
+                    <a:bodyPr/>
+                    <a:lstStyle/>
+                    <a:p>
+                      <a:endParaRPr lang="en-US"/>
+                    </a:p>
+                  </a:txBody>
+                  <a:tcPr/>
+                </a:tc>
+                <a:tc>
+                  <a:txBody>
+                    <a:bodyPr/>
+                    <a:lstStyle/>
+                    <a:p>
+                      <a:endParaRPr lang="en-US"/>
+                    </a:p>
+                  </a:txBody>
+                  <a:tcPr/>
+                </a:tc>
+                <a:tc>
+                  <a:txBody>
+                    <a:bodyPr/>
+                    <a:lstStyle/>
+                    <a:p>
+                      <a:endParaRPr lang="en-US"/>
+                    </a:p>
+                  </a:txBody>
+                  <a:tcPr/>
+                </a:tc>
+                <a:tc>
+                  <a:txBody>
+                    <a:bodyPr/>
+                    <a:lstStyle/>
+                    <a:p>
+                      <a:endParaRPr lang="en-US"/>
+                    </a:p>
+                  </a:txBody>
+                  <a:tcPr/>
+                </a:tc>
+                <a:tc>
+                  <a:txBody>
+                    <a:bodyPr/>
+                    <a:lstStyle/>
+                    <a:p>
+                      <a:endParaRPr lang="en-US"/>
+                    </a:p>
+                  </a:txBody>
+                  <a:tcPr/>
+                </a:tc>
+                <a:tc>
+                  <a:txBody>
+                    <a:bodyPr/>
+                    <a:lstStyle/>
+                    <a:p>
+                      <a:endParaRPr lang="en-US"/>
+                    </a:p>
+                  </a:txBody>
+                  <a:tcPr/>
+                </a:tc>
+                <a:extLst>
+                  <a:ext uri="{0D108BD9-81ED-4DB2-BD59-A6C34878D82A}">
+                    <a16:rowId xmlns:a16="http://schemas.microsoft.com/office/drawing/2014/main" val="3889343647"/>
+                  </a:ext>
+                </a:extLst>
+              </a:tr>
+              <a:tr h="370840">
+                <a:tc>
+                  <a:txBody>
+                    <a:bodyPr/>
+                    <a:lstStyle/>
+                    <a:p>
+                      <a:endParaRPr lang="en-US"/>
+                    </a:p>
+                  </a:txBody>
+                  <a:tcPr/>
+                </a:tc>
+                <a:tc>
+                  <a:txBody>
+                    <a:bodyPr/>
+                    <a:lstStyle/>
+                    <a:p>
+                      <a:endParaRPr lang="en-US"/>
+                    </a:p>
+                  </a:txBody>
+                  <a:tcPr/>
+                </a:tc>
+                <a:tc>
+                  <a:txBody>
+                    <a:bodyPr/>
+                    <a:lstStyle/>
+                    <a:p>
+                      <a:endParaRPr lang="en-US"/>
+                    </a:p>
+                  </a:txBody>
+                  <a:tcPr/>
+                </a:tc>
+                <a:tc>
+                  <a:txBody>
+                    <a:bodyPr/>
+                    <a:lstStyle/>
+                    <a:p>
+                      <a:endParaRPr lang="en-US"/>
+                    </a:p>
+                  </a:txBody>
+                  <a:tcPr/>
+                </a:tc>
+                <a:tc>
+                  <a:txBody>
+                    <a:bodyPr/>
+                    <a:lstStyle/>
+                    <a:p>
+                      <a:endParaRPr lang="en-US"/>
+                    </a:p>
+                  </a:txBody>
+                  <a:tcPr/>
+                </a:tc>
+                <a:tc>
+                  <a:txBody>
+                    <a:bodyPr/>
+                    <a:lstStyle/>
+                    <a:p>
+                      <a:endParaRPr lang="en-US"/>
+                    </a:p>
+                  </a:txBody>
+                  <a:tcPr/>
+                </a:tc>
+                <a:extLst>
+                  <a:ext uri="{0D108BD9-81ED-4DB2-BD59-A6C34878D82A}">
+                    <a16:rowId xmlns:a16="http://schemas.microsoft.com/office/drawing/2014/main" val="3613283608"/>
+                  </a:ext>
+                </a:extLst>
+              </a:tr>
+              <a:tr h="370840">
+                <a:tc>
+                  <a:txBody>
+                    <a:bodyPr/>
+                    <a:lstStyle/>
+                    <a:p>
+                      <a:endParaRPr lang="en-US"/>
+                    </a:p>
+                  </a:txBody>
+                  <a:tcPr/>
+                </a:tc>
+                <a:tc>
+                  <a:txBody>
+                    <a:bodyPr/>
+                    <a:lstStyle/>
+                    <a:p>
+                      <a:endParaRPr lang="en-US"/>
+                    </a:p>
+                  </a:txBody>
+                  <a:tcPr/>
+                </a:tc>
+                <a:tc>
+                  <a:txBody>
+                    <a:bodyPr/>
+                    <a:lstStyle/>
+                    <a:p>
+                      <a:endParaRPr lang="en-US"/>
+                    </a:p>
+                  </a:txBody>
+                  <a:tcPr/>
+                </a:tc>
+                <a:tc>
+                  <a:txBody>
+                    <a:bodyPr/>
+                    <a:lstStyle/>
+                    <a:p>
+                      <a:endParaRPr lang="en-US"/>
+                    </a:p>
+                  </a:txBody>
+                  <a:tcPr/>
+                </a:tc>
+                <a:tc>
+                  <a:txBody>
+                    <a:bodyPr/>
+                    <a:lstStyle/>
+                    <a:p>
+                      <a:endParaRPr lang="en-US"/>
+                    </a:p>
+                  </a:txBody>
+                  <a:tcPr/>
+                </a:tc>
+                <a:tc>
+                  <a:txBody>
+                    <a:bodyPr/>
+                    <a:lstStyle/>
+                    <a:p>
+                      <a:endParaRPr lang="en-US"/>
+                    </a:p>
+                  </a:txBody>
+                  <a:tcPr/>
+                </a:tc>
+                <a:extLst>
+                  <a:ext uri="{0D108BD9-81ED-4DB2-BD59-A6C34878D82A}">
+                    <a16:rowId xmlns:a16="http://schemas.microsoft.com/office/drawing/2014/main" val="127686219"/>
+                  </a:ext>
+                </a:extLst>
+              </a:tr>
+              <a:tr h="370840">
+                <a:tc>
+                  <a:txBody>
+                    <a:bodyPr/>
+                    <a:lstStyle/>
+                    <a:p>
+                      <a:endParaRPr lang="en-US"/>
+                    </a:p>
+                  </a:txBody>
+                  <a:tcPr/>
+                </a:tc>
+                <a:tc>
+                  <a:txBody>
+                    <a:bodyPr/>
+                    <a:lstStyle/>
+                    <a:p>
+                      <a:endParaRPr lang="en-US"/>
+                    </a:p>
+                  </a:txBody>
+                  <a:tcPr/>
+                </a:tc>
+                <a:tc>
+                  <a:txBody>
+                    <a:bodyPr/>
+                    <a:lstStyle/>
+                    <a:p>
+                      <a:endParaRPr lang="en-US"/>
+                    </a:p>
+                  </a:txBody>
+                  <a:tcPr/>
+                </a:tc>
+                <a:tc>
+                  <a:txBody>
+                    <a:bodyPr/>
+                    <a:lstStyle/>
+                    <a:p>
+                      <a:endParaRPr lang="en-US"/>
+                    </a:p>
+                  </a:txBody>
+                  <a:tcPr/>
+                </a:tc>
+                <a:tc>
+                  <a:txBody>
+                    <a:bodyPr/>
+                    <a:lstStyle/>
+                    <a:p>
+                      <a:endParaRPr lang="en-US"/>
+                    </a:p>
+                  </a:txBody>
+                  <a:tcPr/>
+                </a:tc>
+                <a:tc>
+                  <a:txBody>
+                    <a:bodyPr/>
+                    <a:lstStyle/>
+                    <a:p>
+                      <a:endParaRPr lang="en-US"/>
+                    </a:p>
+                  </a:txBody>
+                  <a:tcPr/>
+                </a:tc>
+                <a:extLst>
+                  <a:ext uri="{0D108BD9-81ED-4DB2-BD59-A6C34878D82A}">
+                    <a16:rowId xmlns:a16="http://schemas.microsoft.com/office/drawing/2014/main" val="1235523626"/>
+                  </a:ext>
+                </a:extLst>
+              </a:tr>
+              <a:tr h="370840">
+                <a:tc>
+                  <a:txBody>
+                    <a:bodyPr/>
+                    <a:lstStyle/>
+                    <a:p>
+                      <a:endParaRPr lang="en-US"/>
+                    </a:p>
+                  </a:txBody>
+                  <a:tcPr/>
+                </a:tc>
+                <a:tc>
+                  <a:txBody>
+                    <a:bodyPr/>
+                    <a:lstStyle/>
+                    <a:p>
+                      <a:endParaRPr lang="en-US"/>
+                    </a:p>
+                  </a:txBody>
+                  <a:tcPr/>
+                </a:tc>
+                <a:tc>
+                  <a:txBody>
+                    <a:bodyPr/>
+                    <a:lstStyle/>
+                    <a:p>
+                      <a:endParaRPr lang="en-US"/>
+                    </a:p>
+                  </a:txBody>
+                  <a:tcPr/>
+                </a:tc>
+                <a:tc>
+                  <a:txBody>
+                    <a:bodyPr/>
+                    <a:lstStyle/>
+                    <a:p>
+                      <a:endParaRPr lang="en-US"/>
+                    </a:p>
+                  </a:txBody>
+                  <a:tcPr/>
+                </a:tc>
+                <a:tc>
+                  <a:txBody>
+                    <a:bodyPr/>
+                    <a:lstStyle/>
+                    <a:p>
+                      <a:endParaRPr lang="en-US"/>
+                    </a:p>
+                  </a:txBody>
+                  <a:tcPr/>
+                </a:tc>
+                <a:tc>
+                  <a:txBody>
+                    <a:bodyPr/>
+                    <a:lstStyle/>
+                    <a:p>
+                      <a:endParaRPr lang="en-US"/>
+                    </a:p>
+                  </a:txBody>
+                  <a:tcPr/>
+                </a:tc>
+                <a:extLst>
+                  <a:ext uri="{0D108BD9-81ED-4DB2-BD59-A6C34878D82A}">
+                    <a16:rowId xmlns:a16="http://schemas.microsoft.com/office/drawing/2014/main" val="1412037283"/>
+                  </a:ext>
+                </a:extLst>
+              </a:tr>
+              <a:tr h="370840">
+                <a:tc>
+                  <a:txBody>
+                    <a:bodyPr/>
+                    <a:lstStyle/>
+                    <a:p>
+                      <a:endParaRPr lang="en-US"/>
+                    </a:p>
+                  </a:txBody>
+                  <a:tcPr/>
+                </a:tc>
+                <a:tc>
+                  <a:txBody>
+                    <a:bodyPr/>
+                    <a:lstStyle/>
+                    <a:p>
+                      <a:endParaRPr lang="en-US"/>
+                    </a:p>
+                  </a:txBody>
+                  <a:tcPr/>
+                </a:tc>
+                <a:tc>
+                  <a:txBody>
+                    <a:bodyPr/>
+                    <a:lstStyle/>
+                    <a:p>
+                      <a:endParaRPr lang="en-US"/>
+                    </a:p>
+                  </a:txBody>
+                  <a:tcPr/>
+                </a:tc>
+                <a:tc>
+                  <a:txBody>
+                    <a:bodyPr/>
+                    <a:lstStyle/>
+                    <a:p>
+                      <a:endParaRPr lang="en-US"/>
+                    </a:p>
+                  </a:txBody>
+                  <a:tcPr/>
+                </a:tc>
+                <a:tc>
+                  <a:txBody>
+                    <a:bodyPr/>
+                    <a:lstStyle/>
+                    <a:p>
+                      <a:endParaRPr lang="en-US"/>
+                    </a:p>
+                  </a:txBody>
+                  <a:tcPr/>
+                </a:tc>
+                <a:tc>
+                  <a:txBody>
+                    <a:bodyPr/>
+                    <a:lstStyle/>
+                    <a:p>
+                      <a:endParaRPr lang="en-US" dirty="0"/>
+                    </a:p>
+                  </a:txBody>
+                  <a:tcPr/>
+                </a:tc>
+                <a:extLst>
+                  <a:ext uri="{0D108BD9-81ED-4DB2-BD59-A6C34878D82A}">
+                    <a16:rowId xmlns:a16="http://schemas.microsoft.com/office/drawing/2014/main" val="3878936150"/>
+                  </a:ext>
+                </a:extLst>
+              </a:tr>
+            </a:tbl>
+          </a:graphicData>
+        </a:graphic>
+      </p:graphicFrame>
+    </p:spTree>
+    <p:extLst>
+      <p:ext uri="{BB962C8B-B14F-4D97-AF65-F5344CB8AC3E}">
+        <p14:creationId xmlns:p14="http://schemas.microsoft.com/office/powerpoint/2010/main" val="1780578526"/>
+      </p:ext>
+    </p:extLst>
+  </p:cSld>
+  <p:clrMapOvr>
+    <a:masterClrMapping/>
+  </p:clrMapOvr>
+</p:sld>
+</file>
+
+<file path=ppt/slides/slide26.xml><?xml version="1.0" encoding="utf-8"?>
+<p:sld xmlns:a="http://schemas.openxmlformats.org/drawingml/2006/main" xmlns:r="http://schemas.openxmlformats.org/officeDocument/2006/relationships" xmlns:p="http://schemas.openxmlformats.org/presentationml/2006/main">
+  <p:cSld>
+    <p:spTree>
+      <p:nvGrpSpPr>
+        <p:cNvPr id="1" name=""/>
+        <p:cNvGrpSpPr/>
+        <p:nvPr/>
+      </p:nvGrpSpPr>
+      <p:grpSpPr>
+        <a:xfrm>
+          <a:off x="0" y="0"/>
+          <a:ext cx="0" cy="0"/>
+          <a:chOff x="0" y="0"/>
+          <a:chExt cx="0" cy="0"/>
+        </a:xfrm>
+      </p:grpSpPr>
+      <p:pic>
+        <p:nvPicPr>
+          <p:cNvPr id="5" name="Picture 4">
+            <a:extLst>
+              <a:ext uri="{FF2B5EF4-FFF2-40B4-BE49-F238E27FC236}">
+                <a16:creationId xmlns:a16="http://schemas.microsoft.com/office/drawing/2014/main" id="{8EEDE757-E179-4473-8D5C-00FA017EB0B7}"/>
+              </a:ext>
+            </a:extLst>
+          </p:cNvPr>
+          <p:cNvPicPr>
+            <a:picLocks noChangeAspect="1"/>
+          </p:cNvPicPr>
+          <p:nvPr/>
+        </p:nvPicPr>
+        <p:blipFill>
+          <a:blip r:embed="rId3"/>
+          <a:stretch>
+            <a:fillRect/>
+          </a:stretch>
+        </p:blipFill>
+        <p:spPr>
+          <a:xfrm>
+            <a:off x="5417504" y="6155"/>
+            <a:ext cx="6774496" cy="6858000"/>
+          </a:xfrm>
+          <a:prstGeom prst="rect">
+            <a:avLst/>
+          </a:prstGeom>
+        </p:spPr>
+      </p:pic>
+      <p:sp>
+        <p:nvSpPr>
+          <p:cNvPr id="2" name="Title 1">
+            <a:extLst>
+              <a:ext uri="{FF2B5EF4-FFF2-40B4-BE49-F238E27FC236}">
+                <a16:creationId xmlns:a16="http://schemas.microsoft.com/office/drawing/2014/main" id="{E30ED444-825F-4212-B2D0-AE903E9B03CA}"/>
+              </a:ext>
+            </a:extLst>
+          </p:cNvPr>
+          <p:cNvSpPr>
+            <a:spLocks noGrp="1"/>
+          </p:cNvSpPr>
+          <p:nvPr>
+            <p:ph type="title"/>
+          </p:nvPr>
+        </p:nvSpPr>
+        <p:spPr/>
+        <p:txBody>
+          <a:bodyPr/>
+          <a:lstStyle/>
+          <a:p>
+            <a:r>
+              <a:rPr lang="en-US" dirty="0"/>
+              <a:t>Boosting</a:t>
+            </a:r>
+          </a:p>
+        </p:txBody>
+      </p:sp>
+      <p:sp>
+        <p:nvSpPr>
+          <p:cNvPr id="3" name="TextBox 2">
+            <a:extLst>
+              <a:ext uri="{FF2B5EF4-FFF2-40B4-BE49-F238E27FC236}">
+                <a16:creationId xmlns:a16="http://schemas.microsoft.com/office/drawing/2014/main" id="{8AC1E77D-DBDB-4B0A-B42E-1572EAC2C551}"/>
+              </a:ext>
+            </a:extLst>
+          </p:cNvPr>
+          <p:cNvSpPr txBox="1"/>
+          <p:nvPr/>
+        </p:nvSpPr>
+        <p:spPr>
+          <a:xfrm>
+            <a:off x="621063" y="1224591"/>
+            <a:ext cx="1796716" cy="461665"/>
+          </a:xfrm>
+          <a:prstGeom prst="rect">
+            <a:avLst/>
+          </a:prstGeom>
+          <a:noFill/>
+        </p:spPr>
+        <p:txBody>
+          <a:bodyPr wrap="square" rtlCol="0">
+            <a:spAutoFit/>
+          </a:bodyPr>
+          <a:lstStyle/>
+          <a:p>
+            <a:r>
+              <a:rPr lang="en-US" sz="2400" dirty="0"/>
+              <a:t>Sequentially</a:t>
+            </a:r>
+          </a:p>
+        </p:txBody>
+      </p:sp>
+      <p:sp>
+        <p:nvSpPr>
+          <p:cNvPr id="4" name="Rectangle 3">
+            <a:extLst>
+              <a:ext uri="{FF2B5EF4-FFF2-40B4-BE49-F238E27FC236}">
+                <a16:creationId xmlns:a16="http://schemas.microsoft.com/office/drawing/2014/main" id="{837F6EF8-D088-41FD-9DAF-00041D3EBE0C}"/>
+              </a:ext>
+            </a:extLst>
+          </p:cNvPr>
+          <p:cNvSpPr/>
+          <p:nvPr/>
+        </p:nvSpPr>
+        <p:spPr>
+          <a:xfrm>
+            <a:off x="0" y="6308209"/>
+            <a:ext cx="5674439" cy="369332"/>
+          </a:xfrm>
+          <a:prstGeom prst="rect">
+            <a:avLst/>
+          </a:prstGeom>
+        </p:spPr>
+        <p:txBody>
+          <a:bodyPr wrap="none">
+            <a:spAutoFit/>
+          </a:bodyPr>
+          <a:lstStyle/>
+          <a:p>
+            <a:r>
+              <a:rPr lang="en-US" dirty="0" err="1">
+                <a:hlinkClick r:id="rId4"/>
+              </a:rPr>
+              <a:t>Video_Trevor</a:t>
+            </a:r>
+            <a:r>
+              <a:rPr lang="en-US" dirty="0">
+                <a:hlinkClick r:id="rId4"/>
+              </a:rPr>
+              <a:t> Hastie - Gradient Boosting Machine Learning</a:t>
+            </a:r>
+            <a:endParaRPr lang="en-US" dirty="0"/>
+          </a:p>
+        </p:txBody>
+      </p:sp>
+      <p:sp>
+        <p:nvSpPr>
+          <p:cNvPr id="6" name="TextBox 5">
+            <a:extLst>
+              <a:ext uri="{FF2B5EF4-FFF2-40B4-BE49-F238E27FC236}">
+                <a16:creationId xmlns:a16="http://schemas.microsoft.com/office/drawing/2014/main" id="{6ACD097C-A790-49E4-9CC4-2A38A80B1687}"/>
+              </a:ext>
+            </a:extLst>
+          </p:cNvPr>
+          <p:cNvSpPr txBox="1"/>
+          <p:nvPr/>
+        </p:nvSpPr>
+        <p:spPr>
+          <a:xfrm>
+            <a:off x="128016" y="5724144"/>
+            <a:ext cx="2871858" cy="369332"/>
+          </a:xfrm>
+          <a:prstGeom prst="rect">
+            <a:avLst/>
+          </a:prstGeom>
+          <a:noFill/>
+        </p:spPr>
+        <p:txBody>
+          <a:bodyPr wrap="square" rtlCol="0">
+            <a:spAutoFit/>
+          </a:bodyPr>
+          <a:lstStyle/>
+          <a:p>
+            <a:r>
+              <a:rPr lang="en-US" dirty="0" err="1"/>
+              <a:t>Aurelien</a:t>
+            </a:r>
+            <a:r>
+              <a:rPr lang="en-US" dirty="0"/>
+              <a:t>, 2019. Page 207</a:t>
+            </a:r>
+          </a:p>
+        </p:txBody>
+      </p:sp>
+    </p:spTree>
+    <p:extLst>
+      <p:ext uri="{BB962C8B-B14F-4D97-AF65-F5344CB8AC3E}">
+        <p14:creationId xmlns:p14="http://schemas.microsoft.com/office/powerpoint/2010/main" val="3913938115"/>
+      </p:ext>
+    </p:extLst>
+  </p:cSld>
+  <p:clrMapOvr>
+    <a:masterClrMapping/>
+  </p:clrMapOvr>
+</p:sld>
+</file>
+
+<file path=ppt/slides/slide27.xml><?xml version="1.0" encoding="utf-8"?>
+<p:sld xmlns:a="http://schemas.openxmlformats.org/drawingml/2006/main" xmlns:r="http://schemas.openxmlformats.org/officeDocument/2006/relationships" xmlns:p="http://schemas.openxmlformats.org/presentationml/2006/main" show="0">
+  <p:cSld>
+    <p:spTree>
+      <p:nvGrpSpPr>
+        <p:cNvPr id="1" name=""/>
+        <p:cNvGrpSpPr/>
+        <p:nvPr/>
+      </p:nvGrpSpPr>
+      <p:grpSpPr>
+        <a:xfrm>
+          <a:off x="0" y="0"/>
+          <a:ext cx="0" cy="0"/>
+          <a:chOff x="0" y="0"/>
+          <a:chExt cx="0" cy="0"/>
+        </a:xfrm>
+      </p:grpSpPr>
+      <p:sp>
+        <p:nvSpPr>
+          <p:cNvPr id="2" name="Title 1">
+            <a:extLst>
+              <a:ext uri="{FF2B5EF4-FFF2-40B4-BE49-F238E27FC236}">
+                <a16:creationId xmlns:a16="http://schemas.microsoft.com/office/drawing/2014/main" id="{E30ED444-825F-4212-B2D0-AE903E9B03CA}"/>
+              </a:ext>
+            </a:extLst>
+          </p:cNvPr>
+          <p:cNvSpPr>
+            <a:spLocks noGrp="1"/>
+          </p:cNvSpPr>
+          <p:nvPr>
+            <p:ph type="title"/>
+          </p:nvPr>
+        </p:nvSpPr>
+        <p:spPr/>
+        <p:txBody>
+          <a:bodyPr/>
+          <a:lstStyle/>
+          <a:p>
+            <a:r>
+              <a:rPr lang="en-US" dirty="0"/>
+              <a:t>Boosting</a:t>
+            </a:r>
+          </a:p>
+        </p:txBody>
+      </p:sp>
+      <p:sp>
+        <p:nvSpPr>
+          <p:cNvPr id="3" name="TextBox 2">
+            <a:extLst>
+              <a:ext uri="{FF2B5EF4-FFF2-40B4-BE49-F238E27FC236}">
+                <a16:creationId xmlns:a16="http://schemas.microsoft.com/office/drawing/2014/main" id="{8AC1E77D-DBDB-4B0A-B42E-1572EAC2C551}"/>
+              </a:ext>
+            </a:extLst>
+          </p:cNvPr>
+          <p:cNvSpPr txBox="1"/>
+          <p:nvPr/>
+        </p:nvSpPr>
+        <p:spPr>
+          <a:xfrm>
+            <a:off x="621063" y="1224591"/>
+            <a:ext cx="1796716" cy="461665"/>
+          </a:xfrm>
+          <a:prstGeom prst="rect">
+            <a:avLst/>
+          </a:prstGeom>
+          <a:noFill/>
+        </p:spPr>
+        <p:txBody>
+          <a:bodyPr wrap="square" rtlCol="0">
+            <a:spAutoFit/>
+          </a:bodyPr>
+          <a:lstStyle/>
+          <a:p>
+            <a:r>
+              <a:rPr lang="en-US" sz="2400" dirty="0"/>
+              <a:t>Sequentially</a:t>
+            </a:r>
+          </a:p>
+        </p:txBody>
+      </p:sp>
+      <p:sp>
+        <p:nvSpPr>
+          <p:cNvPr id="4" name="Rectangle 3">
+            <a:extLst>
+              <a:ext uri="{FF2B5EF4-FFF2-40B4-BE49-F238E27FC236}">
+                <a16:creationId xmlns:a16="http://schemas.microsoft.com/office/drawing/2014/main" id="{837F6EF8-D088-41FD-9DAF-00041D3EBE0C}"/>
+              </a:ext>
+            </a:extLst>
+          </p:cNvPr>
+          <p:cNvSpPr/>
+          <p:nvPr/>
+        </p:nvSpPr>
+        <p:spPr>
+          <a:xfrm>
+            <a:off x="0" y="6308209"/>
+            <a:ext cx="5674439" cy="369332"/>
+          </a:xfrm>
+          <a:prstGeom prst="rect">
+            <a:avLst/>
+          </a:prstGeom>
+        </p:spPr>
+        <p:txBody>
+          <a:bodyPr wrap="none">
+            <a:spAutoFit/>
+          </a:bodyPr>
+          <a:lstStyle/>
+          <a:p>
+            <a:r>
+              <a:rPr lang="en-US" dirty="0" err="1">
+                <a:hlinkClick r:id="rId3"/>
+              </a:rPr>
+              <a:t>Video_Trevor</a:t>
+            </a:r>
+            <a:r>
+              <a:rPr lang="en-US" dirty="0">
+                <a:hlinkClick r:id="rId3"/>
+              </a:rPr>
+              <a:t> Hastie - Gradient Boosting Machine Learning</a:t>
+            </a:r>
+            <a:endParaRPr lang="en-US" dirty="0"/>
+          </a:p>
+        </p:txBody>
+      </p:sp>
+      <p:sp>
+        <p:nvSpPr>
+          <p:cNvPr id="6" name="TextBox 5">
+            <a:extLst>
+              <a:ext uri="{FF2B5EF4-FFF2-40B4-BE49-F238E27FC236}">
+                <a16:creationId xmlns:a16="http://schemas.microsoft.com/office/drawing/2014/main" id="{6ACD097C-A790-49E4-9CC4-2A38A80B1687}"/>
+              </a:ext>
+            </a:extLst>
+          </p:cNvPr>
+          <p:cNvSpPr txBox="1"/>
+          <p:nvPr/>
+        </p:nvSpPr>
+        <p:spPr>
+          <a:xfrm>
+            <a:off x="128016" y="5724144"/>
+            <a:ext cx="2871858" cy="369332"/>
+          </a:xfrm>
+          <a:prstGeom prst="rect">
+            <a:avLst/>
+          </a:prstGeom>
+          <a:noFill/>
+        </p:spPr>
+        <p:txBody>
+          <a:bodyPr wrap="square" rtlCol="0">
+            <a:spAutoFit/>
+          </a:bodyPr>
+          <a:lstStyle/>
+          <a:p>
+            <a:r>
+              <a:rPr lang="en-US" dirty="0"/>
+              <a:t>Bishop, 2007.</a:t>
+            </a:r>
+          </a:p>
+        </p:txBody>
+      </p:sp>
+      <p:pic>
+        <p:nvPicPr>
+          <p:cNvPr id="7" name="Picture 6">
+            <a:extLst>
+              <a:ext uri="{FF2B5EF4-FFF2-40B4-BE49-F238E27FC236}">
+                <a16:creationId xmlns:a16="http://schemas.microsoft.com/office/drawing/2014/main" id="{B9148DBA-C8B2-4B64-A498-0B96D18C60E9}"/>
+              </a:ext>
+            </a:extLst>
+          </p:cNvPr>
+          <p:cNvPicPr>
+            <a:picLocks noChangeAspect="1"/>
+          </p:cNvPicPr>
+          <p:nvPr/>
+        </p:nvPicPr>
+        <p:blipFill>
+          <a:blip r:embed="rId4"/>
+          <a:stretch>
+            <a:fillRect/>
+          </a:stretch>
+        </p:blipFill>
+        <p:spPr>
+          <a:xfrm>
+            <a:off x="4571658" y="932689"/>
+            <a:ext cx="7637642" cy="5219056"/>
+          </a:xfrm>
+          <a:prstGeom prst="rect">
+            <a:avLst/>
+          </a:prstGeom>
+        </p:spPr>
+      </p:pic>
+    </p:spTree>
+    <p:extLst>
+      <p:ext uri="{BB962C8B-B14F-4D97-AF65-F5344CB8AC3E}">
+        <p14:creationId xmlns:p14="http://schemas.microsoft.com/office/powerpoint/2010/main" val="1600473810"/>
+      </p:ext>
+    </p:extLst>
+  </p:cSld>
+  <p:clrMapOvr>
+    <a:masterClrMapping/>
+  </p:clrMapOvr>
+</p:sld>
+</file>
+
+<file path=ppt/slides/slide28.xml><?xml version="1.0" encoding="utf-8"?>
+<p:sld xmlns:a="http://schemas.openxmlformats.org/drawingml/2006/main" xmlns:r="http://schemas.openxmlformats.org/officeDocument/2006/relationships" xmlns:p="http://schemas.openxmlformats.org/presentationml/2006/main">
+  <p:cSld>
+    <p:spTree>
+      <p:nvGrpSpPr>
+        <p:cNvPr id="1" name=""/>
+        <p:cNvGrpSpPr/>
+        <p:nvPr/>
+      </p:nvGrpSpPr>
+      <p:grpSpPr>
+        <a:xfrm>
+          <a:off x="0" y="0"/>
+          <a:ext cx="0" cy="0"/>
+          <a:chOff x="0" y="0"/>
+          <a:chExt cx="0" cy="0"/>
+        </a:xfrm>
+      </p:grpSpPr>
+      <p:pic>
+        <p:nvPicPr>
+          <p:cNvPr id="1026" name="Picture 2">
+            <a:extLst>
+              <a:ext uri="{FF2B5EF4-FFF2-40B4-BE49-F238E27FC236}">
+                <a16:creationId xmlns:a16="http://schemas.microsoft.com/office/drawing/2014/main" id="{3A1B4BB6-6DB5-4512-89DE-68CEF1EF321E}"/>
+              </a:ext>
+            </a:extLst>
+          </p:cNvPr>
+          <p:cNvPicPr>
+            <a:picLocks noChangeAspect="1" noChangeArrowheads="1"/>
+          </p:cNvPicPr>
+          <p:nvPr/>
+        </p:nvPicPr>
+        <p:blipFill>
+          <a:blip r:embed="rId2">
+            <a:extLst>
+              <a:ext uri="{28A0092B-C50C-407E-A947-70E740481C1C}">
+                <a14:useLocalDpi xmlns:a14="http://schemas.microsoft.com/office/drawing/2010/main" val="0"/>
+              </a:ext>
+            </a:extLst>
+          </a:blip>
+          <a:srcRect/>
+          <a:stretch>
+            <a:fillRect/>
+          </a:stretch>
+        </p:blipFill>
+        <p:spPr bwMode="auto">
+          <a:xfrm>
+            <a:off x="1895061" y="205911"/>
+            <a:ext cx="8014699" cy="3050305"/>
+          </a:xfrm>
+          <a:prstGeom prst="rect">
+            <a:avLst/>
+          </a:prstGeom>
+          <a:noFill/>
+          <a:extLst>
+            <a:ext uri="{909E8E84-426E-40DD-AFC4-6F175D3DCCD1}">
+              <a14:hiddenFill xmlns:a14="http://schemas.microsoft.com/office/drawing/2010/main">
+                <a:solidFill>
+                  <a:srgbClr val="FFFFFF"/>
+                </a:solidFill>
+              </a14:hiddenFill>
+            </a:ext>
+          </a:extLst>
+        </p:spPr>
+      </p:pic>
+      <p:pic>
+        <p:nvPicPr>
+          <p:cNvPr id="1028" name="Picture 4">
+            <a:extLst>
+              <a:ext uri="{FF2B5EF4-FFF2-40B4-BE49-F238E27FC236}">
+                <a16:creationId xmlns:a16="http://schemas.microsoft.com/office/drawing/2014/main" id="{3994E099-78A3-40AF-A58F-4052E5EFE0EF}"/>
+              </a:ext>
+            </a:extLst>
+          </p:cNvPr>
+          <p:cNvPicPr>
+            <a:picLocks noChangeAspect="1" noChangeArrowheads="1"/>
+          </p:cNvPicPr>
+          <p:nvPr/>
+        </p:nvPicPr>
+        <p:blipFill rotWithShape="1">
+          <a:blip r:embed="rId3">
+            <a:extLst>
+              <a:ext uri="{28A0092B-C50C-407E-A947-70E740481C1C}">
+                <a14:useLocalDpi xmlns:a14="http://schemas.microsoft.com/office/drawing/2010/main" val="0"/>
+              </a:ext>
+            </a:extLst>
+          </a:blip>
+          <a:srcRect t="3652"/>
+          <a:stretch/>
+        </p:blipFill>
+        <p:spPr bwMode="auto">
+          <a:xfrm>
+            <a:off x="1855248" y="3202634"/>
+            <a:ext cx="8054512" cy="2953506"/>
+          </a:xfrm>
+          <a:prstGeom prst="rect">
+            <a:avLst/>
+          </a:prstGeom>
+          <a:noFill/>
+          <a:extLst>
+            <a:ext uri="{909E8E84-426E-40DD-AFC4-6F175D3DCCD1}">
+              <a14:hiddenFill xmlns:a14="http://schemas.microsoft.com/office/drawing/2010/main">
+                <a:solidFill>
+                  <a:srgbClr val="FFFFFF"/>
+                </a:solidFill>
+              </a14:hiddenFill>
+            </a:ext>
+          </a:extLst>
+        </p:spPr>
+      </p:pic>
+      <p:sp>
+        <p:nvSpPr>
+          <p:cNvPr id="3" name="TextBox 2">
+            <a:extLst>
+              <a:ext uri="{FF2B5EF4-FFF2-40B4-BE49-F238E27FC236}">
+                <a16:creationId xmlns:a16="http://schemas.microsoft.com/office/drawing/2014/main" id="{1A200F89-8AB1-4725-A863-7AB98D542479}"/>
+              </a:ext>
+            </a:extLst>
+          </p:cNvPr>
+          <p:cNvSpPr txBox="1"/>
+          <p:nvPr/>
+        </p:nvSpPr>
+        <p:spPr>
+          <a:xfrm>
+            <a:off x="529389" y="6323598"/>
+            <a:ext cx="11133221" cy="338554"/>
+          </a:xfrm>
+          <a:prstGeom prst="rect">
+            <a:avLst/>
+          </a:prstGeom>
+          <a:noFill/>
+        </p:spPr>
+        <p:txBody>
+          <a:bodyPr wrap="square" rtlCol="0">
+            <a:spAutoFit/>
+          </a:bodyPr>
+          <a:lstStyle/>
+          <a:p>
+            <a:r>
+              <a:rPr lang="en-US" sz="1600" dirty="0">
+                <a:hlinkClick r:id="rId4"/>
+              </a:rPr>
+              <a:t>https://github.com/GeostatsGuy/PythonNumericalDemos/blob/master/SubsurfaceDataAnalytics_PolygonalRegression.ipynb</a:t>
+            </a:r>
+            <a:endParaRPr lang="en-US" sz="1600" dirty="0"/>
+          </a:p>
+        </p:txBody>
+      </p:sp>
+      <p:sp>
+        <p:nvSpPr>
+          <p:cNvPr id="6" name="TextBox 5">
+            <a:extLst>
+              <a:ext uri="{FF2B5EF4-FFF2-40B4-BE49-F238E27FC236}">
+                <a16:creationId xmlns:a16="http://schemas.microsoft.com/office/drawing/2014/main" id="{3A209DB6-A127-4E06-922D-B521878C4976}"/>
+              </a:ext>
+            </a:extLst>
+          </p:cNvPr>
+          <p:cNvSpPr txBox="1"/>
+          <p:nvPr/>
+        </p:nvSpPr>
+        <p:spPr>
+          <a:xfrm>
+            <a:off x="10403304" y="3947372"/>
+            <a:ext cx="1419728" cy="830997"/>
+          </a:xfrm>
+          <a:prstGeom prst="rect">
+            <a:avLst/>
+          </a:prstGeom>
+          <a:noFill/>
+        </p:spPr>
+        <p:txBody>
+          <a:bodyPr wrap="square" rtlCol="0">
+            <a:spAutoFit/>
+          </a:bodyPr>
+          <a:lstStyle/>
+          <a:p>
+            <a:r>
+              <a:rPr lang="en-US" sz="2400" dirty="0"/>
+              <a:t>Random Forest</a:t>
+            </a:r>
+          </a:p>
+        </p:txBody>
+      </p:sp>
+    </p:spTree>
+    <p:extLst>
+      <p:ext uri="{BB962C8B-B14F-4D97-AF65-F5344CB8AC3E}">
+        <p14:creationId xmlns:p14="http://schemas.microsoft.com/office/powerpoint/2010/main" val="1708331992"/>
+      </p:ext>
+    </p:extLst>
+  </p:cSld>
+  <p:clrMapOvr>
+    <a:masterClrMapping/>
+  </p:clrMapOvr>
+</p:sld>
+</file>
+
+<file path=ppt/slides/slide29.xml><?xml version="1.0" encoding="utf-8"?>
+<p:sld xmlns:a="http://schemas.openxmlformats.org/drawingml/2006/main" xmlns:r="http://schemas.openxmlformats.org/officeDocument/2006/relationships" xmlns:p="http://schemas.openxmlformats.org/presentationml/2006/main">
+  <p:cSld>
+    <p:spTree>
+      <p:nvGrpSpPr>
+        <p:cNvPr id="1" name=""/>
+        <p:cNvGrpSpPr/>
+        <p:nvPr/>
+      </p:nvGrpSpPr>
+      <p:grpSpPr>
+        <a:xfrm>
+          <a:off x="0" y="0"/>
+          <a:ext cx="0" cy="0"/>
+          <a:chOff x="0" y="0"/>
+          <a:chExt cx="0" cy="0"/>
+        </a:xfrm>
+      </p:grpSpPr>
+      <p:sp>
+        <p:nvSpPr>
+          <p:cNvPr id="2" name="Title 1">
+            <a:extLst>
+              <a:ext uri="{FF2B5EF4-FFF2-40B4-BE49-F238E27FC236}">
+                <a16:creationId xmlns:a16="http://schemas.microsoft.com/office/drawing/2014/main" id="{D84E5505-71D5-4F9C-8DC4-E95B42B4573D}"/>
+              </a:ext>
+            </a:extLst>
+          </p:cNvPr>
+          <p:cNvSpPr>
+            <a:spLocks noGrp="1"/>
+          </p:cNvSpPr>
+          <p:nvPr>
+            <p:ph type="title"/>
+          </p:nvPr>
+        </p:nvSpPr>
+        <p:spPr/>
+        <p:txBody>
+          <a:bodyPr/>
+          <a:lstStyle/>
+          <a:p>
+            <a:r>
+              <a:rPr lang="en-US" dirty="0"/>
+              <a:t>Confusion Matrix, Precision and Recall</a:t>
+            </a:r>
+          </a:p>
+        </p:txBody>
+      </p:sp>
+      <p:pic>
+        <p:nvPicPr>
+          <p:cNvPr id="3" name="Picture 2">
+            <a:extLst>
+              <a:ext uri="{FF2B5EF4-FFF2-40B4-BE49-F238E27FC236}">
+                <a16:creationId xmlns:a16="http://schemas.microsoft.com/office/drawing/2014/main" id="{292670BF-381E-4638-B7EA-5FCDAC2E1C9D}"/>
+              </a:ext>
+            </a:extLst>
+          </p:cNvPr>
+          <p:cNvPicPr>
+            <a:picLocks noChangeAspect="1"/>
+          </p:cNvPicPr>
+          <p:nvPr/>
+        </p:nvPicPr>
+        <p:blipFill>
+          <a:blip r:embed="rId3"/>
+          <a:stretch>
+            <a:fillRect/>
+          </a:stretch>
+        </p:blipFill>
+        <p:spPr>
+          <a:xfrm>
+            <a:off x="352878" y="1433897"/>
+            <a:ext cx="8254675" cy="3917718"/>
+          </a:xfrm>
+          <a:prstGeom prst="rect">
+            <a:avLst/>
+          </a:prstGeom>
+        </p:spPr>
+      </p:pic>
+      <mc:AlternateContent xmlns:mc="http://schemas.openxmlformats.org/markup-compatibility/2006">
+        <mc:Choice xmlns:a14="http://schemas.microsoft.com/office/drawing/2010/main" Requires="a14">
+          <p:sp>
+            <p:nvSpPr>
+              <p:cNvPr id="5" name="TextBox 4">
+                <a:extLst>
+                  <a:ext uri="{FF2B5EF4-FFF2-40B4-BE49-F238E27FC236}">
+                    <a16:creationId xmlns:a16="http://schemas.microsoft.com/office/drawing/2014/main" id="{1303762F-74B9-4D4C-AB63-2EED711132CF}"/>
+                  </a:ext>
+                </a:extLst>
+              </p:cNvPr>
+              <p:cNvSpPr txBox="1"/>
+              <p:nvPr/>
+            </p:nvSpPr>
+            <p:spPr>
+              <a:xfrm>
+                <a:off x="8583858" y="1690688"/>
+                <a:ext cx="3255264" cy="757130"/>
+              </a:xfrm>
+              <a:prstGeom prst="rect">
+                <a:avLst/>
+              </a:prstGeom>
+              <a:solidFill>
+                <a:schemeClr val="accent1">
+                  <a:alpha val="30000"/>
+                </a:schemeClr>
+              </a:solidFill>
+              <a:ln>
+                <a:noFill/>
+              </a:ln>
+            </p:spPr>
+            <p:style>
+              <a:lnRef idx="2">
+                <a:schemeClr val="accent1">
+                  <a:shade val="50000"/>
+                </a:schemeClr>
+              </a:lnRef>
+              <a:fillRef idx="1">
+                <a:schemeClr val="accent1"/>
+              </a:fillRef>
+              <a:effectRef idx="0">
+                <a:schemeClr val="accent1"/>
+              </a:effectRef>
+              <a:fontRef idx="minor">
+                <a:schemeClr val="lt1"/>
+              </a:fontRef>
+            </p:style>
+            <p:txBody>
+              <a:bodyPr rtlCol="0" anchor="ctr"/>
+              <a:lstStyle>
+                <a:defPPr>
+                  <a:defRPr lang="en-US"/>
+                </a:defPPr>
+                <a:lvl1pPr algn="ctr">
+                  <a:defRPr>
+                    <a:solidFill>
+                      <a:schemeClr val="lt1"/>
+                    </a:solidFill>
+                  </a:defRPr>
+                </a:lvl1pPr>
+                <a:lvl2pPr>
+                  <a:defRPr>
+                    <a:solidFill>
+                      <a:schemeClr val="lt1"/>
+                    </a:solidFill>
+                  </a:defRPr>
+                </a:lvl2pPr>
+                <a:lvl3pPr>
+                  <a:defRPr>
+                    <a:solidFill>
+                      <a:schemeClr val="lt1"/>
+                    </a:solidFill>
+                  </a:defRPr>
+                </a:lvl3pPr>
+                <a:lvl4pPr>
+                  <a:defRPr>
+                    <a:solidFill>
+                      <a:schemeClr val="lt1"/>
+                    </a:solidFill>
+                  </a:defRPr>
+                </a:lvl4pPr>
+                <a:lvl5pPr>
+                  <a:defRPr>
+                    <a:solidFill>
+                      <a:schemeClr val="lt1"/>
+                    </a:solidFill>
+                  </a:defRPr>
+                </a:lvl5pPr>
+                <a:lvl6pPr>
+                  <a:defRPr>
+                    <a:solidFill>
+                      <a:schemeClr val="lt1"/>
+                    </a:solidFill>
+                  </a:defRPr>
+                </a:lvl6pPr>
+                <a:lvl7pPr>
+                  <a:defRPr>
+                    <a:solidFill>
+                      <a:schemeClr val="lt1"/>
+                    </a:solidFill>
+                  </a:defRPr>
+                </a:lvl7pPr>
+                <a:lvl8pPr>
+                  <a:defRPr>
+                    <a:solidFill>
+                      <a:schemeClr val="lt1"/>
+                    </a:solidFill>
+                  </a:defRPr>
+                </a:lvl8pPr>
+                <a:lvl9pPr>
+                  <a:defRPr>
+                    <a:solidFill>
+                      <a:schemeClr val="lt1"/>
+                    </a:solidFill>
+                  </a:defRPr>
+                </a:lvl9pPr>
+              </a:lstStyle>
+              <a:p>
+                <a:r>
+                  <a:rPr lang="en-US" sz="2400" dirty="0">
+                    <a:solidFill>
+                      <a:schemeClr val="tx1"/>
+                    </a:solidFill>
+                  </a:rPr>
+                  <a:t>Precision </a:t>
+                </a:r>
+                <a14:m>
+                  <m:oMath xmlns:m="http://schemas.openxmlformats.org/officeDocument/2006/math">
+                    <m:r>
+                      <a:rPr lang="en-US" sz="2400">
+                        <a:solidFill>
+                          <a:schemeClr val="tx1"/>
+                        </a:solidFill>
+                      </a:rPr>
+                      <m:t>=</m:t>
+                    </m:r>
+                    <m:f>
+                      <m:fPr>
+                        <m:ctrlPr>
+                          <a:rPr lang="en-US" sz="2400">
+                            <a:solidFill>
+                              <a:schemeClr val="tx1"/>
+                            </a:solidFill>
+                          </a:rPr>
+                        </m:ctrlPr>
+                      </m:fPr>
+                      <m:num>
+                        <m:r>
+                          <a:rPr lang="en-US" sz="2400">
+                            <a:solidFill>
+                              <a:schemeClr val="tx1"/>
+                            </a:solidFill>
+                          </a:rPr>
+                          <m:t>1</m:t>
+                        </m:r>
+                      </m:num>
+                      <m:den>
+                        <m:r>
+                          <a:rPr lang="en-US" sz="2400">
+                            <a:solidFill>
+                              <a:schemeClr val="tx1"/>
+                            </a:solidFill>
+                          </a:rPr>
+                          <m:t>𝑃</m:t>
+                        </m:r>
+                      </m:den>
+                    </m:f>
+                    <m:r>
+                      <a:rPr lang="en-US" sz="2400">
+                        <a:solidFill>
+                          <a:schemeClr val="tx1"/>
+                        </a:solidFill>
+                      </a:rPr>
+                      <m:t>:=</m:t>
+                    </m:r>
+                    <m:f>
+                      <m:fPr>
+                        <m:ctrlPr>
+                          <a:rPr lang="en-US" sz="2400">
+                            <a:solidFill>
+                              <a:schemeClr val="tx1"/>
+                            </a:solidFill>
+                          </a:rPr>
+                        </m:ctrlPr>
+                      </m:fPr>
+                      <m:num>
+                        <m:r>
+                          <a:rPr lang="en-US" sz="2400">
+                            <a:solidFill>
+                              <a:schemeClr val="tx1"/>
+                            </a:solidFill>
+                          </a:rPr>
+                          <m:t>𝑇𝑃</m:t>
+                        </m:r>
+                      </m:num>
+                      <m:den>
+                        <m:r>
+                          <a:rPr lang="en-US" sz="2400">
+                            <a:solidFill>
+                              <a:schemeClr val="tx1"/>
+                            </a:solidFill>
+                          </a:rPr>
+                          <m:t>𝑇𝑃</m:t>
+                        </m:r>
+                        <m:r>
+                          <a:rPr lang="en-US" sz="2400">
+                            <a:solidFill>
+                              <a:schemeClr val="tx1"/>
+                            </a:solidFill>
+                          </a:rPr>
+                          <m:t>+</m:t>
+                        </m:r>
+                        <m:r>
+                          <a:rPr lang="en-US" sz="2400">
+                            <a:solidFill>
+                              <a:schemeClr val="tx1"/>
+                            </a:solidFill>
+                          </a:rPr>
+                          <m:t>𝐹𝑃</m:t>
+                        </m:r>
+                      </m:den>
+                    </m:f>
+                  </m:oMath>
+                </a14:m>
+                <a:endParaRPr lang="en-US" sz="2400" dirty="0">
+                  <a:solidFill>
+                    <a:schemeClr val="tx1"/>
+                  </a:solidFill>
+                </a:endParaRPr>
+              </a:p>
+            </p:txBody>
+          </p:sp>
+        </mc:Choice>
+        <mc:Fallback>
+          <p:sp>
+            <p:nvSpPr>
+              <p:cNvPr id="5" name="TextBox 4">
+                <a:extLst>
+                  <a:ext uri="{FF2B5EF4-FFF2-40B4-BE49-F238E27FC236}">
+                    <a16:creationId xmlns:a16="http://schemas.microsoft.com/office/drawing/2014/main" id="{1303762F-74B9-4D4C-AB63-2EED711132CF}"/>
+                  </a:ext>
+                </a:extLst>
+              </p:cNvPr>
+              <p:cNvSpPr txBox="1">
+                <a:spLocks noRot="1" noChangeAspect="1" noMove="1" noResize="1" noEditPoints="1" noAdjustHandles="1" noChangeArrowheads="1" noChangeShapeType="1" noTextEdit="1"/>
+              </p:cNvSpPr>
+              <p:nvPr/>
+            </p:nvSpPr>
+            <p:spPr>
+              <a:xfrm>
+                <a:off x="8583858" y="1690688"/>
+                <a:ext cx="3255264" cy="757130"/>
+              </a:xfrm>
+              <a:prstGeom prst="rect">
+                <a:avLst/>
+              </a:prstGeom>
+              <a:blipFill>
+                <a:blip r:embed="rId4"/>
+                <a:stretch>
+                  <a:fillRect/>
+                </a:stretch>
+              </a:blipFill>
+              <a:ln>
+                <a:noFill/>
+              </a:ln>
+            </p:spPr>
+            <p:txBody>
+              <a:bodyPr/>
+              <a:lstStyle/>
+              <a:p>
+                <a:r>
+                  <a:rPr lang="en-US">
+                    <a:noFill/>
+                  </a:rPr>
+                  <a:t> </a:t>
+                </a:r>
+              </a:p>
+            </p:txBody>
+          </p:sp>
+        </mc:Fallback>
+      </mc:AlternateContent>
+      <mc:AlternateContent xmlns:mc="http://schemas.openxmlformats.org/markup-compatibility/2006">
+        <mc:Choice xmlns:a14="http://schemas.microsoft.com/office/drawing/2010/main" Requires="a14">
+          <p:sp>
+            <p:nvSpPr>
+              <p:cNvPr id="6" name="TextBox 5">
+                <a:extLst>
+                  <a:ext uri="{FF2B5EF4-FFF2-40B4-BE49-F238E27FC236}">
+                    <a16:creationId xmlns:a16="http://schemas.microsoft.com/office/drawing/2014/main" id="{82AFA94F-266F-4F08-A200-580BF303FE6E}"/>
+                  </a:ext>
+                </a:extLst>
+              </p:cNvPr>
+              <p:cNvSpPr txBox="1"/>
+              <p:nvPr/>
+            </p:nvSpPr>
+            <p:spPr>
+              <a:xfrm>
+                <a:off x="8607553" y="3785284"/>
+                <a:ext cx="3012114" cy="616707"/>
+              </a:xfrm>
+              <a:prstGeom prst="rect">
+                <a:avLst/>
+              </a:prstGeom>
+              <a:noFill/>
+              <a:ln w="28575">
+                <a:solidFill>
+                  <a:srgbClr val="0070C0"/>
+                </a:solidFill>
+              </a:ln>
+            </p:spPr>
+            <p:txBody>
+              <a:bodyPr wrap="square" rtlCol="0">
+                <a:spAutoFit/>
+              </a:bodyPr>
+              <a:lstStyle/>
+              <a:p>
+                <a:r>
+                  <a:rPr lang="en-US" sz="2400" dirty="0"/>
+                  <a:t>Recall </a:t>
+                </a:r>
+                <a14:m>
+                  <m:oMath xmlns:m="http://schemas.openxmlformats.org/officeDocument/2006/math">
+                    <m:r>
+                      <a:rPr lang="en-US" sz="2400" b="0" i="1" smtClean="0">
+                        <a:latin typeface="Cambria Math" panose="02040503050406030204" pitchFamily="18" charset="0"/>
+                      </a:rPr>
+                      <m:t>=</m:t>
+                    </m:r>
+                    <m:f>
+                      <m:fPr>
+                        <m:ctrlPr>
+                          <a:rPr lang="en-US" sz="2400" b="0" i="1" smtClean="0">
+                            <a:latin typeface="Cambria Math" panose="02040503050406030204" pitchFamily="18" charset="0"/>
+                          </a:rPr>
+                        </m:ctrlPr>
+                      </m:fPr>
+                      <m:num>
+                        <m:r>
+                          <a:rPr lang="en-US" sz="2400" b="0" i="1" smtClean="0">
+                            <a:latin typeface="Cambria Math" panose="02040503050406030204" pitchFamily="18" charset="0"/>
+                          </a:rPr>
+                          <m:t>1</m:t>
+                        </m:r>
+                      </m:num>
+                      <m:den>
+                        <m:r>
+                          <a:rPr lang="en-US" sz="2400" b="0" i="1" smtClean="0">
+                            <a:latin typeface="Cambria Math" panose="02040503050406030204" pitchFamily="18" charset="0"/>
+                          </a:rPr>
+                          <m:t>𝑅</m:t>
+                        </m:r>
+                      </m:den>
+                    </m:f>
+                    <m:r>
+                      <a:rPr lang="en-US" sz="2400" b="0" i="1" smtClean="0">
+                        <a:latin typeface="Cambria Math" panose="02040503050406030204" pitchFamily="18" charset="0"/>
+                      </a:rPr>
+                      <m:t>:=</m:t>
+                    </m:r>
+                    <m:f>
+                      <m:fPr>
+                        <m:ctrlPr>
+                          <a:rPr lang="en-US" sz="2400" b="0" i="1" smtClean="0">
+                            <a:latin typeface="Cambria Math" panose="02040503050406030204" pitchFamily="18" charset="0"/>
+                          </a:rPr>
+                        </m:ctrlPr>
+                      </m:fPr>
+                      <m:num>
+                        <m:r>
+                          <a:rPr lang="en-US" sz="2400" b="0" i="1" smtClean="0">
+                            <a:latin typeface="Cambria Math" panose="02040503050406030204" pitchFamily="18" charset="0"/>
+                          </a:rPr>
+                          <m:t>𝑇𝑃</m:t>
+                        </m:r>
+                      </m:num>
+                      <m:den>
+                        <m:r>
+                          <a:rPr lang="en-US" sz="2400" b="0" i="1" smtClean="0">
+                            <a:latin typeface="Cambria Math" panose="02040503050406030204" pitchFamily="18" charset="0"/>
+                          </a:rPr>
+                          <m:t>𝑇𝑃</m:t>
+                        </m:r>
+                        <m:r>
+                          <a:rPr lang="en-US" sz="2400" b="0" i="1" smtClean="0">
+                            <a:latin typeface="Cambria Math" panose="02040503050406030204" pitchFamily="18" charset="0"/>
+                          </a:rPr>
+                          <m:t>+</m:t>
+                        </m:r>
+                        <m:r>
+                          <a:rPr lang="en-US" sz="2400" b="0" i="1" smtClean="0">
+                            <a:latin typeface="Cambria Math" panose="02040503050406030204" pitchFamily="18" charset="0"/>
+                          </a:rPr>
+                          <m:t>𝐹𝑁</m:t>
+                        </m:r>
+                      </m:den>
+                    </m:f>
+                  </m:oMath>
+                </a14:m>
+                <a:endParaRPr lang="en-US" sz="2400" dirty="0"/>
+              </a:p>
+            </p:txBody>
+          </p:sp>
+        </mc:Choice>
+        <mc:Fallback>
+          <p:sp>
+            <p:nvSpPr>
+              <p:cNvPr id="6" name="TextBox 5">
+                <a:extLst>
+                  <a:ext uri="{FF2B5EF4-FFF2-40B4-BE49-F238E27FC236}">
+                    <a16:creationId xmlns:a16="http://schemas.microsoft.com/office/drawing/2014/main" id="{82AFA94F-266F-4F08-A200-580BF303FE6E}"/>
+                  </a:ext>
+                </a:extLst>
+              </p:cNvPr>
+              <p:cNvSpPr txBox="1">
+                <a:spLocks noRot="1" noChangeAspect="1" noMove="1" noResize="1" noEditPoints="1" noAdjustHandles="1" noChangeArrowheads="1" noChangeShapeType="1" noTextEdit="1"/>
+              </p:cNvSpPr>
+              <p:nvPr/>
+            </p:nvSpPr>
+            <p:spPr>
+              <a:xfrm>
+                <a:off x="8607553" y="3785284"/>
+                <a:ext cx="3012114" cy="616707"/>
+              </a:xfrm>
+              <a:prstGeom prst="rect">
+                <a:avLst/>
+              </a:prstGeom>
+              <a:blipFill>
+                <a:blip r:embed="rId5"/>
+                <a:stretch>
+                  <a:fillRect l="-2605" b="-6604"/>
+                </a:stretch>
+              </a:blipFill>
+              <a:ln w="28575">
+                <a:solidFill>
+                  <a:srgbClr val="0070C0"/>
+                </a:solidFill>
+              </a:ln>
+            </p:spPr>
+            <p:txBody>
+              <a:bodyPr/>
+              <a:lstStyle/>
+              <a:p>
+                <a:r>
+                  <a:rPr lang="en-US">
+                    <a:noFill/>
+                  </a:rPr>
+                  <a:t> </a:t>
+                </a:r>
+              </a:p>
+            </p:txBody>
+          </p:sp>
+        </mc:Fallback>
+      </mc:AlternateContent>
+      <mc:AlternateContent xmlns:mc="http://schemas.openxmlformats.org/markup-compatibility/2006">
+        <mc:Choice xmlns:a14="http://schemas.microsoft.com/office/drawing/2010/main" Requires="a14">
+          <p:sp>
+            <p:nvSpPr>
+              <p:cNvPr id="7" name="TextBox 6">
+                <a:extLst>
+                  <a:ext uri="{FF2B5EF4-FFF2-40B4-BE49-F238E27FC236}">
+                    <a16:creationId xmlns:a16="http://schemas.microsoft.com/office/drawing/2014/main" id="{B6C53301-C4D9-4596-A1D3-891A867DCF3B}"/>
+                  </a:ext>
+                </a:extLst>
+              </p:cNvPr>
+              <p:cNvSpPr txBox="1"/>
+              <p:nvPr/>
+            </p:nvSpPr>
+            <p:spPr>
+              <a:xfrm>
+                <a:off x="7783684" y="5357991"/>
+                <a:ext cx="3012115" cy="780278"/>
+              </a:xfrm>
+              <a:prstGeom prst="rect">
+                <a:avLst/>
+              </a:prstGeom>
+              <a:solidFill>
+                <a:schemeClr val="accent1">
+                  <a:alpha val="30000"/>
+                </a:schemeClr>
+              </a:solidFill>
+              <a:ln w="28575">
+                <a:solidFill>
+                  <a:srgbClr val="0070C0"/>
+                </a:solidFill>
+              </a:ln>
+            </p:spPr>
+            <p:style>
+              <a:lnRef idx="2">
+                <a:schemeClr val="accent1">
+                  <a:shade val="50000"/>
+                </a:schemeClr>
+              </a:lnRef>
+              <a:fillRef idx="1">
+                <a:schemeClr val="accent1"/>
+              </a:fillRef>
+              <a:effectRef idx="0">
+                <a:schemeClr val="accent1"/>
+              </a:effectRef>
+              <a:fontRef idx="minor">
+                <a:schemeClr val="lt1"/>
+              </a:fontRef>
+            </p:style>
+            <p:txBody>
+              <a:bodyPr rtlCol="0" anchor="ctr"/>
+              <a:lstStyle>
+                <a:defPPr>
+                  <a:defRPr lang="en-US"/>
+                </a:defPPr>
+                <a:lvl1pPr algn="ctr">
+                  <a:defRPr sz="2400"/>
+                </a:lvl1pPr>
+                <a:lvl2pPr>
+                  <a:defRPr>
+                    <a:solidFill>
+                      <a:schemeClr val="lt1"/>
+                    </a:solidFill>
+                  </a:defRPr>
+                </a:lvl2pPr>
+                <a:lvl3pPr>
+                  <a:defRPr>
+                    <a:solidFill>
+                      <a:schemeClr val="lt1"/>
+                    </a:solidFill>
+                  </a:defRPr>
+                </a:lvl3pPr>
+                <a:lvl4pPr>
+                  <a:defRPr>
+                    <a:solidFill>
+                      <a:schemeClr val="lt1"/>
+                    </a:solidFill>
+                  </a:defRPr>
+                </a:lvl4pPr>
+                <a:lvl5pPr>
+                  <a:defRPr>
+                    <a:solidFill>
+                      <a:schemeClr val="lt1"/>
+                    </a:solidFill>
+                  </a:defRPr>
+                </a:lvl5pPr>
+                <a:lvl6pPr>
+                  <a:defRPr>
+                    <a:solidFill>
+                      <a:schemeClr val="lt1"/>
+                    </a:solidFill>
+                  </a:defRPr>
+                </a:lvl6pPr>
+                <a:lvl7pPr>
+                  <a:defRPr>
+                    <a:solidFill>
+                      <a:schemeClr val="lt1"/>
+                    </a:solidFill>
+                  </a:defRPr>
+                </a:lvl7pPr>
+                <a:lvl8pPr>
+                  <a:defRPr>
+                    <a:solidFill>
+                      <a:schemeClr val="lt1"/>
+                    </a:solidFill>
+                  </a:defRPr>
+                </a:lvl8pPr>
+                <a:lvl9pPr>
+                  <a:defRPr>
+                    <a:solidFill>
+                      <a:schemeClr val="lt1"/>
+                    </a:solidFill>
+                  </a:defRPr>
+                </a:lvl9pPr>
+              </a:lstStyle>
+              <a:p>
+                <a14:m>
+                  <m:oMath xmlns:m="http://schemas.openxmlformats.org/officeDocument/2006/math">
+                    <m:sSub>
+                      <m:sSubPr>
+                        <m:ctrlPr>
+                          <a:rPr lang="en-US" smtClean="0">
+                            <a:solidFill>
+                              <a:schemeClr val="tx1"/>
+                            </a:solidFill>
+                          </a:rPr>
+                        </m:ctrlPr>
+                      </m:sSubPr>
+                      <m:e>
+                        <m:r>
+                          <a:rPr lang="en-US">
+                            <a:solidFill>
+                              <a:schemeClr val="tx1"/>
+                            </a:solidFill>
+                          </a:rPr>
+                          <m:t>𝐹</m:t>
+                        </m:r>
+                      </m:e>
+                      <m:sub>
+                        <m:r>
+                          <a:rPr lang="en-US">
+                            <a:solidFill>
+                              <a:schemeClr val="tx1"/>
+                            </a:solidFill>
+                          </a:rPr>
+                          <m:t>1</m:t>
+                        </m:r>
+                      </m:sub>
+                    </m:sSub>
+                  </m:oMath>
+                </a14:m>
+                <a:r>
+                  <a:rPr lang="en-US" dirty="0">
+                    <a:solidFill>
+                      <a:schemeClr val="tx1"/>
+                    </a:solidFill>
+                  </a:rPr>
+                  <a:t> score </a:t>
+                </a:r>
+                <a14:m>
+                  <m:oMath xmlns:m="http://schemas.openxmlformats.org/officeDocument/2006/math">
+                    <m:r>
+                      <a:rPr lang="en-US">
+                        <a:solidFill>
+                          <a:schemeClr val="tx1"/>
+                        </a:solidFill>
+                      </a:rPr>
+                      <m:t>=</m:t>
+                    </m:r>
+                    <m:f>
+                      <m:fPr>
+                        <m:ctrlPr>
+                          <a:rPr lang="en-US">
+                            <a:solidFill>
+                              <a:schemeClr val="tx1"/>
+                            </a:solidFill>
+                          </a:rPr>
+                        </m:ctrlPr>
+                      </m:fPr>
+                      <m:num>
+                        <m:r>
+                          <a:rPr lang="en-US">
+                            <a:solidFill>
+                              <a:schemeClr val="tx1"/>
+                            </a:solidFill>
+                          </a:rPr>
+                          <m:t>2</m:t>
+                        </m:r>
+                      </m:num>
+                      <m:den>
+                        <m:f>
+                          <m:fPr>
+                            <m:ctrlPr>
+                              <a:rPr lang="en-US">
+                                <a:solidFill>
+                                  <a:schemeClr val="tx1"/>
+                                </a:solidFill>
+                              </a:rPr>
+                            </m:ctrlPr>
+                          </m:fPr>
+                          <m:num>
+                            <m:r>
+                              <a:rPr lang="en-US">
+                                <a:solidFill>
+                                  <a:schemeClr val="tx1"/>
+                                </a:solidFill>
+                              </a:rPr>
+                              <m:t>1</m:t>
+                            </m:r>
+                          </m:num>
+                          <m:den>
+                            <m:r>
+                              <a:rPr lang="en-US">
+                                <a:solidFill>
+                                  <a:schemeClr val="tx1"/>
+                                </a:solidFill>
+                              </a:rPr>
+                              <m:t>𝑃</m:t>
+                            </m:r>
+                          </m:den>
+                        </m:f>
+                        <m:r>
+                          <a:rPr lang="en-US">
+                            <a:solidFill>
+                              <a:schemeClr val="tx1"/>
+                            </a:solidFill>
+                          </a:rPr>
+                          <m:t>+</m:t>
+                        </m:r>
+                        <m:f>
+                          <m:fPr>
+                            <m:ctrlPr>
+                              <a:rPr lang="en-US">
+                                <a:solidFill>
+                                  <a:schemeClr val="tx1"/>
+                                </a:solidFill>
+                              </a:rPr>
+                            </m:ctrlPr>
+                          </m:fPr>
+                          <m:num>
+                            <m:r>
+                              <a:rPr lang="en-US">
+                                <a:solidFill>
+                                  <a:schemeClr val="tx1"/>
+                                </a:solidFill>
+                              </a:rPr>
+                              <m:t>1</m:t>
+                            </m:r>
+                          </m:num>
+                          <m:den>
+                            <m:r>
+                              <a:rPr lang="en-US">
+                                <a:solidFill>
+                                  <a:schemeClr val="tx1"/>
+                                </a:solidFill>
+                              </a:rPr>
+                              <m:t>𝑅</m:t>
+                            </m:r>
+                          </m:den>
+                        </m:f>
+                      </m:den>
+                    </m:f>
+                  </m:oMath>
+                </a14:m>
+                <a:endParaRPr lang="en-US" dirty="0">
+                  <a:solidFill>
+                    <a:schemeClr val="tx1"/>
+                  </a:solidFill>
+                </a:endParaRPr>
+              </a:p>
+            </p:txBody>
+          </p:sp>
+        </mc:Choice>
+        <mc:Fallback>
+          <p:sp>
+            <p:nvSpPr>
+              <p:cNvPr id="7" name="TextBox 6">
+                <a:extLst>
+                  <a:ext uri="{FF2B5EF4-FFF2-40B4-BE49-F238E27FC236}">
+                    <a16:creationId xmlns:a16="http://schemas.microsoft.com/office/drawing/2014/main" id="{B6C53301-C4D9-4596-A1D3-891A867DCF3B}"/>
+                  </a:ext>
+                </a:extLst>
+              </p:cNvPr>
+              <p:cNvSpPr txBox="1">
+                <a:spLocks noRot="1" noChangeAspect="1" noMove="1" noResize="1" noEditPoints="1" noAdjustHandles="1" noChangeArrowheads="1" noChangeShapeType="1" noTextEdit="1"/>
+              </p:cNvSpPr>
+              <p:nvPr/>
+            </p:nvSpPr>
+            <p:spPr>
+              <a:xfrm>
+                <a:off x="7783684" y="5357991"/>
+                <a:ext cx="3012115" cy="780278"/>
+              </a:xfrm>
+              <a:prstGeom prst="rect">
+                <a:avLst/>
+              </a:prstGeom>
+              <a:blipFill>
+                <a:blip r:embed="rId6"/>
+                <a:stretch>
+                  <a:fillRect/>
+                </a:stretch>
+              </a:blipFill>
+              <a:ln w="28575">
+                <a:solidFill>
+                  <a:srgbClr val="0070C0"/>
+                </a:solidFill>
+              </a:ln>
+            </p:spPr>
+            <p:txBody>
+              <a:bodyPr/>
+              <a:lstStyle/>
+              <a:p>
+                <a:r>
+                  <a:rPr lang="en-US">
+                    <a:noFill/>
+                  </a:rPr>
+                  <a:t> </a:t>
+                </a:r>
+              </a:p>
+            </p:txBody>
+          </p:sp>
+        </mc:Fallback>
+      </mc:AlternateContent>
+      <p:pic>
+        <p:nvPicPr>
+          <p:cNvPr id="8" name="Picture 7">
+            <a:extLst>
+              <a:ext uri="{FF2B5EF4-FFF2-40B4-BE49-F238E27FC236}">
+                <a16:creationId xmlns:a16="http://schemas.microsoft.com/office/drawing/2014/main" id="{D3CACBE3-F986-413E-B873-32F603E24E4B}"/>
+              </a:ext>
+            </a:extLst>
+          </p:cNvPr>
+          <p:cNvPicPr>
+            <a:picLocks noChangeAspect="1"/>
+          </p:cNvPicPr>
+          <p:nvPr/>
+        </p:nvPicPr>
+        <p:blipFill>
+          <a:blip r:embed="rId7"/>
+          <a:stretch>
+            <a:fillRect/>
+          </a:stretch>
+        </p:blipFill>
+        <p:spPr>
+          <a:xfrm>
+            <a:off x="838200" y="5351615"/>
+            <a:ext cx="6464792" cy="1473592"/>
+          </a:xfrm>
+          <a:prstGeom prst="rect">
+            <a:avLst/>
+          </a:prstGeom>
+        </p:spPr>
+      </p:pic>
+      <p:sp>
+        <p:nvSpPr>
+          <p:cNvPr id="9" name="Rectangle 8">
+            <a:extLst>
+              <a:ext uri="{FF2B5EF4-FFF2-40B4-BE49-F238E27FC236}">
+                <a16:creationId xmlns:a16="http://schemas.microsoft.com/office/drawing/2014/main" id="{1E04C885-3F9E-4A3C-BD76-C6E0F71A72CB}"/>
+              </a:ext>
+            </a:extLst>
+          </p:cNvPr>
+          <p:cNvSpPr/>
+          <p:nvPr/>
+        </p:nvSpPr>
+        <p:spPr>
+          <a:xfrm>
+            <a:off x="4882896" y="1433897"/>
+            <a:ext cx="1865376" cy="3138103"/>
+          </a:xfrm>
+          <a:prstGeom prst="rect">
+            <a:avLst/>
+          </a:prstGeom>
+          <a:solidFill>
+            <a:schemeClr val="accent1">
+              <a:alpha val="30000"/>
+            </a:schemeClr>
+          </a:solidFill>
+          <a:ln>
+            <a:noFill/>
+          </a:ln>
+        </p:spPr>
+        <p:style>
+          <a:lnRef idx="2">
+            <a:schemeClr val="accent1">
+              <a:shade val="50000"/>
+            </a:schemeClr>
+          </a:lnRef>
+          <a:fillRef idx="1">
+            <a:schemeClr val="accent1"/>
+          </a:fillRef>
+          <a:effectRef idx="0">
+            <a:schemeClr val="accent1"/>
+          </a:effectRef>
+          <a:fontRef idx="minor">
+            <a:schemeClr val="lt1"/>
+          </a:fontRef>
+        </p:style>
+        <p:txBody>
+          <a:bodyPr rtlCol="0" anchor="ctr"/>
+          <a:lstStyle/>
+          <a:p>
+            <a:pPr algn="ctr"/>
+            <a:endParaRPr lang="en-US"/>
+          </a:p>
+        </p:txBody>
+      </p:sp>
+      <p:sp>
+        <p:nvSpPr>
+          <p:cNvPr id="10" name="Rectangle 9">
+            <a:extLst>
+              <a:ext uri="{FF2B5EF4-FFF2-40B4-BE49-F238E27FC236}">
+                <a16:creationId xmlns:a16="http://schemas.microsoft.com/office/drawing/2014/main" id="{13C5615E-E19C-4C22-9871-6B6A85CE02C9}"/>
+              </a:ext>
+            </a:extLst>
+          </p:cNvPr>
+          <p:cNvSpPr/>
+          <p:nvPr/>
+        </p:nvSpPr>
+        <p:spPr>
+          <a:xfrm>
+            <a:off x="1509486" y="3635664"/>
+            <a:ext cx="5238786" cy="878280"/>
+          </a:xfrm>
+          <a:prstGeom prst="rect">
+            <a:avLst/>
+          </a:prstGeom>
+          <a:noFill/>
+          <a:ln w="28575"/>
+        </p:spPr>
+        <p:style>
+          <a:lnRef idx="2">
+            <a:schemeClr val="accent1">
+              <a:shade val="50000"/>
+            </a:schemeClr>
+          </a:lnRef>
+          <a:fillRef idx="1">
+            <a:schemeClr val="accent1"/>
+          </a:fillRef>
+          <a:effectRef idx="0">
+            <a:schemeClr val="accent1"/>
+          </a:effectRef>
+          <a:fontRef idx="minor">
+            <a:schemeClr val="lt1"/>
+          </a:fontRef>
+        </p:style>
+        <p:txBody>
+          <a:bodyPr rtlCol="0" anchor="ctr"/>
+          <a:lstStyle/>
+          <a:p>
+            <a:pPr algn="ctr"/>
+            <a:endParaRPr lang="en-US"/>
+          </a:p>
+        </p:txBody>
+      </p:sp>
+    </p:spTree>
+    <p:extLst>
+      <p:ext uri="{BB962C8B-B14F-4D97-AF65-F5344CB8AC3E}">
+        <p14:creationId xmlns:p14="http://schemas.microsoft.com/office/powerpoint/2010/main" val="1914493199"/>
+      </p:ext>
+    </p:extLst>
+  </p:cSld>
+  <p:clrMapOvr>
+    <a:masterClrMapping/>
+  </p:clrMapOvr>
+  <p:timing>
+    <p:tnLst>
+      <p:par>
+        <p:cTn id="1" dur="indefinite" restart="never" nodeType="tmRoot">
+          <p:childTnLst>
+            <p:seq concurrent="1" nextAc="seek">
+              <p:cTn id="2" dur="indefinite" nodeType="mainSeq">
+                <p:childTnLst>
+                  <p:par>
+                    <p:cTn id="3" fill="hold">
+                      <p:stCondLst>
+                        <p:cond delay="indefinite"/>
+                      </p:stCondLst>
+                      <p:childTnLst>
+                        <p:par>
+                          <p:cTn id="4" fill="hold">
+                            <p:stCondLst>
+                              <p:cond delay="0"/>
+                            </p:stCondLst>
+                            <p:childTnLst>
+                              <p:par>
+                                <p:cTn id="5" presetID="2" presetClass="entr" presetSubtype="4" fill="hold" grpId="0" nodeType="clickEffect">
+                                  <p:stCondLst>
+                                    <p:cond delay="0"/>
+                                  </p:stCondLst>
+                                  <p:childTnLst>
+                                    <p:set>
+                                      <p:cBhvr>
+                                        <p:cTn id="6" dur="1" fill="hold">
+                                          <p:stCondLst>
+                                            <p:cond delay="0"/>
+                                          </p:stCondLst>
+                                        </p:cTn>
+                                        <p:tgtEl>
+                                          <p:spTgt spid="5"/>
+                                        </p:tgtEl>
+                                        <p:attrNameLst>
+                                          <p:attrName>style.visibility</p:attrName>
+                                        </p:attrNameLst>
+                                      </p:cBhvr>
+                                      <p:to>
+                                        <p:strVal val="visible"/>
+                                      </p:to>
+                                    </p:set>
+                                    <p:anim calcmode="lin" valueType="num">
+                                      <p:cBhvr additive="base">
+                                        <p:cTn id="7" dur="500" fill="hold"/>
+                                        <p:tgtEl>
+                                          <p:spTgt spid="5"/>
+                                        </p:tgtEl>
+                                        <p:attrNameLst>
+                                          <p:attrName>ppt_x</p:attrName>
+                                        </p:attrNameLst>
+                                      </p:cBhvr>
+                                      <p:tavLst>
+                                        <p:tav tm="0">
+                                          <p:val>
+                                            <p:strVal val="#ppt_x"/>
+                                          </p:val>
+                                        </p:tav>
+                                        <p:tav tm="100000">
+                                          <p:val>
+                                            <p:strVal val="#ppt_x"/>
+                                          </p:val>
+                                        </p:tav>
+                                      </p:tavLst>
+                                    </p:anim>
+                                    <p:anim calcmode="lin" valueType="num">
+                                      <p:cBhvr additive="base">
+                                        <p:cTn id="8" dur="500" fill="hold"/>
+                                        <p:tgtEl>
+                                          <p:spTgt spid="5"/>
+                                        </p:tgtEl>
+                                        <p:attrNameLst>
+                                          <p:attrName>ppt_y</p:attrName>
+                                        </p:attrNameLst>
+                                      </p:cBhvr>
+                                      <p:tavLst>
+                                        <p:tav tm="0">
+                                          <p:val>
+                                            <p:strVal val="1+#ppt_h/2"/>
+                                          </p:val>
+                                        </p:tav>
+                                        <p:tav tm="100000">
+                                          <p:val>
+                                            <p:strVal val="#ppt_y"/>
+                                          </p:val>
+                                        </p:tav>
+                                      </p:tavLst>
+                                    </p:anim>
+                                  </p:childTnLst>
+                                </p:cTn>
+                              </p:par>
+                              <p:par>
+                                <p:cTn id="9" presetID="2" presetClass="entr" presetSubtype="4" fill="hold" grpId="0" nodeType="withEffect">
+                                  <p:stCondLst>
+                                    <p:cond delay="0"/>
+                                  </p:stCondLst>
+                                  <p:childTnLst>
+                                    <p:set>
+                                      <p:cBhvr>
+                                        <p:cTn id="10" dur="1" fill="hold">
+                                          <p:stCondLst>
+                                            <p:cond delay="0"/>
+                                          </p:stCondLst>
+                                        </p:cTn>
+                                        <p:tgtEl>
+                                          <p:spTgt spid="9"/>
+                                        </p:tgtEl>
+                                        <p:attrNameLst>
+                                          <p:attrName>style.visibility</p:attrName>
+                                        </p:attrNameLst>
+                                      </p:cBhvr>
+                                      <p:to>
+                                        <p:strVal val="visible"/>
+                                      </p:to>
+                                    </p:set>
+                                    <p:anim calcmode="lin" valueType="num">
+                                      <p:cBhvr additive="base">
+                                        <p:cTn id="11" dur="500" fill="hold"/>
+                                        <p:tgtEl>
+                                          <p:spTgt spid="9"/>
+                                        </p:tgtEl>
+                                        <p:attrNameLst>
+                                          <p:attrName>ppt_x</p:attrName>
+                                        </p:attrNameLst>
+                                      </p:cBhvr>
+                                      <p:tavLst>
+                                        <p:tav tm="0">
+                                          <p:val>
+                                            <p:strVal val="#ppt_x"/>
+                                          </p:val>
+                                        </p:tav>
+                                        <p:tav tm="100000">
+                                          <p:val>
+                                            <p:strVal val="#ppt_x"/>
+                                          </p:val>
+                                        </p:tav>
+                                      </p:tavLst>
+                                    </p:anim>
+                                    <p:anim calcmode="lin" valueType="num">
+                                      <p:cBhvr additive="base">
+                                        <p:cTn id="12" dur="500" fill="hold"/>
+                                        <p:tgtEl>
+                                          <p:spTgt spid="9"/>
+                                        </p:tgtEl>
+                                        <p:attrNameLst>
+                                          <p:attrName>ppt_y</p:attrName>
+                                        </p:attrNameLst>
+                                      </p:cBhvr>
+                                      <p:tavLst>
+                                        <p:tav tm="0">
+                                          <p:val>
+                                            <p:strVal val="1+#ppt_h/2"/>
+                                          </p:val>
+                                        </p:tav>
+                                        <p:tav tm="100000">
+                                          <p:val>
+                                            <p:strVal val="#ppt_y"/>
+                                          </p:val>
+                                        </p:tav>
+                                      </p:tavLst>
+                                    </p:anim>
+                                  </p:childTnLst>
+                                </p:cTn>
+                              </p:par>
+                            </p:childTnLst>
+                          </p:cTn>
+                        </p:par>
+                      </p:childTnLst>
+                    </p:cTn>
+                  </p:par>
+                  <p:par>
+                    <p:cTn id="13" fill="hold">
+                      <p:stCondLst>
+                        <p:cond delay="indefinite"/>
+                      </p:stCondLst>
+                      <p:childTnLst>
+                        <p:par>
+                          <p:cTn id="14" fill="hold">
+                            <p:stCondLst>
+                              <p:cond delay="0"/>
+                            </p:stCondLst>
+                            <p:childTnLst>
+                              <p:par>
+                                <p:cTn id="15" presetID="2" presetClass="entr" presetSubtype="2" fill="hold" grpId="0" nodeType="clickEffect">
+                                  <p:stCondLst>
+                                    <p:cond delay="0"/>
+                                  </p:stCondLst>
+                                  <p:childTnLst>
+                                    <p:set>
+                                      <p:cBhvr>
+                                        <p:cTn id="16" dur="1" fill="hold">
+                                          <p:stCondLst>
+                                            <p:cond delay="0"/>
+                                          </p:stCondLst>
+                                        </p:cTn>
+                                        <p:tgtEl>
+                                          <p:spTgt spid="6"/>
+                                        </p:tgtEl>
+                                        <p:attrNameLst>
+                                          <p:attrName>style.visibility</p:attrName>
+                                        </p:attrNameLst>
+                                      </p:cBhvr>
+                                      <p:to>
+                                        <p:strVal val="visible"/>
+                                      </p:to>
+                                    </p:set>
+                                    <p:anim calcmode="lin" valueType="num">
+                                      <p:cBhvr additive="base">
+                                        <p:cTn id="17" dur="500" fill="hold"/>
+                                        <p:tgtEl>
+                                          <p:spTgt spid="6"/>
+                                        </p:tgtEl>
+                                        <p:attrNameLst>
+                                          <p:attrName>ppt_x</p:attrName>
+                                        </p:attrNameLst>
+                                      </p:cBhvr>
+                                      <p:tavLst>
+                                        <p:tav tm="0">
+                                          <p:val>
+                                            <p:strVal val="1+#ppt_w/2"/>
+                                          </p:val>
+                                        </p:tav>
+                                        <p:tav tm="100000">
+                                          <p:val>
+                                            <p:strVal val="#ppt_x"/>
+                                          </p:val>
+                                        </p:tav>
+                                      </p:tavLst>
+                                    </p:anim>
+                                    <p:anim calcmode="lin" valueType="num">
+                                      <p:cBhvr additive="base">
+                                        <p:cTn id="18" dur="500" fill="hold"/>
+                                        <p:tgtEl>
+                                          <p:spTgt spid="6"/>
+                                        </p:tgtEl>
+                                        <p:attrNameLst>
+                                          <p:attrName>ppt_y</p:attrName>
+                                        </p:attrNameLst>
+                                      </p:cBhvr>
+                                      <p:tavLst>
+                                        <p:tav tm="0">
+                                          <p:val>
+                                            <p:strVal val="#ppt_y"/>
+                                          </p:val>
+                                        </p:tav>
+                                        <p:tav tm="100000">
+                                          <p:val>
+                                            <p:strVal val="#ppt_y"/>
+                                          </p:val>
+                                        </p:tav>
+                                      </p:tavLst>
+                                    </p:anim>
+                                  </p:childTnLst>
+                                </p:cTn>
+                              </p:par>
+                              <p:par>
+                                <p:cTn id="19" presetID="2" presetClass="entr" presetSubtype="2" fill="hold" grpId="0" nodeType="withEffect">
+                                  <p:stCondLst>
+                                    <p:cond delay="0"/>
+                                  </p:stCondLst>
+                                  <p:childTnLst>
+                                    <p:set>
+                                      <p:cBhvr>
+                                        <p:cTn id="20" dur="1" fill="hold">
+                                          <p:stCondLst>
+                                            <p:cond delay="0"/>
+                                          </p:stCondLst>
+                                        </p:cTn>
+                                        <p:tgtEl>
+                                          <p:spTgt spid="10"/>
+                                        </p:tgtEl>
+                                        <p:attrNameLst>
+                                          <p:attrName>style.visibility</p:attrName>
+                                        </p:attrNameLst>
+                                      </p:cBhvr>
+                                      <p:to>
+                                        <p:strVal val="visible"/>
+                                      </p:to>
+                                    </p:set>
+                                    <p:anim calcmode="lin" valueType="num">
+                                      <p:cBhvr additive="base">
+                                        <p:cTn id="21" dur="500" fill="hold"/>
+                                        <p:tgtEl>
+                                          <p:spTgt spid="10"/>
+                                        </p:tgtEl>
+                                        <p:attrNameLst>
+                                          <p:attrName>ppt_x</p:attrName>
+                                        </p:attrNameLst>
+                                      </p:cBhvr>
+                                      <p:tavLst>
+                                        <p:tav tm="0">
+                                          <p:val>
+                                            <p:strVal val="1+#ppt_w/2"/>
+                                          </p:val>
+                                        </p:tav>
+                                        <p:tav tm="100000">
+                                          <p:val>
+                                            <p:strVal val="#ppt_x"/>
+                                          </p:val>
+                                        </p:tav>
+                                      </p:tavLst>
+                                    </p:anim>
+                                    <p:anim calcmode="lin" valueType="num">
+                                      <p:cBhvr additive="base">
+                                        <p:cTn id="22" dur="500" fill="hold"/>
+                                        <p:tgtEl>
+                                          <p:spTgt spid="10"/>
+                                        </p:tgtEl>
+                                        <p:attrNameLst>
+                                          <p:attrName>ppt_y</p:attrName>
+                                        </p:attrNameLst>
+                                      </p:cBhvr>
+                                      <p:tavLst>
+                                        <p:tav tm="0">
+                                          <p:val>
+                                            <p:strVal val="#ppt_y"/>
+                                          </p:val>
+                                        </p:tav>
+                                        <p:tav tm="100000">
+                                          <p:val>
+                                            <p:strVal val="#ppt_y"/>
+                                          </p:val>
+                                        </p:tav>
+                                      </p:tavLst>
+                                    </p:anim>
+                                  </p:childTnLst>
+                                </p:cTn>
+                              </p:par>
+                            </p:childTnLst>
+                          </p:cTn>
+                        </p:par>
+                      </p:childTnLst>
+                    </p:cTn>
+                  </p:par>
+                  <p:par>
+                    <p:cTn id="23" fill="hold">
+                      <p:stCondLst>
+                        <p:cond delay="indefinite"/>
+                      </p:stCondLst>
+                      <p:childTnLst>
+                        <p:par>
+                          <p:cTn id="24" fill="hold">
+                            <p:stCondLst>
+                              <p:cond delay="0"/>
+                            </p:stCondLst>
+                            <p:childTnLst>
+                              <p:par>
+                                <p:cTn id="25" presetID="2" presetClass="entr" presetSubtype="6" fill="hold" grpId="0" nodeType="clickEffect">
+                                  <p:stCondLst>
+                                    <p:cond delay="0"/>
+                                  </p:stCondLst>
+                                  <p:childTnLst>
+                                    <p:set>
+                                      <p:cBhvr>
+                                        <p:cTn id="26" dur="1" fill="hold">
+                                          <p:stCondLst>
+                                            <p:cond delay="0"/>
+                                          </p:stCondLst>
+                                        </p:cTn>
+                                        <p:tgtEl>
+                                          <p:spTgt spid="7"/>
+                                        </p:tgtEl>
+                                        <p:attrNameLst>
+                                          <p:attrName>style.visibility</p:attrName>
+                                        </p:attrNameLst>
+                                      </p:cBhvr>
+                                      <p:to>
+                                        <p:strVal val="visible"/>
+                                      </p:to>
+                                    </p:set>
+                                    <p:anim calcmode="lin" valueType="num">
+                                      <p:cBhvr additive="base">
+                                        <p:cTn id="27" dur="500" fill="hold"/>
+                                        <p:tgtEl>
+                                          <p:spTgt spid="7"/>
+                                        </p:tgtEl>
+                                        <p:attrNameLst>
+                                          <p:attrName>ppt_x</p:attrName>
+                                        </p:attrNameLst>
+                                      </p:cBhvr>
+                                      <p:tavLst>
+                                        <p:tav tm="0">
+                                          <p:val>
+                                            <p:strVal val="1+#ppt_w/2"/>
+                                          </p:val>
+                                        </p:tav>
+                                        <p:tav tm="100000">
+                                          <p:val>
+                                            <p:strVal val="#ppt_x"/>
+                                          </p:val>
+                                        </p:tav>
+                                      </p:tavLst>
+                                    </p:anim>
+                                    <p:anim calcmode="lin" valueType="num">
+                                      <p:cBhvr additive="base">
+                                        <p:cTn id="28" dur="500" fill="hold"/>
+                                        <p:tgtEl>
+                                          <p:spTgt spid="7"/>
+                                        </p:tgtEl>
+                                        <p:attrNameLst>
+                                          <p:attrName>ppt_y</p:attrName>
+                                        </p:attrNameLst>
+                                      </p:cBhvr>
+                                      <p:tavLst>
+                                        <p:tav tm="0">
+                                          <p:val>
+                                            <p:strVal val="1+#ppt_h/2"/>
+                                          </p:val>
+                                        </p:tav>
+                                        <p:tav tm="100000">
+                                          <p:val>
+                                            <p:strVal val="#ppt_y"/>
+                                          </p:val>
+                                        </p:tav>
+                                      </p:tavLst>
+                                    </p:anim>
+                                  </p:childTnLst>
+                                </p:cTn>
+                              </p:par>
+                            </p:childTnLst>
+                          </p:cTn>
+                        </p:par>
+                      </p:childTnLst>
+                    </p:cTn>
+                  </p:par>
+                </p:childTnLst>
+              </p:cTn>
+              <p:prevCondLst>
+                <p:cond evt="onPrev" delay="0">
+                  <p:tgtEl>
+                    <p:sldTgt/>
+                  </p:tgtEl>
+                </p:cond>
+              </p:prevCondLst>
+              <p:nextCondLst>
+                <p:cond evt="onNext" delay="0">
+                  <p:tgtEl>
+                    <p:sldTgt/>
+                  </p:tgtEl>
+                </p:cond>
+              </p:nextCondLst>
+            </p:seq>
+          </p:childTnLst>
+        </p:cTn>
+      </p:par>
+    </p:tnLst>
+    <p:bldLst>
+      <p:bldP spid="5" grpId="0" animBg="1"/>
+      <p:bldP spid="6" grpId="0"/>
+      <p:bldP spid="7" grpId="0" animBg="1"/>
+      <p:bldP spid="9" grpId="0" animBg="1"/>
+      <p:bldP spid="10" grpId="0" animBg="1"/>
+    </p:bldLst>
+  </p:timing>
 </p:sld>
 </file>
 
@@ -15641,6 +22168,358 @@
     <p:extLst>
       <p:ext uri="{BB962C8B-B14F-4D97-AF65-F5344CB8AC3E}">
         <p14:creationId xmlns:p14="http://schemas.microsoft.com/office/powerpoint/2010/main" val="623660102"/>
+      </p:ext>
+    </p:extLst>
+  </p:cSld>
+  <p:clrMapOvr>
+    <a:masterClrMapping/>
+  </p:clrMapOvr>
+</p:sld>
+</file>
+
+<file path=ppt/slides/slide30.xml><?xml version="1.0" encoding="utf-8"?>
+<p:sld xmlns:a="http://schemas.openxmlformats.org/drawingml/2006/main" xmlns:r="http://schemas.openxmlformats.org/officeDocument/2006/relationships" xmlns:p="http://schemas.openxmlformats.org/presentationml/2006/main">
+  <p:cSld>
+    <p:spTree>
+      <p:nvGrpSpPr>
+        <p:cNvPr id="1" name=""/>
+        <p:cNvGrpSpPr/>
+        <p:nvPr/>
+      </p:nvGrpSpPr>
+      <p:grpSpPr>
+        <a:xfrm>
+          <a:off x="0" y="0"/>
+          <a:ext cx="0" cy="0"/>
+          <a:chOff x="0" y="0"/>
+          <a:chExt cx="0" cy="0"/>
+        </a:xfrm>
+      </p:grpSpPr>
+      <p:sp>
+        <p:nvSpPr>
+          <p:cNvPr id="2" name="Title 1">
+            <a:extLst>
+              <a:ext uri="{FF2B5EF4-FFF2-40B4-BE49-F238E27FC236}">
+                <a16:creationId xmlns:a16="http://schemas.microsoft.com/office/drawing/2014/main" id="{CE32584A-1B00-43DD-9517-BE94E8876BF7}"/>
+              </a:ext>
+            </a:extLst>
+          </p:cNvPr>
+          <p:cNvSpPr>
+            <a:spLocks noGrp="1"/>
+          </p:cNvSpPr>
+          <p:nvPr>
+            <p:ph type="title"/>
+          </p:nvPr>
+        </p:nvSpPr>
+        <p:spPr/>
+        <p:txBody>
+          <a:bodyPr/>
+          <a:lstStyle/>
+          <a:p>
+            <a:r>
+              <a:rPr lang="en-US" dirty="0"/>
+              <a:t>All digits</a:t>
+            </a:r>
+          </a:p>
+        </p:txBody>
+      </p:sp>
+      <p:pic>
+        <p:nvPicPr>
+          <p:cNvPr id="3" name="Picture 2">
+            <a:extLst>
+              <a:ext uri="{FF2B5EF4-FFF2-40B4-BE49-F238E27FC236}">
+                <a16:creationId xmlns:a16="http://schemas.microsoft.com/office/drawing/2014/main" id="{4275A7E0-3BCF-423B-8D23-BC0AC51047A6}"/>
+              </a:ext>
+            </a:extLst>
+          </p:cNvPr>
+          <p:cNvPicPr>
+            <a:picLocks noChangeAspect="1"/>
+          </p:cNvPicPr>
+          <p:nvPr/>
+        </p:nvPicPr>
+        <p:blipFill>
+          <a:blip r:embed="rId2"/>
+          <a:stretch>
+            <a:fillRect/>
+          </a:stretch>
+        </p:blipFill>
+        <p:spPr>
+          <a:xfrm>
+            <a:off x="3511297" y="1107568"/>
+            <a:ext cx="5434306" cy="5604128"/>
+          </a:xfrm>
+          <a:prstGeom prst="rect">
+            <a:avLst/>
+          </a:prstGeom>
+        </p:spPr>
+      </p:pic>
+    </p:spTree>
+    <p:extLst>
+      <p:ext uri="{BB962C8B-B14F-4D97-AF65-F5344CB8AC3E}">
+        <p14:creationId xmlns:p14="http://schemas.microsoft.com/office/powerpoint/2010/main" val="3089877209"/>
+      </p:ext>
+    </p:extLst>
+  </p:cSld>
+  <p:clrMapOvr>
+    <a:masterClrMapping/>
+  </p:clrMapOvr>
+</p:sld>
+</file>
+
+<file path=ppt/slides/slide31.xml><?xml version="1.0" encoding="utf-8"?>
+<p:sld xmlns:a="http://schemas.openxmlformats.org/drawingml/2006/main" xmlns:r="http://schemas.openxmlformats.org/officeDocument/2006/relationships" xmlns:p="http://schemas.openxmlformats.org/presentationml/2006/main">
+  <p:cSld>
+    <p:spTree>
+      <p:nvGrpSpPr>
+        <p:cNvPr id="1" name=""/>
+        <p:cNvGrpSpPr/>
+        <p:nvPr/>
+      </p:nvGrpSpPr>
+      <p:grpSpPr>
+        <a:xfrm>
+          <a:off x="0" y="0"/>
+          <a:ext cx="0" cy="0"/>
+          <a:chOff x="0" y="0"/>
+          <a:chExt cx="0" cy="0"/>
+        </a:xfrm>
+      </p:grpSpPr>
+      <p:sp>
+        <p:nvSpPr>
+          <p:cNvPr id="3" name="Title 2">
+            <a:extLst>
+              <a:ext uri="{FF2B5EF4-FFF2-40B4-BE49-F238E27FC236}">
+                <a16:creationId xmlns:a16="http://schemas.microsoft.com/office/drawing/2014/main" id="{7EBDA162-6BB5-4125-8B2B-85028707F321}"/>
+              </a:ext>
+            </a:extLst>
+          </p:cNvPr>
+          <p:cNvSpPr>
+            <a:spLocks noGrp="1"/>
+          </p:cNvSpPr>
+          <p:nvPr>
+            <p:ph type="title"/>
+          </p:nvPr>
+        </p:nvSpPr>
+        <p:spPr/>
+        <p:txBody>
+          <a:bodyPr/>
+          <a:lstStyle/>
+          <a:p>
+            <a:r>
+              <a:rPr lang="en-US" dirty="0"/>
+              <a:t>Homework </a:t>
+            </a:r>
+            <a:r>
+              <a:rPr lang="en-US" dirty="0" err="1"/>
+              <a:t>assigment</a:t>
+            </a:r>
+            <a:endParaRPr lang="en-US" dirty="0"/>
+          </a:p>
+        </p:txBody>
+      </p:sp>
+      <p:sp>
+        <p:nvSpPr>
+          <p:cNvPr id="4" name="Content Placeholder 3">
+            <a:extLst>
+              <a:ext uri="{FF2B5EF4-FFF2-40B4-BE49-F238E27FC236}">
+                <a16:creationId xmlns:a16="http://schemas.microsoft.com/office/drawing/2014/main" id="{5F66DAD3-8FB8-45ED-AC10-45F03F645E3D}"/>
+              </a:ext>
+            </a:extLst>
+          </p:cNvPr>
+          <p:cNvSpPr>
+            <a:spLocks noGrp="1"/>
+          </p:cNvSpPr>
+          <p:nvPr>
+            <p:ph idx="1"/>
+          </p:nvPr>
+        </p:nvSpPr>
+        <p:spPr/>
+        <p:txBody>
+          <a:bodyPr>
+            <a:normAutofit/>
+          </a:bodyPr>
+          <a:lstStyle/>
+          <a:p>
+            <a:pPr marL="0" indent="0">
+              <a:buNone/>
+            </a:pPr>
+            <a:r>
+              <a:rPr lang="en-US" dirty="0"/>
+              <a:t>Train and fine-tune a SVM, Random Forest, ANN, Extra-Trees, AdaBoost for the </a:t>
+            </a:r>
+            <a:r>
+              <a:rPr lang="en-US" dirty="0">
+                <a:hlinkClick r:id="rId2"/>
+              </a:rPr>
+              <a:t>moons dataset</a:t>
+            </a:r>
+            <a:r>
+              <a:rPr lang="en-US" dirty="0"/>
+              <a:t>.</a:t>
+            </a:r>
+          </a:p>
+          <a:p>
+            <a:pPr marL="0" indent="0">
+              <a:buNone/>
+            </a:pPr>
+            <a:r>
+              <a:rPr lang="en-US" dirty="0"/>
+              <a:t>a. Generate a moons dataset using </a:t>
+            </a:r>
+            <a:r>
+              <a:rPr lang="en-US" dirty="0" err="1">
+                <a:latin typeface="Courier New" panose="02070309020205020404" pitchFamily="49" charset="0"/>
+                <a:cs typeface="Courier New" panose="02070309020205020404" pitchFamily="49" charset="0"/>
+              </a:rPr>
+              <a:t>make_moons</a:t>
+            </a:r>
+            <a:r>
+              <a:rPr lang="en-US" dirty="0">
+                <a:latin typeface="Courier New" panose="02070309020205020404" pitchFamily="49" charset="0"/>
+                <a:cs typeface="Courier New" panose="02070309020205020404" pitchFamily="49" charset="0"/>
+              </a:rPr>
+              <a:t>(</a:t>
+            </a:r>
+            <a:r>
+              <a:rPr lang="en-US" dirty="0" err="1">
+                <a:latin typeface="Courier New" panose="02070309020205020404" pitchFamily="49" charset="0"/>
+                <a:cs typeface="Courier New" panose="02070309020205020404" pitchFamily="49" charset="0"/>
+              </a:rPr>
+              <a:t>n_samples</a:t>
+            </a:r>
+            <a:r>
+              <a:rPr lang="en-US" dirty="0">
+                <a:latin typeface="Courier New" panose="02070309020205020404" pitchFamily="49" charset="0"/>
+                <a:cs typeface="Courier New" panose="02070309020205020404" pitchFamily="49" charset="0"/>
+              </a:rPr>
+              <a:t>=10000, noise=0.4)</a:t>
+            </a:r>
+            <a:r>
+              <a:rPr lang="en-US" dirty="0"/>
+              <a:t>.</a:t>
+            </a:r>
+          </a:p>
+          <a:p>
+            <a:pPr marL="0" indent="0">
+              <a:buNone/>
+            </a:pPr>
+            <a:r>
+              <a:rPr lang="en-US" dirty="0"/>
+              <a:t>b. Split it into a training set and a test set using </a:t>
+            </a:r>
+            <a:r>
+              <a:rPr lang="en-US" dirty="0" err="1">
+                <a:latin typeface="Courier New" panose="02070309020205020404" pitchFamily="49" charset="0"/>
+                <a:cs typeface="Courier New" panose="02070309020205020404" pitchFamily="49" charset="0"/>
+              </a:rPr>
+              <a:t>train_test_split</a:t>
+            </a:r>
+            <a:r>
+              <a:rPr lang="en-US" dirty="0">
+                <a:latin typeface="Courier New" panose="02070309020205020404" pitchFamily="49" charset="0"/>
+                <a:cs typeface="Courier New" panose="02070309020205020404" pitchFamily="49" charset="0"/>
+              </a:rPr>
+              <a:t>().</a:t>
+            </a:r>
+          </a:p>
+          <a:p>
+            <a:pPr marL="0" indent="0">
+              <a:buNone/>
+            </a:pPr>
+            <a:r>
+              <a:rPr lang="en-US" dirty="0"/>
+              <a:t>c. Measure your model’s performance on the test set. </a:t>
+            </a:r>
+          </a:p>
+        </p:txBody>
+      </p:sp>
+    </p:spTree>
+    <p:extLst>
+      <p:ext uri="{BB962C8B-B14F-4D97-AF65-F5344CB8AC3E}">
+        <p14:creationId xmlns:p14="http://schemas.microsoft.com/office/powerpoint/2010/main" val="3794871371"/>
+      </p:ext>
+    </p:extLst>
+  </p:cSld>
+  <p:clrMapOvr>
+    <a:masterClrMapping/>
+  </p:clrMapOvr>
+</p:sld>
+</file>
+
+<file path=ppt/slides/slide32.xml><?xml version="1.0" encoding="utf-8"?>
+<p:sld xmlns:a="http://schemas.openxmlformats.org/drawingml/2006/main" xmlns:r="http://schemas.openxmlformats.org/officeDocument/2006/relationships" xmlns:p="http://schemas.openxmlformats.org/presentationml/2006/main" show="0">
+  <p:cSld>
+    <p:spTree>
+      <p:nvGrpSpPr>
+        <p:cNvPr id="1" name=""/>
+        <p:cNvGrpSpPr/>
+        <p:nvPr/>
+      </p:nvGrpSpPr>
+      <p:grpSpPr>
+        <a:xfrm>
+          <a:off x="0" y="0"/>
+          <a:ext cx="0" cy="0"/>
+          <a:chOff x="0" y="0"/>
+          <a:chExt cx="0" cy="0"/>
+        </a:xfrm>
+      </p:grpSpPr>
+      <p:sp>
+        <p:nvSpPr>
+          <p:cNvPr id="2" name="Title 1">
+            <a:extLst>
+              <a:ext uri="{FF2B5EF4-FFF2-40B4-BE49-F238E27FC236}">
+                <a16:creationId xmlns:a16="http://schemas.microsoft.com/office/drawing/2014/main" id="{2A6230EA-A225-4908-8845-B1CE4DCCC864}"/>
+              </a:ext>
+            </a:extLst>
+          </p:cNvPr>
+          <p:cNvSpPr>
+            <a:spLocks noGrp="1"/>
+          </p:cNvSpPr>
+          <p:nvPr>
+            <p:ph type="title"/>
+          </p:nvPr>
+        </p:nvSpPr>
+        <p:spPr/>
+        <p:txBody>
+          <a:bodyPr/>
+          <a:lstStyle/>
+          <a:p>
+            <a:endParaRPr lang="en-US"/>
+          </a:p>
+        </p:txBody>
+      </p:sp>
+      <p:pic>
+        <p:nvPicPr>
+          <p:cNvPr id="4" name="Picture 3">
+            <a:extLst>
+              <a:ext uri="{FF2B5EF4-FFF2-40B4-BE49-F238E27FC236}">
+                <a16:creationId xmlns:a16="http://schemas.microsoft.com/office/drawing/2014/main" id="{DB2F1528-76BC-4FC8-A718-E2DA0270A833}"/>
+              </a:ext>
+            </a:extLst>
+          </p:cNvPr>
+          <p:cNvPicPr>
+            <a:picLocks noChangeAspect="1"/>
+          </p:cNvPicPr>
+          <p:nvPr/>
+        </p:nvPicPr>
+        <p:blipFill>
+          <a:blip r:embed="rId2"/>
+          <a:stretch>
+            <a:fillRect/>
+          </a:stretch>
+        </p:blipFill>
+        <p:spPr>
+          <a:xfrm>
+            <a:off x="3687778" y="359875"/>
+            <a:ext cx="4816444" cy="6138250"/>
+          </a:xfrm>
+          <a:prstGeom prst="rect">
+            <a:avLst/>
+          </a:prstGeom>
+        </p:spPr>
+      </p:pic>
+    </p:spTree>
+    <p:extLst>
+      <p:ext uri="{BB962C8B-B14F-4D97-AF65-F5344CB8AC3E}">
+        <p14:creationId xmlns:p14="http://schemas.microsoft.com/office/powerpoint/2010/main" val="1551600706"/>
       </p:ext>
     </p:extLst>
   </p:cSld>

--- a/slides/08_ML_TreeBased.pptx
+++ b/slides/08_ML_TreeBased.pptx
@@ -5,7 +5,7 @@
     <p:sldMasterId id="2147483648" r:id="rId1"/>
   </p:sldMasterIdLst>
   <p:notesMasterIdLst>
-    <p:notesMasterId r:id="rId34"/>
+    <p:notesMasterId r:id="rId35"/>
   </p:notesMasterIdLst>
   <p:sldIdLst>
     <p:sldId id="256" r:id="rId2"/>
@@ -37,9 +37,10 @@
     <p:sldId id="283" r:id="rId28"/>
     <p:sldId id="264" r:id="rId29"/>
     <p:sldId id="302" r:id="rId30"/>
-    <p:sldId id="303" r:id="rId31"/>
-    <p:sldId id="306" r:id="rId32"/>
-    <p:sldId id="304" r:id="rId33"/>
+    <p:sldId id="307" r:id="rId31"/>
+    <p:sldId id="303" r:id="rId32"/>
+    <p:sldId id="306" r:id="rId33"/>
+    <p:sldId id="304" r:id="rId34"/>
   </p:sldIdLst>
   <p:sldSz cx="12192000" cy="6858000"/>
   <p:notesSz cx="6858000" cy="9144000"/>
@@ -1344,6 +1345,185 @@
     <p:extLst>
       <p:ext uri="{BB962C8B-B14F-4D97-AF65-F5344CB8AC3E}">
         <p14:creationId xmlns:p14="http://schemas.microsoft.com/office/powerpoint/2010/main" val="1034056394"/>
+      </p:ext>
+    </p:extLst>
+  </p:cSld>
+  <p:clrMapOvr>
+    <a:masterClrMapping/>
+  </p:clrMapOvr>
+</p:notes>
+</file>
+
+<file path=ppt/notesSlides/notesSlide17.xml><?xml version="1.0" encoding="utf-8"?>
+<p:notes xmlns:a="http://schemas.openxmlformats.org/drawingml/2006/main" xmlns:r="http://schemas.openxmlformats.org/officeDocument/2006/relationships" xmlns:p="http://schemas.openxmlformats.org/presentationml/2006/main">
+  <p:cSld>
+    <p:spTree>
+      <p:nvGrpSpPr>
+        <p:cNvPr id="1" name=""/>
+        <p:cNvGrpSpPr/>
+        <p:nvPr/>
+      </p:nvGrpSpPr>
+      <p:grpSpPr>
+        <a:xfrm>
+          <a:off x="0" y="0"/>
+          <a:ext cx="0" cy="0"/>
+          <a:chOff x="0" y="0"/>
+          <a:chExt cx="0" cy="0"/>
+        </a:xfrm>
+      </p:grpSpPr>
+      <p:sp>
+        <p:nvSpPr>
+          <p:cNvPr id="2" name="Slide Image Placeholder 1"/>
+          <p:cNvSpPr>
+            <a:spLocks noGrp="1" noRot="1" noChangeAspect="1"/>
+          </p:cNvSpPr>
+          <p:nvPr>
+            <p:ph type="sldImg"/>
+          </p:nvPr>
+        </p:nvSpPr>
+        <p:spPr/>
+      </p:sp>
+      <p:sp>
+        <p:nvSpPr>
+          <p:cNvPr id="3" name="Notes Placeholder 2"/>
+          <p:cNvSpPr>
+            <a:spLocks noGrp="1"/>
+          </p:cNvSpPr>
+          <p:nvPr>
+            <p:ph type="body" idx="1"/>
+          </p:nvPr>
+        </p:nvSpPr>
+        <p:spPr/>
+        <p:txBody>
+          <a:bodyPr/>
+          <a:lstStyle/>
+          <a:p>
+            <a:r>
+              <a:rPr lang="en-US" sz="1200" b="0" i="0" u="none" strike="noStrike" kern="1200" baseline="0" dirty="0">
+                <a:solidFill>
+                  <a:schemeClr val="tx1"/>
+                </a:solidFill>
+                <a:latin typeface="+mn-lt"/>
+                <a:ea typeface="+mn-ea"/>
+                <a:cs typeface="+mn-cs"/>
+              </a:rPr>
+              <a:t>Precision=accuracy of the positive predictions</a:t>
+            </a:r>
+            <a:endParaRPr lang="en-US" dirty="0"/>
+          </a:p>
+        </p:txBody>
+      </p:sp>
+      <p:sp>
+        <p:nvSpPr>
+          <p:cNvPr id="4" name="Slide Number Placeholder 3"/>
+          <p:cNvSpPr>
+            <a:spLocks noGrp="1"/>
+          </p:cNvSpPr>
+          <p:nvPr>
+            <p:ph type="sldNum" sz="quarter" idx="5"/>
+          </p:nvPr>
+        </p:nvSpPr>
+        <p:spPr/>
+        <p:txBody>
+          <a:bodyPr/>
+          <a:lstStyle/>
+          <a:p>
+            <a:fld id="{634CEEAB-9EE9-49A1-8A7C-A04E7AF4B623}" type="slidenum">
+              <a:rPr lang="en-US" smtClean="0"/>
+              <a:t>30</a:t>
+            </a:fld>
+            <a:endParaRPr lang="en-US"/>
+          </a:p>
+        </p:txBody>
+      </p:sp>
+    </p:spTree>
+    <p:extLst>
+      <p:ext uri="{BB962C8B-B14F-4D97-AF65-F5344CB8AC3E}">
+        <p14:creationId xmlns:p14="http://schemas.microsoft.com/office/powerpoint/2010/main" val="427568632"/>
+      </p:ext>
+    </p:extLst>
+  </p:cSld>
+  <p:clrMapOvr>
+    <a:masterClrMapping/>
+  </p:clrMapOvr>
+</p:notes>
+</file>
+
+<file path=ppt/notesSlides/notesSlide18.xml><?xml version="1.0" encoding="utf-8"?>
+<p:notes xmlns:a="http://schemas.openxmlformats.org/drawingml/2006/main" xmlns:r="http://schemas.openxmlformats.org/officeDocument/2006/relationships" xmlns:p="http://schemas.openxmlformats.org/presentationml/2006/main">
+  <p:cSld>
+    <p:spTree>
+      <p:nvGrpSpPr>
+        <p:cNvPr id="1" name=""/>
+        <p:cNvGrpSpPr/>
+        <p:nvPr/>
+      </p:nvGrpSpPr>
+      <p:grpSpPr>
+        <a:xfrm>
+          <a:off x="0" y="0"/>
+          <a:ext cx="0" cy="0"/>
+          <a:chOff x="0" y="0"/>
+          <a:chExt cx="0" cy="0"/>
+        </a:xfrm>
+      </p:grpSpPr>
+      <p:sp>
+        <p:nvSpPr>
+          <p:cNvPr id="2" name="Slide Image Placeholder 1"/>
+          <p:cNvSpPr>
+            <a:spLocks noGrp="1" noRot="1" noChangeAspect="1"/>
+          </p:cNvSpPr>
+          <p:nvPr>
+            <p:ph type="sldImg"/>
+          </p:nvPr>
+        </p:nvSpPr>
+        <p:spPr/>
+      </p:sp>
+      <p:sp>
+        <p:nvSpPr>
+          <p:cNvPr id="3" name="Notes Placeholder 2"/>
+          <p:cNvSpPr>
+            <a:spLocks noGrp="1"/>
+          </p:cNvSpPr>
+          <p:nvPr>
+            <p:ph type="body" idx="1"/>
+          </p:nvPr>
+        </p:nvSpPr>
+        <p:spPr/>
+        <p:txBody>
+          <a:bodyPr/>
+          <a:lstStyle/>
+          <a:p>
+            <a:endParaRPr lang="en-US" dirty="0"/>
+          </a:p>
+        </p:txBody>
+      </p:sp>
+      <p:sp>
+        <p:nvSpPr>
+          <p:cNvPr id="4" name="Slide Number Placeholder 3"/>
+          <p:cNvSpPr>
+            <a:spLocks noGrp="1"/>
+          </p:cNvSpPr>
+          <p:nvPr>
+            <p:ph type="sldNum" sz="quarter" idx="5"/>
+          </p:nvPr>
+        </p:nvSpPr>
+        <p:spPr/>
+        <p:txBody>
+          <a:bodyPr/>
+          <a:lstStyle/>
+          <a:p>
+            <a:fld id="{634CEEAB-9EE9-49A1-8A7C-A04E7AF4B623}" type="slidenum">
+              <a:rPr lang="en-US" smtClean="0"/>
+              <a:t>31</a:t>
+            </a:fld>
+            <a:endParaRPr lang="en-US"/>
+          </a:p>
+        </p:txBody>
+      </p:sp>
+    </p:spTree>
+    <p:extLst>
+      <p:ext uri="{BB962C8B-B14F-4D97-AF65-F5344CB8AC3E}">
+        <p14:creationId xmlns:p14="http://schemas.microsoft.com/office/powerpoint/2010/main" val="1614117110"/>
       </p:ext>
     </p:extLst>
   </p:cSld>
@@ -18852,8 +19032,8 @@
           </a:p>
         </p:txBody>
       </p:sp>
-      <mc:AlternateContent xmlns:mc="http://schemas.openxmlformats.org/markup-compatibility/2006">
-        <mc:Choice xmlns:a14="http://schemas.microsoft.com/office/drawing/2010/main" Requires="a14">
+      <mc:AlternateContent xmlns:mc="http://schemas.openxmlformats.org/markup-compatibility/2006" xmlns:a14="http://schemas.microsoft.com/office/drawing/2010/main">
+        <mc:Choice Requires="a14">
           <p:sp>
             <p:nvSpPr>
               <p:cNvPr id="4" name="TextBox 3">
@@ -18882,7 +19062,6 @@
               </a:bodyPr>
               <a:lstStyle/>
               <a:p>
-                <a:pPr/>
                 <a14:m>
                   <m:oMath xmlns:m="http://schemas.openxmlformats.org/officeDocument/2006/math">
                     <m:r>
@@ -18968,7 +19147,6 @@
                 <a:endParaRPr lang="en-US" sz="2400" b="0" dirty="0"/>
               </a:p>
               <a:p>
-                <a:pPr/>
                 <a14:m>
                   <m:oMath xmlns:m="http://schemas.openxmlformats.org/officeDocument/2006/math">
                     <m:r>
@@ -19091,7 +19269,6 @@
                 </a:r>
               </a:p>
               <a:p>
-                <a:pPr/>
                 <a14:m>
                   <m:oMath xmlns:m="http://schemas.openxmlformats.org/officeDocument/2006/math">
                     <m:r>
@@ -19234,7 +19411,7 @@
             </p:txBody>
           </p:sp>
         </mc:Choice>
-        <mc:Fallback>
+        <mc:Fallback xmlns="">
           <p:sp>
             <p:nvSpPr>
               <p:cNvPr id="4" name="TextBox 3">
@@ -20654,12 +20831,14 @@
         </p:nvSpPr>
         <p:spPr/>
         <p:txBody>
-          <a:bodyPr/>
+          <a:bodyPr>
+            <a:normAutofit/>
+          </a:bodyPr>
           <a:lstStyle/>
           <a:p>
             <a:r>
-              <a:rPr lang="en-US" dirty="0"/>
-              <a:t>Confusion Matrix, Precision and Recall</a:t>
+              <a:rPr lang="en-US" sz="4000" dirty="0"/>
+              <a:t>Accuracy assessment (Confusion Matrix, Precision and Recall)</a:t>
             </a:r>
           </a:p>
         </p:txBody>
@@ -20827,16 +21006,36 @@
                         <a:solidFill>
                           <a:schemeClr val="tx1"/>
                         </a:solidFill>
+                        <a:latin typeface="Cambria Math" panose="02040503050406030204" pitchFamily="18" charset="0"/>
                       </a:rPr>
                       <m:t>=</m:t>
+                    </m:r>
+                    <m:r>
+                      <a:rPr lang="en-US" sz="2400" b="0" i="1" smtClean="0">
+                        <a:solidFill>
+                          <a:schemeClr val="tx1"/>
+                        </a:solidFill>
+                        <a:latin typeface="Cambria Math" panose="02040503050406030204" pitchFamily="18" charset="0"/>
+                      </a:rPr>
+                      <m:t>𝑃</m:t>
+                    </m:r>
+                    <m:r>
+                      <a:rPr lang="en-US" sz="2400">
+                        <a:solidFill>
+                          <a:schemeClr val="tx1"/>
+                        </a:solidFill>
+                        <a:latin typeface="Cambria Math" panose="02040503050406030204" pitchFamily="18" charset="0"/>
+                      </a:rPr>
+                      <m:t>:=</m:t>
                     </m:r>
                     <m:f>
                       <m:fPr>
                         <m:ctrlPr>
-                          <a:rPr lang="en-US" sz="2400">
+                          <a:rPr lang="en-US" sz="2400" i="1">
                             <a:solidFill>
                               <a:schemeClr val="tx1"/>
                             </a:solidFill>
+                            <a:latin typeface="Cambria Math" panose="02040503050406030204" pitchFamily="18" charset="0"/>
                           </a:rPr>
                         </m:ctrlPr>
                       </m:fPr>
@@ -20846,45 +21045,7 @@
                             <a:solidFill>
                               <a:schemeClr val="tx1"/>
                             </a:solidFill>
-                          </a:rPr>
-                          <m:t>1</m:t>
-                        </m:r>
-                      </m:num>
-                      <m:den>
-                        <m:r>
-                          <a:rPr lang="en-US" sz="2400">
-                            <a:solidFill>
-                              <a:schemeClr val="tx1"/>
-                            </a:solidFill>
-                          </a:rPr>
-                          <m:t>𝑃</m:t>
-                        </m:r>
-                      </m:den>
-                    </m:f>
-                    <m:r>
-                      <a:rPr lang="en-US" sz="2400">
-                        <a:solidFill>
-                          <a:schemeClr val="tx1"/>
-                        </a:solidFill>
-                      </a:rPr>
-                      <m:t>:=</m:t>
-                    </m:r>
-                    <m:f>
-                      <m:fPr>
-                        <m:ctrlPr>
-                          <a:rPr lang="en-US" sz="2400">
-                            <a:solidFill>
-                              <a:schemeClr val="tx1"/>
-                            </a:solidFill>
-                          </a:rPr>
-                        </m:ctrlPr>
-                      </m:fPr>
-                      <m:num>
-                        <m:r>
-                          <a:rPr lang="en-US" sz="2400">
-                            <a:solidFill>
-                              <a:schemeClr val="tx1"/>
-                            </a:solidFill>
+                            <a:latin typeface="Cambria Math" panose="02040503050406030204" pitchFamily="18" charset="0"/>
                           </a:rPr>
                           <m:t>𝑇𝑃</m:t>
                         </m:r>
@@ -20895,6 +21056,7 @@
                             <a:solidFill>
                               <a:schemeClr val="tx1"/>
                             </a:solidFill>
+                            <a:latin typeface="Cambria Math" panose="02040503050406030204" pitchFamily="18" charset="0"/>
                           </a:rPr>
                           <m:t>𝑇𝑃</m:t>
                         </m:r>
@@ -20903,6 +21065,7 @@
                             <a:solidFill>
                               <a:schemeClr val="tx1"/>
                             </a:solidFill>
+                            <a:latin typeface="Cambria Math" panose="02040503050406030204" pitchFamily="18" charset="0"/>
                           </a:rPr>
                           <m:t>+</m:t>
                         </m:r>
@@ -20911,6 +21074,7 @@
                             <a:solidFill>
                               <a:schemeClr val="tx1"/>
                             </a:solidFill>
+                            <a:latin typeface="Cambria Math" panose="02040503050406030204" pitchFamily="18" charset="0"/>
                           </a:rPr>
                           <m:t>𝐹𝑃</m:t>
                         </m:r>
@@ -21022,31 +21186,12 @@
                       </a:rPr>
                       <m:t>=</m:t>
                     </m:r>
-                    <m:f>
-                      <m:fPr>
-                        <m:ctrlPr>
-                          <a:rPr lang="en-US" sz="2400" b="0" i="1" smtClean="0">
-                            <a:latin typeface="Cambria Math" panose="02040503050406030204" pitchFamily="18" charset="0"/>
-                          </a:rPr>
-                        </m:ctrlPr>
-                      </m:fPr>
-                      <m:num>
-                        <m:r>
-                          <a:rPr lang="en-US" sz="2400" b="0" i="1" smtClean="0">
-                            <a:latin typeface="Cambria Math" panose="02040503050406030204" pitchFamily="18" charset="0"/>
-                          </a:rPr>
-                          <m:t>1</m:t>
-                        </m:r>
-                      </m:num>
-                      <m:den>
-                        <m:r>
-                          <a:rPr lang="en-US" sz="2400" b="0" i="1" smtClean="0">
-                            <a:latin typeface="Cambria Math" panose="02040503050406030204" pitchFamily="18" charset="0"/>
-                          </a:rPr>
-                          <m:t>𝑅</m:t>
-                        </m:r>
-                      </m:den>
-                    </m:f>
+                    <m:r>
+                      <a:rPr lang="en-US" sz="2400" b="0" i="1" smtClean="0">
+                        <a:latin typeface="Cambria Math" panose="02040503050406030204" pitchFamily="18" charset="0"/>
+                      </a:rPr>
+                      <m:t>𝑅</m:t>
+                    </m:r>
                     <m:r>
                       <a:rPr lang="en-US" sz="2400" b="0" i="1" smtClean="0">
                         <a:latin typeface="Cambria Math" panose="02040503050406030204" pitchFamily="18" charset="0"/>
@@ -21147,8 +21292,8 @@
           </p:sp>
         </mc:Fallback>
       </mc:AlternateContent>
-      <mc:AlternateContent xmlns:mc="http://schemas.openxmlformats.org/markup-compatibility/2006">
-        <mc:Choice xmlns:a14="http://schemas.microsoft.com/office/drawing/2010/main" Requires="a14">
+      <mc:AlternateContent xmlns:mc="http://schemas.openxmlformats.org/markup-compatibility/2006" xmlns:a14="http://schemas.microsoft.com/office/drawing/2010/main">
+        <mc:Choice Requires="a14">
           <p:sp>
             <p:nvSpPr>
               <p:cNvPr id="7" name="TextBox 6">
@@ -21268,10 +21413,11 @@
                     <m:sSub>
                       <m:sSubPr>
                         <m:ctrlPr>
-                          <a:rPr lang="en-US" smtClean="0">
+                          <a:rPr lang="en-US" i="1" smtClean="0">
                             <a:solidFill>
                               <a:schemeClr val="tx1"/>
                             </a:solidFill>
+                            <a:latin typeface="Cambria Math" panose="02040503050406030204" pitchFamily="18" charset="0"/>
                           </a:rPr>
                         </m:ctrlPr>
                       </m:sSubPr>
@@ -21281,6 +21427,7 @@
                             <a:solidFill>
                               <a:schemeClr val="tx1"/>
                             </a:solidFill>
+                            <a:latin typeface="Cambria Math" panose="02040503050406030204" pitchFamily="18" charset="0"/>
                           </a:rPr>
                           <m:t>𝐹</m:t>
                         </m:r>
@@ -21291,6 +21438,7 @@
                             <a:solidFill>
                               <a:schemeClr val="tx1"/>
                             </a:solidFill>
+                            <a:latin typeface="Cambria Math" panose="02040503050406030204" pitchFamily="18" charset="0"/>
                           </a:rPr>
                           <m:t>1</m:t>
                         </m:r>
@@ -21313,16 +21461,18 @@
                         <a:solidFill>
                           <a:schemeClr val="tx1"/>
                         </a:solidFill>
+                        <a:latin typeface="Cambria Math" panose="02040503050406030204" pitchFamily="18" charset="0"/>
                       </a:rPr>
                       <m:t>=</m:t>
                     </m:r>
                     <m:f>
                       <m:fPr>
                         <m:ctrlPr>
-                          <a:rPr lang="en-US">
+                          <a:rPr lang="en-US" i="1">
                             <a:solidFill>
                               <a:schemeClr val="tx1"/>
                             </a:solidFill>
+                            <a:latin typeface="Cambria Math" panose="02040503050406030204" pitchFamily="18" charset="0"/>
                           </a:rPr>
                         </m:ctrlPr>
                       </m:fPr>
@@ -21332,6 +21482,7 @@
                             <a:solidFill>
                               <a:schemeClr val="tx1"/>
                             </a:solidFill>
+                            <a:latin typeface="Cambria Math" panose="02040503050406030204" pitchFamily="18" charset="0"/>
                           </a:rPr>
                           <m:t>2</m:t>
                         </m:r>
@@ -21340,10 +21491,11 @@
                         <m:f>
                           <m:fPr>
                             <m:ctrlPr>
-                              <a:rPr lang="en-US">
+                              <a:rPr lang="en-US" i="1">
                                 <a:solidFill>
                                   <a:schemeClr val="tx1"/>
                                 </a:solidFill>
+                                <a:latin typeface="Cambria Math" panose="02040503050406030204" pitchFamily="18" charset="0"/>
                               </a:rPr>
                             </m:ctrlPr>
                           </m:fPr>
@@ -21353,6 +21505,7 @@
                                 <a:solidFill>
                                   <a:schemeClr val="tx1"/>
                                 </a:solidFill>
+                                <a:latin typeface="Cambria Math" panose="02040503050406030204" pitchFamily="18" charset="0"/>
                               </a:rPr>
                               <m:t>1</m:t>
                             </m:r>
@@ -21363,6 +21516,7 @@
                                 <a:solidFill>
                                   <a:schemeClr val="tx1"/>
                                 </a:solidFill>
+                                <a:latin typeface="Cambria Math" panose="02040503050406030204" pitchFamily="18" charset="0"/>
                               </a:rPr>
                               <m:t>𝑃</m:t>
                             </m:r>
@@ -21373,16 +21527,18 @@
                             <a:solidFill>
                               <a:schemeClr val="tx1"/>
                             </a:solidFill>
+                            <a:latin typeface="Cambria Math" panose="02040503050406030204" pitchFamily="18" charset="0"/>
                           </a:rPr>
                           <m:t>+</m:t>
                         </m:r>
                         <m:f>
                           <m:fPr>
                             <m:ctrlPr>
-                              <a:rPr lang="en-US">
+                              <a:rPr lang="en-US" i="1">
                                 <a:solidFill>
                                   <a:schemeClr val="tx1"/>
                                 </a:solidFill>
+                                <a:latin typeface="Cambria Math" panose="02040503050406030204" pitchFamily="18" charset="0"/>
                               </a:rPr>
                             </m:ctrlPr>
                           </m:fPr>
@@ -21392,6 +21548,7 @@
                                 <a:solidFill>
                                   <a:schemeClr val="tx1"/>
                                 </a:solidFill>
+                                <a:latin typeface="Cambria Math" panose="02040503050406030204" pitchFamily="18" charset="0"/>
                               </a:rPr>
                               <m:t>1</m:t>
                             </m:r>
@@ -21402,6 +21559,7 @@
                                 <a:solidFill>
                                   <a:schemeClr val="tx1"/>
                                 </a:solidFill>
+                                <a:latin typeface="Cambria Math" panose="02040503050406030204" pitchFamily="18" charset="0"/>
                               </a:rPr>
                               <m:t>𝑅</m:t>
                             </m:r>
@@ -21420,7 +21578,7 @@
             </p:txBody>
           </p:sp>
         </mc:Choice>
-        <mc:Fallback>
+        <mc:Fallback xmlns="">
           <p:sp>
             <p:nvSpPr>
               <p:cNvPr id="7" name="TextBox 6">
@@ -21612,6 +21770,18 @@
   <p:clrMapOvr>
     <a:masterClrMapping/>
   </p:clrMapOvr>
+  <mc:AlternateContent xmlns:mc="http://schemas.openxmlformats.org/markup-compatibility/2006">
+    <mc:Choice xmlns:p159="http://schemas.microsoft.com/office/powerpoint/2015/09/main" Requires="p159">
+      <p:transition xmlns:p14="http://schemas.microsoft.com/office/powerpoint/2010/main" spd="slow" p14:dur="2000">
+        <p159:morph option="byObject"/>
+      </p:transition>
+    </mc:Choice>
+    <mc:Fallback>
+      <p:transition spd="slow">
+        <p:fade/>
+      </p:transition>
+    </mc:Fallback>
+  </mc:AlternateContent>
   <p:timing>
     <p:tnLst>
       <p:par>
@@ -22062,7 +22232,7 @@
     </p:tnLst>
     <p:bldLst>
       <p:bldP spid="5" grpId="0" animBg="1"/>
-      <p:bldP spid="6" grpId="0"/>
+      <p:bldP spid="6" grpId="0" animBg="1"/>
       <p:bldP spid="7" grpId="0" animBg="1"/>
       <p:bldP spid="9" grpId="0" animBg="1"/>
       <p:bldP spid="10" grpId="0" animBg="1"/>
@@ -22199,6 +22369,998 @@
           <p:cNvPr id="2" name="Title 1">
             <a:extLst>
               <a:ext uri="{FF2B5EF4-FFF2-40B4-BE49-F238E27FC236}">
+                <a16:creationId xmlns:a16="http://schemas.microsoft.com/office/drawing/2014/main" id="{D84E5505-71D5-4F9C-8DC4-E95B42B4573D}"/>
+              </a:ext>
+            </a:extLst>
+          </p:cNvPr>
+          <p:cNvSpPr>
+            <a:spLocks noGrp="1"/>
+          </p:cNvSpPr>
+          <p:nvPr>
+            <p:ph type="title"/>
+          </p:nvPr>
+        </p:nvSpPr>
+        <p:spPr/>
+        <p:txBody>
+          <a:bodyPr>
+            <a:normAutofit/>
+          </a:bodyPr>
+          <a:lstStyle/>
+          <a:p>
+            <a:r>
+              <a:rPr lang="en-US" sz="4000" dirty="0"/>
+              <a:t>Accuracy assessment (Confusion Matrix, Precision and Recall)</a:t>
+            </a:r>
+          </a:p>
+        </p:txBody>
+      </p:sp>
+      <p:pic>
+        <p:nvPicPr>
+          <p:cNvPr id="3" name="Picture 2">
+            <a:extLst>
+              <a:ext uri="{FF2B5EF4-FFF2-40B4-BE49-F238E27FC236}">
+                <a16:creationId xmlns:a16="http://schemas.microsoft.com/office/drawing/2014/main" id="{292670BF-381E-4638-B7EA-5FCDAC2E1C9D}"/>
+              </a:ext>
+            </a:extLst>
+          </p:cNvPr>
+          <p:cNvPicPr>
+            <a:picLocks noChangeAspect="1"/>
+          </p:cNvPicPr>
+          <p:nvPr/>
+        </p:nvPicPr>
+        <p:blipFill>
+          <a:blip r:embed="rId3"/>
+          <a:stretch>
+            <a:fillRect/>
+          </a:stretch>
+        </p:blipFill>
+        <p:spPr>
+          <a:xfrm>
+            <a:off x="352878" y="1433897"/>
+            <a:ext cx="8254675" cy="3917718"/>
+          </a:xfrm>
+          <a:prstGeom prst="rect">
+            <a:avLst/>
+          </a:prstGeom>
+        </p:spPr>
+      </p:pic>
+      <mc:AlternateContent xmlns:mc="http://schemas.openxmlformats.org/markup-compatibility/2006">
+        <mc:Choice xmlns:a14="http://schemas.microsoft.com/office/drawing/2010/main" Requires="a14">
+          <p:sp>
+            <p:nvSpPr>
+              <p:cNvPr id="5" name="TextBox 4">
+                <a:extLst>
+                  <a:ext uri="{FF2B5EF4-FFF2-40B4-BE49-F238E27FC236}">
+                    <a16:creationId xmlns:a16="http://schemas.microsoft.com/office/drawing/2014/main" id="{1303762F-74B9-4D4C-AB63-2EED711132CF}"/>
+                  </a:ext>
+                </a:extLst>
+              </p:cNvPr>
+              <p:cNvSpPr txBox="1"/>
+              <p:nvPr/>
+            </p:nvSpPr>
+            <p:spPr>
+              <a:xfrm>
+                <a:off x="8583858" y="1690688"/>
+                <a:ext cx="3255264" cy="757130"/>
+              </a:xfrm>
+              <a:prstGeom prst="rect">
+                <a:avLst/>
+              </a:prstGeom>
+              <a:solidFill>
+                <a:schemeClr val="accent1">
+                  <a:alpha val="30000"/>
+                </a:schemeClr>
+              </a:solidFill>
+              <a:ln>
+                <a:noFill/>
+              </a:ln>
+            </p:spPr>
+            <p:style>
+              <a:lnRef idx="2">
+                <a:schemeClr val="accent1">
+                  <a:shade val="50000"/>
+                </a:schemeClr>
+              </a:lnRef>
+              <a:fillRef idx="1">
+                <a:schemeClr val="accent1"/>
+              </a:fillRef>
+              <a:effectRef idx="0">
+                <a:schemeClr val="accent1"/>
+              </a:effectRef>
+              <a:fontRef idx="minor">
+                <a:schemeClr val="lt1"/>
+              </a:fontRef>
+            </p:style>
+            <p:txBody>
+              <a:bodyPr rtlCol="0" anchor="ctr"/>
+              <a:lstStyle>
+                <a:defPPr>
+                  <a:defRPr lang="en-US"/>
+                </a:defPPr>
+                <a:lvl1pPr algn="ctr">
+                  <a:defRPr>
+                    <a:solidFill>
+                      <a:schemeClr val="lt1"/>
+                    </a:solidFill>
+                  </a:defRPr>
+                </a:lvl1pPr>
+                <a:lvl2pPr>
+                  <a:defRPr>
+                    <a:solidFill>
+                      <a:schemeClr val="lt1"/>
+                    </a:solidFill>
+                  </a:defRPr>
+                </a:lvl2pPr>
+                <a:lvl3pPr>
+                  <a:defRPr>
+                    <a:solidFill>
+                      <a:schemeClr val="lt1"/>
+                    </a:solidFill>
+                  </a:defRPr>
+                </a:lvl3pPr>
+                <a:lvl4pPr>
+                  <a:defRPr>
+                    <a:solidFill>
+                      <a:schemeClr val="lt1"/>
+                    </a:solidFill>
+                  </a:defRPr>
+                </a:lvl4pPr>
+                <a:lvl5pPr>
+                  <a:defRPr>
+                    <a:solidFill>
+                      <a:schemeClr val="lt1"/>
+                    </a:solidFill>
+                  </a:defRPr>
+                </a:lvl5pPr>
+                <a:lvl6pPr>
+                  <a:defRPr>
+                    <a:solidFill>
+                      <a:schemeClr val="lt1"/>
+                    </a:solidFill>
+                  </a:defRPr>
+                </a:lvl6pPr>
+                <a:lvl7pPr>
+                  <a:defRPr>
+                    <a:solidFill>
+                      <a:schemeClr val="lt1"/>
+                    </a:solidFill>
+                  </a:defRPr>
+                </a:lvl7pPr>
+                <a:lvl8pPr>
+                  <a:defRPr>
+                    <a:solidFill>
+                      <a:schemeClr val="lt1"/>
+                    </a:solidFill>
+                  </a:defRPr>
+                </a:lvl8pPr>
+                <a:lvl9pPr>
+                  <a:defRPr>
+                    <a:solidFill>
+                      <a:schemeClr val="lt1"/>
+                    </a:solidFill>
+                  </a:defRPr>
+                </a:lvl9pPr>
+              </a:lstStyle>
+              <a:p>
+                <a:r>
+                  <a:rPr lang="en-US" sz="2400" dirty="0">
+                    <a:solidFill>
+                      <a:schemeClr val="tx1"/>
+                    </a:solidFill>
+                  </a:rPr>
+                  <a:t>Precision </a:t>
+                </a:r>
+                <a14:m>
+                  <m:oMath xmlns:m="http://schemas.openxmlformats.org/officeDocument/2006/math">
+                    <m:r>
+                      <a:rPr lang="en-US" sz="2400">
+                        <a:solidFill>
+                          <a:schemeClr val="tx1"/>
+                        </a:solidFill>
+                        <a:latin typeface="Cambria Math" panose="02040503050406030204" pitchFamily="18" charset="0"/>
+                      </a:rPr>
+                      <m:t>=</m:t>
+                    </m:r>
+                    <m:r>
+                      <m:rPr>
+                        <m:sty m:val="p"/>
+                      </m:rPr>
+                      <a:rPr lang="en-US" sz="2400" b="0" i="0" smtClean="0">
+                        <a:solidFill>
+                          <a:schemeClr val="tx1"/>
+                        </a:solidFill>
+                        <a:latin typeface="Cambria Math" panose="02040503050406030204" pitchFamily="18" charset="0"/>
+                      </a:rPr>
+                      <m:t>P</m:t>
+                    </m:r>
+                    <m:r>
+                      <a:rPr lang="en-US" sz="2400">
+                        <a:solidFill>
+                          <a:schemeClr val="tx1"/>
+                        </a:solidFill>
+                        <a:latin typeface="Cambria Math" panose="02040503050406030204" pitchFamily="18" charset="0"/>
+                      </a:rPr>
+                      <m:t>:=</m:t>
+                    </m:r>
+                    <m:f>
+                      <m:fPr>
+                        <m:ctrlPr>
+                          <a:rPr lang="en-US" sz="2400" i="1">
+                            <a:solidFill>
+                              <a:schemeClr val="tx1"/>
+                            </a:solidFill>
+                            <a:latin typeface="Cambria Math" panose="02040503050406030204" pitchFamily="18" charset="0"/>
+                          </a:rPr>
+                        </m:ctrlPr>
+                      </m:fPr>
+                      <m:num>
+                        <m:r>
+                          <a:rPr lang="en-US" sz="2400">
+                            <a:solidFill>
+                              <a:schemeClr val="tx1"/>
+                            </a:solidFill>
+                            <a:latin typeface="Cambria Math" panose="02040503050406030204" pitchFamily="18" charset="0"/>
+                          </a:rPr>
+                          <m:t>𝑇𝑃</m:t>
+                        </m:r>
+                      </m:num>
+                      <m:den>
+                        <m:r>
+                          <a:rPr lang="en-US" sz="2400">
+                            <a:solidFill>
+                              <a:schemeClr val="tx1"/>
+                            </a:solidFill>
+                            <a:latin typeface="Cambria Math" panose="02040503050406030204" pitchFamily="18" charset="0"/>
+                          </a:rPr>
+                          <m:t>𝑇𝑃</m:t>
+                        </m:r>
+                        <m:r>
+                          <a:rPr lang="en-US" sz="2400">
+                            <a:solidFill>
+                              <a:schemeClr val="tx1"/>
+                            </a:solidFill>
+                            <a:latin typeface="Cambria Math" panose="02040503050406030204" pitchFamily="18" charset="0"/>
+                          </a:rPr>
+                          <m:t>+</m:t>
+                        </m:r>
+                        <m:r>
+                          <a:rPr lang="en-US" sz="2400">
+                            <a:solidFill>
+                              <a:schemeClr val="tx1"/>
+                            </a:solidFill>
+                            <a:latin typeface="Cambria Math" panose="02040503050406030204" pitchFamily="18" charset="0"/>
+                          </a:rPr>
+                          <m:t>𝐹𝑃</m:t>
+                        </m:r>
+                      </m:den>
+                    </m:f>
+                  </m:oMath>
+                </a14:m>
+                <a:endParaRPr lang="en-US" sz="2400" dirty="0">
+                  <a:solidFill>
+                    <a:schemeClr val="tx1"/>
+                  </a:solidFill>
+                </a:endParaRPr>
+              </a:p>
+            </p:txBody>
+          </p:sp>
+        </mc:Choice>
+        <mc:Fallback>
+          <p:sp>
+            <p:nvSpPr>
+              <p:cNvPr id="5" name="TextBox 4">
+                <a:extLst>
+                  <a:ext uri="{FF2B5EF4-FFF2-40B4-BE49-F238E27FC236}">
+                    <a16:creationId xmlns:a16="http://schemas.microsoft.com/office/drawing/2014/main" id="{1303762F-74B9-4D4C-AB63-2EED711132CF}"/>
+                  </a:ext>
+                </a:extLst>
+              </p:cNvPr>
+              <p:cNvSpPr txBox="1">
+                <a:spLocks noRot="1" noChangeAspect="1" noMove="1" noResize="1" noEditPoints="1" noAdjustHandles="1" noChangeArrowheads="1" noChangeShapeType="1" noTextEdit="1"/>
+              </p:cNvSpPr>
+              <p:nvPr/>
+            </p:nvSpPr>
+            <p:spPr>
+              <a:xfrm>
+                <a:off x="8583858" y="1690688"/>
+                <a:ext cx="3255264" cy="757130"/>
+              </a:xfrm>
+              <a:prstGeom prst="rect">
+                <a:avLst/>
+              </a:prstGeom>
+              <a:blipFill>
+                <a:blip r:embed="rId4"/>
+                <a:stretch>
+                  <a:fillRect/>
+                </a:stretch>
+              </a:blipFill>
+              <a:ln>
+                <a:noFill/>
+              </a:ln>
+            </p:spPr>
+            <p:txBody>
+              <a:bodyPr/>
+              <a:lstStyle/>
+              <a:p>
+                <a:r>
+                  <a:rPr lang="en-US">
+                    <a:noFill/>
+                  </a:rPr>
+                  <a:t> </a:t>
+                </a:r>
+              </a:p>
+            </p:txBody>
+          </p:sp>
+        </mc:Fallback>
+      </mc:AlternateContent>
+      <mc:AlternateContent xmlns:mc="http://schemas.openxmlformats.org/markup-compatibility/2006">
+        <mc:Choice xmlns:a14="http://schemas.microsoft.com/office/drawing/2010/main" Requires="a14">
+          <p:sp>
+            <p:nvSpPr>
+              <p:cNvPr id="6" name="TextBox 5">
+                <a:extLst>
+                  <a:ext uri="{FF2B5EF4-FFF2-40B4-BE49-F238E27FC236}">
+                    <a16:creationId xmlns:a16="http://schemas.microsoft.com/office/drawing/2014/main" id="{82AFA94F-266F-4F08-A200-580BF303FE6E}"/>
+                  </a:ext>
+                </a:extLst>
+              </p:cNvPr>
+              <p:cNvSpPr txBox="1"/>
+              <p:nvPr/>
+            </p:nvSpPr>
+            <p:spPr>
+              <a:xfrm>
+                <a:off x="8607553" y="3785284"/>
+                <a:ext cx="3012114" cy="616707"/>
+              </a:xfrm>
+              <a:prstGeom prst="rect">
+                <a:avLst/>
+              </a:prstGeom>
+              <a:noFill/>
+              <a:ln w="28575">
+                <a:solidFill>
+                  <a:srgbClr val="0070C0"/>
+                </a:solidFill>
+              </a:ln>
+            </p:spPr>
+            <p:txBody>
+              <a:bodyPr wrap="square" rtlCol="0">
+                <a:spAutoFit/>
+              </a:bodyPr>
+              <a:lstStyle/>
+              <a:p>
+                <a:r>
+                  <a:rPr lang="en-US" sz="2400" dirty="0"/>
+                  <a:t>Recall </a:t>
+                </a:r>
+                <a14:m>
+                  <m:oMath xmlns:m="http://schemas.openxmlformats.org/officeDocument/2006/math">
+                    <m:r>
+                      <a:rPr lang="en-US" sz="2400" b="0" i="1" smtClean="0">
+                        <a:latin typeface="Cambria Math" panose="02040503050406030204" pitchFamily="18" charset="0"/>
+                      </a:rPr>
+                      <m:t>=</m:t>
+                    </m:r>
+                    <m:r>
+                      <a:rPr lang="en-US" sz="2400" b="0" i="1" smtClean="0">
+                        <a:latin typeface="Cambria Math" panose="02040503050406030204" pitchFamily="18" charset="0"/>
+                      </a:rPr>
+                      <m:t>𝑅</m:t>
+                    </m:r>
+                    <m:r>
+                      <a:rPr lang="en-US" sz="2400" b="0" i="1" smtClean="0">
+                        <a:latin typeface="Cambria Math" panose="02040503050406030204" pitchFamily="18" charset="0"/>
+                      </a:rPr>
+                      <m:t>:=</m:t>
+                    </m:r>
+                    <m:f>
+                      <m:fPr>
+                        <m:ctrlPr>
+                          <a:rPr lang="en-US" sz="2400" b="0" i="1" smtClean="0">
+                            <a:latin typeface="Cambria Math" panose="02040503050406030204" pitchFamily="18" charset="0"/>
+                          </a:rPr>
+                        </m:ctrlPr>
+                      </m:fPr>
+                      <m:num>
+                        <m:r>
+                          <a:rPr lang="en-US" sz="2400" b="0" i="1" smtClean="0">
+                            <a:latin typeface="Cambria Math" panose="02040503050406030204" pitchFamily="18" charset="0"/>
+                          </a:rPr>
+                          <m:t>𝑇𝑃</m:t>
+                        </m:r>
+                      </m:num>
+                      <m:den>
+                        <m:r>
+                          <a:rPr lang="en-US" sz="2400" b="0" i="1" smtClean="0">
+                            <a:latin typeface="Cambria Math" panose="02040503050406030204" pitchFamily="18" charset="0"/>
+                          </a:rPr>
+                          <m:t>𝑇𝑃</m:t>
+                        </m:r>
+                        <m:r>
+                          <a:rPr lang="en-US" sz="2400" b="0" i="1" smtClean="0">
+                            <a:latin typeface="Cambria Math" panose="02040503050406030204" pitchFamily="18" charset="0"/>
+                          </a:rPr>
+                          <m:t>+</m:t>
+                        </m:r>
+                        <m:r>
+                          <a:rPr lang="en-US" sz="2400" b="0" i="1" smtClean="0">
+                            <a:latin typeface="Cambria Math" panose="02040503050406030204" pitchFamily="18" charset="0"/>
+                          </a:rPr>
+                          <m:t>𝐹𝑁</m:t>
+                        </m:r>
+                      </m:den>
+                    </m:f>
+                  </m:oMath>
+                </a14:m>
+                <a:endParaRPr lang="en-US" sz="2400" dirty="0"/>
+              </a:p>
+            </p:txBody>
+          </p:sp>
+        </mc:Choice>
+        <mc:Fallback>
+          <p:sp>
+            <p:nvSpPr>
+              <p:cNvPr id="6" name="TextBox 5">
+                <a:extLst>
+                  <a:ext uri="{FF2B5EF4-FFF2-40B4-BE49-F238E27FC236}">
+                    <a16:creationId xmlns:a16="http://schemas.microsoft.com/office/drawing/2014/main" id="{82AFA94F-266F-4F08-A200-580BF303FE6E}"/>
+                  </a:ext>
+                </a:extLst>
+              </p:cNvPr>
+              <p:cNvSpPr txBox="1">
+                <a:spLocks noRot="1" noChangeAspect="1" noMove="1" noResize="1" noEditPoints="1" noAdjustHandles="1" noChangeArrowheads="1" noChangeShapeType="1" noTextEdit="1"/>
+              </p:cNvSpPr>
+              <p:nvPr/>
+            </p:nvSpPr>
+            <p:spPr>
+              <a:xfrm>
+                <a:off x="8607553" y="3785284"/>
+                <a:ext cx="3012114" cy="616707"/>
+              </a:xfrm>
+              <a:prstGeom prst="rect">
+                <a:avLst/>
+              </a:prstGeom>
+              <a:blipFill>
+                <a:blip r:embed="rId5"/>
+                <a:stretch>
+                  <a:fillRect l="-2605" b="-6604"/>
+                </a:stretch>
+              </a:blipFill>
+              <a:ln w="28575">
+                <a:solidFill>
+                  <a:srgbClr val="0070C0"/>
+                </a:solidFill>
+              </a:ln>
+            </p:spPr>
+            <p:txBody>
+              <a:bodyPr/>
+              <a:lstStyle/>
+              <a:p>
+                <a:r>
+                  <a:rPr lang="en-US">
+                    <a:noFill/>
+                  </a:rPr>
+                  <a:t> </a:t>
+                </a:r>
+              </a:p>
+            </p:txBody>
+          </p:sp>
+        </mc:Fallback>
+      </mc:AlternateContent>
+      <mc:AlternateContent xmlns:mc="http://schemas.openxmlformats.org/markup-compatibility/2006" xmlns:a14="http://schemas.microsoft.com/office/drawing/2010/main">
+        <mc:Choice Requires="a14">
+          <p:sp>
+            <p:nvSpPr>
+              <p:cNvPr id="7" name="TextBox 6">
+                <a:extLst>
+                  <a:ext uri="{FF2B5EF4-FFF2-40B4-BE49-F238E27FC236}">
+                    <a16:creationId xmlns:a16="http://schemas.microsoft.com/office/drawing/2014/main" id="{B6C53301-C4D9-4596-A1D3-891A867DCF3B}"/>
+                  </a:ext>
+                </a:extLst>
+              </p:cNvPr>
+              <p:cNvSpPr txBox="1"/>
+              <p:nvPr/>
+            </p:nvSpPr>
+            <p:spPr>
+              <a:xfrm>
+                <a:off x="7783684" y="5357991"/>
+                <a:ext cx="3012115" cy="780278"/>
+              </a:xfrm>
+              <a:prstGeom prst="rect">
+                <a:avLst/>
+              </a:prstGeom>
+              <a:solidFill>
+                <a:schemeClr val="accent1">
+                  <a:alpha val="30000"/>
+                </a:schemeClr>
+              </a:solidFill>
+              <a:ln w="28575">
+                <a:solidFill>
+                  <a:srgbClr val="0070C0"/>
+                </a:solidFill>
+              </a:ln>
+            </p:spPr>
+            <p:style>
+              <a:lnRef idx="2">
+                <a:schemeClr val="accent1">
+                  <a:shade val="50000"/>
+                </a:schemeClr>
+              </a:lnRef>
+              <a:fillRef idx="1">
+                <a:schemeClr val="accent1"/>
+              </a:fillRef>
+              <a:effectRef idx="0">
+                <a:schemeClr val="accent1"/>
+              </a:effectRef>
+              <a:fontRef idx="minor">
+                <a:schemeClr val="lt1"/>
+              </a:fontRef>
+            </p:style>
+            <p:txBody>
+              <a:bodyPr rtlCol="0" anchor="ctr"/>
+              <a:lstStyle>
+                <a:defPPr>
+                  <a:defRPr lang="en-US"/>
+                </a:defPPr>
+                <a:lvl1pPr algn="ctr">
+                  <a:defRPr sz="2400"/>
+                </a:lvl1pPr>
+                <a:lvl2pPr>
+                  <a:defRPr>
+                    <a:solidFill>
+                      <a:schemeClr val="lt1"/>
+                    </a:solidFill>
+                  </a:defRPr>
+                </a:lvl2pPr>
+                <a:lvl3pPr>
+                  <a:defRPr>
+                    <a:solidFill>
+                      <a:schemeClr val="lt1"/>
+                    </a:solidFill>
+                  </a:defRPr>
+                </a:lvl3pPr>
+                <a:lvl4pPr>
+                  <a:defRPr>
+                    <a:solidFill>
+                      <a:schemeClr val="lt1"/>
+                    </a:solidFill>
+                  </a:defRPr>
+                </a:lvl4pPr>
+                <a:lvl5pPr>
+                  <a:defRPr>
+                    <a:solidFill>
+                      <a:schemeClr val="lt1"/>
+                    </a:solidFill>
+                  </a:defRPr>
+                </a:lvl5pPr>
+                <a:lvl6pPr>
+                  <a:defRPr>
+                    <a:solidFill>
+                      <a:schemeClr val="lt1"/>
+                    </a:solidFill>
+                  </a:defRPr>
+                </a:lvl6pPr>
+                <a:lvl7pPr>
+                  <a:defRPr>
+                    <a:solidFill>
+                      <a:schemeClr val="lt1"/>
+                    </a:solidFill>
+                  </a:defRPr>
+                </a:lvl7pPr>
+                <a:lvl8pPr>
+                  <a:defRPr>
+                    <a:solidFill>
+                      <a:schemeClr val="lt1"/>
+                    </a:solidFill>
+                  </a:defRPr>
+                </a:lvl8pPr>
+                <a:lvl9pPr>
+                  <a:defRPr>
+                    <a:solidFill>
+                      <a:schemeClr val="lt1"/>
+                    </a:solidFill>
+                  </a:defRPr>
+                </a:lvl9pPr>
+              </a:lstStyle>
+              <a:p>
+                <a14:m>
+                  <m:oMath xmlns:m="http://schemas.openxmlformats.org/officeDocument/2006/math">
+                    <m:sSub>
+                      <m:sSubPr>
+                        <m:ctrlPr>
+                          <a:rPr lang="en-US" i="1" smtClean="0">
+                            <a:solidFill>
+                              <a:schemeClr val="tx1"/>
+                            </a:solidFill>
+                            <a:latin typeface="Cambria Math" panose="02040503050406030204" pitchFamily="18" charset="0"/>
+                          </a:rPr>
+                        </m:ctrlPr>
+                      </m:sSubPr>
+                      <m:e>
+                        <m:r>
+                          <a:rPr lang="en-US">
+                            <a:solidFill>
+                              <a:schemeClr val="tx1"/>
+                            </a:solidFill>
+                            <a:latin typeface="Cambria Math" panose="02040503050406030204" pitchFamily="18" charset="0"/>
+                          </a:rPr>
+                          <m:t>𝐹</m:t>
+                        </m:r>
+                      </m:e>
+                      <m:sub>
+                        <m:r>
+                          <a:rPr lang="en-US">
+                            <a:solidFill>
+                              <a:schemeClr val="tx1"/>
+                            </a:solidFill>
+                            <a:latin typeface="Cambria Math" panose="02040503050406030204" pitchFamily="18" charset="0"/>
+                          </a:rPr>
+                          <m:t>1</m:t>
+                        </m:r>
+                      </m:sub>
+                    </m:sSub>
+                  </m:oMath>
+                </a14:m>
+                <a:r>
+                  <a:rPr lang="en-US" dirty="0">
+                    <a:solidFill>
+                      <a:schemeClr val="tx1"/>
+                    </a:solidFill>
+                  </a:rPr>
+                  <a:t> score </a:t>
+                </a:r>
+                <a14:m>
+                  <m:oMath xmlns:m="http://schemas.openxmlformats.org/officeDocument/2006/math">
+                    <m:r>
+                      <a:rPr lang="en-US">
+                        <a:solidFill>
+                          <a:schemeClr val="tx1"/>
+                        </a:solidFill>
+                        <a:latin typeface="Cambria Math" panose="02040503050406030204" pitchFamily="18" charset="0"/>
+                      </a:rPr>
+                      <m:t>=</m:t>
+                    </m:r>
+                    <m:f>
+                      <m:fPr>
+                        <m:ctrlPr>
+                          <a:rPr lang="en-US" i="1">
+                            <a:solidFill>
+                              <a:schemeClr val="tx1"/>
+                            </a:solidFill>
+                            <a:latin typeface="Cambria Math" panose="02040503050406030204" pitchFamily="18" charset="0"/>
+                          </a:rPr>
+                        </m:ctrlPr>
+                      </m:fPr>
+                      <m:num>
+                        <m:r>
+                          <a:rPr lang="en-US">
+                            <a:solidFill>
+                              <a:schemeClr val="tx1"/>
+                            </a:solidFill>
+                            <a:latin typeface="Cambria Math" panose="02040503050406030204" pitchFamily="18" charset="0"/>
+                          </a:rPr>
+                          <m:t>2</m:t>
+                        </m:r>
+                      </m:num>
+                      <m:den>
+                        <m:f>
+                          <m:fPr>
+                            <m:ctrlPr>
+                              <a:rPr lang="en-US" i="1">
+                                <a:solidFill>
+                                  <a:schemeClr val="tx1"/>
+                                </a:solidFill>
+                                <a:latin typeface="Cambria Math" panose="02040503050406030204" pitchFamily="18" charset="0"/>
+                              </a:rPr>
+                            </m:ctrlPr>
+                          </m:fPr>
+                          <m:num>
+                            <m:r>
+                              <a:rPr lang="en-US">
+                                <a:solidFill>
+                                  <a:schemeClr val="tx1"/>
+                                </a:solidFill>
+                                <a:latin typeface="Cambria Math" panose="02040503050406030204" pitchFamily="18" charset="0"/>
+                              </a:rPr>
+                              <m:t>1</m:t>
+                            </m:r>
+                          </m:num>
+                          <m:den>
+                            <m:r>
+                              <a:rPr lang="en-US">
+                                <a:solidFill>
+                                  <a:schemeClr val="tx1"/>
+                                </a:solidFill>
+                                <a:latin typeface="Cambria Math" panose="02040503050406030204" pitchFamily="18" charset="0"/>
+                              </a:rPr>
+                              <m:t>𝑃</m:t>
+                            </m:r>
+                          </m:den>
+                        </m:f>
+                        <m:r>
+                          <a:rPr lang="en-US">
+                            <a:solidFill>
+                              <a:schemeClr val="tx1"/>
+                            </a:solidFill>
+                            <a:latin typeface="Cambria Math" panose="02040503050406030204" pitchFamily="18" charset="0"/>
+                          </a:rPr>
+                          <m:t>+</m:t>
+                        </m:r>
+                        <m:f>
+                          <m:fPr>
+                            <m:ctrlPr>
+                              <a:rPr lang="en-US" i="1">
+                                <a:solidFill>
+                                  <a:schemeClr val="tx1"/>
+                                </a:solidFill>
+                                <a:latin typeface="Cambria Math" panose="02040503050406030204" pitchFamily="18" charset="0"/>
+                              </a:rPr>
+                            </m:ctrlPr>
+                          </m:fPr>
+                          <m:num>
+                            <m:r>
+                              <a:rPr lang="en-US">
+                                <a:solidFill>
+                                  <a:schemeClr val="tx1"/>
+                                </a:solidFill>
+                                <a:latin typeface="Cambria Math" panose="02040503050406030204" pitchFamily="18" charset="0"/>
+                              </a:rPr>
+                              <m:t>1</m:t>
+                            </m:r>
+                          </m:num>
+                          <m:den>
+                            <m:r>
+                              <a:rPr lang="en-US">
+                                <a:solidFill>
+                                  <a:schemeClr val="tx1"/>
+                                </a:solidFill>
+                                <a:latin typeface="Cambria Math" panose="02040503050406030204" pitchFamily="18" charset="0"/>
+                              </a:rPr>
+                              <m:t>𝑅</m:t>
+                            </m:r>
+                          </m:den>
+                        </m:f>
+                      </m:den>
+                    </m:f>
+                  </m:oMath>
+                </a14:m>
+                <a:endParaRPr lang="en-US" dirty="0">
+                  <a:solidFill>
+                    <a:schemeClr val="tx1"/>
+                  </a:solidFill>
+                </a:endParaRPr>
+              </a:p>
+            </p:txBody>
+          </p:sp>
+        </mc:Choice>
+        <mc:Fallback xmlns="">
+          <p:sp>
+            <p:nvSpPr>
+              <p:cNvPr id="7" name="TextBox 6">
+                <a:extLst>
+                  <a:ext uri="{FF2B5EF4-FFF2-40B4-BE49-F238E27FC236}">
+                    <a16:creationId xmlns:a16="http://schemas.microsoft.com/office/drawing/2014/main" id="{B6C53301-C4D9-4596-A1D3-891A867DCF3B}"/>
+                  </a:ext>
+                </a:extLst>
+              </p:cNvPr>
+              <p:cNvSpPr txBox="1">
+                <a:spLocks noRot="1" noChangeAspect="1" noMove="1" noResize="1" noEditPoints="1" noAdjustHandles="1" noChangeArrowheads="1" noChangeShapeType="1" noTextEdit="1"/>
+              </p:cNvSpPr>
+              <p:nvPr/>
+            </p:nvSpPr>
+            <p:spPr>
+              <a:xfrm>
+                <a:off x="7783684" y="5357991"/>
+                <a:ext cx="3012115" cy="780278"/>
+              </a:xfrm>
+              <a:prstGeom prst="rect">
+                <a:avLst/>
+              </a:prstGeom>
+              <a:blipFill>
+                <a:blip r:embed="rId6"/>
+                <a:stretch>
+                  <a:fillRect/>
+                </a:stretch>
+              </a:blipFill>
+              <a:ln w="28575">
+                <a:solidFill>
+                  <a:srgbClr val="0070C0"/>
+                </a:solidFill>
+              </a:ln>
+            </p:spPr>
+            <p:txBody>
+              <a:bodyPr/>
+              <a:lstStyle/>
+              <a:p>
+                <a:r>
+                  <a:rPr lang="en-US">
+                    <a:noFill/>
+                  </a:rPr>
+                  <a:t> </a:t>
+                </a:r>
+              </a:p>
+            </p:txBody>
+          </p:sp>
+        </mc:Fallback>
+      </mc:AlternateContent>
+      <p:sp>
+        <p:nvSpPr>
+          <p:cNvPr id="9" name="Rectangle 8">
+            <a:extLst>
+              <a:ext uri="{FF2B5EF4-FFF2-40B4-BE49-F238E27FC236}">
+                <a16:creationId xmlns:a16="http://schemas.microsoft.com/office/drawing/2014/main" id="{1E04C885-3F9E-4A3C-BD76-C6E0F71A72CB}"/>
+              </a:ext>
+            </a:extLst>
+          </p:cNvPr>
+          <p:cNvSpPr/>
+          <p:nvPr/>
+        </p:nvSpPr>
+        <p:spPr>
+          <a:xfrm>
+            <a:off x="4882896" y="1433897"/>
+            <a:ext cx="1865376" cy="3138103"/>
+          </a:xfrm>
+          <a:prstGeom prst="rect">
+            <a:avLst/>
+          </a:prstGeom>
+          <a:solidFill>
+            <a:schemeClr val="accent1">
+              <a:alpha val="30000"/>
+            </a:schemeClr>
+          </a:solidFill>
+          <a:ln>
+            <a:noFill/>
+          </a:ln>
+        </p:spPr>
+        <p:style>
+          <a:lnRef idx="2">
+            <a:schemeClr val="accent1">
+              <a:shade val="50000"/>
+            </a:schemeClr>
+          </a:lnRef>
+          <a:fillRef idx="1">
+            <a:schemeClr val="accent1"/>
+          </a:fillRef>
+          <a:effectRef idx="0">
+            <a:schemeClr val="accent1"/>
+          </a:effectRef>
+          <a:fontRef idx="minor">
+            <a:schemeClr val="lt1"/>
+          </a:fontRef>
+        </p:style>
+        <p:txBody>
+          <a:bodyPr rtlCol="0" anchor="ctr"/>
+          <a:lstStyle/>
+          <a:p>
+            <a:pPr algn="ctr"/>
+            <a:endParaRPr lang="en-US"/>
+          </a:p>
+        </p:txBody>
+      </p:sp>
+      <p:sp>
+        <p:nvSpPr>
+          <p:cNvPr id="10" name="Rectangle 9">
+            <a:extLst>
+              <a:ext uri="{FF2B5EF4-FFF2-40B4-BE49-F238E27FC236}">
+                <a16:creationId xmlns:a16="http://schemas.microsoft.com/office/drawing/2014/main" id="{13C5615E-E19C-4C22-9871-6B6A85CE02C9}"/>
+              </a:ext>
+            </a:extLst>
+          </p:cNvPr>
+          <p:cNvSpPr/>
+          <p:nvPr/>
+        </p:nvSpPr>
+        <p:spPr>
+          <a:xfrm>
+            <a:off x="1509486" y="3635664"/>
+            <a:ext cx="5238786" cy="878280"/>
+          </a:xfrm>
+          <a:prstGeom prst="rect">
+            <a:avLst/>
+          </a:prstGeom>
+          <a:noFill/>
+          <a:ln w="28575"/>
+        </p:spPr>
+        <p:style>
+          <a:lnRef idx="2">
+            <a:schemeClr val="accent1">
+              <a:shade val="50000"/>
+            </a:schemeClr>
+          </a:lnRef>
+          <a:fillRef idx="1">
+            <a:schemeClr val="accent1"/>
+          </a:fillRef>
+          <a:effectRef idx="0">
+            <a:schemeClr val="accent1"/>
+          </a:effectRef>
+          <a:fontRef idx="minor">
+            <a:schemeClr val="lt1"/>
+          </a:fontRef>
+        </p:style>
+        <p:txBody>
+          <a:bodyPr rtlCol="0" anchor="ctr"/>
+          <a:lstStyle/>
+          <a:p>
+            <a:pPr algn="ctr"/>
+            <a:endParaRPr lang="en-US"/>
+          </a:p>
+        </p:txBody>
+      </p:sp>
+      <p:pic>
+        <p:nvPicPr>
+          <p:cNvPr id="4" name="Picture 3">
+            <a:extLst>
+              <a:ext uri="{FF2B5EF4-FFF2-40B4-BE49-F238E27FC236}">
+                <a16:creationId xmlns:a16="http://schemas.microsoft.com/office/drawing/2014/main" id="{94315F46-768D-44E7-AEEF-205E3C78E585}"/>
+              </a:ext>
+            </a:extLst>
+          </p:cNvPr>
+          <p:cNvPicPr>
+            <a:picLocks noChangeAspect="1"/>
+          </p:cNvPicPr>
+          <p:nvPr/>
+        </p:nvPicPr>
+        <p:blipFill>
+          <a:blip r:embed="rId7"/>
+          <a:stretch>
+            <a:fillRect/>
+          </a:stretch>
+        </p:blipFill>
+        <p:spPr>
+          <a:xfrm>
+            <a:off x="352878" y="5527160"/>
+            <a:ext cx="7097917" cy="1222218"/>
+          </a:xfrm>
+          <a:prstGeom prst="rect">
+            <a:avLst/>
+          </a:prstGeom>
+        </p:spPr>
+      </p:pic>
+    </p:spTree>
+    <p:extLst>
+      <p:ext uri="{BB962C8B-B14F-4D97-AF65-F5344CB8AC3E}">
+        <p14:creationId xmlns:p14="http://schemas.microsoft.com/office/powerpoint/2010/main" val="1606473612"/>
+      </p:ext>
+    </p:extLst>
+  </p:cSld>
+  <p:clrMapOvr>
+    <a:masterClrMapping/>
+  </p:clrMapOvr>
+  <mc:AlternateContent xmlns:mc="http://schemas.openxmlformats.org/markup-compatibility/2006">
+    <mc:Choice xmlns:p159="http://schemas.microsoft.com/office/powerpoint/2015/09/main" Requires="p159">
+      <p:transition xmlns:p14="http://schemas.microsoft.com/office/powerpoint/2010/main" spd="slow" p14:dur="2000">
+        <p159:morph option="byObject"/>
+      </p:transition>
+    </mc:Choice>
+    <mc:Fallback>
+      <p:transition spd="slow">
+        <p:fade/>
+      </p:transition>
+    </mc:Fallback>
+  </mc:AlternateContent>
+</p:sld>
+</file>
+
+<file path=ppt/slides/slide31.xml><?xml version="1.0" encoding="utf-8"?>
+<p:sld xmlns:a="http://schemas.openxmlformats.org/drawingml/2006/main" xmlns:r="http://schemas.openxmlformats.org/officeDocument/2006/relationships" xmlns:p="http://schemas.openxmlformats.org/presentationml/2006/main">
+  <p:cSld>
+    <p:spTree>
+      <p:nvGrpSpPr>
+        <p:cNvPr id="1" name=""/>
+        <p:cNvGrpSpPr/>
+        <p:nvPr/>
+      </p:nvGrpSpPr>
+      <p:grpSpPr>
+        <a:xfrm>
+          <a:off x="0" y="0"/>
+          <a:ext cx="0" cy="0"/>
+          <a:chOff x="0" y="0"/>
+          <a:chExt cx="0" cy="0"/>
+        </a:xfrm>
+      </p:grpSpPr>
+      <p:sp>
+        <p:nvSpPr>
+          <p:cNvPr id="2" name="Title 1">
+            <a:extLst>
+              <a:ext uri="{FF2B5EF4-FFF2-40B4-BE49-F238E27FC236}">
                 <a16:creationId xmlns:a16="http://schemas.microsoft.com/office/drawing/2014/main" id="{CE32584A-1B00-43DD-9517-BE94E8876BF7}"/>
               </a:ext>
             </a:extLst>
@@ -22217,7 +23379,7 @@
           <a:p>
             <a:r>
               <a:rPr lang="en-US" dirty="0"/>
-              <a:t>All digits</a:t>
+              <a:t>of All digits</a:t>
             </a:r>
           </a:p>
         </p:txBody>
@@ -22237,15 +23399,15 @@
           <p:nvPr/>
         </p:nvPicPr>
         <p:blipFill>
-          <a:blip r:embed="rId2"/>
+          <a:blip r:embed="rId3"/>
           <a:stretch>
             <a:fillRect/>
           </a:stretch>
         </p:blipFill>
         <p:spPr>
           <a:xfrm>
-            <a:off x="3511297" y="1107568"/>
-            <a:ext cx="5434306" cy="5604128"/>
+            <a:off x="3831771" y="1438056"/>
+            <a:ext cx="5113832" cy="5273639"/>
           </a:xfrm>
           <a:prstGeom prst="rect">
             <a:avLst/>
@@ -22265,7 +23427,7 @@
 </p:sld>
 </file>
 
-<file path=ppt/slides/slide31.xml><?xml version="1.0" encoding="utf-8"?>
+<file path=ppt/slides/slide32.xml><?xml version="1.0" encoding="utf-8"?>
 <p:sld xmlns:a="http://schemas.openxmlformats.org/drawingml/2006/main" xmlns:r="http://schemas.openxmlformats.org/officeDocument/2006/relationships" xmlns:p="http://schemas.openxmlformats.org/presentationml/2006/main">
   <p:cSld>
     <p:spTree>
@@ -22444,7 +23606,7 @@
 </p:sld>
 </file>
 
-<file path=ppt/slides/slide32.xml><?xml version="1.0" encoding="utf-8"?>
+<file path=ppt/slides/slide33.xml><?xml version="1.0" encoding="utf-8"?>
 <p:sld xmlns:a="http://schemas.openxmlformats.org/drawingml/2006/main" xmlns:r="http://schemas.openxmlformats.org/officeDocument/2006/relationships" xmlns:p="http://schemas.openxmlformats.org/presentationml/2006/main" show="0">
   <p:cSld>
     <p:spTree>

--- a/slides/08_ML_TreeBased.pptx
+++ b/slides/08_ML_TreeBased.pptx
@@ -229,7 +229,7 @@
           <a:p>
             <a:fld id="{2B6ADA65-42AE-42FD-B70D-8865A2D11361}" type="datetimeFigureOut">
               <a:rPr lang="en-US" smtClean="0"/>
-              <a:t>5/21/2020</a:t>
+              <a:t>5/31/2020</a:t>
             </a:fld>
             <a:endParaRPr lang="en-US"/>
           </a:p>
@@ -2952,7 +2952,7 @@
           <a:p>
             <a:fld id="{4EBB928B-0EDC-411C-A330-85D3092F9397}" type="datetimeFigureOut">
               <a:rPr lang="en-US" smtClean="0"/>
-              <a:t>5/21/2020</a:t>
+              <a:t>5/31/2020</a:t>
             </a:fld>
             <a:endParaRPr lang="en-US"/>
           </a:p>
@@ -3150,7 +3150,7 @@
           <a:p>
             <a:fld id="{4EBB928B-0EDC-411C-A330-85D3092F9397}" type="datetimeFigureOut">
               <a:rPr lang="en-US" smtClean="0"/>
-              <a:t>5/21/2020</a:t>
+              <a:t>5/31/2020</a:t>
             </a:fld>
             <a:endParaRPr lang="en-US"/>
           </a:p>
@@ -3358,7 +3358,7 @@
           <a:p>
             <a:fld id="{4EBB928B-0EDC-411C-A330-85D3092F9397}" type="datetimeFigureOut">
               <a:rPr lang="en-US" smtClean="0"/>
-              <a:t>5/21/2020</a:t>
+              <a:t>5/31/2020</a:t>
             </a:fld>
             <a:endParaRPr lang="en-US"/>
           </a:p>
@@ -3556,7 +3556,7 @@
           <a:p>
             <a:fld id="{4EBB928B-0EDC-411C-A330-85D3092F9397}" type="datetimeFigureOut">
               <a:rPr lang="en-US" smtClean="0"/>
-              <a:t>5/21/2020</a:t>
+              <a:t>5/31/2020</a:t>
             </a:fld>
             <a:endParaRPr lang="en-US"/>
           </a:p>
@@ -3831,7 +3831,7 @@
           <a:p>
             <a:fld id="{4EBB928B-0EDC-411C-A330-85D3092F9397}" type="datetimeFigureOut">
               <a:rPr lang="en-US" smtClean="0"/>
-              <a:t>5/21/2020</a:t>
+              <a:t>5/31/2020</a:t>
             </a:fld>
             <a:endParaRPr lang="en-US"/>
           </a:p>
@@ -4096,7 +4096,7 @@
           <a:p>
             <a:fld id="{4EBB928B-0EDC-411C-A330-85D3092F9397}" type="datetimeFigureOut">
               <a:rPr lang="en-US" smtClean="0"/>
-              <a:t>5/21/2020</a:t>
+              <a:t>5/31/2020</a:t>
             </a:fld>
             <a:endParaRPr lang="en-US"/>
           </a:p>
@@ -4508,7 +4508,7 @@
           <a:p>
             <a:fld id="{4EBB928B-0EDC-411C-A330-85D3092F9397}" type="datetimeFigureOut">
               <a:rPr lang="en-US" smtClean="0"/>
-              <a:t>5/21/2020</a:t>
+              <a:t>5/31/2020</a:t>
             </a:fld>
             <a:endParaRPr lang="en-US"/>
           </a:p>
@@ -4649,7 +4649,7 @@
           <a:p>
             <a:fld id="{4EBB928B-0EDC-411C-A330-85D3092F9397}" type="datetimeFigureOut">
               <a:rPr lang="en-US" smtClean="0"/>
-              <a:t>5/21/2020</a:t>
+              <a:t>5/31/2020</a:t>
             </a:fld>
             <a:endParaRPr lang="en-US"/>
           </a:p>
@@ -4762,7 +4762,7 @@
           <a:p>
             <a:fld id="{4EBB928B-0EDC-411C-A330-85D3092F9397}" type="datetimeFigureOut">
               <a:rPr lang="en-US" smtClean="0"/>
-              <a:t>5/21/2020</a:t>
+              <a:t>5/31/2020</a:t>
             </a:fld>
             <a:endParaRPr lang="en-US"/>
           </a:p>
@@ -5073,7 +5073,7 @@
           <a:p>
             <a:fld id="{4EBB928B-0EDC-411C-A330-85D3092F9397}" type="datetimeFigureOut">
               <a:rPr lang="en-US" smtClean="0"/>
-              <a:t>5/21/2020</a:t>
+              <a:t>5/31/2020</a:t>
             </a:fld>
             <a:endParaRPr lang="en-US"/>
           </a:p>
@@ -5361,7 +5361,7 @@
           <a:p>
             <a:fld id="{4EBB928B-0EDC-411C-A330-85D3092F9397}" type="datetimeFigureOut">
               <a:rPr lang="en-US" smtClean="0"/>
-              <a:t>5/21/2020</a:t>
+              <a:t>5/31/2020</a:t>
             </a:fld>
             <a:endParaRPr lang="en-US"/>
           </a:p>
@@ -5602,7 +5602,7 @@
           <a:p>
             <a:fld id="{4EBB928B-0EDC-411C-A330-85D3092F9397}" type="datetimeFigureOut">
               <a:rPr lang="en-US" smtClean="0"/>
-              <a:t>5/21/2020</a:t>
+              <a:t>5/31/2020</a:t>
             </a:fld>
             <a:endParaRPr lang="en-US"/>
           </a:p>
@@ -20873,8 +20873,8 @@
           </a:prstGeom>
         </p:spPr>
       </p:pic>
-      <mc:AlternateContent xmlns:mc="http://schemas.openxmlformats.org/markup-compatibility/2006">
-        <mc:Choice xmlns:a14="http://schemas.microsoft.com/office/drawing/2010/main" Requires="a14">
+      <mc:AlternateContent xmlns:mc="http://schemas.openxmlformats.org/markup-compatibility/2006" xmlns:a14="http://schemas.microsoft.com/office/drawing/2010/main">
+        <mc:Choice Requires="a14">
           <p:sp>
             <p:nvSpPr>
               <p:cNvPr id="5" name="TextBox 4">
@@ -21091,7 +21091,7 @@
             </p:txBody>
           </p:sp>
         </mc:Choice>
-        <mc:Fallback>
+        <mc:Fallback xmlns="">
           <p:sp>
             <p:nvSpPr>
               <p:cNvPr id="5" name="TextBox 4">
@@ -21139,8 +21139,8 @@
           </p:sp>
         </mc:Fallback>
       </mc:AlternateContent>
-      <mc:AlternateContent xmlns:mc="http://schemas.openxmlformats.org/markup-compatibility/2006">
-        <mc:Choice xmlns:a14="http://schemas.microsoft.com/office/drawing/2010/main" Requires="a14">
+      <mc:AlternateContent xmlns:mc="http://schemas.openxmlformats.org/markup-compatibility/2006" xmlns:a14="http://schemas.microsoft.com/office/drawing/2010/main">
+        <mc:Choice Requires="a14">
           <p:sp>
             <p:nvSpPr>
               <p:cNvPr id="6" name="TextBox 5">
@@ -21242,7 +21242,7 @@
             </p:txBody>
           </p:sp>
         </mc:Choice>
-        <mc:Fallback>
+        <mc:Fallback xmlns="">
           <p:sp>
             <p:nvSpPr>
               <p:cNvPr id="6" name="TextBox 5">
@@ -21770,13 +21770,13 @@
   <p:clrMapOvr>
     <a:masterClrMapping/>
   </p:clrMapOvr>
-  <mc:AlternateContent xmlns:mc="http://schemas.openxmlformats.org/markup-compatibility/2006">
-    <mc:Choice xmlns:p159="http://schemas.microsoft.com/office/powerpoint/2015/09/main" Requires="p159">
+  <mc:AlternateContent xmlns:mc="http://schemas.openxmlformats.org/markup-compatibility/2006" xmlns:p159="http://schemas.microsoft.com/office/powerpoint/2015/09/main">
+    <mc:Choice Requires="p159">
       <p:transition xmlns:p14="http://schemas.microsoft.com/office/powerpoint/2010/main" spd="slow" p14:dur="2000">
         <p159:morph option="byObject"/>
       </p:transition>
     </mc:Choice>
-    <mc:Fallback>
+    <mc:Fallback xmlns="">
       <p:transition spd="slow">
         <p:fade/>
       </p:transition>
@@ -22424,8 +22424,8 @@
           </a:prstGeom>
         </p:spPr>
       </p:pic>
-      <mc:AlternateContent xmlns:mc="http://schemas.openxmlformats.org/markup-compatibility/2006">
-        <mc:Choice xmlns:a14="http://schemas.microsoft.com/office/drawing/2010/main" Requires="a14">
+      <mc:AlternateContent xmlns:mc="http://schemas.openxmlformats.org/markup-compatibility/2006" xmlns:a14="http://schemas.microsoft.com/office/drawing/2010/main">
+        <mc:Choice Requires="a14">
           <p:sp>
             <p:nvSpPr>
               <p:cNvPr id="5" name="TextBox 4">
@@ -22645,7 +22645,7 @@
             </p:txBody>
           </p:sp>
         </mc:Choice>
-        <mc:Fallback>
+        <mc:Fallback xmlns="">
           <p:sp>
             <p:nvSpPr>
               <p:cNvPr id="5" name="TextBox 4">
@@ -22693,8 +22693,8 @@
           </p:sp>
         </mc:Fallback>
       </mc:AlternateContent>
-      <mc:AlternateContent xmlns:mc="http://schemas.openxmlformats.org/markup-compatibility/2006">
-        <mc:Choice xmlns:a14="http://schemas.microsoft.com/office/drawing/2010/main" Requires="a14">
+      <mc:AlternateContent xmlns:mc="http://schemas.openxmlformats.org/markup-compatibility/2006" xmlns:a14="http://schemas.microsoft.com/office/drawing/2010/main">
+        <mc:Choice Requires="a14">
           <p:sp>
             <p:nvSpPr>
               <p:cNvPr id="6" name="TextBox 5">
@@ -22796,7 +22796,7 @@
             </p:txBody>
           </p:sp>
         </mc:Choice>
-        <mc:Fallback>
+        <mc:Fallback xmlns="">
           <p:sp>
             <p:nvSpPr>
               <p:cNvPr id="6" name="TextBox 5">
@@ -23324,13 +23324,13 @@
   <p:clrMapOvr>
     <a:masterClrMapping/>
   </p:clrMapOvr>
-  <mc:AlternateContent xmlns:mc="http://schemas.openxmlformats.org/markup-compatibility/2006">
-    <mc:Choice xmlns:p159="http://schemas.microsoft.com/office/powerpoint/2015/09/main" Requires="p159">
+  <mc:AlternateContent xmlns:mc="http://schemas.openxmlformats.org/markup-compatibility/2006" xmlns:p159="http://schemas.microsoft.com/office/powerpoint/2015/09/main">
+    <mc:Choice Requires="p159">
       <p:transition xmlns:p14="http://schemas.microsoft.com/office/powerpoint/2010/main" spd="slow" p14:dur="2000">
         <p159:morph option="byObject"/>
       </p:transition>
     </mc:Choice>
-    <mc:Fallback>
+    <mc:Fallback xmlns="">
       <p:transition spd="slow">
         <p:fade/>
       </p:transition>
@@ -25627,8 +25627,8 @@
           </a:prstGeom>
         </p:spPr>
       </p:pic>
-      <mc:AlternateContent xmlns:mc="http://schemas.openxmlformats.org/markup-compatibility/2006" xmlns:a14="http://schemas.microsoft.com/office/drawing/2010/main">
-        <mc:Choice Requires="a14">
+      <mc:AlternateContent xmlns:mc="http://schemas.openxmlformats.org/markup-compatibility/2006">
+        <mc:Choice xmlns:a14="http://schemas.microsoft.com/office/drawing/2010/main" Requires="a14">
           <p:sp>
             <p:nvSpPr>
               <p:cNvPr id="4" name="TextBox 3">
@@ -25643,7 +25643,7 @@
             </p:nvSpPr>
             <p:spPr>
               <a:xfrm>
-                <a:off x="261378" y="2606865"/>
+                <a:off x="190407" y="2596531"/>
                 <a:ext cx="1074821" cy="822469"/>
               </a:xfrm>
               <a:prstGeom prst="rect">
@@ -25719,7 +25719,7 @@
             </p:txBody>
           </p:sp>
         </mc:Choice>
-        <mc:Fallback xmlns="">
+        <mc:Fallback>
           <p:sp>
             <p:nvSpPr>
               <p:cNvPr id="4" name="TextBox 3">
@@ -25736,7 +25736,7 @@
             </p:nvSpPr>
             <p:spPr>
               <a:xfrm>
-                <a:off x="261378" y="2606865"/>
+                <a:off x="190407" y="2596531"/>
                 <a:ext cx="1074821" cy="822469"/>
               </a:xfrm>
               <a:prstGeom prst="rect">
@@ -25745,7 +25745,7 @@
               <a:blipFill>
                 <a:blip r:embed="rId3"/>
                 <a:stretch>
-                  <a:fillRect l="-1136" r="-1136"/>
+                  <a:fillRect l="-1130" r="-1130"/>
                 </a:stretch>
               </a:blipFill>
             </p:spPr>
@@ -25764,8 +25764,8 @@
           </p:sp>
         </mc:Fallback>
       </mc:AlternateContent>
-      <mc:AlternateContent xmlns:mc="http://schemas.openxmlformats.org/markup-compatibility/2006" xmlns:a14="http://schemas.microsoft.com/office/drawing/2010/main">
-        <mc:Choice Requires="a14">
+      <mc:AlternateContent xmlns:mc="http://schemas.openxmlformats.org/markup-compatibility/2006">
+        <mc:Choice xmlns:a14="http://schemas.microsoft.com/office/drawing/2010/main" Requires="a14">
           <p:sp>
             <p:nvSpPr>
               <p:cNvPr id="5" name="TextBox 4">
@@ -25780,7 +25780,7 @@
             </p:nvSpPr>
             <p:spPr>
               <a:xfrm>
-                <a:off x="2467720" y="5665736"/>
+                <a:off x="2871912" y="5812504"/>
                 <a:ext cx="1725160" cy="461665"/>
               </a:xfrm>
               <a:prstGeom prst="rect">
@@ -25856,7 +25856,7 @@
             </p:txBody>
           </p:sp>
         </mc:Choice>
-        <mc:Fallback xmlns="">
+        <mc:Fallback>
           <p:sp>
             <p:nvSpPr>
               <p:cNvPr id="5" name="TextBox 4">
@@ -25873,7 +25873,7 @@
             </p:nvSpPr>
             <p:spPr>
               <a:xfrm>
-                <a:off x="2467720" y="5665736"/>
+                <a:off x="2871912" y="5812504"/>
                 <a:ext cx="1725160" cy="461665"/>
               </a:xfrm>
               <a:prstGeom prst="rect">
@@ -25901,8 +25901,8 @@
           </p:sp>
         </mc:Fallback>
       </mc:AlternateContent>
-      <mc:AlternateContent xmlns:mc="http://schemas.openxmlformats.org/markup-compatibility/2006" xmlns:a14="http://schemas.microsoft.com/office/drawing/2010/main">
-        <mc:Choice Requires="a14">
+      <mc:AlternateContent xmlns:mc="http://schemas.openxmlformats.org/markup-compatibility/2006">
+        <mc:Choice xmlns:a14="http://schemas.microsoft.com/office/drawing/2010/main" Requires="a14">
           <p:sp>
             <p:nvSpPr>
               <p:cNvPr id="6" name="TextBox 5">
@@ -25917,8 +25917,8 @@
             </p:nvSpPr>
             <p:spPr>
               <a:xfrm>
-                <a:off x="2467720" y="2355441"/>
-                <a:ext cx="1725160" cy="461665"/>
+                <a:off x="2393811" y="2036129"/>
+                <a:ext cx="2755274" cy="461665"/>
               </a:xfrm>
               <a:prstGeom prst="rect">
                 <a:avLst/>
@@ -25994,7 +25994,7 @@
             </p:txBody>
           </p:sp>
         </mc:Choice>
-        <mc:Fallback xmlns="">
+        <mc:Fallback>
           <p:sp>
             <p:nvSpPr>
               <p:cNvPr id="6" name="TextBox 5">
@@ -26011,8 +26011,8 @@
             </p:nvSpPr>
             <p:spPr>
               <a:xfrm>
-                <a:off x="2467720" y="2355441"/>
-                <a:ext cx="1725160" cy="461665"/>
+                <a:off x="2393811" y="2036129"/>
+                <a:ext cx="2755274" cy="461665"/>
               </a:xfrm>
               <a:prstGeom prst="rect">
                 <a:avLst/>
@@ -26494,8 +26494,8 @@
           </p:sp>
         </mc:Fallback>
       </mc:AlternateContent>
-      <mc:AlternateContent xmlns:mc="http://schemas.openxmlformats.org/markup-compatibility/2006" xmlns:a14="http://schemas.microsoft.com/office/drawing/2010/main">
-        <mc:Choice Requires="a14">
+      <mc:AlternateContent xmlns:mc="http://schemas.openxmlformats.org/markup-compatibility/2006">
+        <mc:Choice xmlns:a14="http://schemas.microsoft.com/office/drawing/2010/main" Requires="a14">
           <p:sp>
             <p:nvSpPr>
               <p:cNvPr id="10" name="TextBox 9">
@@ -26783,7 +26783,7 @@
             </p:txBody>
           </p:sp>
         </mc:Choice>
-        <mc:Fallback xmlns="">
+        <mc:Fallback>
           <p:sp>
             <p:nvSpPr>
               <p:cNvPr id="10" name="TextBox 9">
@@ -27132,6 +27132,143 @@
           </a:p>
         </p:txBody>
       </p:sp>
+      <p:sp>
+        <p:nvSpPr>
+          <p:cNvPr id="19" name="Rectangle 18">
+            <a:extLst>
+              <a:ext uri="{FF2B5EF4-FFF2-40B4-BE49-F238E27FC236}">
+                <a16:creationId xmlns:a16="http://schemas.microsoft.com/office/drawing/2014/main" id="{9890C2A6-56B1-4D06-822D-1C7C395142CE}"/>
+              </a:ext>
+            </a:extLst>
+          </p:cNvPr>
+          <p:cNvSpPr/>
+          <p:nvPr/>
+        </p:nvSpPr>
+        <p:spPr>
+          <a:xfrm>
+            <a:off x="1280420" y="2016251"/>
+            <a:ext cx="3931920" cy="2240280"/>
+          </a:xfrm>
+          <a:prstGeom prst="rect">
+            <a:avLst/>
+          </a:prstGeom>
+          <a:solidFill>
+            <a:schemeClr val="accent2">
+              <a:lumMod val="75000"/>
+              <a:alpha val="40000"/>
+            </a:schemeClr>
+          </a:solidFill>
+        </p:spPr>
+        <p:txBody>
+          <a:bodyPr wrap="square" rtlCol="0">
+            <a:spAutoFit/>
+          </a:bodyPr>
+          <a:lstStyle/>
+          <a:p>
+            <a:endParaRPr lang="en-US" sz="2400" i="1" dirty="0">
+              <a:solidFill>
+                <a:schemeClr val="tx1"/>
+              </a:solidFill>
+              <a:latin typeface="Cambria Math" panose="02040503050406030204" pitchFamily="18" charset="0"/>
+            </a:endParaRPr>
+          </a:p>
+        </p:txBody>
+      </p:sp>
+      <p:sp>
+        <p:nvSpPr>
+          <p:cNvPr id="21" name="Rectangle 20">
+            <a:extLst>
+              <a:ext uri="{FF2B5EF4-FFF2-40B4-BE49-F238E27FC236}">
+                <a16:creationId xmlns:a16="http://schemas.microsoft.com/office/drawing/2014/main" id="{56B01058-2336-442E-9A0F-3404B3AB2EB7}"/>
+              </a:ext>
+            </a:extLst>
+          </p:cNvPr>
+          <p:cNvSpPr/>
+          <p:nvPr/>
+        </p:nvSpPr>
+        <p:spPr>
+          <a:xfrm>
+            <a:off x="1280420" y="4230689"/>
+            <a:ext cx="3931920" cy="2194560"/>
+          </a:xfrm>
+          <a:prstGeom prst="rect">
+            <a:avLst/>
+          </a:prstGeom>
+          <a:solidFill>
+            <a:srgbClr val="FFC000">
+              <a:alpha val="40000"/>
+            </a:srgbClr>
+          </a:solidFill>
+        </p:spPr>
+        <p:txBody>
+          <a:bodyPr wrap="square" rtlCol="0">
+            <a:spAutoFit/>
+          </a:bodyPr>
+          <a:lstStyle/>
+          <a:p>
+            <a:endParaRPr lang="en-US" sz="2400" i="1" dirty="0">
+              <a:solidFill>
+                <a:schemeClr val="tx1"/>
+              </a:solidFill>
+              <a:latin typeface="Cambria Math" panose="02040503050406030204" pitchFamily="18" charset="0"/>
+            </a:endParaRPr>
+          </a:p>
+        </p:txBody>
+      </p:sp>
+      <p:sp>
+        <p:nvSpPr>
+          <p:cNvPr id="22" name="Rectangle 21">
+            <a:extLst>
+              <a:ext uri="{FF2B5EF4-FFF2-40B4-BE49-F238E27FC236}">
+                <a16:creationId xmlns:a16="http://schemas.microsoft.com/office/drawing/2014/main" id="{719336DA-EA61-4F79-A76C-A4F187916D5D}"/>
+              </a:ext>
+            </a:extLst>
+          </p:cNvPr>
+          <p:cNvSpPr/>
+          <p:nvPr/>
+        </p:nvSpPr>
+        <p:spPr>
+          <a:xfrm>
+            <a:off x="422390" y="2011346"/>
+            <a:ext cx="868680" cy="4389120"/>
+          </a:xfrm>
+          <a:prstGeom prst="rect">
+            <a:avLst/>
+          </a:prstGeom>
+          <a:solidFill>
+            <a:schemeClr val="accent1">
+              <a:alpha val="40000"/>
+            </a:schemeClr>
+          </a:solidFill>
+          <a:ln>
+            <a:noFill/>
+          </a:ln>
+        </p:spPr>
+        <p:style>
+          <a:lnRef idx="2">
+            <a:schemeClr val="accent1">
+              <a:shade val="50000"/>
+            </a:schemeClr>
+          </a:lnRef>
+          <a:fillRef idx="1">
+            <a:schemeClr val="accent1"/>
+          </a:fillRef>
+          <a:effectRef idx="0">
+            <a:schemeClr val="accent1"/>
+          </a:effectRef>
+          <a:fontRef idx="minor">
+            <a:schemeClr val="lt1"/>
+          </a:fontRef>
+        </p:style>
+        <p:txBody>
+          <a:bodyPr rtlCol="0" anchor="ctr"/>
+          <a:lstStyle/>
+          <a:p>
+            <a:pPr algn="ctr"/>
+            <a:endParaRPr lang="en-US"/>
+          </a:p>
+        </p:txBody>
+      </p:sp>
     </p:spTree>
     <p:extLst>
       <p:ext uri="{BB962C8B-B14F-4D97-AF65-F5344CB8AC3E}">
@@ -27163,7 +27300,7 @@
                             </p:stCondLst>
                             <p:childTnLst>
                               <p:par>
-                                <p:cTn id="5" presetID="42" presetClass="entr" presetSubtype="0" fill="hold" grpId="0" nodeType="clickEffect">
+                                <p:cTn id="5" presetID="47" presetClass="entr" presetSubtype="0" fill="hold" grpId="0" nodeType="clickEffect">
                                   <p:stCondLst>
                                     <p:cond delay="0"/>
                                   </p:stCondLst>
@@ -27171,6 +27308,834 @@
                                     <p:set>
                                       <p:cBhvr>
                                         <p:cTn id="6" dur="1" fill="hold">
+                                          <p:stCondLst>
+                                            <p:cond delay="0"/>
+                                          </p:stCondLst>
+                                        </p:cTn>
+                                        <p:tgtEl>
+                                          <p:spTgt spid="4"/>
+                                        </p:tgtEl>
+                                        <p:attrNameLst>
+                                          <p:attrName>style.visibility</p:attrName>
+                                        </p:attrNameLst>
+                                      </p:cBhvr>
+                                      <p:to>
+                                        <p:strVal val="visible"/>
+                                      </p:to>
+                                    </p:set>
+                                    <p:animEffect transition="in" filter="fade">
+                                      <p:cBhvr>
+                                        <p:cTn id="7" dur="1000"/>
+                                        <p:tgtEl>
+                                          <p:spTgt spid="4"/>
+                                        </p:tgtEl>
+                                      </p:cBhvr>
+                                    </p:animEffect>
+                                    <p:anim calcmode="lin" valueType="num">
+                                      <p:cBhvr>
+                                        <p:cTn id="8" dur="1000" fill="hold"/>
+                                        <p:tgtEl>
+                                          <p:spTgt spid="4"/>
+                                        </p:tgtEl>
+                                        <p:attrNameLst>
+                                          <p:attrName>ppt_x</p:attrName>
+                                        </p:attrNameLst>
+                                      </p:cBhvr>
+                                      <p:tavLst>
+                                        <p:tav tm="0">
+                                          <p:val>
+                                            <p:strVal val="#ppt_x"/>
+                                          </p:val>
+                                        </p:tav>
+                                        <p:tav tm="100000">
+                                          <p:val>
+                                            <p:strVal val="#ppt_x"/>
+                                          </p:val>
+                                        </p:tav>
+                                      </p:tavLst>
+                                    </p:anim>
+                                    <p:anim calcmode="lin" valueType="num">
+                                      <p:cBhvr>
+                                        <p:cTn id="9" dur="1000" fill="hold"/>
+                                        <p:tgtEl>
+                                          <p:spTgt spid="4"/>
+                                        </p:tgtEl>
+                                        <p:attrNameLst>
+                                          <p:attrName>ppt_y</p:attrName>
+                                        </p:attrNameLst>
+                                      </p:cBhvr>
+                                      <p:tavLst>
+                                        <p:tav tm="0">
+                                          <p:val>
+                                            <p:strVal val="#ppt_y-.1"/>
+                                          </p:val>
+                                        </p:tav>
+                                        <p:tav tm="100000">
+                                          <p:val>
+                                            <p:strVal val="#ppt_y"/>
+                                          </p:val>
+                                        </p:tav>
+                                      </p:tavLst>
+                                    </p:anim>
+                                  </p:childTnLst>
+                                </p:cTn>
+                              </p:par>
+                              <p:par>
+                                <p:cTn id="10" presetID="47" presetClass="entr" presetSubtype="0" fill="hold" grpId="0" nodeType="withEffect">
+                                  <p:stCondLst>
+                                    <p:cond delay="0"/>
+                                  </p:stCondLst>
+                                  <p:childTnLst>
+                                    <p:set>
+                                      <p:cBhvr>
+                                        <p:cTn id="11" dur="1" fill="hold">
+                                          <p:stCondLst>
+                                            <p:cond delay="0"/>
+                                          </p:stCondLst>
+                                        </p:cTn>
+                                        <p:tgtEl>
+                                          <p:spTgt spid="5"/>
+                                        </p:tgtEl>
+                                        <p:attrNameLst>
+                                          <p:attrName>style.visibility</p:attrName>
+                                        </p:attrNameLst>
+                                      </p:cBhvr>
+                                      <p:to>
+                                        <p:strVal val="visible"/>
+                                      </p:to>
+                                    </p:set>
+                                    <p:animEffect transition="in" filter="fade">
+                                      <p:cBhvr>
+                                        <p:cTn id="12" dur="1000"/>
+                                        <p:tgtEl>
+                                          <p:spTgt spid="5"/>
+                                        </p:tgtEl>
+                                      </p:cBhvr>
+                                    </p:animEffect>
+                                    <p:anim calcmode="lin" valueType="num">
+                                      <p:cBhvr>
+                                        <p:cTn id="13" dur="1000" fill="hold"/>
+                                        <p:tgtEl>
+                                          <p:spTgt spid="5"/>
+                                        </p:tgtEl>
+                                        <p:attrNameLst>
+                                          <p:attrName>ppt_x</p:attrName>
+                                        </p:attrNameLst>
+                                      </p:cBhvr>
+                                      <p:tavLst>
+                                        <p:tav tm="0">
+                                          <p:val>
+                                            <p:strVal val="#ppt_x"/>
+                                          </p:val>
+                                        </p:tav>
+                                        <p:tav tm="100000">
+                                          <p:val>
+                                            <p:strVal val="#ppt_x"/>
+                                          </p:val>
+                                        </p:tav>
+                                      </p:tavLst>
+                                    </p:anim>
+                                    <p:anim calcmode="lin" valueType="num">
+                                      <p:cBhvr>
+                                        <p:cTn id="14" dur="1000" fill="hold"/>
+                                        <p:tgtEl>
+                                          <p:spTgt spid="5"/>
+                                        </p:tgtEl>
+                                        <p:attrNameLst>
+                                          <p:attrName>ppt_y</p:attrName>
+                                        </p:attrNameLst>
+                                      </p:cBhvr>
+                                      <p:tavLst>
+                                        <p:tav tm="0">
+                                          <p:val>
+                                            <p:strVal val="#ppt_y-.1"/>
+                                          </p:val>
+                                        </p:tav>
+                                        <p:tav tm="100000">
+                                          <p:val>
+                                            <p:strVal val="#ppt_y"/>
+                                          </p:val>
+                                        </p:tav>
+                                      </p:tavLst>
+                                    </p:anim>
+                                  </p:childTnLst>
+                                </p:cTn>
+                              </p:par>
+                              <p:par>
+                                <p:cTn id="15" presetID="47" presetClass="entr" presetSubtype="0" fill="hold" grpId="0" nodeType="withEffect">
+                                  <p:stCondLst>
+                                    <p:cond delay="0"/>
+                                  </p:stCondLst>
+                                  <p:childTnLst>
+                                    <p:set>
+                                      <p:cBhvr>
+                                        <p:cTn id="16" dur="1" fill="hold">
+                                          <p:stCondLst>
+                                            <p:cond delay="0"/>
+                                          </p:stCondLst>
+                                        </p:cTn>
+                                        <p:tgtEl>
+                                          <p:spTgt spid="6"/>
+                                        </p:tgtEl>
+                                        <p:attrNameLst>
+                                          <p:attrName>style.visibility</p:attrName>
+                                        </p:attrNameLst>
+                                      </p:cBhvr>
+                                      <p:to>
+                                        <p:strVal val="visible"/>
+                                      </p:to>
+                                    </p:set>
+                                    <p:animEffect transition="in" filter="fade">
+                                      <p:cBhvr>
+                                        <p:cTn id="17" dur="1000"/>
+                                        <p:tgtEl>
+                                          <p:spTgt spid="6"/>
+                                        </p:tgtEl>
+                                      </p:cBhvr>
+                                    </p:animEffect>
+                                    <p:anim calcmode="lin" valueType="num">
+                                      <p:cBhvr>
+                                        <p:cTn id="18" dur="1000" fill="hold"/>
+                                        <p:tgtEl>
+                                          <p:spTgt spid="6"/>
+                                        </p:tgtEl>
+                                        <p:attrNameLst>
+                                          <p:attrName>ppt_x</p:attrName>
+                                        </p:attrNameLst>
+                                      </p:cBhvr>
+                                      <p:tavLst>
+                                        <p:tav tm="0">
+                                          <p:val>
+                                            <p:strVal val="#ppt_x"/>
+                                          </p:val>
+                                        </p:tav>
+                                        <p:tav tm="100000">
+                                          <p:val>
+                                            <p:strVal val="#ppt_x"/>
+                                          </p:val>
+                                        </p:tav>
+                                      </p:tavLst>
+                                    </p:anim>
+                                    <p:anim calcmode="lin" valueType="num">
+                                      <p:cBhvr>
+                                        <p:cTn id="19" dur="1000" fill="hold"/>
+                                        <p:tgtEl>
+                                          <p:spTgt spid="6"/>
+                                        </p:tgtEl>
+                                        <p:attrNameLst>
+                                          <p:attrName>ppt_y</p:attrName>
+                                        </p:attrNameLst>
+                                      </p:cBhvr>
+                                      <p:tavLst>
+                                        <p:tav tm="0">
+                                          <p:val>
+                                            <p:strVal val="#ppt_y-.1"/>
+                                          </p:val>
+                                        </p:tav>
+                                        <p:tav tm="100000">
+                                          <p:val>
+                                            <p:strVal val="#ppt_y"/>
+                                          </p:val>
+                                        </p:tav>
+                                      </p:tavLst>
+                                    </p:anim>
+                                  </p:childTnLst>
+                                </p:cTn>
+                              </p:par>
+                              <p:par>
+                                <p:cTn id="20" presetID="47" presetClass="entr" presetSubtype="0" fill="hold" nodeType="withEffect">
+                                  <p:stCondLst>
+                                    <p:cond delay="0"/>
+                                  </p:stCondLst>
+                                  <p:childTnLst>
+                                    <p:set>
+                                      <p:cBhvr>
+                                        <p:cTn id="21" dur="1" fill="hold">
+                                          <p:stCondLst>
+                                            <p:cond delay="0"/>
+                                          </p:stCondLst>
+                                        </p:cTn>
+                                        <p:tgtEl>
+                                          <p:spTgt spid="7"/>
+                                        </p:tgtEl>
+                                        <p:attrNameLst>
+                                          <p:attrName>style.visibility</p:attrName>
+                                        </p:attrNameLst>
+                                      </p:cBhvr>
+                                      <p:to>
+                                        <p:strVal val="visible"/>
+                                      </p:to>
+                                    </p:set>
+                                    <p:animEffect transition="in" filter="fade">
+                                      <p:cBhvr>
+                                        <p:cTn id="22" dur="1000"/>
+                                        <p:tgtEl>
+                                          <p:spTgt spid="7"/>
+                                        </p:tgtEl>
+                                      </p:cBhvr>
+                                    </p:animEffect>
+                                    <p:anim calcmode="lin" valueType="num">
+                                      <p:cBhvr>
+                                        <p:cTn id="23" dur="1000" fill="hold"/>
+                                        <p:tgtEl>
+                                          <p:spTgt spid="7"/>
+                                        </p:tgtEl>
+                                        <p:attrNameLst>
+                                          <p:attrName>ppt_x</p:attrName>
+                                        </p:attrNameLst>
+                                      </p:cBhvr>
+                                      <p:tavLst>
+                                        <p:tav tm="0">
+                                          <p:val>
+                                            <p:strVal val="#ppt_x"/>
+                                          </p:val>
+                                        </p:tav>
+                                        <p:tav tm="100000">
+                                          <p:val>
+                                            <p:strVal val="#ppt_x"/>
+                                          </p:val>
+                                        </p:tav>
+                                      </p:tavLst>
+                                    </p:anim>
+                                    <p:anim calcmode="lin" valueType="num">
+                                      <p:cBhvr>
+                                        <p:cTn id="24" dur="1000" fill="hold"/>
+                                        <p:tgtEl>
+                                          <p:spTgt spid="7"/>
+                                        </p:tgtEl>
+                                        <p:attrNameLst>
+                                          <p:attrName>ppt_y</p:attrName>
+                                        </p:attrNameLst>
+                                      </p:cBhvr>
+                                      <p:tavLst>
+                                        <p:tav tm="0">
+                                          <p:val>
+                                            <p:strVal val="#ppt_y-.1"/>
+                                          </p:val>
+                                        </p:tav>
+                                        <p:tav tm="100000">
+                                          <p:val>
+                                            <p:strVal val="#ppt_y"/>
+                                          </p:val>
+                                        </p:tav>
+                                      </p:tavLst>
+                                    </p:anim>
+                                  </p:childTnLst>
+                                </p:cTn>
+                              </p:par>
+                              <p:par>
+                                <p:cTn id="25" presetID="47" presetClass="entr" presetSubtype="0" fill="hold" grpId="0" nodeType="withEffect">
+                                  <p:stCondLst>
+                                    <p:cond delay="0"/>
+                                  </p:stCondLst>
+                                  <p:childTnLst>
+                                    <p:set>
+                                      <p:cBhvr>
+                                        <p:cTn id="26" dur="1" fill="hold">
+                                          <p:stCondLst>
+                                            <p:cond delay="0"/>
+                                          </p:stCondLst>
+                                        </p:cTn>
+                                        <p:tgtEl>
+                                          <p:spTgt spid="16"/>
+                                        </p:tgtEl>
+                                        <p:attrNameLst>
+                                          <p:attrName>style.visibility</p:attrName>
+                                        </p:attrNameLst>
+                                      </p:cBhvr>
+                                      <p:to>
+                                        <p:strVal val="visible"/>
+                                      </p:to>
+                                    </p:set>
+                                    <p:animEffect transition="in" filter="fade">
+                                      <p:cBhvr>
+                                        <p:cTn id="27" dur="1000"/>
+                                        <p:tgtEl>
+                                          <p:spTgt spid="16"/>
+                                        </p:tgtEl>
+                                      </p:cBhvr>
+                                    </p:animEffect>
+                                    <p:anim calcmode="lin" valueType="num">
+                                      <p:cBhvr>
+                                        <p:cTn id="28" dur="1000" fill="hold"/>
+                                        <p:tgtEl>
+                                          <p:spTgt spid="16"/>
+                                        </p:tgtEl>
+                                        <p:attrNameLst>
+                                          <p:attrName>ppt_x</p:attrName>
+                                        </p:attrNameLst>
+                                      </p:cBhvr>
+                                      <p:tavLst>
+                                        <p:tav tm="0">
+                                          <p:val>
+                                            <p:strVal val="#ppt_x"/>
+                                          </p:val>
+                                        </p:tav>
+                                        <p:tav tm="100000">
+                                          <p:val>
+                                            <p:strVal val="#ppt_x"/>
+                                          </p:val>
+                                        </p:tav>
+                                      </p:tavLst>
+                                    </p:anim>
+                                    <p:anim calcmode="lin" valueType="num">
+                                      <p:cBhvr>
+                                        <p:cTn id="29" dur="1000" fill="hold"/>
+                                        <p:tgtEl>
+                                          <p:spTgt spid="16"/>
+                                        </p:tgtEl>
+                                        <p:attrNameLst>
+                                          <p:attrName>ppt_y</p:attrName>
+                                        </p:attrNameLst>
+                                      </p:cBhvr>
+                                      <p:tavLst>
+                                        <p:tav tm="0">
+                                          <p:val>
+                                            <p:strVal val="#ppt_y-.1"/>
+                                          </p:val>
+                                        </p:tav>
+                                        <p:tav tm="100000">
+                                          <p:val>
+                                            <p:strVal val="#ppt_y"/>
+                                          </p:val>
+                                        </p:tav>
+                                      </p:tavLst>
+                                    </p:anim>
+                                  </p:childTnLst>
+                                </p:cTn>
+                              </p:par>
+                              <p:par>
+                                <p:cTn id="30" presetID="47" presetClass="entr" presetSubtype="0" fill="hold" grpId="0" nodeType="withEffect">
+                                  <p:stCondLst>
+                                    <p:cond delay="0"/>
+                                  </p:stCondLst>
+                                  <p:childTnLst>
+                                    <p:set>
+                                      <p:cBhvr>
+                                        <p:cTn id="31" dur="1" fill="hold">
+                                          <p:stCondLst>
+                                            <p:cond delay="0"/>
+                                          </p:stCondLst>
+                                        </p:cTn>
+                                        <p:tgtEl>
+                                          <p:spTgt spid="17"/>
+                                        </p:tgtEl>
+                                        <p:attrNameLst>
+                                          <p:attrName>style.visibility</p:attrName>
+                                        </p:attrNameLst>
+                                      </p:cBhvr>
+                                      <p:to>
+                                        <p:strVal val="visible"/>
+                                      </p:to>
+                                    </p:set>
+                                    <p:animEffect transition="in" filter="fade">
+                                      <p:cBhvr>
+                                        <p:cTn id="32" dur="1000"/>
+                                        <p:tgtEl>
+                                          <p:spTgt spid="17"/>
+                                        </p:tgtEl>
+                                      </p:cBhvr>
+                                    </p:animEffect>
+                                    <p:anim calcmode="lin" valueType="num">
+                                      <p:cBhvr>
+                                        <p:cTn id="33" dur="1000" fill="hold"/>
+                                        <p:tgtEl>
+                                          <p:spTgt spid="17"/>
+                                        </p:tgtEl>
+                                        <p:attrNameLst>
+                                          <p:attrName>ppt_x</p:attrName>
+                                        </p:attrNameLst>
+                                      </p:cBhvr>
+                                      <p:tavLst>
+                                        <p:tav tm="0">
+                                          <p:val>
+                                            <p:strVal val="#ppt_x"/>
+                                          </p:val>
+                                        </p:tav>
+                                        <p:tav tm="100000">
+                                          <p:val>
+                                            <p:strVal val="#ppt_x"/>
+                                          </p:val>
+                                        </p:tav>
+                                      </p:tavLst>
+                                    </p:anim>
+                                    <p:anim calcmode="lin" valueType="num">
+                                      <p:cBhvr>
+                                        <p:cTn id="34" dur="1000" fill="hold"/>
+                                        <p:tgtEl>
+                                          <p:spTgt spid="17"/>
+                                        </p:tgtEl>
+                                        <p:attrNameLst>
+                                          <p:attrName>ppt_y</p:attrName>
+                                        </p:attrNameLst>
+                                      </p:cBhvr>
+                                      <p:tavLst>
+                                        <p:tav tm="0">
+                                          <p:val>
+                                            <p:strVal val="#ppt_y-.1"/>
+                                          </p:val>
+                                        </p:tav>
+                                        <p:tav tm="100000">
+                                          <p:val>
+                                            <p:strVal val="#ppt_y"/>
+                                          </p:val>
+                                        </p:tav>
+                                      </p:tavLst>
+                                    </p:anim>
+                                  </p:childTnLst>
+                                </p:cTn>
+                              </p:par>
+                              <p:par>
+                                <p:cTn id="35" presetID="47" presetClass="entr" presetSubtype="0" fill="hold" grpId="0" nodeType="withEffect">
+                                  <p:stCondLst>
+                                    <p:cond delay="0"/>
+                                  </p:stCondLst>
+                                  <p:childTnLst>
+                                    <p:set>
+                                      <p:cBhvr>
+                                        <p:cTn id="36" dur="1" fill="hold">
+                                          <p:stCondLst>
+                                            <p:cond delay="0"/>
+                                          </p:stCondLst>
+                                        </p:cTn>
+                                        <p:tgtEl>
+                                          <p:spTgt spid="18"/>
+                                        </p:tgtEl>
+                                        <p:attrNameLst>
+                                          <p:attrName>style.visibility</p:attrName>
+                                        </p:attrNameLst>
+                                      </p:cBhvr>
+                                      <p:to>
+                                        <p:strVal val="visible"/>
+                                      </p:to>
+                                    </p:set>
+                                    <p:animEffect transition="in" filter="fade">
+                                      <p:cBhvr>
+                                        <p:cTn id="37" dur="1000"/>
+                                        <p:tgtEl>
+                                          <p:spTgt spid="18"/>
+                                        </p:tgtEl>
+                                      </p:cBhvr>
+                                    </p:animEffect>
+                                    <p:anim calcmode="lin" valueType="num">
+                                      <p:cBhvr>
+                                        <p:cTn id="38" dur="1000" fill="hold"/>
+                                        <p:tgtEl>
+                                          <p:spTgt spid="18"/>
+                                        </p:tgtEl>
+                                        <p:attrNameLst>
+                                          <p:attrName>ppt_x</p:attrName>
+                                        </p:attrNameLst>
+                                      </p:cBhvr>
+                                      <p:tavLst>
+                                        <p:tav tm="0">
+                                          <p:val>
+                                            <p:strVal val="#ppt_x"/>
+                                          </p:val>
+                                        </p:tav>
+                                        <p:tav tm="100000">
+                                          <p:val>
+                                            <p:strVal val="#ppt_x"/>
+                                          </p:val>
+                                        </p:tav>
+                                      </p:tavLst>
+                                    </p:anim>
+                                    <p:anim calcmode="lin" valueType="num">
+                                      <p:cBhvr>
+                                        <p:cTn id="39" dur="1000" fill="hold"/>
+                                        <p:tgtEl>
+                                          <p:spTgt spid="18"/>
+                                        </p:tgtEl>
+                                        <p:attrNameLst>
+                                          <p:attrName>ppt_y</p:attrName>
+                                        </p:attrNameLst>
+                                      </p:cBhvr>
+                                      <p:tavLst>
+                                        <p:tav tm="0">
+                                          <p:val>
+                                            <p:strVal val="#ppt_y-.1"/>
+                                          </p:val>
+                                        </p:tav>
+                                        <p:tav tm="100000">
+                                          <p:val>
+                                            <p:strVal val="#ppt_y"/>
+                                          </p:val>
+                                        </p:tav>
+                                      </p:tavLst>
+                                    </p:anim>
+                                  </p:childTnLst>
+                                </p:cTn>
+                              </p:par>
+                              <p:par>
+                                <p:cTn id="40" presetID="47" presetClass="entr" presetSubtype="0" fill="hold" grpId="0" nodeType="withEffect">
+                                  <p:stCondLst>
+                                    <p:cond delay="0"/>
+                                  </p:stCondLst>
+                                  <p:childTnLst>
+                                    <p:set>
+                                      <p:cBhvr>
+                                        <p:cTn id="41" dur="1" fill="hold">
+                                          <p:stCondLst>
+                                            <p:cond delay="0"/>
+                                          </p:stCondLst>
+                                        </p:cTn>
+                                        <p:tgtEl>
+                                          <p:spTgt spid="19"/>
+                                        </p:tgtEl>
+                                        <p:attrNameLst>
+                                          <p:attrName>style.visibility</p:attrName>
+                                        </p:attrNameLst>
+                                      </p:cBhvr>
+                                      <p:to>
+                                        <p:strVal val="visible"/>
+                                      </p:to>
+                                    </p:set>
+                                    <p:animEffect transition="in" filter="fade">
+                                      <p:cBhvr>
+                                        <p:cTn id="42" dur="1000"/>
+                                        <p:tgtEl>
+                                          <p:spTgt spid="19"/>
+                                        </p:tgtEl>
+                                      </p:cBhvr>
+                                    </p:animEffect>
+                                    <p:anim calcmode="lin" valueType="num">
+                                      <p:cBhvr>
+                                        <p:cTn id="43" dur="1000" fill="hold"/>
+                                        <p:tgtEl>
+                                          <p:spTgt spid="19"/>
+                                        </p:tgtEl>
+                                        <p:attrNameLst>
+                                          <p:attrName>ppt_x</p:attrName>
+                                        </p:attrNameLst>
+                                      </p:cBhvr>
+                                      <p:tavLst>
+                                        <p:tav tm="0">
+                                          <p:val>
+                                            <p:strVal val="#ppt_x"/>
+                                          </p:val>
+                                        </p:tav>
+                                        <p:tav tm="100000">
+                                          <p:val>
+                                            <p:strVal val="#ppt_x"/>
+                                          </p:val>
+                                        </p:tav>
+                                      </p:tavLst>
+                                    </p:anim>
+                                    <p:anim calcmode="lin" valueType="num">
+                                      <p:cBhvr>
+                                        <p:cTn id="44" dur="1000" fill="hold"/>
+                                        <p:tgtEl>
+                                          <p:spTgt spid="19"/>
+                                        </p:tgtEl>
+                                        <p:attrNameLst>
+                                          <p:attrName>ppt_y</p:attrName>
+                                        </p:attrNameLst>
+                                      </p:cBhvr>
+                                      <p:tavLst>
+                                        <p:tav tm="0">
+                                          <p:val>
+                                            <p:strVal val="#ppt_y-.1"/>
+                                          </p:val>
+                                        </p:tav>
+                                        <p:tav tm="100000">
+                                          <p:val>
+                                            <p:strVal val="#ppt_y"/>
+                                          </p:val>
+                                        </p:tav>
+                                      </p:tavLst>
+                                    </p:anim>
+                                  </p:childTnLst>
+                                </p:cTn>
+                              </p:par>
+                              <p:par>
+                                <p:cTn id="45" presetID="47" presetClass="entr" presetSubtype="0" fill="hold" grpId="0" nodeType="withEffect">
+                                  <p:stCondLst>
+                                    <p:cond delay="0"/>
+                                  </p:stCondLst>
+                                  <p:childTnLst>
+                                    <p:set>
+                                      <p:cBhvr>
+                                        <p:cTn id="46" dur="1" fill="hold">
+                                          <p:stCondLst>
+                                            <p:cond delay="0"/>
+                                          </p:stCondLst>
+                                        </p:cTn>
+                                        <p:tgtEl>
+                                          <p:spTgt spid="21"/>
+                                        </p:tgtEl>
+                                        <p:attrNameLst>
+                                          <p:attrName>style.visibility</p:attrName>
+                                        </p:attrNameLst>
+                                      </p:cBhvr>
+                                      <p:to>
+                                        <p:strVal val="visible"/>
+                                      </p:to>
+                                    </p:set>
+                                    <p:animEffect transition="in" filter="fade">
+                                      <p:cBhvr>
+                                        <p:cTn id="47" dur="1000"/>
+                                        <p:tgtEl>
+                                          <p:spTgt spid="21"/>
+                                        </p:tgtEl>
+                                      </p:cBhvr>
+                                    </p:animEffect>
+                                    <p:anim calcmode="lin" valueType="num">
+                                      <p:cBhvr>
+                                        <p:cTn id="48" dur="1000" fill="hold"/>
+                                        <p:tgtEl>
+                                          <p:spTgt spid="21"/>
+                                        </p:tgtEl>
+                                        <p:attrNameLst>
+                                          <p:attrName>ppt_x</p:attrName>
+                                        </p:attrNameLst>
+                                      </p:cBhvr>
+                                      <p:tavLst>
+                                        <p:tav tm="0">
+                                          <p:val>
+                                            <p:strVal val="#ppt_x"/>
+                                          </p:val>
+                                        </p:tav>
+                                        <p:tav tm="100000">
+                                          <p:val>
+                                            <p:strVal val="#ppt_x"/>
+                                          </p:val>
+                                        </p:tav>
+                                      </p:tavLst>
+                                    </p:anim>
+                                    <p:anim calcmode="lin" valueType="num">
+                                      <p:cBhvr>
+                                        <p:cTn id="49" dur="1000" fill="hold"/>
+                                        <p:tgtEl>
+                                          <p:spTgt spid="21"/>
+                                        </p:tgtEl>
+                                        <p:attrNameLst>
+                                          <p:attrName>ppt_y</p:attrName>
+                                        </p:attrNameLst>
+                                      </p:cBhvr>
+                                      <p:tavLst>
+                                        <p:tav tm="0">
+                                          <p:val>
+                                            <p:strVal val="#ppt_y-.1"/>
+                                          </p:val>
+                                        </p:tav>
+                                        <p:tav tm="100000">
+                                          <p:val>
+                                            <p:strVal val="#ppt_y"/>
+                                          </p:val>
+                                        </p:tav>
+                                      </p:tavLst>
+                                    </p:anim>
+                                  </p:childTnLst>
+                                </p:cTn>
+                              </p:par>
+                              <p:par>
+                                <p:cTn id="50" presetID="47" presetClass="entr" presetSubtype="0" fill="hold" grpId="0" nodeType="withEffect">
+                                  <p:stCondLst>
+                                    <p:cond delay="0"/>
+                                  </p:stCondLst>
+                                  <p:childTnLst>
+                                    <p:set>
+                                      <p:cBhvr>
+                                        <p:cTn id="51" dur="1" fill="hold">
+                                          <p:stCondLst>
+                                            <p:cond delay="0"/>
+                                          </p:stCondLst>
+                                        </p:cTn>
+                                        <p:tgtEl>
+                                          <p:spTgt spid="22"/>
+                                        </p:tgtEl>
+                                        <p:attrNameLst>
+                                          <p:attrName>style.visibility</p:attrName>
+                                        </p:attrNameLst>
+                                      </p:cBhvr>
+                                      <p:to>
+                                        <p:strVal val="visible"/>
+                                      </p:to>
+                                    </p:set>
+                                    <p:animEffect transition="in" filter="fade">
+                                      <p:cBhvr>
+                                        <p:cTn id="52" dur="1000"/>
+                                        <p:tgtEl>
+                                          <p:spTgt spid="22"/>
+                                        </p:tgtEl>
+                                      </p:cBhvr>
+                                    </p:animEffect>
+                                    <p:anim calcmode="lin" valueType="num">
+                                      <p:cBhvr>
+                                        <p:cTn id="53" dur="1000" fill="hold"/>
+                                        <p:tgtEl>
+                                          <p:spTgt spid="22"/>
+                                        </p:tgtEl>
+                                        <p:attrNameLst>
+                                          <p:attrName>ppt_x</p:attrName>
+                                        </p:attrNameLst>
+                                      </p:cBhvr>
+                                      <p:tavLst>
+                                        <p:tav tm="0">
+                                          <p:val>
+                                            <p:strVal val="#ppt_x"/>
+                                          </p:val>
+                                        </p:tav>
+                                        <p:tav tm="100000">
+                                          <p:val>
+                                            <p:strVal val="#ppt_x"/>
+                                          </p:val>
+                                        </p:tav>
+                                      </p:tavLst>
+                                    </p:anim>
+                                    <p:anim calcmode="lin" valueType="num">
+                                      <p:cBhvr>
+                                        <p:cTn id="54" dur="1000" fill="hold"/>
+                                        <p:tgtEl>
+                                          <p:spTgt spid="22"/>
+                                        </p:tgtEl>
+                                        <p:attrNameLst>
+                                          <p:attrName>ppt_y</p:attrName>
+                                        </p:attrNameLst>
+                                      </p:cBhvr>
+                                      <p:tavLst>
+                                        <p:tav tm="0">
+                                          <p:val>
+                                            <p:strVal val="#ppt_y-.1"/>
+                                          </p:val>
+                                        </p:tav>
+                                        <p:tav tm="100000">
+                                          <p:val>
+                                            <p:strVal val="#ppt_y"/>
+                                          </p:val>
+                                        </p:tav>
+                                      </p:tavLst>
+                                    </p:anim>
+                                  </p:childTnLst>
+                                </p:cTn>
+                              </p:par>
+                            </p:childTnLst>
+                          </p:cTn>
+                        </p:par>
+                      </p:childTnLst>
+                    </p:cTn>
+                  </p:par>
+                  <p:par>
+                    <p:cTn id="55" fill="hold">
+                      <p:stCondLst>
+                        <p:cond delay="indefinite"/>
+                      </p:stCondLst>
+                      <p:childTnLst>
+                        <p:par>
+                          <p:cTn id="56" fill="hold">
+                            <p:stCondLst>
+                              <p:cond delay="0"/>
+                            </p:stCondLst>
+                            <p:childTnLst>
+                              <p:par>
+                                <p:cTn id="57" presetID="42" presetClass="entr" presetSubtype="0" fill="hold" grpId="0" nodeType="clickEffect">
+                                  <p:stCondLst>
+                                    <p:cond delay="0"/>
+                                  </p:stCondLst>
+                                  <p:childTnLst>
+                                    <p:set>
+                                      <p:cBhvr>
+                                        <p:cTn id="58" dur="1" fill="hold">
                                           <p:stCondLst>
                                             <p:cond delay="0"/>
                                           </p:stCondLst>
@@ -27188,7 +28153,7 @@
                                     </p:set>
                                     <p:animEffect transition="in" filter="fade">
                                       <p:cBhvr>
-                                        <p:cTn id="7" dur="1000"/>
+                                        <p:cTn id="59" dur="1000"/>
                                         <p:tgtEl>
                                           <p:spTgt spid="9"/>
                                         </p:tgtEl>
@@ -27196,7 +28161,7 @@
                                     </p:animEffect>
                                     <p:anim calcmode="lin" valueType="num">
                                       <p:cBhvr>
-                                        <p:cTn id="8" dur="1000" fill="hold"/>
+                                        <p:cTn id="60" dur="1000" fill="hold"/>
                                         <p:tgtEl>
                                           <p:spTgt spid="9"/>
                                         </p:tgtEl>
@@ -27219,7 +28184,7 @@
                                     </p:anim>
                                     <p:anim calcmode="lin" valueType="num">
                                       <p:cBhvr>
-                                        <p:cTn id="9" dur="1000" fill="hold"/>
+                                        <p:cTn id="61" dur="1000" fill="hold"/>
                                         <p:tgtEl>
                                           <p:spTgt spid="9"/>
                                         </p:tgtEl>
@@ -27244,14 +28209,14 @@
                                 </p:cTn>
                               </p:par>
                               <p:par>
-                                <p:cTn id="10" presetID="42" presetClass="entr" presetSubtype="0" fill="hold" grpId="0" nodeType="withEffect">
+                                <p:cTn id="62" presetID="42" presetClass="entr" presetSubtype="0" fill="hold" grpId="0" nodeType="withEffect">
                                   <p:stCondLst>
                                     <p:cond delay="0"/>
                                   </p:stCondLst>
                                   <p:childTnLst>
                                     <p:set>
                                       <p:cBhvr>
-                                        <p:cTn id="11" dur="1" fill="hold">
+                                        <p:cTn id="63" dur="1" fill="hold">
                                           <p:stCondLst>
                                             <p:cond delay="0"/>
                                           </p:stCondLst>
@@ -27269,7 +28234,7 @@
                                     </p:set>
                                     <p:animEffect transition="in" filter="fade">
                                       <p:cBhvr>
-                                        <p:cTn id="12" dur="1000"/>
+                                        <p:cTn id="64" dur="1000"/>
                                         <p:tgtEl>
                                           <p:spTgt spid="10"/>
                                         </p:tgtEl>
@@ -27277,7 +28242,7 @@
                                     </p:animEffect>
                                     <p:anim calcmode="lin" valueType="num">
                                       <p:cBhvr>
-                                        <p:cTn id="13" dur="1000" fill="hold"/>
+                                        <p:cTn id="65" dur="1000" fill="hold"/>
                                         <p:tgtEl>
                                           <p:spTgt spid="10"/>
                                         </p:tgtEl>
@@ -27300,7 +28265,7 @@
                                     </p:anim>
                                     <p:anim calcmode="lin" valueType="num">
                                       <p:cBhvr>
-                                        <p:cTn id="14" dur="1000" fill="hold"/>
+                                        <p:cTn id="66" dur="1000" fill="hold"/>
                                         <p:tgtEl>
                                           <p:spTgt spid="10"/>
                                         </p:tgtEl>
@@ -27331,26 +28296,26 @@
                     </p:cTn>
                   </p:par>
                   <p:par>
-                    <p:cTn id="15" fill="hold">
+                    <p:cTn id="67" fill="hold">
                       <p:stCondLst>
                         <p:cond delay="indefinite"/>
                       </p:stCondLst>
                       <p:childTnLst>
                         <p:par>
-                          <p:cTn id="16" fill="hold">
+                          <p:cTn id="68" fill="hold">
                             <p:stCondLst>
                               <p:cond delay="0"/>
                             </p:stCondLst>
                             <p:childTnLst>
                               <p:par>
-                                <p:cTn id="17" presetID="2" presetClass="entr" presetSubtype="4" fill="hold" grpId="0" nodeType="clickEffect">
+                                <p:cTn id="69" presetID="2" presetClass="entr" presetSubtype="4" fill="hold" grpId="0" nodeType="clickEffect">
                                   <p:stCondLst>
                                     <p:cond delay="0"/>
                                   </p:stCondLst>
                                   <p:childTnLst>
                                     <p:set>
                                       <p:cBhvr>
-                                        <p:cTn id="18" dur="1" fill="hold">
+                                        <p:cTn id="70" dur="1" fill="hold">
                                           <p:stCondLst>
                                             <p:cond delay="0"/>
                                           </p:stCondLst>
@@ -27368,7 +28333,7 @@
                                     </p:set>
                                     <p:anim calcmode="lin" valueType="num">
                                       <p:cBhvr additive="base">
-                                        <p:cTn id="19" dur="500" fill="hold"/>
+                                        <p:cTn id="71" dur="500" fill="hold"/>
                                         <p:tgtEl>
                                           <p:spTgt spid="15"/>
                                         </p:tgtEl>
@@ -27391,7 +28356,7 @@
                                     </p:anim>
                                     <p:anim calcmode="lin" valueType="num">
                                       <p:cBhvr additive="base">
-                                        <p:cTn id="20" dur="500" fill="hold"/>
+                                        <p:cTn id="72" dur="500" fill="hold"/>
                                         <p:tgtEl>
                                           <p:spTgt spid="15"/>
                                         </p:tgtEl>
@@ -27416,14 +28381,14 @@
                                 </p:cTn>
                               </p:par>
                               <p:par>
-                                <p:cTn id="21" presetID="2" presetClass="entr" presetSubtype="4" fill="hold" grpId="0" nodeType="withEffect">
+                                <p:cTn id="73" presetID="2" presetClass="entr" presetSubtype="4" fill="hold" grpId="0" nodeType="withEffect">
                                   <p:stCondLst>
                                     <p:cond delay="0"/>
                                   </p:stCondLst>
                                   <p:childTnLst>
                                     <p:set>
                                       <p:cBhvr>
-                                        <p:cTn id="22" dur="1" fill="hold">
+                                        <p:cTn id="74" dur="1" fill="hold">
                                           <p:stCondLst>
                                             <p:cond delay="0"/>
                                           </p:stCondLst>
@@ -27441,7 +28406,7 @@
                                     </p:set>
                                     <p:anim calcmode="lin" valueType="num">
                                       <p:cBhvr additive="base">
-                                        <p:cTn id="23" dur="500" fill="hold"/>
+                                        <p:cTn id="75" dur="500" fill="hold"/>
                                         <p:tgtEl>
                                           <p:spTgt spid="13"/>
                                         </p:tgtEl>
@@ -27464,7 +28429,7 @@
                                     </p:anim>
                                     <p:anim calcmode="lin" valueType="num">
                                       <p:cBhvr additive="base">
-                                        <p:cTn id="24" dur="500" fill="hold"/>
+                                        <p:cTn id="76" dur="500" fill="hold"/>
                                         <p:tgtEl>
                                           <p:spTgt spid="13"/>
                                         </p:tgtEl>
@@ -27489,14 +28454,14 @@
                                 </p:cTn>
                               </p:par>
                               <p:par>
-                                <p:cTn id="25" presetID="2" presetClass="entr" presetSubtype="4" fill="hold" grpId="0" nodeType="withEffect">
+                                <p:cTn id="77" presetID="2" presetClass="entr" presetSubtype="4" fill="hold" grpId="0" nodeType="withEffect">
                                   <p:stCondLst>
                                     <p:cond delay="0"/>
                                   </p:stCondLst>
                                   <p:childTnLst>
                                     <p:set>
                                       <p:cBhvr>
-                                        <p:cTn id="26" dur="1" fill="hold">
+                                        <p:cTn id="78" dur="1" fill="hold">
                                           <p:stCondLst>
                                             <p:cond delay="0"/>
                                           </p:stCondLst>
@@ -27514,7 +28479,7 @@
                                     </p:set>
                                     <p:anim calcmode="lin" valueType="num">
                                       <p:cBhvr additive="base">
-                                        <p:cTn id="27" dur="500" fill="hold"/>
+                                        <p:cTn id="79" dur="500" fill="hold"/>
                                         <p:tgtEl>
                                           <p:spTgt spid="12"/>
                                         </p:tgtEl>
@@ -27537,7 +28502,7 @@
                                     </p:anim>
                                     <p:anim calcmode="lin" valueType="num">
                                       <p:cBhvr additive="base">
-                                        <p:cTn id="28" dur="500" fill="hold"/>
+                                        <p:cTn id="80" dur="500" fill="hold"/>
                                         <p:tgtEl>
                                           <p:spTgt spid="12"/>
                                         </p:tgtEl>
@@ -27562,14 +28527,14 @@
                                 </p:cTn>
                               </p:par>
                               <p:par>
-                                <p:cTn id="29" presetID="2" presetClass="entr" presetSubtype="4" fill="hold" grpId="0" nodeType="withEffect">
+                                <p:cTn id="81" presetID="2" presetClass="entr" presetSubtype="4" fill="hold" grpId="0" nodeType="withEffect">
                                   <p:stCondLst>
                                     <p:cond delay="0"/>
                                   </p:stCondLst>
                                   <p:childTnLst>
                                     <p:set>
                                       <p:cBhvr>
-                                        <p:cTn id="30" dur="1" fill="hold">
+                                        <p:cTn id="82" dur="1" fill="hold">
                                           <p:stCondLst>
                                             <p:cond delay="0"/>
                                           </p:stCondLst>
@@ -27587,7 +28552,7 @@
                                     </p:set>
                                     <p:anim calcmode="lin" valueType="num">
                                       <p:cBhvr additive="base">
-                                        <p:cTn id="31" dur="500" fill="hold"/>
+                                        <p:cTn id="83" dur="500" fill="hold"/>
                                         <p:tgtEl>
                                           <p:spTgt spid="14"/>
                                         </p:tgtEl>
@@ -27610,7 +28575,7 @@
                                     </p:anim>
                                     <p:anim calcmode="lin" valueType="num">
                                       <p:cBhvr additive="base">
-                                        <p:cTn id="32" dur="500" fill="hold"/>
+                                        <p:cTn id="84" dur="500" fill="hold"/>
                                         <p:tgtEl>
                                           <p:spTgt spid="14"/>
                                         </p:tgtEl>
@@ -27635,14 +28600,14 @@
                                 </p:cTn>
                               </p:par>
                               <p:par>
-                                <p:cTn id="33" presetID="2" presetClass="entr" presetSubtype="4" fill="hold" grpId="0" nodeType="withEffect">
+                                <p:cTn id="85" presetID="2" presetClass="entr" presetSubtype="4" fill="hold" grpId="0" nodeType="withEffect">
                                   <p:stCondLst>
                                     <p:cond delay="0"/>
                                   </p:stCondLst>
                                   <p:childTnLst>
                                     <p:set>
                                       <p:cBhvr>
-                                        <p:cTn id="34" dur="1" fill="hold">
+                                        <p:cTn id="86" dur="1" fill="hold">
                                           <p:stCondLst>
                                             <p:cond delay="0"/>
                                           </p:stCondLst>
@@ -27660,7 +28625,7 @@
                                     </p:set>
                                     <p:anim calcmode="lin" valueType="num">
                                       <p:cBhvr additive="base">
-                                        <p:cTn id="35" dur="500" fill="hold"/>
+                                        <p:cTn id="87" dur="500" fill="hold"/>
                                         <p:tgtEl>
                                           <p:spTgt spid="11"/>
                                         </p:tgtEl>
@@ -27683,7 +28648,7 @@
                                     </p:anim>
                                     <p:anim calcmode="lin" valueType="num">
                                       <p:cBhvr additive="base">
-                                        <p:cTn id="36" dur="500" fill="hold"/>
+                                        <p:cTn id="88" dur="500" fill="hold"/>
                                         <p:tgtEl>
                                           <p:spTgt spid="11"/>
                                         </p:tgtEl>
@@ -27735,6 +28700,9 @@
       </p:par>
     </p:tnLst>
     <p:bldLst>
+      <p:bldP spid="4" grpId="0" animBg="1"/>
+      <p:bldP spid="5" grpId="0" animBg="1"/>
+      <p:bldP spid="6" grpId="0" animBg="1"/>
       <p:bldP spid="9" grpId="0"/>
       <p:bldP spid="10" grpId="0"/>
       <p:bldP spid="11" grpId="0"/>
@@ -27742,6 +28710,12 @@
       <p:bldP spid="13" grpId="0"/>
       <p:bldP spid="14" grpId="0"/>
       <p:bldP spid="15" grpId="0"/>
+      <p:bldP spid="16" grpId="0" animBg="1"/>
+      <p:bldP spid="17" grpId="0" animBg="1"/>
+      <p:bldP spid="18" grpId="0" animBg="1"/>
+      <p:bldP spid="19" grpId="0" animBg="1"/>
+      <p:bldP spid="21" grpId="0" animBg="1"/>
+      <p:bldP spid="22" grpId="0" animBg="1"/>
     </p:bldLst>
   </p:timing>
 </p:sld>
